--- a/Project Presentation.pptx
+++ b/Project Presentation.pptx
@@ -5,7 +5,7 @@
     <p:sldMasterId id="2147483761" r:id="rId1"/>
   </p:sldMasterIdLst>
   <p:notesMasterIdLst>
-    <p:notesMasterId r:id="rId20"/>
+    <p:notesMasterId r:id="rId24"/>
   </p:notesMasterIdLst>
   <p:sldIdLst>
     <p:sldId id="256" r:id="rId2"/>
@@ -13,19 +13,23 @@
     <p:sldId id="257" r:id="rId4"/>
     <p:sldId id="272" r:id="rId5"/>
     <p:sldId id="259" r:id="rId6"/>
-    <p:sldId id="274" r:id="rId7"/>
-    <p:sldId id="273" r:id="rId8"/>
-    <p:sldId id="261" r:id="rId9"/>
-    <p:sldId id="262" r:id="rId10"/>
-    <p:sldId id="263" r:id="rId11"/>
-    <p:sldId id="270" r:id="rId12"/>
-    <p:sldId id="275" r:id="rId13"/>
-    <p:sldId id="264" r:id="rId14"/>
-    <p:sldId id="265" r:id="rId15"/>
-    <p:sldId id="266" r:id="rId16"/>
-    <p:sldId id="269" r:id="rId17"/>
-    <p:sldId id="268" r:id="rId18"/>
-    <p:sldId id="267" r:id="rId19"/>
+    <p:sldId id="280" r:id="rId7"/>
+    <p:sldId id="274" r:id="rId8"/>
+    <p:sldId id="273" r:id="rId9"/>
+    <p:sldId id="261" r:id="rId10"/>
+    <p:sldId id="277" r:id="rId11"/>
+    <p:sldId id="262" r:id="rId12"/>
+    <p:sldId id="276" r:id="rId13"/>
+    <p:sldId id="263" r:id="rId14"/>
+    <p:sldId id="270" r:id="rId15"/>
+    <p:sldId id="275" r:id="rId16"/>
+    <p:sldId id="264" r:id="rId17"/>
+    <p:sldId id="265" r:id="rId18"/>
+    <p:sldId id="266" r:id="rId19"/>
+    <p:sldId id="279" r:id="rId20"/>
+    <p:sldId id="278" r:id="rId21"/>
+    <p:sldId id="268" r:id="rId22"/>
+    <p:sldId id="267" r:id="rId23"/>
   </p:sldIdLst>
   <p:sldSz cx="12192000" cy="6858000"/>
   <p:notesSz cx="6858000" cy="9144000"/>
@@ -124,6 +128,11 @@
       </a:defRPr>
     </a:lvl9pPr>
   </p:defaultTextStyle>
+  <p:extLst>
+    <p:ext uri="{EFAFB233-063F-42B5-8137-9DF3F51BA10A}">
+      <p15:sldGuideLst xmlns:p15="http://schemas.microsoft.com/office/powerpoint/2012/main"/>
+    </p:ext>
+  </p:extLst>
 </p:presentation>
 </file>
 
@@ -209,7 +218,7 @@
           <a:p>
             <a:fld id="{C3FD74BF-9CD9-4A85-A347-CE1D6B3476A9}" type="datetimeFigureOut">
               <a:rPr lang="en-US" smtClean="0"/>
-              <a:t>9/11/2021</a:t>
+              <a:t>16-Sep-21</a:t>
             </a:fld>
             <a:endParaRPr lang="en-US"/>
           </a:p>
@@ -542,7 +551,7 @@
           <a:p>
             <a:fld id="{0F764709-3A98-43CC-BB2F-13275042B660}" type="slidenum">
               <a:rPr lang="en-US" smtClean="0"/>
-              <a:t>7</a:t>
+              <a:t>8</a:t>
             </a:fld>
             <a:endParaRPr lang="en-US"/>
           </a:p>
@@ -787,7 +796,7 @@
           <a:p>
             <a:fld id="{F859EC29-AB51-4235-93D7-D93A9A0D5173}" type="datetimeFigureOut">
               <a:rPr lang="en-US" smtClean="0"/>
-              <a:t>9/10/2021</a:t>
+              <a:t>16-Sep-21</a:t>
             </a:fld>
             <a:endParaRPr lang="en-US"/>
           </a:p>
@@ -995,7 +1004,7 @@
           <a:p>
             <a:fld id="{F859EC29-AB51-4235-93D7-D93A9A0D5173}" type="datetimeFigureOut">
               <a:rPr lang="en-US" smtClean="0"/>
-              <a:t>9/10/2021</a:t>
+              <a:t>16-Sep-21</a:t>
             </a:fld>
             <a:endParaRPr lang="en-US"/>
           </a:p>
@@ -1251,7 +1260,7 @@
           <a:p>
             <a:fld id="{F859EC29-AB51-4235-93D7-D93A9A0D5173}" type="datetimeFigureOut">
               <a:rPr lang="en-US" smtClean="0"/>
-              <a:t>9/10/2021</a:t>
+              <a:t>16-Sep-21</a:t>
             </a:fld>
             <a:endParaRPr lang="en-US"/>
           </a:p>
@@ -1425,7 +1434,7 @@
           <a:p>
             <a:fld id="{F859EC29-AB51-4235-93D7-D93A9A0D5173}" type="datetimeFigureOut">
               <a:rPr lang="en-US" smtClean="0"/>
-              <a:t>9/10/2021</a:t>
+              <a:t>16-Sep-21</a:t>
             </a:fld>
             <a:endParaRPr lang="en-US"/>
           </a:p>
@@ -1768,7 +1777,7 @@
           <a:p>
             <a:fld id="{F859EC29-AB51-4235-93D7-D93A9A0D5173}" type="datetimeFigureOut">
               <a:rPr lang="en-US" smtClean="0"/>
-              <a:t>9/10/2021</a:t>
+              <a:t>16-Sep-21</a:t>
             </a:fld>
             <a:endParaRPr lang="en-US"/>
           </a:p>
@@ -2043,7 +2052,7 @@
           <a:p>
             <a:fld id="{F859EC29-AB51-4235-93D7-D93A9A0D5173}" type="datetimeFigureOut">
               <a:rPr lang="en-US" smtClean="0"/>
-              <a:t>9/10/2021</a:t>
+              <a:t>16-Sep-21</a:t>
             </a:fld>
             <a:endParaRPr lang="en-US"/>
           </a:p>
@@ -2422,7 +2431,7 @@
           <a:p>
             <a:fld id="{F859EC29-AB51-4235-93D7-D93A9A0D5173}" type="datetimeFigureOut">
               <a:rPr lang="en-US" smtClean="0"/>
-              <a:t>9/10/2021</a:t>
+              <a:t>16-Sep-21</a:t>
             </a:fld>
             <a:endParaRPr lang="en-US"/>
           </a:p>
@@ -2540,7 +2549,7 @@
           <a:p>
             <a:fld id="{F859EC29-AB51-4235-93D7-D93A9A0D5173}" type="datetimeFigureOut">
               <a:rPr lang="en-US" smtClean="0"/>
-              <a:t>9/10/2021</a:t>
+              <a:t>16-Sep-21</a:t>
             </a:fld>
             <a:endParaRPr lang="en-US"/>
           </a:p>
@@ -2711,7 +2720,7 @@
           <a:p>
             <a:fld id="{F859EC29-AB51-4235-93D7-D93A9A0D5173}" type="datetimeFigureOut">
               <a:rPr lang="en-US" smtClean="0"/>
-              <a:t>9/10/2021</a:t>
+              <a:t>16-Sep-21</a:t>
             </a:fld>
             <a:endParaRPr lang="en-US"/>
           </a:p>
@@ -3065,7 +3074,7 @@
           <a:p>
             <a:fld id="{F859EC29-AB51-4235-93D7-D93A9A0D5173}" type="datetimeFigureOut">
               <a:rPr lang="en-US" smtClean="0"/>
-              <a:t>9/10/2021</a:t>
+              <a:t>16-Sep-21</a:t>
             </a:fld>
             <a:endParaRPr lang="en-US"/>
           </a:p>
@@ -3447,7 +3456,7 @@
           <a:p>
             <a:fld id="{F859EC29-AB51-4235-93D7-D93A9A0D5173}" type="datetimeFigureOut">
               <a:rPr lang="en-US" smtClean="0"/>
-              <a:t>9/10/2021</a:t>
+              <a:t>16-Sep-21</a:t>
             </a:fld>
             <a:endParaRPr lang="en-US"/>
           </a:p>
@@ -3734,7 +3743,7 @@
           <a:p>
             <a:fld id="{F859EC29-AB51-4235-93D7-D93A9A0D5173}" type="datetimeFigureOut">
               <a:rPr lang="en-US" smtClean="0"/>
-              <a:t>9/10/2021</a:t>
+              <a:t>16-Sep-21</a:t>
             </a:fld>
             <a:endParaRPr lang="en-US"/>
           </a:p>
@@ -4453,7 +4462,7 @@
             <a:pPr algn="l" rtl="0"/>
             <a:r>
               <a:rPr lang="en-US" b="1" dirty="0"/>
-              <a:t>WNNVD – Group Extraction, Aggregation</a:t>
+              <a:t>WNNVD – Preprocessing</a:t>
             </a:r>
           </a:p>
         </p:txBody>
@@ -4477,7 +4486,204 @@
         <p:spPr/>
         <p:txBody>
           <a:bodyPr>
-            <a:normAutofit fontScale="92500" lnSpcReduction="20000"/>
+            <a:normAutofit/>
+          </a:bodyPr>
+          <a:lstStyle/>
+          <a:p>
+            <a:pPr lvl="1" algn="l" rtl="0">
+              <a:lnSpc>
+                <a:spcPct val="160000"/>
+              </a:lnSpc>
+            </a:pPr>
+            <a:r>
+              <a:rPr lang="en-US" sz="2000" dirty="0"/>
+              <a:t>A simple and naïve video denoising, </a:t>
+            </a:r>
+            <a:r>
+              <a:rPr lang="en-US" sz="2000" dirty="0" err="1"/>
+              <a:t>e.g</a:t>
+            </a:r>
+            <a:r>
+              <a:rPr lang="en-US" sz="2000" dirty="0"/>
+              <a:t> Gaussian filter and Median filter.</a:t>
+            </a:r>
+          </a:p>
+          <a:p>
+            <a:pPr lvl="1" algn="l" rtl="0"/>
+            <a:r>
+              <a:rPr lang="en-US" sz="2000" dirty="0"/>
+              <a:t>The purpose of this step is to enhance the performance of the following block matching.</a:t>
+            </a:r>
+          </a:p>
+        </p:txBody>
+      </p:sp>
+      <p:pic>
+        <p:nvPicPr>
+          <p:cNvPr id="4" name="תמונה 3">
+            <a:extLst>
+              <a:ext uri="{FF2B5EF4-FFF2-40B4-BE49-F238E27FC236}">
+                <a16:creationId xmlns:a16="http://schemas.microsoft.com/office/drawing/2014/main" id="{DF793936-0388-4ED2-91FD-69E4A8F76293}"/>
+              </a:ext>
+            </a:extLst>
+          </p:cNvPr>
+          <p:cNvPicPr>
+            <a:picLocks noChangeAspect="1"/>
+          </p:cNvPicPr>
+          <p:nvPr/>
+        </p:nvPicPr>
+        <p:blipFill rotWithShape="1">
+          <a:blip r:embed="rId2"/>
+          <a:srcRect t="8428" b="16603"/>
+          <a:stretch/>
+        </p:blipFill>
+        <p:spPr>
+          <a:xfrm>
+            <a:off x="7344697" y="0"/>
+            <a:ext cx="4847303" cy="612211"/>
+          </a:xfrm>
+          <a:prstGeom prst="rect">
+            <a:avLst/>
+          </a:prstGeom>
+        </p:spPr>
+      </p:pic>
+      <p:sp>
+        <p:nvSpPr>
+          <p:cNvPr id="6" name="מלבן 5">
+            <a:extLst>
+              <a:ext uri="{FF2B5EF4-FFF2-40B4-BE49-F238E27FC236}">
+                <a16:creationId xmlns:a16="http://schemas.microsoft.com/office/drawing/2014/main" id="{18B3A246-CC44-40BB-A181-6811BD5FC365}"/>
+              </a:ext>
+            </a:extLst>
+          </p:cNvPr>
+          <p:cNvSpPr/>
+          <p:nvPr/>
+        </p:nvSpPr>
+        <p:spPr>
+          <a:xfrm>
+            <a:off x="8131278" y="143872"/>
+            <a:ext cx="424016" cy="324465"/>
+          </a:xfrm>
+          <a:prstGeom prst="rect">
+            <a:avLst/>
+          </a:prstGeom>
+          <a:noFill/>
+          <a:ln w="9525" cap="flat" cmpd="sng" algn="ctr">
+            <a:solidFill>
+              <a:schemeClr val="accent6"/>
+            </a:solidFill>
+            <a:prstDash val="solid"/>
+            <a:round/>
+            <a:headEnd type="none" w="med" len="med"/>
+            <a:tailEnd type="none" w="med" len="med"/>
+          </a:ln>
+        </p:spPr>
+        <p:style>
+          <a:lnRef idx="0">
+            <a:scrgbClr r="0" g="0" b="0"/>
+          </a:lnRef>
+          <a:fillRef idx="0">
+            <a:scrgbClr r="0" g="0" b="0"/>
+          </a:fillRef>
+          <a:effectRef idx="0">
+            <a:scrgbClr r="0" g="0" b="0"/>
+          </a:effectRef>
+          <a:fontRef idx="minor">
+            <a:schemeClr val="accent6"/>
+          </a:fontRef>
+        </p:style>
+        <p:txBody>
+          <a:bodyPr rtlCol="0" anchor="ctr"/>
+          <a:lstStyle/>
+          <a:p>
+            <a:pPr algn="ctr"/>
+            <a:endParaRPr lang="en-US"/>
+          </a:p>
+        </p:txBody>
+      </p:sp>
+    </p:spTree>
+    <p:extLst>
+      <p:ext uri="{BB962C8B-B14F-4D97-AF65-F5344CB8AC3E}">
+        <p14:creationId xmlns:p14="http://schemas.microsoft.com/office/powerpoint/2010/main" val="3188144313"/>
+      </p:ext>
+    </p:extLst>
+  </p:cSld>
+  <p:clrMapOvr>
+    <a:masterClrMapping/>
+  </p:clrMapOvr>
+</p:sld>
+</file>
+
+<file path=ppt/slides/slide11.xml><?xml version="1.0" encoding="utf-8"?>
+<p:sld xmlns:a="http://schemas.openxmlformats.org/drawingml/2006/main" xmlns:r="http://schemas.openxmlformats.org/officeDocument/2006/relationships" xmlns:p="http://schemas.openxmlformats.org/presentationml/2006/main">
+  <p:cSld>
+    <p:spTree>
+      <p:nvGrpSpPr>
+        <p:cNvPr id="1" name=""/>
+        <p:cNvGrpSpPr/>
+        <p:nvPr/>
+      </p:nvGrpSpPr>
+      <p:grpSpPr>
+        <a:xfrm>
+          <a:off x="0" y="0"/>
+          <a:ext cx="0" cy="0"/>
+          <a:chOff x="0" y="0"/>
+          <a:chExt cx="0" cy="0"/>
+        </a:xfrm>
+      </p:grpSpPr>
+      <p:sp>
+        <p:nvSpPr>
+          <p:cNvPr id="2" name="כותרת 1">
+            <a:extLst>
+              <a:ext uri="{FF2B5EF4-FFF2-40B4-BE49-F238E27FC236}">
+                <a16:creationId xmlns:a16="http://schemas.microsoft.com/office/drawing/2014/main" id="{640D6196-48DD-4C97-BCF9-62688756F468}"/>
+              </a:ext>
+            </a:extLst>
+          </p:cNvPr>
+          <p:cNvSpPr>
+            <a:spLocks noGrp="1"/>
+          </p:cNvSpPr>
+          <p:nvPr>
+            <p:ph type="title"/>
+          </p:nvPr>
+        </p:nvSpPr>
+        <p:spPr/>
+        <p:txBody>
+          <a:bodyPr/>
+          <a:lstStyle/>
+          <a:p>
+            <a:pPr algn="l" rtl="0"/>
+            <a:r>
+              <a:rPr lang="en-US" b="1" dirty="0"/>
+              <a:t>WNNVD – Block Matching</a:t>
+            </a:r>
+          </a:p>
+        </p:txBody>
+      </p:sp>
+      <p:sp>
+        <p:nvSpPr>
+          <p:cNvPr id="3" name="מציין מיקום תוכן 2">
+            <a:extLst>
+              <a:ext uri="{FF2B5EF4-FFF2-40B4-BE49-F238E27FC236}">
+                <a16:creationId xmlns:a16="http://schemas.microsoft.com/office/drawing/2014/main" id="{5F08C827-38ED-4688-8B59-C48D340F0FEA}"/>
+              </a:ext>
+            </a:extLst>
+          </p:cNvPr>
+          <p:cNvSpPr>
+            <a:spLocks noGrp="1"/>
+          </p:cNvSpPr>
+          <p:nvPr>
+            <p:ph idx="1"/>
+          </p:nvPr>
+        </p:nvSpPr>
+        <p:spPr>
+          <a:xfrm>
+            <a:off x="838200" y="1825625"/>
+            <a:ext cx="10515600" cy="4338870"/>
+          </a:xfrm>
+        </p:spPr>
+        <p:txBody>
+          <a:bodyPr>
+            <a:normAutofit/>
           </a:bodyPr>
           <a:lstStyle/>
           <a:p>
@@ -4485,10 +4691,12 @@
               <a:lnSpc>
                 <a:spcPct val="120000"/>
               </a:lnSpc>
+              <a:buFont typeface="Courier New" panose="02070309020205020404" pitchFamily="49" charset="0"/>
+              <a:buChar char="o"/>
             </a:pPr>
             <a:r>
-              <a:rPr lang="en-US" b="1" dirty="0"/>
-              <a:t>Group Extraction – </a:t>
+              <a:rPr lang="en-US" dirty="0"/>
+              <a:t> The grouping step. Each group will consist of similar patches both spatially and temporally.</a:t>
             </a:r>
           </a:p>
           <a:p>
@@ -4496,10 +4704,65 @@
               <a:lnSpc>
                 <a:spcPct val="120000"/>
               </a:lnSpc>
+              <a:buFont typeface="Courier New" panose="02070309020205020404" pitchFamily="49" charset="0"/>
+              <a:buChar char="o"/>
+            </a:pPr>
+            <a:r>
+              <a:rPr lang="en-US" sz="2000" dirty="0"/>
+              <a:t> Grouping from different frames is done sequentially.</a:t>
+            </a:r>
+          </a:p>
+          <a:p>
+            <a:pPr lvl="2">
+              <a:lnSpc>
+                <a:spcPct val="120000"/>
+              </a:lnSpc>
+              <a:buFont typeface="Courier New" panose="02070309020205020404" pitchFamily="49" charset="0"/>
+              <a:buChar char="o"/>
+            </a:pPr>
+            <a:r>
+              <a:rPr lang="en-US" sz="1600" dirty="0"/>
+              <a:t>A list of reference patches is chosen from a single frame</a:t>
+            </a:r>
+          </a:p>
+          <a:p>
+            <a:pPr lvl="3">
+              <a:lnSpc>
+                <a:spcPct val="120000"/>
+              </a:lnSpc>
+              <a:buFont typeface="Courier New" panose="02070309020205020404" pitchFamily="49" charset="0"/>
+              <a:buChar char="o"/>
+            </a:pPr>
+            <a:r>
+              <a:rPr lang="en-US" sz="1600" dirty="0"/>
+              <a:t>In our case we choose them by grid</a:t>
+            </a:r>
+            <a:endParaRPr lang="en-US" sz="2000" dirty="0"/>
+          </a:p>
+          <a:p>
+            <a:pPr lvl="2" algn="l" rtl="0">
+              <a:lnSpc>
+                <a:spcPct val="120000"/>
+              </a:lnSpc>
+              <a:buFont typeface="Courier New" panose="02070309020205020404" pitchFamily="49" charset="0"/>
+              <a:buChar char="o"/>
+            </a:pPr>
+            <a:r>
+              <a:rPr lang="en-US" sz="1600" dirty="0"/>
+              <a:t>“Past” and “Future” frames handled separately.</a:t>
+            </a:r>
+          </a:p>
+          <a:p>
+            <a:pPr algn="l" rtl="0">
+              <a:lnSpc>
+                <a:spcPct val="120000"/>
+              </a:lnSpc>
+              <a:buFont typeface="Courier New" panose="02070309020205020404" pitchFamily="49" charset="0"/>
+              <a:buChar char="o"/>
             </a:pPr>
             <a:r>
               <a:rPr lang="en-US" dirty="0"/>
-              <a:t>The Block Matching collects list of indices. </a:t>
+              <a:t> Done in 2 steps:</a:t>
             </a:r>
           </a:p>
           <a:p>
@@ -4507,10 +4770,25 @@
               <a:lnSpc>
                 <a:spcPct val="120000"/>
               </a:lnSpc>
+              <a:buFont typeface="Courier New" panose="02070309020205020404" pitchFamily="49" charset="0"/>
+              <a:buChar char="o"/>
+            </a:pPr>
+            <a:r>
+              <a:rPr lang="en-US" sz="1600" b="1" dirty="0"/>
+              <a:t>Non-Predictive Search – </a:t>
+            </a:r>
+          </a:p>
+          <a:p>
+            <a:pPr lvl="2" algn="l" rtl="0">
+              <a:lnSpc>
+                <a:spcPct val="120000"/>
+              </a:lnSpc>
+              <a:buFont typeface="Courier New" panose="02070309020205020404" pitchFamily="49" charset="0"/>
+              <a:buChar char="o"/>
             </a:pPr>
             <a:r>
               <a:rPr lang="en-US" dirty="0"/>
-              <a:t>This function take these indices and creates a new, vectorized, 2-D matrix.</a:t>
+              <a:t>Executed only in the current reference frame.</a:t>
             </a:r>
           </a:p>
           <a:p>
@@ -4518,62 +4796,38 @@
               <a:lnSpc>
                 <a:spcPct val="120000"/>
               </a:lnSpc>
+              <a:buFont typeface="Courier New" panose="02070309020205020404" pitchFamily="49" charset="0"/>
+              <a:buChar char="o"/>
+            </a:pPr>
+            <a:r>
+              <a:rPr lang="en-US" sz="1600" b="1" dirty="0"/>
+              <a:t>Predictive Search – </a:t>
+            </a:r>
+          </a:p>
+          <a:p>
+            <a:pPr lvl="2" algn="l" rtl="0">
+              <a:lnSpc>
+                <a:spcPct val="120000"/>
+              </a:lnSpc>
+              <a:buFont typeface="Courier New" panose="02070309020205020404" pitchFamily="49" charset="0"/>
+              <a:buChar char="o"/>
             </a:pPr>
             <a:r>
               <a:rPr lang="en-US" dirty="0"/>
-              <a:t>This done for each reference patch and its matched group.</a:t>
+              <a:t>Executed on the “past” and “future” frames.</a:t>
             </a:r>
           </a:p>
           <a:p>
-            <a:pPr lvl="1" algn="l" rtl="0">
+            <a:pPr lvl="2" algn="l" rtl="0">
               <a:lnSpc>
                 <a:spcPct val="120000"/>
               </a:lnSpc>
+              <a:buFont typeface="Courier New" panose="02070309020205020404" pitchFamily="49" charset="0"/>
+              <a:buChar char="o"/>
             </a:pPr>
             <a:r>
               <a:rPr lang="en-US" dirty="0"/>
-              <a:t>The vectorized matrix passed to the WNNM.</a:t>
-            </a:r>
-          </a:p>
-          <a:p>
-            <a:pPr lvl="1" algn="l" rtl="0">
-              <a:lnSpc>
-                <a:spcPct val="120000"/>
-              </a:lnSpc>
-            </a:pPr>
-            <a:endParaRPr lang="en-US" dirty="0"/>
-          </a:p>
-          <a:p>
-            <a:pPr algn="l" rtl="0">
-              <a:lnSpc>
-                <a:spcPct val="120000"/>
-              </a:lnSpc>
-            </a:pPr>
-            <a:r>
-              <a:rPr lang="en-US" b="1" dirty="0"/>
-              <a:t>Aggregation – </a:t>
-            </a:r>
-          </a:p>
-          <a:p>
-            <a:pPr lvl="1" algn="l" rtl="0">
-              <a:lnSpc>
-                <a:spcPct val="120000"/>
-              </a:lnSpc>
-            </a:pPr>
-            <a:r>
-              <a:rPr lang="en-US" dirty="0"/>
-              <a:t>The denoised patches (after the WNNM step) are placed back in the denoised video.</a:t>
-            </a:r>
-          </a:p>
-          <a:p>
-            <a:pPr lvl="1" algn="l" rtl="0">
-              <a:lnSpc>
-                <a:spcPct val="120000"/>
-              </a:lnSpc>
-            </a:pPr>
-            <a:r>
-              <a:rPr lang="en-US" dirty="0"/>
-              <a:t>We hold a count, for each pixel, of its appearances in any group for 2 reasons:</a:t>
+              <a:t>Around each similar patch from the previous frame, we open a search window to find a defined number of similar patches.</a:t>
             </a:r>
           </a:p>
           <a:p>
@@ -4582,28 +4836,683 @@
                 <a:spcPct val="120000"/>
               </a:lnSpc>
             </a:pPr>
-            <a:r>
-              <a:rPr lang="en-US" dirty="0"/>
-              <a:t>In the block matching step, we don’t enforce unique  group – so we need to know by how which factor to normalize each pixel’s value after placing back</a:t>
-            </a:r>
-          </a:p>
-          <a:p>
-            <a:pPr lvl="2" algn="l" rtl="0">
-              <a:lnSpc>
-                <a:spcPct val="120000"/>
-              </a:lnSpc>
-            </a:pPr>
-            <a:r>
-              <a:rPr lang="en-US" dirty="0"/>
-              <a:t>Keep track of “denoised” pixels in order to make the later iterations more efficient in time</a:t>
-            </a:r>
-          </a:p>
-          <a:p>
-            <a:pPr lvl="1" algn="l" rtl="0"/>
             <a:endParaRPr lang="en-US" dirty="0"/>
           </a:p>
         </p:txBody>
       </p:sp>
+      <p:pic>
+        <p:nvPicPr>
+          <p:cNvPr id="4" name="תמונה 3">
+            <a:extLst>
+              <a:ext uri="{FF2B5EF4-FFF2-40B4-BE49-F238E27FC236}">
+                <a16:creationId xmlns:a16="http://schemas.microsoft.com/office/drawing/2014/main" id="{A7452707-D67E-4159-9593-F77E958BCBB6}"/>
+              </a:ext>
+            </a:extLst>
+          </p:cNvPr>
+          <p:cNvPicPr>
+            <a:picLocks noChangeAspect="1"/>
+          </p:cNvPicPr>
+          <p:nvPr/>
+        </p:nvPicPr>
+        <p:blipFill rotWithShape="1">
+          <a:blip r:embed="rId2"/>
+          <a:srcRect t="8428" b="16603"/>
+          <a:stretch/>
+        </p:blipFill>
+        <p:spPr>
+          <a:xfrm>
+            <a:off x="7344697" y="0"/>
+            <a:ext cx="4847303" cy="612211"/>
+          </a:xfrm>
+          <a:prstGeom prst="rect">
+            <a:avLst/>
+          </a:prstGeom>
+        </p:spPr>
+      </p:pic>
+      <p:sp>
+        <p:nvSpPr>
+          <p:cNvPr id="5" name="מלבן 4">
+            <a:extLst>
+              <a:ext uri="{FF2B5EF4-FFF2-40B4-BE49-F238E27FC236}">
+                <a16:creationId xmlns:a16="http://schemas.microsoft.com/office/drawing/2014/main" id="{98DB4E8F-E6B7-470A-8E2F-FB5ED2B02072}"/>
+              </a:ext>
+            </a:extLst>
+          </p:cNvPr>
+          <p:cNvSpPr/>
+          <p:nvPr/>
+        </p:nvSpPr>
+        <p:spPr>
+          <a:xfrm>
+            <a:off x="8843261" y="17998"/>
+            <a:ext cx="880841" cy="441121"/>
+          </a:xfrm>
+          <a:prstGeom prst="rect">
+            <a:avLst/>
+          </a:prstGeom>
+          <a:noFill/>
+          <a:ln w="9525" cap="flat" cmpd="sng" algn="ctr">
+            <a:solidFill>
+              <a:schemeClr val="accent6"/>
+            </a:solidFill>
+            <a:prstDash val="solid"/>
+            <a:round/>
+            <a:headEnd type="none" w="med" len="med"/>
+            <a:tailEnd type="none" w="med" len="med"/>
+          </a:ln>
+        </p:spPr>
+        <p:style>
+          <a:lnRef idx="0">
+            <a:scrgbClr r="0" g="0" b="0"/>
+          </a:lnRef>
+          <a:fillRef idx="0">
+            <a:scrgbClr r="0" g="0" b="0"/>
+          </a:fillRef>
+          <a:effectRef idx="0">
+            <a:scrgbClr r="0" g="0" b="0"/>
+          </a:effectRef>
+          <a:fontRef idx="minor">
+            <a:schemeClr val="accent6"/>
+          </a:fontRef>
+        </p:style>
+        <p:txBody>
+          <a:bodyPr rtlCol="0" anchor="ctr"/>
+          <a:lstStyle/>
+          <a:p>
+            <a:pPr algn="ctr"/>
+            <a:endParaRPr lang="en-US"/>
+          </a:p>
+        </p:txBody>
+      </p:sp>
+    </p:spTree>
+    <p:extLst>
+      <p:ext uri="{BB962C8B-B14F-4D97-AF65-F5344CB8AC3E}">
+        <p14:creationId xmlns:p14="http://schemas.microsoft.com/office/powerpoint/2010/main" val="364532457"/>
+      </p:ext>
+    </p:extLst>
+  </p:cSld>
+  <p:clrMapOvr>
+    <a:masterClrMapping/>
+  </p:clrMapOvr>
+</p:sld>
+</file>
+
+<file path=ppt/slides/slide12.xml><?xml version="1.0" encoding="utf-8"?>
+<p:sld xmlns:a="http://schemas.openxmlformats.org/drawingml/2006/main" xmlns:r="http://schemas.openxmlformats.org/officeDocument/2006/relationships" xmlns:p="http://schemas.openxmlformats.org/presentationml/2006/main">
+  <p:cSld>
+    <p:spTree>
+      <p:nvGrpSpPr>
+        <p:cNvPr id="1" name=""/>
+        <p:cNvGrpSpPr/>
+        <p:nvPr/>
+      </p:nvGrpSpPr>
+      <p:grpSpPr>
+        <a:xfrm>
+          <a:off x="0" y="0"/>
+          <a:ext cx="0" cy="0"/>
+          <a:chOff x="0" y="0"/>
+          <a:chExt cx="0" cy="0"/>
+        </a:xfrm>
+      </p:grpSpPr>
+      <p:sp>
+        <p:nvSpPr>
+          <p:cNvPr id="2" name="כותרת 1">
+            <a:extLst>
+              <a:ext uri="{FF2B5EF4-FFF2-40B4-BE49-F238E27FC236}">
+                <a16:creationId xmlns:a16="http://schemas.microsoft.com/office/drawing/2014/main" id="{640D6196-48DD-4C97-BCF9-62688756F468}"/>
+              </a:ext>
+            </a:extLst>
+          </p:cNvPr>
+          <p:cNvSpPr>
+            <a:spLocks noGrp="1"/>
+          </p:cNvSpPr>
+          <p:nvPr>
+            <p:ph type="title"/>
+          </p:nvPr>
+        </p:nvSpPr>
+        <p:spPr/>
+        <p:txBody>
+          <a:bodyPr/>
+          <a:lstStyle/>
+          <a:p>
+            <a:pPr algn="l" rtl="0"/>
+            <a:r>
+              <a:rPr lang="en-US" b="1" dirty="0"/>
+              <a:t>WNNVD – Block Matching (Example)</a:t>
+            </a:r>
+          </a:p>
+        </p:txBody>
+      </p:sp>
+      <p:pic>
+        <p:nvPicPr>
+          <p:cNvPr id="4" name="תמונה 3">
+            <a:extLst>
+              <a:ext uri="{FF2B5EF4-FFF2-40B4-BE49-F238E27FC236}">
+                <a16:creationId xmlns:a16="http://schemas.microsoft.com/office/drawing/2014/main" id="{A7452707-D67E-4159-9593-F77E958BCBB6}"/>
+              </a:ext>
+            </a:extLst>
+          </p:cNvPr>
+          <p:cNvPicPr>
+            <a:picLocks noChangeAspect="1"/>
+          </p:cNvPicPr>
+          <p:nvPr/>
+        </p:nvPicPr>
+        <p:blipFill rotWithShape="1">
+          <a:blip r:embed="rId2"/>
+          <a:srcRect t="8428" b="16603"/>
+          <a:stretch/>
+        </p:blipFill>
+        <p:spPr>
+          <a:xfrm>
+            <a:off x="7344697" y="0"/>
+            <a:ext cx="4847303" cy="612211"/>
+          </a:xfrm>
+          <a:prstGeom prst="rect">
+            <a:avLst/>
+          </a:prstGeom>
+        </p:spPr>
+      </p:pic>
+      <p:sp>
+        <p:nvSpPr>
+          <p:cNvPr id="5" name="מלבן 4">
+            <a:extLst>
+              <a:ext uri="{FF2B5EF4-FFF2-40B4-BE49-F238E27FC236}">
+                <a16:creationId xmlns:a16="http://schemas.microsoft.com/office/drawing/2014/main" id="{98DB4E8F-E6B7-470A-8E2F-FB5ED2B02072}"/>
+              </a:ext>
+            </a:extLst>
+          </p:cNvPr>
+          <p:cNvSpPr/>
+          <p:nvPr/>
+        </p:nvSpPr>
+        <p:spPr>
+          <a:xfrm>
+            <a:off x="8843261" y="17998"/>
+            <a:ext cx="880841" cy="441121"/>
+          </a:xfrm>
+          <a:prstGeom prst="rect">
+            <a:avLst/>
+          </a:prstGeom>
+          <a:noFill/>
+          <a:ln w="9525" cap="flat" cmpd="sng" algn="ctr">
+            <a:solidFill>
+              <a:schemeClr val="accent6"/>
+            </a:solidFill>
+            <a:prstDash val="solid"/>
+            <a:round/>
+            <a:headEnd type="none" w="med" len="med"/>
+            <a:tailEnd type="none" w="med" len="med"/>
+          </a:ln>
+        </p:spPr>
+        <p:style>
+          <a:lnRef idx="0">
+            <a:scrgbClr r="0" g="0" b="0"/>
+          </a:lnRef>
+          <a:fillRef idx="0">
+            <a:scrgbClr r="0" g="0" b="0"/>
+          </a:fillRef>
+          <a:effectRef idx="0">
+            <a:scrgbClr r="0" g="0" b="0"/>
+          </a:effectRef>
+          <a:fontRef idx="minor">
+            <a:schemeClr val="accent6"/>
+          </a:fontRef>
+        </p:style>
+        <p:txBody>
+          <a:bodyPr rtlCol="0" anchor="ctr"/>
+          <a:lstStyle/>
+          <a:p>
+            <a:pPr algn="ctr"/>
+            <a:endParaRPr lang="en-US"/>
+          </a:p>
+        </p:txBody>
+      </p:sp>
+      <p:pic>
+        <p:nvPicPr>
+          <p:cNvPr id="6" name="Picture 3" descr="A picture containing text&#10;&#10;Description automatically generated">
+            <a:extLst>
+              <a:ext uri="{FF2B5EF4-FFF2-40B4-BE49-F238E27FC236}">
+                <a16:creationId xmlns:a16="http://schemas.microsoft.com/office/drawing/2014/main" id="{07F7EA4D-1A6C-42E2-AF56-6577C01CAE01}"/>
+              </a:ext>
+            </a:extLst>
+          </p:cNvPr>
+          <p:cNvPicPr/>
+          <p:nvPr/>
+        </p:nvPicPr>
+        <p:blipFill rotWithShape="1">
+          <a:blip r:embed="rId3"/>
+          <a:srcRect l="4625" t="9753" r="3631" b="11273"/>
+          <a:stretch/>
+        </p:blipFill>
+        <p:spPr>
+          <a:xfrm>
+            <a:off x="1298051" y="2005965"/>
+            <a:ext cx="9595898" cy="2815165"/>
+          </a:xfrm>
+          <a:prstGeom prst="rect">
+            <a:avLst/>
+          </a:prstGeom>
+        </p:spPr>
+      </p:pic>
+      <p:sp>
+        <p:nvSpPr>
+          <p:cNvPr id="9" name="TextBox 8">
+            <a:extLst>
+              <a:ext uri="{FF2B5EF4-FFF2-40B4-BE49-F238E27FC236}">
+                <a16:creationId xmlns:a16="http://schemas.microsoft.com/office/drawing/2014/main" id="{D7127A3E-5693-4C4C-B415-E6438075B283}"/>
+              </a:ext>
+            </a:extLst>
+          </p:cNvPr>
+          <p:cNvSpPr txBox="1"/>
+          <p:nvPr/>
+        </p:nvSpPr>
+        <p:spPr>
+          <a:xfrm>
+            <a:off x="914400" y="4945897"/>
+            <a:ext cx="10241280" cy="1015663"/>
+          </a:xfrm>
+          <a:prstGeom prst="rect">
+            <a:avLst/>
+          </a:prstGeom>
+          <a:noFill/>
+        </p:spPr>
+        <p:txBody>
+          <a:bodyPr wrap="square" rtlCol="0">
+            <a:spAutoFit/>
+          </a:bodyPr>
+          <a:lstStyle/>
+          <a:p>
+            <a:r>
+              <a:rPr lang="en-US" sz="2000" dirty="0">
+                <a:solidFill>
+                  <a:srgbClr val="FF0000"/>
+                </a:solidFill>
+              </a:rPr>
+              <a:t>Red</a:t>
+            </a:r>
+            <a:r>
+              <a:rPr lang="en-US" sz="2000" dirty="0"/>
+              <a:t> – Reference patch.</a:t>
+            </a:r>
+          </a:p>
+          <a:p>
+            <a:r>
+              <a:rPr lang="en-US" sz="2000" dirty="0">
+                <a:solidFill>
+                  <a:srgbClr val="00CC00"/>
+                </a:solidFill>
+              </a:rPr>
+              <a:t>Green</a:t>
+            </a:r>
+            <a:r>
+              <a:rPr lang="en-US" sz="2000" dirty="0"/>
+              <a:t> – Search windows.</a:t>
+            </a:r>
+          </a:p>
+          <a:p>
+            <a:r>
+              <a:rPr lang="en-US" sz="2000" dirty="0">
+                <a:solidFill>
+                  <a:srgbClr val="00B0F0"/>
+                </a:solidFill>
+              </a:rPr>
+              <a:t>Cyan</a:t>
+            </a:r>
+            <a:r>
+              <a:rPr lang="en-US" sz="2000" dirty="0"/>
+              <a:t> – Matched patches.</a:t>
+            </a:r>
+          </a:p>
+        </p:txBody>
+      </p:sp>
+    </p:spTree>
+    <p:extLst>
+      <p:ext uri="{BB962C8B-B14F-4D97-AF65-F5344CB8AC3E}">
+        <p14:creationId xmlns:p14="http://schemas.microsoft.com/office/powerpoint/2010/main" val="3094722024"/>
+      </p:ext>
+    </p:extLst>
+  </p:cSld>
+  <p:clrMapOvr>
+    <a:masterClrMapping/>
+  </p:clrMapOvr>
+</p:sld>
+</file>
+
+<file path=ppt/slides/slide13.xml><?xml version="1.0" encoding="utf-8"?>
+<p:sld xmlns:a="http://schemas.openxmlformats.org/drawingml/2006/main" xmlns:r="http://schemas.openxmlformats.org/officeDocument/2006/relationships" xmlns:p="http://schemas.openxmlformats.org/presentationml/2006/main">
+  <p:cSld>
+    <p:spTree>
+      <p:nvGrpSpPr>
+        <p:cNvPr id="1" name=""/>
+        <p:cNvGrpSpPr/>
+        <p:nvPr/>
+      </p:nvGrpSpPr>
+      <p:grpSpPr>
+        <a:xfrm>
+          <a:off x="0" y="0"/>
+          <a:ext cx="0" cy="0"/>
+          <a:chOff x="0" y="0"/>
+          <a:chExt cx="0" cy="0"/>
+        </a:xfrm>
+      </p:grpSpPr>
+      <p:sp>
+        <p:nvSpPr>
+          <p:cNvPr id="2" name="כותרת 1">
+            <a:extLst>
+              <a:ext uri="{FF2B5EF4-FFF2-40B4-BE49-F238E27FC236}">
+                <a16:creationId xmlns:a16="http://schemas.microsoft.com/office/drawing/2014/main" id="{38E786F6-0820-4C79-B67F-A3C129F1981C}"/>
+              </a:ext>
+            </a:extLst>
+          </p:cNvPr>
+          <p:cNvSpPr>
+            <a:spLocks noGrp="1"/>
+          </p:cNvSpPr>
+          <p:nvPr>
+            <p:ph type="title"/>
+          </p:nvPr>
+        </p:nvSpPr>
+        <p:spPr/>
+        <p:txBody>
+          <a:bodyPr/>
+          <a:lstStyle/>
+          <a:p>
+            <a:pPr algn="l" rtl="0"/>
+            <a:r>
+              <a:rPr lang="en-US" b="1" dirty="0"/>
+              <a:t>WNNVD – Group Extraction, Aggregation</a:t>
+            </a:r>
+          </a:p>
+        </p:txBody>
+      </p:sp>
+      <mc:AlternateContent xmlns:mc="http://schemas.openxmlformats.org/markup-compatibility/2006">
+        <mc:Choice xmlns:a14="http://schemas.microsoft.com/office/drawing/2010/main" Requires="a14">
+          <p:sp>
+            <p:nvSpPr>
+              <p:cNvPr id="3" name="מציין מיקום תוכן 2">
+                <a:extLst>
+                  <a:ext uri="{FF2B5EF4-FFF2-40B4-BE49-F238E27FC236}">
+                    <a16:creationId xmlns:a16="http://schemas.microsoft.com/office/drawing/2014/main" id="{43AC451F-7C3E-46F4-8CD8-12B330E91C4C}"/>
+                  </a:ext>
+                </a:extLst>
+              </p:cNvPr>
+              <p:cNvSpPr>
+                <a:spLocks noGrp="1"/>
+              </p:cNvSpPr>
+              <p:nvPr>
+                <p:ph idx="1"/>
+              </p:nvPr>
+            </p:nvSpPr>
+            <p:spPr>
+              <a:xfrm>
+                <a:off x="1097280" y="1845733"/>
+                <a:ext cx="10058400" cy="4339309"/>
+              </a:xfrm>
+            </p:spPr>
+            <p:txBody>
+              <a:bodyPr>
+                <a:normAutofit fontScale="92500" lnSpcReduction="10000"/>
+              </a:bodyPr>
+              <a:lstStyle/>
+              <a:p>
+                <a:pPr algn="l" rtl="0">
+                  <a:lnSpc>
+                    <a:spcPct val="120000"/>
+                  </a:lnSpc>
+                </a:pPr>
+                <a:r>
+                  <a:rPr lang="en-US" b="1" dirty="0"/>
+                  <a:t>Group Extraction – </a:t>
+                </a:r>
+              </a:p>
+              <a:p>
+                <a:pPr lvl="1" algn="l" rtl="0">
+                  <a:lnSpc>
+                    <a:spcPct val="120000"/>
+                  </a:lnSpc>
+                </a:pPr>
+                <a:r>
+                  <a:rPr lang="en-US" dirty="0"/>
+                  <a:t>The Block Matching collects lists of indices.</a:t>
+                </a:r>
+              </a:p>
+              <a:p>
+                <a:pPr lvl="1" algn="l" rtl="0">
+                  <a:lnSpc>
+                    <a:spcPct val="120000"/>
+                  </a:lnSpc>
+                </a:pPr>
+                <a:r>
+                  <a:rPr lang="en-US" dirty="0"/>
+                  <a:t>Extract each patch of groups according to indices, vectorize them and stack as a 2D matrix </a:t>
+                </a:r>
+                <a14:m>
+                  <m:oMath xmlns:m="http://schemas.openxmlformats.org/officeDocument/2006/math">
+                    <m:r>
+                      <m:rPr>
+                        <m:sty m:val="p"/>
+                      </m:rPr>
+                      <a:rPr lang="en-US" b="0" i="0" smtClean="0">
+                        <a:latin typeface="Cambria Math" panose="02040503050406030204" pitchFamily="18" charset="0"/>
+                      </a:rPr>
+                      <m:t>Y</m:t>
+                    </m:r>
+                    <m:r>
+                      <a:rPr lang="en-US" b="0" i="1" smtClean="0">
+                        <a:latin typeface="Cambria Math" panose="02040503050406030204" pitchFamily="18" charset="0"/>
+                      </a:rPr>
+                      <m:t>∈</m:t>
+                    </m:r>
+                    <m:sSup>
+                      <m:sSupPr>
+                        <m:ctrlPr>
+                          <a:rPr lang="en-US" b="0" i="1" smtClean="0">
+                            <a:latin typeface="Cambria Math" panose="02040503050406030204" pitchFamily="18" charset="0"/>
+                          </a:rPr>
+                        </m:ctrlPr>
+                      </m:sSupPr>
+                      <m:e>
+                        <m:r>
+                          <a:rPr lang="en-US" b="0" i="1" smtClean="0">
+                            <a:latin typeface="Cambria Math" panose="02040503050406030204" pitchFamily="18" charset="0"/>
+                          </a:rPr>
+                          <m:t>ℝ</m:t>
+                        </m:r>
+                      </m:e>
+                      <m:sup>
+                        <m:r>
+                          <a:rPr lang="en-US" b="0" i="1" smtClean="0">
+                            <a:latin typeface="Cambria Math" panose="02040503050406030204" pitchFamily="18" charset="0"/>
+                          </a:rPr>
+                          <m:t>𝐾</m:t>
+                        </m:r>
+                        <m:r>
+                          <a:rPr lang="en-US" b="0" i="1" smtClean="0">
+                            <a:latin typeface="Cambria Math" panose="02040503050406030204" pitchFamily="18" charset="0"/>
+                          </a:rPr>
+                          <m:t>×</m:t>
+                        </m:r>
+                        <m:sSup>
+                          <m:sSupPr>
+                            <m:ctrlPr>
+                              <a:rPr lang="en-US" b="0" i="1" smtClean="0">
+                                <a:latin typeface="Cambria Math" panose="02040503050406030204" pitchFamily="18" charset="0"/>
+                              </a:rPr>
+                            </m:ctrlPr>
+                          </m:sSupPr>
+                          <m:e>
+                            <m:r>
+                              <a:rPr lang="en-US" b="0" i="1" smtClean="0">
+                                <a:latin typeface="Cambria Math" panose="02040503050406030204" pitchFamily="18" charset="0"/>
+                              </a:rPr>
+                              <m:t>𝑝</m:t>
+                            </m:r>
+                          </m:e>
+                          <m:sup>
+                            <m:r>
+                              <a:rPr lang="en-US" b="0" i="1" smtClean="0">
+                                <a:latin typeface="Cambria Math" panose="02040503050406030204" pitchFamily="18" charset="0"/>
+                              </a:rPr>
+                              <m:t>2</m:t>
+                            </m:r>
+                          </m:sup>
+                        </m:sSup>
+                      </m:sup>
+                    </m:sSup>
+                  </m:oMath>
+                </a14:m>
+                <a:r>
+                  <a:rPr lang="en-US" dirty="0"/>
+                  <a:t>.</a:t>
+                </a:r>
+              </a:p>
+              <a:p>
+                <a:pPr lvl="1" algn="l" rtl="0">
+                  <a:lnSpc>
+                    <a:spcPct val="120000"/>
+                  </a:lnSpc>
+                </a:pPr>
+                <a:r>
+                  <a:rPr lang="en-US" dirty="0"/>
+                  <a:t>This is done for each reference patch and its matched group.</a:t>
+                </a:r>
+              </a:p>
+              <a:p>
+                <a:pPr lvl="1" algn="l" rtl="0">
+                  <a:lnSpc>
+                    <a:spcPct val="120000"/>
+                  </a:lnSpc>
+                </a:pPr>
+                <a:r>
+                  <a:rPr lang="en-US" dirty="0"/>
+                  <a:t>The matrix </a:t>
+                </a:r>
+                <a14:m>
+                  <m:oMath xmlns:m="http://schemas.openxmlformats.org/officeDocument/2006/math">
+                    <m:r>
+                      <a:rPr lang="en-US" b="0" i="1" smtClean="0">
+                        <a:latin typeface="Cambria Math" panose="02040503050406030204" pitchFamily="18" charset="0"/>
+                      </a:rPr>
+                      <m:t>𝑌</m:t>
+                    </m:r>
+                  </m:oMath>
+                </a14:m>
+                <a:r>
+                  <a:rPr lang="en-US" dirty="0"/>
+                  <a:t> is passed to the WNNM method.</a:t>
+                </a:r>
+              </a:p>
+              <a:p>
+                <a:pPr lvl="1" algn="l" rtl="0">
+                  <a:lnSpc>
+                    <a:spcPct val="120000"/>
+                  </a:lnSpc>
+                </a:pPr>
+                <a:endParaRPr lang="en-US" dirty="0"/>
+              </a:p>
+              <a:p>
+                <a:pPr algn="l" rtl="0">
+                  <a:lnSpc>
+                    <a:spcPct val="120000"/>
+                  </a:lnSpc>
+                </a:pPr>
+                <a:r>
+                  <a:rPr lang="en-US" b="1" dirty="0"/>
+                  <a:t>Aggregation – </a:t>
+                </a:r>
+              </a:p>
+              <a:p>
+                <a:pPr lvl="1" algn="l" rtl="0">
+                  <a:lnSpc>
+                    <a:spcPct val="120000"/>
+                  </a:lnSpc>
+                </a:pPr>
+                <a:r>
+                  <a:rPr lang="en-US" dirty="0"/>
+                  <a:t>The denoised patches (after the WNNM step) are placed back in their indices.</a:t>
+                </a:r>
+              </a:p>
+              <a:p>
+                <a:pPr lvl="1" algn="l" rtl="0">
+                  <a:lnSpc>
+                    <a:spcPct val="120000"/>
+                  </a:lnSpc>
+                </a:pPr>
+                <a:r>
+                  <a:rPr lang="en-US" dirty="0"/>
+                  <a:t>We hold a count, for each pixel, of its appearances in any group for 2 reasons:</a:t>
+                </a:r>
+              </a:p>
+              <a:p>
+                <a:pPr lvl="2" algn="l" rtl="0">
+                  <a:lnSpc>
+                    <a:spcPct val="120000"/>
+                  </a:lnSpc>
+                </a:pPr>
+                <a:r>
+                  <a:rPr lang="en-US" dirty="0"/>
+                  <a:t>In the block matching step, we don’t enforce unique patches – so we need to normalize each pixel by its count.</a:t>
+                </a:r>
+              </a:p>
+              <a:p>
+                <a:pPr lvl="2" algn="l" rtl="0">
+                  <a:lnSpc>
+                    <a:spcPct val="120000"/>
+                  </a:lnSpc>
+                </a:pPr>
+                <a:r>
+                  <a:rPr lang="en-US" dirty="0"/>
+                  <a:t>Keep track of which pixels were already processed. in order to make the later iterations more time efficient.</a:t>
+                </a:r>
+              </a:p>
+              <a:p>
+                <a:pPr lvl="1" algn="l" rtl="0"/>
+                <a:endParaRPr lang="en-US" dirty="0"/>
+              </a:p>
+            </p:txBody>
+          </p:sp>
+        </mc:Choice>
+        <mc:Fallback>
+          <p:sp>
+            <p:nvSpPr>
+              <p:cNvPr id="3" name="מציין מיקום תוכן 2">
+                <a:extLst>
+                  <a:ext uri="{FF2B5EF4-FFF2-40B4-BE49-F238E27FC236}">
+                    <a16:creationId xmlns:a16="http://schemas.microsoft.com/office/drawing/2014/main" id="{43AC451F-7C3E-46F4-8CD8-12B330E91C4C}"/>
+                  </a:ext>
+                </a:extLst>
+              </p:cNvPr>
+              <p:cNvSpPr>
+                <a:spLocks noGrp="1" noRot="1" noChangeAspect="1" noMove="1" noResize="1" noEditPoints="1" noAdjustHandles="1" noChangeArrowheads="1" noChangeShapeType="1" noTextEdit="1"/>
+              </p:cNvSpPr>
+              <p:nvPr>
+                <p:ph idx="1"/>
+              </p:nvPr>
+            </p:nvSpPr>
+            <p:spPr>
+              <a:xfrm>
+                <a:off x="1097280" y="1845733"/>
+                <a:ext cx="10058400" cy="4339309"/>
+              </a:xfrm>
+              <a:blipFill>
+                <a:blip r:embed="rId2"/>
+                <a:stretch>
+                  <a:fillRect l="-545" t="-421"/>
+                </a:stretch>
+              </a:blipFill>
+            </p:spPr>
+            <p:txBody>
+              <a:bodyPr/>
+              <a:lstStyle/>
+              <a:p>
+                <a:r>
+                  <a:rPr lang="en-US">
+                    <a:noFill/>
+                  </a:rPr>
+                  <a:t> </a:t>
+                </a:r>
+              </a:p>
+            </p:txBody>
+          </p:sp>
+        </mc:Fallback>
+      </mc:AlternateContent>
       <p:pic>
         <p:nvPicPr>
           <p:cNvPr id="6" name="תמונה 5">
@@ -4619,7 +5528,7 @@
           <p:nvPr/>
         </p:nvPicPr>
         <p:blipFill rotWithShape="1">
-          <a:blip r:embed="rId2"/>
+          <a:blip r:embed="rId3"/>
           <a:srcRect t="8428" b="16603"/>
           <a:stretch/>
         </p:blipFill>
@@ -4754,7 +5663,7 @@
 </p:sld>
 </file>
 
-<file path=ppt/slides/slide11.xml><?xml version="1.0" encoding="utf-8"?>
+<file path=ppt/slides/slide14.xml><?xml version="1.0" encoding="utf-8"?>
 <p:sld xmlns:a="http://schemas.openxmlformats.org/drawingml/2006/main" xmlns:r="http://schemas.openxmlformats.org/officeDocument/2006/relationships" xmlns:p="http://schemas.openxmlformats.org/presentationml/2006/main">
   <p:cSld>
     <p:spTree>
@@ -4795,7 +5704,7 @@
             <a:pPr algn="l" rtl="0"/>
             <a:r>
               <a:rPr lang="en-US" b="1" dirty="0"/>
-              <a:t>WNNVD – Preprocessing, WNNM </a:t>
+              <a:t>WNNVD –WNNM </a:t>
             </a:r>
           </a:p>
         </p:txBody>
@@ -4819,18 +5728,18 @@
         <p:spPr/>
         <p:txBody>
           <a:bodyPr>
-            <a:normAutofit lnSpcReduction="10000"/>
+            <a:normAutofit/>
           </a:bodyPr>
           <a:lstStyle/>
           <a:p>
-            <a:pPr algn="l" rtl="0">
+            <a:pPr lvl="1" algn="l" rtl="0">
               <a:lnSpc>
                 <a:spcPct val="160000"/>
               </a:lnSpc>
             </a:pPr>
             <a:r>
-              <a:rPr lang="en-US" b="1" dirty="0"/>
-              <a:t>WNNM – </a:t>
+              <a:rPr lang="en-US" sz="2000" dirty="0"/>
+              <a:t>The denoising step. Based on the mathematical concepts that were presented.</a:t>
             </a:r>
           </a:p>
           <a:p>
@@ -4840,76 +5749,19 @@
               </a:lnSpc>
             </a:pPr>
             <a:r>
-              <a:rPr lang="en-US" dirty="0"/>
-              <a:t>The denoising step. It based on the mathematical concepts that we presented.</a:t>
+              <a:rPr lang="en-US" sz="2000" dirty="0"/>
+              <a:t>Executed similarly to our reference paper - On 2D matrices. </a:t>
             </a:r>
           </a:p>
           <a:p>
-            <a:pPr lvl="1" algn="l" rtl="0">
+            <a:pPr lvl="2">
               <a:lnSpc>
                 <a:spcPct val="160000"/>
               </a:lnSpc>
             </a:pPr>
             <a:r>
-              <a:rPr lang="en-US" dirty="0"/>
-              <a:t>Executed same as in our reference paper - On 2-D vectorized matrices. </a:t>
-            </a:r>
-          </a:p>
-          <a:p>
-            <a:pPr marL="457200" lvl="1" indent="0" algn="l" rtl="0">
-              <a:lnSpc>
-                <a:spcPct val="160000"/>
-              </a:lnSpc>
-              <a:buNone/>
-            </a:pPr>
-            <a:r>
-              <a:rPr lang="en-US" dirty="0"/>
-              <a:t>	Each matrix represent a matched block, where each column is a vectorized patch.</a:t>
-            </a:r>
-          </a:p>
-          <a:p>
-            <a:pPr lvl="1" algn="l" rtl="0">
-              <a:lnSpc>
-                <a:spcPct val="160000"/>
-              </a:lnSpc>
-            </a:pPr>
-            <a:endParaRPr lang="en-US" dirty="0"/>
-          </a:p>
-          <a:p>
-            <a:pPr algn="l" rtl="0">
-              <a:lnSpc>
-                <a:spcPct val="160000"/>
-              </a:lnSpc>
-            </a:pPr>
-            <a:r>
-              <a:rPr lang="en-US" b="1" dirty="0"/>
-              <a:t>Preprocessing – </a:t>
-            </a:r>
-          </a:p>
-          <a:p>
-            <a:pPr lvl="1" algn="l" rtl="0">
-              <a:lnSpc>
-                <a:spcPct val="160000"/>
-              </a:lnSpc>
-            </a:pPr>
-            <a:r>
-              <a:rPr lang="en-US" dirty="0"/>
-              <a:t>A simple and naïve video denoising, </a:t>
-            </a:r>
-            <a:r>
-              <a:rPr lang="en-US" dirty="0" err="1"/>
-              <a:t>e.g</a:t>
-            </a:r>
-            <a:r>
-              <a:rPr lang="en-US" dirty="0"/>
-              <a:t> Gaussian filter and Median filter.</a:t>
-            </a:r>
-          </a:p>
-          <a:p>
-            <a:pPr lvl="1" algn="l" rtl="0"/>
-            <a:r>
-              <a:rPr lang="en-US" dirty="0"/>
-              <a:t>The purpose of this step is to enhance the performance of the following block matching.</a:t>
+              <a:rPr lang="en-US" sz="1800" dirty="0"/>
+              <a:t>Each matrix represents a matched group, where each column is a vectorized patch.</a:t>
             </a:r>
           </a:p>
         </p:txBody>
@@ -4997,60 +5849,6 @@
           </a:p>
         </p:txBody>
       </p:sp>
-      <p:sp>
-        <p:nvSpPr>
-          <p:cNvPr id="6" name="מלבן 5">
-            <a:extLst>
-              <a:ext uri="{FF2B5EF4-FFF2-40B4-BE49-F238E27FC236}">
-                <a16:creationId xmlns:a16="http://schemas.microsoft.com/office/drawing/2014/main" id="{18B3A246-CC44-40BB-A181-6811BD5FC365}"/>
-              </a:ext>
-            </a:extLst>
-          </p:cNvPr>
-          <p:cNvSpPr/>
-          <p:nvPr/>
-        </p:nvSpPr>
-        <p:spPr>
-          <a:xfrm>
-            <a:off x="8131278" y="143872"/>
-            <a:ext cx="424016" cy="324465"/>
-          </a:xfrm>
-          <a:prstGeom prst="rect">
-            <a:avLst/>
-          </a:prstGeom>
-          <a:noFill/>
-          <a:ln w="9525" cap="flat" cmpd="sng" algn="ctr">
-            <a:solidFill>
-              <a:schemeClr val="accent6"/>
-            </a:solidFill>
-            <a:prstDash val="solid"/>
-            <a:round/>
-            <a:headEnd type="none" w="med" len="med"/>
-            <a:tailEnd type="none" w="med" len="med"/>
-          </a:ln>
-        </p:spPr>
-        <p:style>
-          <a:lnRef idx="0">
-            <a:scrgbClr r="0" g="0" b="0"/>
-          </a:lnRef>
-          <a:fillRef idx="0">
-            <a:scrgbClr r="0" g="0" b="0"/>
-          </a:fillRef>
-          <a:effectRef idx="0">
-            <a:scrgbClr r="0" g="0" b="0"/>
-          </a:effectRef>
-          <a:fontRef idx="minor">
-            <a:schemeClr val="accent6"/>
-          </a:fontRef>
-        </p:style>
-        <p:txBody>
-          <a:bodyPr rtlCol="0" anchor="ctr"/>
-          <a:lstStyle/>
-          <a:p>
-            <a:pPr algn="ctr"/>
-            <a:endParaRPr lang="en-US"/>
-          </a:p>
-        </p:txBody>
-      </p:sp>
     </p:spTree>
     <p:extLst>
       <p:ext uri="{BB962C8B-B14F-4D97-AF65-F5344CB8AC3E}">
@@ -5064,7 +5862,7 @@
 </p:sld>
 </file>
 
-<file path=ppt/slides/slide12.xml><?xml version="1.0" encoding="utf-8"?>
+<file path=ppt/slides/slide15.xml><?xml version="1.0" encoding="utf-8"?>
 <p:sld xmlns:a="http://schemas.openxmlformats.org/drawingml/2006/main" xmlns:r="http://schemas.openxmlformats.org/officeDocument/2006/relationships" xmlns:p="http://schemas.openxmlformats.org/presentationml/2006/main">
   <p:cSld>
     <p:spTree>
@@ -5142,7 +5940,7 @@
             </a:pPr>
             <a:r>
               <a:rPr lang="en-US" dirty="0"/>
-              <a:t>We tried to emphasize the temporal data  because of its importance.</a:t>
+              <a:t> We attempted to emphasize the temporal data because of its importance.</a:t>
             </a:r>
           </a:p>
           <a:p>
@@ -5155,7 +5953,7 @@
             </a:pPr>
             <a:r>
               <a:rPr lang="en-US" dirty="0"/>
-              <a:t>As explained in VBM4D, SOTA paper for video denoising</a:t>
+              <a:t>As explained in VBM4D, SOTA paper for video denoising.</a:t>
             </a:r>
           </a:p>
           <a:p>
@@ -5168,7 +5966,7 @@
             </a:pPr>
             <a:r>
               <a:rPr lang="en-US" dirty="0"/>
-              <a:t>The main modification is the “Block Matching” block – </a:t>
+              <a:t> The main modification is the “Block Matching” block – </a:t>
             </a:r>
           </a:p>
           <a:p>
@@ -5181,7 +5979,7 @@
             </a:pPr>
             <a:r>
               <a:rPr lang="en-US" dirty="0"/>
-              <a:t>Instead of grouping patches, we group “trajectories”</a:t>
+              <a:t>Instead of grouping patches, we group “trajectories”.</a:t>
             </a:r>
           </a:p>
           <a:p>
@@ -5194,7 +5992,7 @@
             </a:pPr>
             <a:r>
               <a:rPr lang="en-US" dirty="0"/>
-              <a:t>Trajectory consist of sequence of patches from sequential frames, one from each frame.</a:t>
+              <a:t>Trajectory consists of sequence of patches from sequential frames, one from each frame.</a:t>
             </a:r>
           </a:p>
           <a:p>
@@ -5207,7 +6005,7 @@
             </a:pPr>
             <a:r>
               <a:rPr lang="en-US" dirty="0"/>
-              <a:t>Each trajectory created by harnessing the existing predictive and non-predictive search, more sophisticated ways  considered but would exceed the scope of the project.</a:t>
+              <a:t>Each trajectory is created by harnessing the existing predictive and non-predictive search, more sophisticated ways  were considered but would exceed the scope of the project.</a:t>
             </a:r>
           </a:p>
           <a:p>
@@ -5469,7 +6267,7 @@
 </p:sld>
 </file>
 
-<file path=ppt/slides/slide13.xml><?xml version="1.0" encoding="utf-8"?>
+<file path=ppt/slides/slide16.xml><?xml version="1.0" encoding="utf-8"?>
 <p:sld xmlns:a="http://schemas.openxmlformats.org/drawingml/2006/main" xmlns:r="http://schemas.openxmlformats.org/officeDocument/2006/relationships" xmlns:p="http://schemas.openxmlformats.org/presentationml/2006/main">
   <p:cSld>
     <p:spTree>
@@ -5602,7 +6400,7 @@
 </p:sld>
 </file>
 
-<file path=ppt/slides/slide14.xml><?xml version="1.0" encoding="utf-8"?>
+<file path=ppt/slides/slide17.xml><?xml version="1.0" encoding="utf-8"?>
 <p:sld xmlns:a="http://schemas.openxmlformats.org/drawingml/2006/main" xmlns:r="http://schemas.openxmlformats.org/officeDocument/2006/relationships" xmlns:p="http://schemas.openxmlformats.org/presentationml/2006/main">
   <p:cSld>
     <p:spTree>
@@ -5652,19 +6450,15 @@
       </p:sp>
       <p:pic>
         <p:nvPicPr>
-          <p:cNvPr id="4" name="Picture 14">
+          <p:cNvPr id="8" name="Picture 7">
             <a:extLst>
               <a:ext uri="{FF2B5EF4-FFF2-40B4-BE49-F238E27FC236}">
-                <a16:creationId xmlns:a16="http://schemas.microsoft.com/office/drawing/2014/main" id="{B20DC144-0895-4896-A77A-59BB91CD5FD6}"/>
+                <a16:creationId xmlns:a16="http://schemas.microsoft.com/office/drawing/2014/main" id="{DBFEC696-92DA-4301-8185-5D8C4DF55C64}"/>
               </a:ext>
             </a:extLst>
           </p:cNvPr>
-          <p:cNvPicPr>
-            <a:picLocks noGrp="1"/>
-          </p:cNvPicPr>
-          <p:nvPr>
-            <p:ph idx="1"/>
-          </p:nvPr>
+          <p:cNvPicPr/>
+          <p:nvPr/>
         </p:nvPicPr>
         <p:blipFill>
           <a:blip r:embed="rId2" cstate="print">
@@ -5674,14 +6468,15 @@
               </a:ext>
             </a:extLst>
           </a:blip>
+          <a:srcRect/>
           <a:stretch>
             <a:fillRect/>
           </a:stretch>
         </p:blipFill>
         <p:spPr bwMode="auto">
           <a:xfrm>
-            <a:off x="1882409" y="1846263"/>
-            <a:ext cx="8487507" cy="4022725"/>
+            <a:off x="2080260" y="1980108"/>
+            <a:ext cx="8031480" cy="4174112"/>
           </a:xfrm>
           <a:prstGeom prst="rect">
             <a:avLst/>
@@ -5705,7 +6500,7 @@
 </p:sld>
 </file>
 
-<file path=ppt/slides/slide15.xml><?xml version="1.0" encoding="utf-8"?>
+<file path=ppt/slides/slide18.xml><?xml version="1.0" encoding="utf-8"?>
 <p:sld xmlns:a="http://schemas.openxmlformats.org/drawingml/2006/main" xmlns:r="http://schemas.openxmlformats.org/officeDocument/2006/relationships" xmlns:p="http://schemas.openxmlformats.org/presentationml/2006/main">
   <p:cSld>
     <p:spTree>
@@ -5753,32 +6548,6 @@
           </a:p>
         </p:txBody>
       </p:sp>
-      <p:sp>
-        <p:nvSpPr>
-          <p:cNvPr id="3" name="מציין מיקום תוכן 2">
-            <a:extLst>
-              <a:ext uri="{FF2B5EF4-FFF2-40B4-BE49-F238E27FC236}">
-                <a16:creationId xmlns:a16="http://schemas.microsoft.com/office/drawing/2014/main" id="{D5A77484-C764-449A-9646-1470FDAAED71}"/>
-              </a:ext>
-            </a:extLst>
-          </p:cNvPr>
-          <p:cNvSpPr>
-            <a:spLocks noGrp="1"/>
-          </p:cNvSpPr>
-          <p:nvPr>
-            <p:ph idx="1"/>
-          </p:nvPr>
-        </p:nvSpPr>
-        <p:spPr/>
-        <p:txBody>
-          <a:bodyPr/>
-          <a:lstStyle/>
-          <a:p>
-            <a:pPr algn="l" rtl="0"/>
-            <a:endParaRPr lang="en-US" dirty="0"/>
-          </a:p>
-        </p:txBody>
-      </p:sp>
       <p:pic>
         <p:nvPicPr>
           <p:cNvPr id="4" name="Picture 8" descr="Chart, line chart&#10;&#10;Description automatically generated">
@@ -5799,7 +6568,7 @@
         </p:blipFill>
         <p:spPr>
           <a:xfrm>
-            <a:off x="4208206" y="1825625"/>
+            <a:off x="2457818" y="1846173"/>
             <a:ext cx="7337324" cy="4142556"/>
           </a:xfrm>
           <a:prstGeom prst="rect">
@@ -5820,7 +6589,7 @@
 </p:sld>
 </file>
 
-<file path=ppt/slides/slide16.xml><?xml version="1.0" encoding="utf-8"?>
+<file path=ppt/slides/slide19.xml><?xml version="1.0" encoding="utf-8"?>
 <p:sld xmlns:a="http://schemas.openxmlformats.org/drawingml/2006/main" xmlns:r="http://schemas.openxmlformats.org/officeDocument/2006/relationships" xmlns:p="http://schemas.openxmlformats.org/presentationml/2006/main">
   <p:cSld>
     <p:spTree>
@@ -5853,13 +6622,7 @@
             <p:ph type="title"/>
           </p:nvPr>
         </p:nvSpPr>
-        <p:spPr>
-          <a:ln>
-            <a:solidFill>
-              <a:schemeClr val="bg1"/>
-            </a:solidFill>
-          </a:ln>
-        </p:spPr>
+        <p:spPr/>
         <p:txBody>
           <a:bodyPr>
             <a:normAutofit/>
@@ -5876,10 +6639,10 @@
       </p:sp>
       <p:graphicFrame>
         <p:nvGraphicFramePr>
-          <p:cNvPr id="4" name="מציין מיקום תוכן 3">
+          <p:cNvPr id="6" name="Table 5">
             <a:extLst>
               <a:ext uri="{FF2B5EF4-FFF2-40B4-BE49-F238E27FC236}">
-                <a16:creationId xmlns:a16="http://schemas.microsoft.com/office/drawing/2014/main" id="{2B4A524A-08B9-47CB-AF82-DE8CD8400AD3}"/>
+                <a16:creationId xmlns:a16="http://schemas.microsoft.com/office/drawing/2014/main" id="{ECA64887-388E-4C6D-BA8E-1516E302102B}"/>
               </a:ext>
             </a:extLst>
           </p:cNvPr>
@@ -5887,67 +6650,66 @@
             <a:graphicFrameLocks noGrp="1"/>
           </p:cNvGraphicFramePr>
           <p:nvPr>
-            <p:ph idx="1"/>
             <p:extLst>
               <p:ext uri="{D42A27DB-BD31-4B8C-83A1-F6EECF244321}">
-                <p14:modId xmlns:p14="http://schemas.microsoft.com/office/powerpoint/2010/main" val="79014407"/>
+                <p14:modId xmlns:p14="http://schemas.microsoft.com/office/powerpoint/2010/main" val="2256456044"/>
               </p:ext>
             </p:extLst>
           </p:nvPr>
         </p:nvGraphicFramePr>
         <p:xfrm>
-          <a:off x="8593394" y="0"/>
-          <a:ext cx="3598605" cy="6331951"/>
+          <a:off x="266305" y="2105359"/>
+          <a:ext cx="3577546" cy="3349793"/>
         </p:xfrm>
         <a:graphic>
           <a:graphicData uri="http://schemas.openxmlformats.org/drawingml/2006/table">
             <a:tbl>
               <a:tblPr/>
               <a:tblGrid>
-                <a:gridCol w="589936">
+                <a:gridCol w="664614">
                   <a:extLst>
                     <a:ext uri="{9D8B030D-6E8A-4147-A177-3AD203B41FA5}">
-                      <a16:colId xmlns:a16="http://schemas.microsoft.com/office/drawing/2014/main" val="1854597175"/>
+                      <a16:colId xmlns:a16="http://schemas.microsoft.com/office/drawing/2014/main" val="3677631679"/>
                     </a:ext>
                   </a:extLst>
                 </a:gridCol>
-                <a:gridCol w="613531">
+                <a:gridCol w="692618">
                   <a:extLst>
                     <a:ext uri="{9D8B030D-6E8A-4147-A177-3AD203B41FA5}">
-                      <a16:colId xmlns:a16="http://schemas.microsoft.com/office/drawing/2014/main" val="3302104448"/>
+                      <a16:colId xmlns:a16="http://schemas.microsoft.com/office/drawing/2014/main" val="409266551"/>
                     </a:ext>
                   </a:extLst>
                 </a:gridCol>
-                <a:gridCol w="578135">
+                <a:gridCol w="656677">
                   <a:extLst>
                     <a:ext uri="{9D8B030D-6E8A-4147-A177-3AD203B41FA5}">
-                      <a16:colId xmlns:a16="http://schemas.microsoft.com/office/drawing/2014/main" val="1465888977"/>
+                      <a16:colId xmlns:a16="http://schemas.microsoft.com/office/drawing/2014/main" val="892343397"/>
                     </a:ext>
                   </a:extLst>
                 </a:gridCol>
-                <a:gridCol w="342165">
+                <a:gridCol w="371943">
                   <a:extLst>
                     <a:ext uri="{9D8B030D-6E8A-4147-A177-3AD203B41FA5}">
-                      <a16:colId xmlns:a16="http://schemas.microsoft.com/office/drawing/2014/main" val="4024150241"/>
+                      <a16:colId xmlns:a16="http://schemas.microsoft.com/office/drawing/2014/main" val="3835179805"/>
                     </a:ext>
                   </a:extLst>
                 </a:gridCol>
-                <a:gridCol w="318563">
+                <a:gridCol w="349718">
                   <a:extLst>
                     <a:ext uri="{9D8B030D-6E8A-4147-A177-3AD203B41FA5}">
-                      <a16:colId xmlns:a16="http://schemas.microsoft.com/office/drawing/2014/main" val="4280250505"/>
+                      <a16:colId xmlns:a16="http://schemas.microsoft.com/office/drawing/2014/main" val="4240723465"/>
                     </a:ext>
                   </a:extLst>
                 </a:gridCol>
-                <a:gridCol w="1156275">
+                <a:gridCol w="841976">
                   <a:extLst>
                     <a:ext uri="{9D8B030D-6E8A-4147-A177-3AD203B41FA5}">
-                      <a16:colId xmlns:a16="http://schemas.microsoft.com/office/drawing/2014/main" val="1359082534"/>
+                      <a16:colId xmlns:a16="http://schemas.microsoft.com/office/drawing/2014/main" val="2012469604"/>
                     </a:ext>
                   </a:extLst>
                 </a:gridCol>
               </a:tblGrid>
-              <a:tr h="128278">
+              <a:tr h="173277">
                 <a:tc>
                   <a:txBody>
                     <a:bodyPr/>
@@ -5955,7 +6717,7 @@
                     <a:p>
                       <a:pPr algn="ctr" fontAlgn="ctr"/>
                       <a:r>
-                        <a:rPr lang="en-US" sz="700" b="0" i="0" u="none" strike="noStrike" baseline="0">
+                        <a:rPr lang="en-US" sz="1200" b="0" i="0" u="none" strike="noStrike" baseline="0" dirty="0">
                           <a:effectLst/>
                           <a:latin typeface="Calibri" panose="020F0502020204030204" pitchFamily="34" charset="0"/>
                         </a:rPr>
@@ -6000,6 +6762,11 @@
                       <a:headEnd type="none" w="med" len="med"/>
                       <a:tailEnd type="none" w="med" len="med"/>
                     </a:lnB>
+                    <a:solidFill>
+                      <a:schemeClr val="bg1">
+                        <a:lumMod val="85000"/>
+                      </a:schemeClr>
+                    </a:solidFill>
                   </a:tcPr>
                 </a:tc>
                 <a:tc>
@@ -6009,7 +6776,7 @@
                     <a:p>
                       <a:pPr algn="ctr" fontAlgn="ctr"/>
                       <a:r>
-                        <a:rPr lang="en-US" sz="700" b="0" i="0" u="none" strike="noStrike" baseline="0">
+                        <a:rPr lang="en-US" sz="1200" b="0" i="0" u="none" strike="noStrike" baseline="0" dirty="0">
                           <a:effectLst/>
                           <a:latin typeface="Calibri" panose="020F0502020204030204" pitchFamily="34" charset="0"/>
                         </a:rPr>
@@ -6054,6 +6821,11 @@
                       <a:headEnd type="none" w="med" len="med"/>
                       <a:tailEnd type="none" w="med" len="med"/>
                     </a:lnB>
+                    <a:solidFill>
+                      <a:schemeClr val="bg1">
+                        <a:lumMod val="85000"/>
+                      </a:schemeClr>
+                    </a:solidFill>
                   </a:tcPr>
                 </a:tc>
                 <a:tc>
@@ -6063,7 +6835,7 @@
                     <a:p>
                       <a:pPr algn="ctr" fontAlgn="ctr"/>
                       <a:r>
-                        <a:rPr lang="en-US" sz="700" b="0" i="0" u="none" strike="noStrike" baseline="0">
+                        <a:rPr lang="en-US" sz="1200" b="0" i="0" u="none" strike="noStrike" baseline="0" dirty="0">
                           <a:effectLst/>
                           <a:latin typeface="Calibri" panose="020F0502020204030204" pitchFamily="34" charset="0"/>
                         </a:rPr>
@@ -6108,6 +6880,11 @@
                       <a:headEnd type="none" w="med" len="med"/>
                       <a:tailEnd type="none" w="med" len="med"/>
                     </a:lnB>
+                    <a:solidFill>
+                      <a:schemeClr val="bg1">
+                        <a:lumMod val="85000"/>
+                      </a:schemeClr>
+                    </a:solidFill>
                   </a:tcPr>
                 </a:tc>
                 <a:tc>
@@ -6117,7 +6894,7 @@
                     <a:p>
                       <a:pPr algn="ctr" fontAlgn="ctr"/>
                       <a:r>
-                        <a:rPr lang="en-US" sz="700" b="0" i="0" u="none" strike="noStrike" baseline="0">
+                        <a:rPr lang="en-US" sz="1200" b="0" i="0" u="none" strike="noStrike" baseline="0" dirty="0">
                           <a:effectLst/>
                           <a:latin typeface="Calibri" panose="020F0502020204030204" pitchFamily="34" charset="0"/>
                         </a:rPr>
@@ -6162,6 +6939,11 @@
                       <a:headEnd type="none" w="med" len="med"/>
                       <a:tailEnd type="none" w="med" len="med"/>
                     </a:lnB>
+                    <a:solidFill>
+                      <a:schemeClr val="bg1">
+                        <a:lumMod val="85000"/>
+                      </a:schemeClr>
+                    </a:solidFill>
                   </a:tcPr>
                 </a:tc>
                 <a:tc>
@@ -6171,7 +6953,7 @@
                     <a:p>
                       <a:pPr algn="ctr" fontAlgn="ctr"/>
                       <a:r>
-                        <a:rPr lang="en-US" sz="700" b="0" i="0" u="none" strike="noStrike" baseline="0">
+                        <a:rPr lang="en-US" sz="1200" b="0" i="0" u="none" strike="noStrike" baseline="0" dirty="0">
                           <a:effectLst/>
                           <a:latin typeface="Calibri" panose="020F0502020204030204" pitchFamily="34" charset="0"/>
                         </a:rPr>
@@ -6189,8 +6971,14 @@
                       <a:headEnd type="none" w="med" len="med"/>
                       <a:tailEnd type="none" w="med" len="med"/>
                     </a:lnL>
-                    <a:lnR>
-                      <a:noFill/>
+                    <a:lnR w="6350" cap="flat" cmpd="sng" algn="ctr">
+                      <a:solidFill>
+                        <a:schemeClr val="tx1"/>
+                      </a:solidFill>
+                      <a:prstDash val="solid"/>
+                      <a:round/>
+                      <a:headEnd type="none" w="med" len="med"/>
+                      <a:tailEnd type="none" w="med" len="med"/>
                     </a:lnR>
                     <a:lnT w="12700" cap="flat" cmpd="sng" algn="ctr">
                       <a:solidFill>
@@ -6210,6 +6998,11 @@
                       <a:headEnd type="none" w="med" len="med"/>
                       <a:tailEnd type="none" w="med" len="med"/>
                     </a:lnB>
+                    <a:solidFill>
+                      <a:schemeClr val="bg1">
+                        <a:lumMod val="85000"/>
+                      </a:schemeClr>
+                    </a:solidFill>
                   </a:tcPr>
                 </a:tc>
                 <a:tc>
@@ -6219,7 +7012,7 @@
                     <a:p>
                       <a:pPr algn="ctr" fontAlgn="ctr"/>
                       <a:r>
-                        <a:rPr lang="en-US" sz="700" b="0" i="0" u="none" strike="noStrike" baseline="0">
+                        <a:rPr lang="en-US" sz="1200" b="0" i="0" u="none" strike="noStrike" baseline="0" dirty="0">
                           <a:effectLst/>
                           <a:latin typeface="Calibri" panose="020F0502020204030204" pitchFamily="34" charset="0"/>
                         </a:rPr>
@@ -6228,8 +7021,14 @@
                     </a:p>
                   </a:txBody>
                   <a:tcPr marL="3409" marR="3409" marT="3409" marB="0" anchor="ctr">
-                    <a:lnL>
-                      <a:noFill/>
+                    <a:lnL w="6350" cap="flat" cmpd="sng" algn="ctr">
+                      <a:solidFill>
+                        <a:schemeClr val="tx1"/>
+                      </a:solidFill>
+                      <a:prstDash val="solid"/>
+                      <a:round/>
+                      <a:headEnd type="none" w="med" len="med"/>
+                      <a:tailEnd type="none" w="med" len="med"/>
                     </a:lnL>
                     <a:lnR w="12700" cap="flat" cmpd="sng" algn="ctr">
                       <a:solidFill>
@@ -6258,15 +7057,20 @@
                       <a:headEnd type="none" w="med" len="med"/>
                       <a:tailEnd type="none" w="med" len="med"/>
                     </a:lnB>
+                    <a:solidFill>
+                      <a:schemeClr val="bg1">
+                        <a:lumMod val="85000"/>
+                      </a:schemeClr>
+                    </a:solidFill>
                   </a:tcPr>
                 </a:tc>
                 <a:extLst>
                   <a:ext uri="{0D108BD9-81ED-4DB2-BD59-A6C34878D82A}">
-                    <a16:rowId xmlns:a16="http://schemas.microsoft.com/office/drawing/2014/main" val="478695010"/>
+                    <a16:rowId xmlns:a16="http://schemas.microsoft.com/office/drawing/2014/main" val="1020624739"/>
                   </a:ext>
                 </a:extLst>
               </a:tr>
-              <a:tr h="128278">
+              <a:tr h="170739">
                 <a:tc rowSpan="16">
                   <a:txBody>
                     <a:bodyPr/>
@@ -6274,7 +7078,7 @@
                     <a:p>
                       <a:pPr algn="ctr" fontAlgn="ctr"/>
                       <a:r>
-                        <a:rPr lang="en-US" sz="700" b="0" i="0" u="none" strike="noStrike" baseline="0">
+                        <a:rPr lang="en-US" sz="1200" b="0" i="0" u="none" strike="noStrike" baseline="0" dirty="0">
                           <a:effectLst/>
                           <a:latin typeface="Calibri" panose="020F0502020204030204" pitchFamily="34" charset="0"/>
                         </a:rPr>
@@ -6328,12 +7132,16 @@
                     <a:p>
                       <a:pPr algn="ctr" fontAlgn="ctr"/>
                       <a:r>
-                        <a:rPr lang="en-US" sz="700" b="0" i="0" u="none" strike="noStrike" baseline="0">
+                        <a:rPr lang="en-US" sz="1200" b="0" i="0" u="none" strike="noStrike" baseline="0" dirty="0" err="1">
                           <a:effectLst/>
                           <a:latin typeface="Calibri" panose="020F0502020204030204" pitchFamily="34" charset="0"/>
                         </a:rPr>
                         <a:t>gbicycle</a:t>
                       </a:r>
+                      <a:endParaRPr lang="en-US" sz="1200" b="0" i="0" u="none" strike="noStrike" baseline="0" dirty="0">
+                        <a:effectLst/>
+                        <a:latin typeface="Calibri" panose="020F0502020204030204" pitchFamily="34" charset="0"/>
+                      </a:endParaRPr>
                     </a:p>
                   </a:txBody>
                   <a:tcPr marL="3409" marR="3409" marT="3409" marB="0" anchor="ctr">
@@ -6382,7 +7190,7 @@
                     <a:p>
                       <a:pPr algn="ctr" fontAlgn="ctr"/>
                       <a:r>
-                        <a:rPr lang="en-US" sz="700" b="0" i="0" u="none" strike="noStrike" baseline="0">
+                        <a:rPr lang="en-US" sz="1200" b="0" i="0" u="none" strike="noStrike" baseline="0">
                           <a:effectLst/>
                           <a:latin typeface="Calibri" panose="020F0502020204030204" pitchFamily="34" charset="0"/>
                         </a:rPr>
@@ -6430,7 +7238,7 @@
                     <a:p>
                       <a:pPr algn="ctr" fontAlgn="ctr"/>
                       <a:r>
-                        <a:rPr lang="en-US" sz="700" b="1" i="0" u="none" strike="noStrike" baseline="0">
+                        <a:rPr lang="en-US" sz="1200" b="1" i="0" u="none" strike="noStrike" baseline="0">
                           <a:effectLst/>
                           <a:latin typeface="Calibri" panose="020F0502020204030204" pitchFamily="34" charset="0"/>
                         </a:rPr>
@@ -6478,7 +7286,7 @@
                     <a:p>
                       <a:pPr algn="ctr" fontAlgn="ctr"/>
                       <a:r>
-                        <a:rPr lang="en-US" sz="700" b="1" i="0" u="none" strike="noStrike" baseline="0">
+                        <a:rPr lang="en-US" sz="1200" b="1" i="0" u="none" strike="noStrike" baseline="0">
                           <a:effectLst/>
                           <a:latin typeface="Calibri" panose="020F0502020204030204" pitchFamily="34" charset="0"/>
                         </a:rPr>
@@ -6498,7 +7306,7 @@
                     </a:lnL>
                     <a:lnR w="6350" cap="flat" cmpd="sng" algn="ctr">
                       <a:solidFill>
-                        <a:srgbClr val="000000"/>
+                        <a:schemeClr val="tx1"/>
                       </a:solidFill>
                       <a:prstDash val="solid"/>
                       <a:round/>
@@ -6526,7 +7334,7 @@
                     <a:p>
                       <a:pPr algn="ctr" fontAlgn="ctr"/>
                       <a:r>
-                        <a:rPr lang="en-US" sz="700" b="1" i="0" u="none" strike="noStrike" baseline="0">
+                        <a:rPr lang="en-US" sz="1200" b="1" i="0" u="none" strike="noStrike" baseline="0">
                           <a:effectLst/>
                           <a:latin typeface="Calibri" panose="020F0502020204030204" pitchFamily="34" charset="0"/>
                         </a:rPr>
@@ -6537,7 +7345,7 @@
                   <a:tcPr marL="3409" marR="3409" marT="3409" marB="0" anchor="ctr">
                     <a:lnL w="6350" cap="flat" cmpd="sng" algn="ctr">
                       <a:solidFill>
-                        <a:srgbClr val="000000"/>
+                        <a:schemeClr val="tx1"/>
                       </a:solidFill>
                       <a:prstDash val="solid"/>
                       <a:round/>
@@ -6569,11 +7377,11 @@
                 </a:tc>
                 <a:extLst>
                   <a:ext uri="{0D108BD9-81ED-4DB2-BD59-A6C34878D82A}">
-                    <a16:rowId xmlns:a16="http://schemas.microsoft.com/office/drawing/2014/main" val="325595353"/>
+                    <a16:rowId xmlns:a16="http://schemas.microsoft.com/office/drawing/2014/main" val="2583148272"/>
                   </a:ext>
                 </a:extLst>
               </a:tr>
-              <a:tr h="128278">
+              <a:tr h="170739">
                 <a:tc vMerge="1">
                   <a:txBody>
                     <a:bodyPr/>
@@ -6601,7 +7409,7 @@
                     <a:p>
                       <a:pPr algn="ctr" fontAlgn="ctr"/>
                       <a:r>
-                        <a:rPr lang="en-US" sz="700" b="0" i="0" u="none" strike="noStrike" baseline="0">
+                        <a:rPr lang="en-US" sz="1200" b="0" i="0" u="none" strike="noStrike" baseline="0">
                           <a:effectLst/>
                           <a:latin typeface="Calibri" panose="020F0502020204030204" pitchFamily="34" charset="0"/>
                         </a:rPr>
@@ -6643,7 +7451,7 @@
                     <a:p>
                       <a:pPr algn="ctr" fontAlgn="ctr"/>
                       <a:r>
-                        <a:rPr lang="en-US" sz="700" b="0" i="0" u="none" strike="noStrike" baseline="0">
+                        <a:rPr lang="en-US" sz="1200" b="0" i="0" u="none" strike="noStrike" baseline="0">
                           <a:effectLst/>
                           <a:latin typeface="Calibri" panose="020F0502020204030204" pitchFamily="34" charset="0"/>
                         </a:rPr>
@@ -6685,7 +7493,7 @@
                     <a:p>
                       <a:pPr algn="ctr" fontAlgn="ctr"/>
                       <a:r>
-                        <a:rPr lang="en-US" sz="700" b="1" i="0" u="none" strike="noStrike" baseline="0">
+                        <a:rPr lang="en-US" sz="1200" b="1" i="0" u="none" strike="noStrike" baseline="0">
                           <a:effectLst/>
                           <a:latin typeface="Calibri" panose="020F0502020204030204" pitchFamily="34" charset="0"/>
                         </a:rPr>
@@ -6727,7 +7535,7 @@
                     <a:p>
                       <a:pPr algn="ctr" fontAlgn="ctr"/>
                       <a:r>
-                        <a:rPr lang="en-US" sz="700" b="0" i="0" u="none" strike="noStrike" baseline="0">
+                        <a:rPr lang="en-US" sz="1200" b="0" i="0" u="none" strike="noStrike" baseline="0">
                           <a:effectLst/>
                           <a:latin typeface="Calibri" panose="020F0502020204030204" pitchFamily="34" charset="0"/>
                         </a:rPr>
@@ -6764,11 +7572,11 @@
                 </a:tc>
                 <a:extLst>
                   <a:ext uri="{0D108BD9-81ED-4DB2-BD59-A6C34878D82A}">
-                    <a16:rowId xmlns:a16="http://schemas.microsoft.com/office/drawing/2014/main" val="1956235280"/>
+                    <a16:rowId xmlns:a16="http://schemas.microsoft.com/office/drawing/2014/main" val="3759492771"/>
                   </a:ext>
                 </a:extLst>
               </a:tr>
-              <a:tr h="128278">
+              <a:tr h="170739">
                 <a:tc vMerge="1">
                   <a:txBody>
                     <a:bodyPr/>
@@ -6796,7 +7604,7 @@
                     <a:p>
                       <a:pPr algn="ctr" fontAlgn="ctr"/>
                       <a:r>
-                        <a:rPr lang="en-US" sz="700" b="0" i="0" u="none" strike="noStrike" baseline="0">
+                        <a:rPr lang="en-US" sz="1200" b="0" i="0" u="none" strike="noStrike" baseline="0">
                           <a:effectLst/>
                           <a:latin typeface="Calibri" panose="020F0502020204030204" pitchFamily="34" charset="0"/>
                         </a:rPr>
@@ -6844,7 +7652,7 @@
                     <a:p>
                       <a:pPr algn="ctr" fontAlgn="ctr"/>
                       <a:r>
-                        <a:rPr lang="en-US" sz="700" b="0" i="0" u="none" strike="noStrike" baseline="0">
+                        <a:rPr lang="en-US" sz="1200" b="0" i="0" u="none" strike="noStrike" baseline="0">
                           <a:effectLst/>
                           <a:latin typeface="Calibri" panose="020F0502020204030204" pitchFamily="34" charset="0"/>
                         </a:rPr>
@@ -6892,7 +7700,7 @@
                     <a:p>
                       <a:pPr algn="ctr" fontAlgn="ctr"/>
                       <a:r>
-                        <a:rPr lang="en-US" sz="700" b="1" i="0" u="none" strike="noStrike" baseline="0">
+                        <a:rPr lang="en-US" sz="1200" b="1" i="0" u="none" strike="noStrike" baseline="0">
                           <a:effectLst/>
                           <a:latin typeface="Calibri" panose="020F0502020204030204" pitchFamily="34" charset="0"/>
                         </a:rPr>
@@ -6940,7 +7748,7 @@
                     <a:p>
                       <a:pPr algn="ctr" fontAlgn="ctr"/>
                       <a:r>
-                        <a:rPr lang="en-US" sz="700" b="0" i="0" u="none" strike="noStrike" baseline="0">
+                        <a:rPr lang="en-US" sz="1200" b="0" i="0" u="none" strike="noStrike" baseline="0">
                           <a:effectLst/>
                           <a:latin typeface="Calibri" panose="020F0502020204030204" pitchFamily="34" charset="0"/>
                         </a:rPr>
@@ -6983,11 +7791,11 @@
                 </a:tc>
                 <a:extLst>
                   <a:ext uri="{0D108BD9-81ED-4DB2-BD59-A6C34878D82A}">
-                    <a16:rowId xmlns:a16="http://schemas.microsoft.com/office/drawing/2014/main" val="1006550184"/>
+                    <a16:rowId xmlns:a16="http://schemas.microsoft.com/office/drawing/2014/main" val="578177292"/>
                   </a:ext>
                 </a:extLst>
               </a:tr>
-              <a:tr h="128278">
+              <a:tr h="170739">
                 <a:tc vMerge="1">
                   <a:txBody>
                     <a:bodyPr/>
@@ -7005,12 +7813,16 @@
                     <a:p>
                       <a:pPr algn="ctr" fontAlgn="ctr"/>
                       <a:r>
-                        <a:rPr lang="en-US" sz="700" b="0" i="0" u="none" strike="noStrike" baseline="0">
+                        <a:rPr lang="en-US" sz="1200" b="0" i="0" u="none" strike="noStrike" baseline="0" dirty="0" err="1">
                           <a:effectLst/>
                           <a:latin typeface="Calibri" panose="020F0502020204030204" pitchFamily="34" charset="0"/>
                         </a:rPr>
                         <a:t>gflower</a:t>
                       </a:r>
+                      <a:endParaRPr lang="en-US" sz="1200" b="0" i="0" u="none" strike="noStrike" baseline="0" dirty="0">
+                        <a:effectLst/>
+                        <a:latin typeface="Calibri" panose="020F0502020204030204" pitchFamily="34" charset="0"/>
+                      </a:endParaRPr>
                     </a:p>
                   </a:txBody>
                   <a:tcPr marL="3409" marR="3409" marT="3409" marB="0" anchor="ctr">
@@ -7059,7 +7871,7 @@
                     <a:p>
                       <a:pPr algn="ctr" fontAlgn="ctr"/>
                       <a:r>
-                        <a:rPr lang="en-US" sz="700" b="0" i="0" u="none" strike="noStrike" baseline="0">
+                        <a:rPr lang="en-US" sz="1200" b="0" i="0" u="none" strike="noStrike" baseline="0">
                           <a:effectLst/>
                           <a:latin typeface="Calibri" panose="020F0502020204030204" pitchFamily="34" charset="0"/>
                         </a:rPr>
@@ -7107,7 +7919,7 @@
                     <a:p>
                       <a:pPr algn="ctr" fontAlgn="ctr"/>
                       <a:r>
-                        <a:rPr lang="en-US" sz="700" b="1" i="0" u="none" strike="noStrike" baseline="0">
+                        <a:rPr lang="en-US" sz="1200" b="1" i="0" u="none" strike="noStrike" baseline="0">
                           <a:effectLst/>
                           <a:latin typeface="Calibri" panose="020F0502020204030204" pitchFamily="34" charset="0"/>
                         </a:rPr>
@@ -7155,7 +7967,7 @@
                     <a:p>
                       <a:pPr algn="ctr" fontAlgn="ctr"/>
                       <a:r>
-                        <a:rPr lang="en-US" sz="700" b="1" i="0" u="none" strike="noStrike" baseline="0">
+                        <a:rPr lang="en-US" sz="1200" b="1" i="0" u="none" strike="noStrike" baseline="0">
                           <a:effectLst/>
                           <a:latin typeface="Calibri" panose="020F0502020204030204" pitchFamily="34" charset="0"/>
                         </a:rPr>
@@ -7203,7 +8015,7 @@
                     <a:p>
                       <a:pPr algn="ctr" fontAlgn="ctr"/>
                       <a:r>
-                        <a:rPr lang="en-US" sz="700" b="1" i="0" u="none" strike="noStrike" baseline="0">
+                        <a:rPr lang="en-US" sz="1200" b="1" i="0" u="none" strike="noStrike" baseline="0">
                           <a:effectLst/>
                           <a:latin typeface="Calibri" panose="020F0502020204030204" pitchFamily="34" charset="0"/>
                         </a:rPr>
@@ -7246,11 +8058,11 @@
                 </a:tc>
                 <a:extLst>
                   <a:ext uri="{0D108BD9-81ED-4DB2-BD59-A6C34878D82A}">
-                    <a16:rowId xmlns:a16="http://schemas.microsoft.com/office/drawing/2014/main" val="1004910905"/>
+                    <a16:rowId xmlns:a16="http://schemas.microsoft.com/office/drawing/2014/main" val="831667613"/>
                   </a:ext>
                 </a:extLst>
               </a:tr>
-              <a:tr h="128278">
+              <a:tr h="170739">
                 <a:tc vMerge="1">
                   <a:txBody>
                     <a:bodyPr/>
@@ -7278,7 +8090,7 @@
                     <a:p>
                       <a:pPr algn="ctr" fontAlgn="ctr"/>
                       <a:r>
-                        <a:rPr lang="en-US" sz="700" b="0" i="0" u="none" strike="noStrike" baseline="0">
+                        <a:rPr lang="en-US" sz="1200" b="0" i="0" u="none" strike="noStrike" baseline="0">
                           <a:effectLst/>
                           <a:latin typeface="Calibri" panose="020F0502020204030204" pitchFamily="34" charset="0"/>
                         </a:rPr>
@@ -7320,7 +8132,7 @@
                     <a:p>
                       <a:pPr algn="ctr" fontAlgn="ctr"/>
                       <a:r>
-                        <a:rPr lang="en-US" sz="700" b="0" i="0" u="none" strike="noStrike" baseline="0">
+                        <a:rPr lang="en-US" sz="1200" b="0" i="0" u="none" strike="noStrike" baseline="0">
                           <a:effectLst/>
                           <a:latin typeface="Calibri" panose="020F0502020204030204" pitchFamily="34" charset="0"/>
                         </a:rPr>
@@ -7362,7 +8174,7 @@
                     <a:p>
                       <a:pPr algn="ctr" fontAlgn="ctr"/>
                       <a:r>
-                        <a:rPr lang="en-US" sz="700" b="0" i="0" u="none" strike="noStrike" baseline="0">
+                        <a:rPr lang="en-US" sz="1200" b="0" i="0" u="none" strike="noStrike" baseline="0">
                           <a:effectLst/>
                           <a:latin typeface="Calibri" panose="020F0502020204030204" pitchFamily="34" charset="0"/>
                         </a:rPr>
@@ -7404,7 +8216,7 @@
                     <a:p>
                       <a:pPr algn="ctr" fontAlgn="ctr"/>
                       <a:r>
-                        <a:rPr lang="en-US" sz="700" b="0" i="0" u="none" strike="noStrike" baseline="0">
+                        <a:rPr lang="en-US" sz="1200" b="0" i="0" u="none" strike="noStrike" baseline="0">
                           <a:effectLst/>
                           <a:latin typeface="Calibri" panose="020F0502020204030204" pitchFamily="34" charset="0"/>
                         </a:rPr>
@@ -7441,11 +8253,11 @@
                 </a:tc>
                 <a:extLst>
                   <a:ext uri="{0D108BD9-81ED-4DB2-BD59-A6C34878D82A}">
-                    <a16:rowId xmlns:a16="http://schemas.microsoft.com/office/drawing/2014/main" val="4094016044"/>
+                    <a16:rowId xmlns:a16="http://schemas.microsoft.com/office/drawing/2014/main" val="807886540"/>
                   </a:ext>
                 </a:extLst>
               </a:tr>
-              <a:tr h="128278">
+              <a:tr h="170739">
                 <a:tc vMerge="1">
                   <a:txBody>
                     <a:bodyPr/>
@@ -7473,7 +8285,7 @@
                     <a:p>
                       <a:pPr algn="ctr" fontAlgn="ctr"/>
                       <a:r>
-                        <a:rPr lang="en-US" sz="700" b="0" i="0" u="none" strike="noStrike" baseline="0">
+                        <a:rPr lang="en-US" sz="1200" b="0" i="0" u="none" strike="noStrike" baseline="0">
                           <a:effectLst/>
                           <a:latin typeface="Calibri" panose="020F0502020204030204" pitchFamily="34" charset="0"/>
                         </a:rPr>
@@ -7521,7 +8333,7 @@
                     <a:p>
                       <a:pPr algn="ctr" fontAlgn="ctr"/>
                       <a:r>
-                        <a:rPr lang="en-US" sz="700" b="0" i="0" u="none" strike="noStrike" baseline="0">
+                        <a:rPr lang="en-US" sz="1200" b="0" i="0" u="none" strike="noStrike" baseline="0">
                           <a:effectLst/>
                           <a:latin typeface="Calibri" panose="020F0502020204030204" pitchFamily="34" charset="0"/>
                         </a:rPr>
@@ -7569,7 +8381,7 @@
                     <a:p>
                       <a:pPr algn="ctr" fontAlgn="ctr"/>
                       <a:r>
-                        <a:rPr lang="en-US" sz="700" b="0" i="0" u="none" strike="noStrike" baseline="0">
+                        <a:rPr lang="en-US" sz="1200" b="0" i="0" u="none" strike="noStrike" baseline="0">
                           <a:effectLst/>
                           <a:latin typeface="Calibri" panose="020F0502020204030204" pitchFamily="34" charset="0"/>
                         </a:rPr>
@@ -7617,7 +8429,7 @@
                     <a:p>
                       <a:pPr algn="ctr" fontAlgn="ctr"/>
                       <a:r>
-                        <a:rPr lang="en-US" sz="700" b="0" i="0" u="none" strike="noStrike" baseline="0">
+                        <a:rPr lang="en-US" sz="1200" b="0" i="0" u="none" strike="noStrike" baseline="0">
                           <a:effectLst/>
                           <a:latin typeface="Calibri" panose="020F0502020204030204" pitchFamily="34" charset="0"/>
                         </a:rPr>
@@ -7660,11 +8472,11 @@
                 </a:tc>
                 <a:extLst>
                   <a:ext uri="{0D108BD9-81ED-4DB2-BD59-A6C34878D82A}">
-                    <a16:rowId xmlns:a16="http://schemas.microsoft.com/office/drawing/2014/main" val="222870111"/>
+                    <a16:rowId xmlns:a16="http://schemas.microsoft.com/office/drawing/2014/main" val="1643903793"/>
                   </a:ext>
                 </a:extLst>
               </a:tr>
-              <a:tr h="128278">
+              <a:tr h="170739">
                 <a:tc vMerge="1">
                   <a:txBody>
                     <a:bodyPr/>
@@ -7682,7 +8494,7 @@
                     <a:p>
                       <a:pPr algn="ctr" fontAlgn="ctr"/>
                       <a:r>
-                        <a:rPr lang="en-US" sz="700" b="0" i="0" u="none" strike="noStrike" baseline="0">
+                        <a:rPr lang="en-US" sz="1200" b="0" i="0" u="none" strike="noStrike" baseline="0">
                           <a:effectLst/>
                           <a:latin typeface="Calibri" panose="020F0502020204030204" pitchFamily="34" charset="0"/>
                         </a:rPr>
@@ -7736,7 +8548,7 @@
                     <a:p>
                       <a:pPr algn="ctr" fontAlgn="ctr"/>
                       <a:r>
-                        <a:rPr lang="en-US" sz="700" b="0" i="0" u="none" strike="noStrike" baseline="0">
+                        <a:rPr lang="en-US" sz="1200" b="0" i="0" u="none" strike="noStrike" baseline="0" dirty="0">
                           <a:effectLst/>
                           <a:latin typeface="Calibri" panose="020F0502020204030204" pitchFamily="34" charset="0"/>
                         </a:rPr>
@@ -7784,7 +8596,7 @@
                     <a:p>
                       <a:pPr algn="ctr" fontAlgn="ctr"/>
                       <a:r>
-                        <a:rPr lang="en-US" sz="700" b="1" i="0" u="none" strike="noStrike" baseline="0">
+                        <a:rPr lang="en-US" sz="1200" b="1" i="0" u="none" strike="noStrike" baseline="0">
                           <a:effectLst/>
                           <a:latin typeface="Calibri" panose="020F0502020204030204" pitchFamily="34" charset="0"/>
                         </a:rPr>
@@ -7832,7 +8644,7 @@
                     <a:p>
                       <a:pPr algn="ctr" fontAlgn="ctr"/>
                       <a:r>
-                        <a:rPr lang="en-US" sz="700" b="1" i="0" u="none" strike="noStrike" baseline="0">
+                        <a:rPr lang="en-US" sz="1200" b="1" i="0" u="none" strike="noStrike" baseline="0">
                           <a:effectLst/>
                           <a:latin typeface="Calibri" panose="020F0502020204030204" pitchFamily="34" charset="0"/>
                         </a:rPr>
@@ -7880,7 +8692,7 @@
                     <a:p>
                       <a:pPr algn="ctr" fontAlgn="ctr"/>
                       <a:r>
-                        <a:rPr lang="en-US" sz="700" b="1" i="0" u="none" strike="noStrike" baseline="0">
+                        <a:rPr lang="en-US" sz="1200" b="1" i="0" u="none" strike="noStrike" baseline="0">
                           <a:effectLst/>
                           <a:latin typeface="Calibri" panose="020F0502020204030204" pitchFamily="34" charset="0"/>
                         </a:rPr>
@@ -7923,11 +8735,11 @@
                 </a:tc>
                 <a:extLst>
                   <a:ext uri="{0D108BD9-81ED-4DB2-BD59-A6C34878D82A}">
-                    <a16:rowId xmlns:a16="http://schemas.microsoft.com/office/drawing/2014/main" val="186150972"/>
+                    <a16:rowId xmlns:a16="http://schemas.microsoft.com/office/drawing/2014/main" val="2187541126"/>
                   </a:ext>
                 </a:extLst>
               </a:tr>
-              <a:tr h="128278">
+              <a:tr h="170739">
                 <a:tc vMerge="1">
                   <a:txBody>
                     <a:bodyPr/>
@@ -7955,7 +8767,7 @@
                     <a:p>
                       <a:pPr algn="ctr" fontAlgn="ctr"/>
                       <a:r>
-                        <a:rPr lang="en-US" sz="700" b="0" i="0" u="none" strike="noStrike" baseline="0">
+                        <a:rPr lang="en-US" sz="1200" b="0" i="0" u="none" strike="noStrike" baseline="0" dirty="0">
                           <a:effectLst/>
                           <a:latin typeface="Calibri" panose="020F0502020204030204" pitchFamily="34" charset="0"/>
                         </a:rPr>
@@ -7997,7 +8809,7 @@
                     <a:p>
                       <a:pPr algn="ctr" fontAlgn="ctr"/>
                       <a:r>
-                        <a:rPr lang="en-US" sz="700" b="0" i="0" u="none" strike="noStrike" baseline="0">
+                        <a:rPr lang="en-US" sz="1200" b="0" i="0" u="none" strike="noStrike" baseline="0">
                           <a:effectLst/>
                           <a:latin typeface="Calibri" panose="020F0502020204030204" pitchFamily="34" charset="0"/>
                         </a:rPr>
@@ -8039,7 +8851,7 @@
                     <a:p>
                       <a:pPr algn="ctr" fontAlgn="ctr"/>
                       <a:r>
-                        <a:rPr lang="en-US" sz="700" b="0" i="0" u="none" strike="noStrike" baseline="0">
+                        <a:rPr lang="en-US" sz="1200" b="0" i="0" u="none" strike="noStrike" baseline="0">
                           <a:effectLst/>
                           <a:latin typeface="Calibri" panose="020F0502020204030204" pitchFamily="34" charset="0"/>
                         </a:rPr>
@@ -8081,7 +8893,7 @@
                     <a:p>
                       <a:pPr algn="ctr" fontAlgn="ctr"/>
                       <a:r>
-                        <a:rPr lang="en-US" sz="700" b="0" i="0" u="none" strike="noStrike" baseline="0">
+                        <a:rPr lang="en-US" sz="1200" b="0" i="0" u="none" strike="noStrike" baseline="0">
                           <a:effectLst/>
                           <a:latin typeface="Calibri" panose="020F0502020204030204" pitchFamily="34" charset="0"/>
                         </a:rPr>
@@ -8118,11 +8930,11 @@
                 </a:tc>
                 <a:extLst>
                   <a:ext uri="{0D108BD9-81ED-4DB2-BD59-A6C34878D82A}">
-                    <a16:rowId xmlns:a16="http://schemas.microsoft.com/office/drawing/2014/main" val="803581513"/>
+                    <a16:rowId xmlns:a16="http://schemas.microsoft.com/office/drawing/2014/main" val="4057645038"/>
                   </a:ext>
                 </a:extLst>
               </a:tr>
-              <a:tr h="128278">
+              <a:tr h="170739">
                 <a:tc vMerge="1">
                   <a:txBody>
                     <a:bodyPr/>
@@ -8150,7 +8962,7 @@
                     <a:p>
                       <a:pPr algn="ctr" fontAlgn="ctr"/>
                       <a:r>
-                        <a:rPr lang="en-US" sz="700" b="0" i="0" u="none" strike="noStrike" baseline="0">
+                        <a:rPr lang="en-US" sz="1200" b="0" i="0" u="none" strike="noStrike" baseline="0" dirty="0">
                           <a:effectLst/>
                           <a:latin typeface="Calibri" panose="020F0502020204030204" pitchFamily="34" charset="0"/>
                         </a:rPr>
@@ -8198,7 +9010,7 @@
                     <a:p>
                       <a:pPr algn="ctr" fontAlgn="ctr"/>
                       <a:r>
-                        <a:rPr lang="en-US" sz="700" b="0" i="0" u="none" strike="noStrike" baseline="0">
+                        <a:rPr lang="en-US" sz="1200" b="0" i="0" u="none" strike="noStrike" baseline="0" dirty="0">
                           <a:effectLst/>
                           <a:latin typeface="Calibri" panose="020F0502020204030204" pitchFamily="34" charset="0"/>
                         </a:rPr>
@@ -8246,7 +9058,7 @@
                     <a:p>
                       <a:pPr algn="ctr" fontAlgn="ctr"/>
                       <a:r>
-                        <a:rPr lang="en-US" sz="700" b="0" i="0" u="none" strike="noStrike" baseline="0">
+                        <a:rPr lang="en-US" sz="1200" b="0" i="0" u="none" strike="noStrike" baseline="0">
                           <a:effectLst/>
                           <a:latin typeface="Calibri" panose="020F0502020204030204" pitchFamily="34" charset="0"/>
                         </a:rPr>
@@ -8294,7 +9106,7 @@
                     <a:p>
                       <a:pPr algn="ctr" fontAlgn="ctr"/>
                       <a:r>
-                        <a:rPr lang="en-US" sz="700" b="0" i="0" u="none" strike="noStrike" baseline="0">
+                        <a:rPr lang="en-US" sz="1200" b="0" i="0" u="none" strike="noStrike" baseline="0">
                           <a:effectLst/>
                           <a:latin typeface="Calibri" panose="020F0502020204030204" pitchFamily="34" charset="0"/>
                         </a:rPr>
@@ -8337,11 +9149,11 @@
                 </a:tc>
                 <a:extLst>
                   <a:ext uri="{0D108BD9-81ED-4DB2-BD59-A6C34878D82A}">
-                    <a16:rowId xmlns:a16="http://schemas.microsoft.com/office/drawing/2014/main" val="794438466"/>
+                    <a16:rowId xmlns:a16="http://schemas.microsoft.com/office/drawing/2014/main" val="3004521706"/>
                   </a:ext>
                 </a:extLst>
               </a:tr>
-              <a:tr h="128278">
+              <a:tr h="170739">
                 <a:tc vMerge="1">
                   <a:txBody>
                     <a:bodyPr/>
@@ -8359,7 +9171,7 @@
                     <a:p>
                       <a:pPr algn="ctr" fontAlgn="ctr"/>
                       <a:r>
-                        <a:rPr lang="en-US" sz="700" b="0" i="0" u="none" strike="noStrike" baseline="0">
+                        <a:rPr lang="en-US" sz="1200" b="0" i="0" u="none" strike="noStrike" baseline="0">
                           <a:effectLst/>
                           <a:latin typeface="Calibri" panose="020F0502020204030204" pitchFamily="34" charset="0"/>
                         </a:rPr>
@@ -8413,7 +9225,7 @@
                     <a:p>
                       <a:pPr algn="ctr" fontAlgn="ctr"/>
                       <a:r>
-                        <a:rPr lang="en-US" sz="700" b="0" i="0" u="none" strike="noStrike" baseline="0">
+                        <a:rPr lang="en-US" sz="1200" b="0" i="0" u="none" strike="noStrike" baseline="0">
                           <a:effectLst/>
                           <a:latin typeface="Calibri" panose="020F0502020204030204" pitchFamily="34" charset="0"/>
                         </a:rPr>
@@ -8461,7 +9273,7 @@
                     <a:p>
                       <a:pPr algn="ctr" fontAlgn="ctr"/>
                       <a:r>
-                        <a:rPr lang="en-US" sz="700" b="1" i="0" u="none" strike="noStrike" baseline="0">
+                        <a:rPr lang="en-US" sz="1200" b="1" i="0" u="none" strike="noStrike" baseline="0">
                           <a:effectLst/>
                           <a:latin typeface="Calibri" panose="020F0502020204030204" pitchFamily="34" charset="0"/>
                         </a:rPr>
@@ -8509,7 +9321,7 @@
                     <a:p>
                       <a:pPr algn="ctr" fontAlgn="ctr"/>
                       <a:r>
-                        <a:rPr lang="en-US" sz="700" b="1" i="0" u="none" strike="noStrike" baseline="0">
+                        <a:rPr lang="en-US" sz="1200" b="1" i="0" u="none" strike="noStrike" baseline="0" dirty="0">
                           <a:effectLst/>
                           <a:latin typeface="Calibri" panose="020F0502020204030204" pitchFamily="34" charset="0"/>
                         </a:rPr>
@@ -8557,7 +9369,7 @@
                     <a:p>
                       <a:pPr algn="ctr" fontAlgn="ctr"/>
                       <a:r>
-                        <a:rPr lang="en-US" sz="700" b="1" i="0" u="none" strike="noStrike" baseline="0">
+                        <a:rPr lang="en-US" sz="1200" b="1" i="0" u="none" strike="noStrike" baseline="0">
                           <a:effectLst/>
                           <a:latin typeface="Calibri" panose="020F0502020204030204" pitchFamily="34" charset="0"/>
                         </a:rPr>
@@ -8600,11 +9412,11 @@
                 </a:tc>
                 <a:extLst>
                   <a:ext uri="{0D108BD9-81ED-4DB2-BD59-A6C34878D82A}">
-                    <a16:rowId xmlns:a16="http://schemas.microsoft.com/office/drawing/2014/main" val="842196983"/>
+                    <a16:rowId xmlns:a16="http://schemas.microsoft.com/office/drawing/2014/main" val="1265564477"/>
                   </a:ext>
                 </a:extLst>
               </a:tr>
-              <a:tr h="128278">
+              <a:tr h="170739">
                 <a:tc vMerge="1">
                   <a:txBody>
                     <a:bodyPr/>
@@ -8632,7 +9444,7 @@
                     <a:p>
                       <a:pPr algn="ctr" fontAlgn="ctr"/>
                       <a:r>
-                        <a:rPr lang="en-US" sz="700" b="0" i="0" u="none" strike="noStrike" baseline="0">
+                        <a:rPr lang="en-US" sz="1200" b="0" i="0" u="none" strike="noStrike" baseline="0">
                           <a:effectLst/>
                           <a:latin typeface="Calibri" panose="020F0502020204030204" pitchFamily="34" charset="0"/>
                         </a:rPr>
@@ -8674,7 +9486,7 @@
                     <a:p>
                       <a:pPr algn="ctr" fontAlgn="ctr"/>
                       <a:r>
-                        <a:rPr lang="en-US" sz="700" b="0" i="0" u="none" strike="noStrike" baseline="0">
+                        <a:rPr lang="en-US" sz="1200" b="0" i="0" u="none" strike="noStrike" baseline="0">
                           <a:effectLst/>
                           <a:latin typeface="Calibri" panose="020F0502020204030204" pitchFamily="34" charset="0"/>
                         </a:rPr>
@@ -8716,7 +9528,7 @@
                     <a:p>
                       <a:pPr algn="ctr" fontAlgn="ctr"/>
                       <a:r>
-                        <a:rPr lang="en-US" sz="700" b="0" i="0" u="none" strike="noStrike" baseline="0">
+                        <a:rPr lang="en-US" sz="1200" b="0" i="0" u="none" strike="noStrike" baseline="0" dirty="0">
                           <a:effectLst/>
                           <a:latin typeface="Calibri" panose="020F0502020204030204" pitchFamily="34" charset="0"/>
                         </a:rPr>
@@ -8758,7 +9570,7 @@
                     <a:p>
                       <a:pPr algn="ctr" fontAlgn="ctr"/>
                       <a:r>
-                        <a:rPr lang="en-US" sz="700" b="0" i="0" u="none" strike="noStrike" baseline="0">
+                        <a:rPr lang="en-US" sz="1200" b="0" i="0" u="none" strike="noStrike" baseline="0" dirty="0">
                           <a:effectLst/>
                           <a:latin typeface="Calibri" panose="020F0502020204030204" pitchFamily="34" charset="0"/>
                         </a:rPr>
@@ -8795,11 +9607,11 @@
                 </a:tc>
                 <a:extLst>
                   <a:ext uri="{0D108BD9-81ED-4DB2-BD59-A6C34878D82A}">
-                    <a16:rowId xmlns:a16="http://schemas.microsoft.com/office/drawing/2014/main" val="4162033834"/>
+                    <a16:rowId xmlns:a16="http://schemas.microsoft.com/office/drawing/2014/main" val="3538594780"/>
                   </a:ext>
                 </a:extLst>
               </a:tr>
-              <a:tr h="128278">
+              <a:tr h="170739">
                 <a:tc vMerge="1">
                   <a:txBody>
                     <a:bodyPr/>
@@ -8827,7 +9639,7 @@
                     <a:p>
                       <a:pPr algn="ctr" fontAlgn="ctr"/>
                       <a:r>
-                        <a:rPr lang="en-US" sz="700" b="0" i="0" u="none" strike="noStrike" baseline="0">
+                        <a:rPr lang="en-US" sz="1200" b="0" i="0" u="none" strike="noStrike" baseline="0">
                           <a:effectLst/>
                           <a:latin typeface="Calibri" panose="020F0502020204030204" pitchFamily="34" charset="0"/>
                         </a:rPr>
@@ -8875,7 +9687,7 @@
                     <a:p>
                       <a:pPr algn="ctr" fontAlgn="ctr"/>
                       <a:r>
-                        <a:rPr lang="en-US" sz="700" b="0" i="0" u="none" strike="noStrike" baseline="0">
+                        <a:rPr lang="en-US" sz="1200" b="0" i="0" u="none" strike="noStrike" baseline="0">
                           <a:effectLst/>
                           <a:latin typeface="Calibri" panose="020F0502020204030204" pitchFamily="34" charset="0"/>
                         </a:rPr>
@@ -8923,7 +9735,7 @@
                     <a:p>
                       <a:pPr algn="ctr" fontAlgn="ctr"/>
                       <a:r>
-                        <a:rPr lang="en-US" sz="700" b="0" i="0" u="none" strike="noStrike" baseline="0">
+                        <a:rPr lang="en-US" sz="1200" b="0" i="0" u="none" strike="noStrike" baseline="0">
                           <a:effectLst/>
                           <a:latin typeface="Calibri" panose="020F0502020204030204" pitchFamily="34" charset="0"/>
                         </a:rPr>
@@ -8971,7 +9783,7 @@
                     <a:p>
                       <a:pPr algn="ctr" fontAlgn="ctr"/>
                       <a:r>
-                        <a:rPr lang="en-US" sz="700" b="0" i="0" u="none" strike="noStrike" baseline="0">
+                        <a:rPr lang="en-US" sz="1200" b="0" i="0" u="none" strike="noStrike" baseline="0" dirty="0">
                           <a:effectLst/>
                           <a:latin typeface="Calibri" panose="020F0502020204030204" pitchFamily="34" charset="0"/>
                         </a:rPr>
@@ -9014,11 +9826,11 @@
                 </a:tc>
                 <a:extLst>
                   <a:ext uri="{0D108BD9-81ED-4DB2-BD59-A6C34878D82A}">
-                    <a16:rowId xmlns:a16="http://schemas.microsoft.com/office/drawing/2014/main" val="3343952674"/>
+                    <a16:rowId xmlns:a16="http://schemas.microsoft.com/office/drawing/2014/main" val="2349596134"/>
                   </a:ext>
                 </a:extLst>
               </a:tr>
-              <a:tr h="128278">
+              <a:tr h="170739">
                 <a:tc vMerge="1">
                   <a:txBody>
                     <a:bodyPr/>
@@ -9036,12 +9848,16 @@
                     <a:p>
                       <a:pPr algn="ctr" fontAlgn="ctr"/>
                       <a:r>
-                        <a:rPr lang="en-US" sz="700" b="0" i="0" u="none" strike="noStrike" baseline="0">
+                        <a:rPr lang="en-US" sz="1200" b="0" i="0" u="none" strike="noStrike" baseline="0" dirty="0" err="1">
                           <a:effectLst/>
                           <a:latin typeface="Calibri" panose="020F0502020204030204" pitchFamily="34" charset="0"/>
                         </a:rPr>
                         <a:t>gstennis</a:t>
                       </a:r>
+                      <a:endParaRPr lang="en-US" sz="1200" b="0" i="0" u="none" strike="noStrike" baseline="0" dirty="0">
+                        <a:effectLst/>
+                        <a:latin typeface="Calibri" panose="020F0502020204030204" pitchFamily="34" charset="0"/>
+                      </a:endParaRPr>
                     </a:p>
                   </a:txBody>
                   <a:tcPr marL="3409" marR="3409" marT="3409" marB="0" anchor="ctr">
@@ -9090,7 +9906,7 @@
                     <a:p>
                       <a:pPr algn="ctr" fontAlgn="ctr"/>
                       <a:r>
-                        <a:rPr lang="en-US" sz="700" b="0" i="0" u="none" strike="noStrike" baseline="0">
+                        <a:rPr lang="en-US" sz="1200" b="0" i="0" u="none" strike="noStrike" baseline="0" dirty="0">
                           <a:effectLst/>
                           <a:latin typeface="Calibri" panose="020F0502020204030204" pitchFamily="34" charset="0"/>
                         </a:rPr>
@@ -9138,7 +9954,7 @@
                     <a:p>
                       <a:pPr algn="ctr" fontAlgn="ctr"/>
                       <a:r>
-                        <a:rPr lang="en-US" sz="700" b="1" i="0" u="none" strike="noStrike" baseline="0">
+                        <a:rPr lang="en-US" sz="1200" b="1" i="0" u="none" strike="noStrike" baseline="0" dirty="0">
                           <a:effectLst/>
                           <a:latin typeface="Calibri" panose="020F0502020204030204" pitchFamily="34" charset="0"/>
                         </a:rPr>
@@ -9186,7 +10002,7 @@
                     <a:p>
                       <a:pPr algn="ctr" fontAlgn="ctr"/>
                       <a:r>
-                        <a:rPr lang="en-US" sz="700" b="1" i="0" u="none" strike="noStrike" baseline="0">
+                        <a:rPr lang="en-US" sz="1200" b="1" i="0" u="none" strike="noStrike" baseline="0" dirty="0">
                           <a:effectLst/>
                           <a:latin typeface="Calibri" panose="020F0502020204030204" pitchFamily="34" charset="0"/>
                         </a:rPr>
@@ -9234,7 +10050,7 @@
                     <a:p>
                       <a:pPr algn="ctr" fontAlgn="ctr"/>
                       <a:r>
-                        <a:rPr lang="en-US" sz="700" b="1" i="0" u="none" strike="noStrike" baseline="0">
+                        <a:rPr lang="en-US" sz="1200" b="1" i="0" u="none" strike="noStrike" baseline="0" dirty="0">
                           <a:effectLst/>
                           <a:latin typeface="Calibri" panose="020F0502020204030204" pitchFamily="34" charset="0"/>
                         </a:rPr>
@@ -9277,11 +10093,11 @@
                 </a:tc>
                 <a:extLst>
                   <a:ext uri="{0D108BD9-81ED-4DB2-BD59-A6C34878D82A}">
-                    <a16:rowId xmlns:a16="http://schemas.microsoft.com/office/drawing/2014/main" val="94792230"/>
+                    <a16:rowId xmlns:a16="http://schemas.microsoft.com/office/drawing/2014/main" val="3511878076"/>
                   </a:ext>
                 </a:extLst>
               </a:tr>
-              <a:tr h="128278">
+              <a:tr h="170739">
                 <a:tc vMerge="1">
                   <a:txBody>
                     <a:bodyPr/>
@@ -9309,7 +10125,7 @@
                     <a:p>
                       <a:pPr algn="ctr" fontAlgn="ctr"/>
                       <a:r>
-                        <a:rPr lang="en-US" sz="700" b="0" i="0" u="none" strike="noStrike" baseline="0">
+                        <a:rPr lang="en-US" sz="1200" b="0" i="0" u="none" strike="noStrike" baseline="0">
                           <a:effectLst/>
                           <a:latin typeface="Calibri" panose="020F0502020204030204" pitchFamily="34" charset="0"/>
                         </a:rPr>
@@ -9351,7 +10167,7 @@
                     <a:p>
                       <a:pPr algn="ctr" fontAlgn="ctr"/>
                       <a:r>
-                        <a:rPr lang="en-US" sz="700" b="0" i="0" u="none" strike="noStrike" baseline="0">
+                        <a:rPr lang="en-US" sz="1200" b="0" i="0" u="none" strike="noStrike" baseline="0">
                           <a:effectLst/>
                           <a:latin typeface="Calibri" panose="020F0502020204030204" pitchFamily="34" charset="0"/>
                         </a:rPr>
@@ -9393,7 +10209,7 @@
                     <a:p>
                       <a:pPr algn="ctr" fontAlgn="ctr"/>
                       <a:r>
-                        <a:rPr lang="en-US" sz="700" b="0" i="0" u="none" strike="noStrike" baseline="0">
+                        <a:rPr lang="en-US" sz="1200" b="0" i="0" u="none" strike="noStrike" baseline="0">
                           <a:effectLst/>
                           <a:latin typeface="Calibri" panose="020F0502020204030204" pitchFamily="34" charset="0"/>
                         </a:rPr>
@@ -9435,7 +10251,7 @@
                     <a:p>
                       <a:pPr algn="ctr" fontAlgn="ctr"/>
                       <a:r>
-                        <a:rPr lang="en-US" sz="700" b="0" i="0" u="none" strike="noStrike" baseline="0">
+                        <a:rPr lang="en-US" sz="1200" b="0" i="0" u="none" strike="noStrike" baseline="0" dirty="0">
                           <a:effectLst/>
                           <a:latin typeface="Calibri" panose="020F0502020204030204" pitchFamily="34" charset="0"/>
                         </a:rPr>
@@ -9472,11 +10288,11 @@
                 </a:tc>
                 <a:extLst>
                   <a:ext uri="{0D108BD9-81ED-4DB2-BD59-A6C34878D82A}">
-                    <a16:rowId xmlns:a16="http://schemas.microsoft.com/office/drawing/2014/main" val="2098778379"/>
+                    <a16:rowId xmlns:a16="http://schemas.microsoft.com/office/drawing/2014/main" val="2811192545"/>
                   </a:ext>
                 </a:extLst>
               </a:tr>
-              <a:tr h="128278">
+              <a:tr h="170739">
                 <a:tc vMerge="1">
                   <a:txBody>
                     <a:bodyPr/>
@@ -9504,7 +10320,7 @@
                     <a:p>
                       <a:pPr algn="ctr" fontAlgn="ctr"/>
                       <a:r>
-                        <a:rPr lang="en-US" sz="700" b="0" i="0" u="none" strike="noStrike" baseline="0">
+                        <a:rPr lang="en-US" sz="1200" b="0" i="0" u="none" strike="noStrike" baseline="0">
                           <a:effectLst/>
                           <a:latin typeface="Calibri" panose="020F0502020204030204" pitchFamily="34" charset="0"/>
                         </a:rPr>
@@ -9552,7 +10368,7 @@
                     <a:p>
                       <a:pPr algn="ctr" fontAlgn="ctr"/>
                       <a:r>
-                        <a:rPr lang="en-US" sz="700" b="0" i="0" u="none" strike="noStrike" baseline="0">
+                        <a:rPr lang="en-US" sz="1200" b="0" i="0" u="none" strike="noStrike" baseline="0">
                           <a:effectLst/>
                           <a:latin typeface="Calibri" panose="020F0502020204030204" pitchFamily="34" charset="0"/>
                         </a:rPr>
@@ -9600,7 +10416,7 @@
                     <a:p>
                       <a:pPr algn="ctr" fontAlgn="ctr"/>
                       <a:r>
-                        <a:rPr lang="en-US" sz="700" b="0" i="0" u="none" strike="noStrike" baseline="0">
+                        <a:rPr lang="en-US" sz="1200" b="0" i="0" u="none" strike="noStrike" baseline="0">
                           <a:effectLst/>
                           <a:latin typeface="Calibri" panose="020F0502020204030204" pitchFamily="34" charset="0"/>
                         </a:rPr>
@@ -9648,7 +10464,7 @@
                     <a:p>
                       <a:pPr algn="ctr" fontAlgn="ctr"/>
                       <a:r>
-                        <a:rPr lang="en-US" sz="700" b="0" i="0" u="none" strike="noStrike" baseline="0">
+                        <a:rPr lang="en-US" sz="1200" b="0" i="0" u="none" strike="noStrike" baseline="0" dirty="0">
                           <a:effectLst/>
                           <a:latin typeface="Calibri" panose="020F0502020204030204" pitchFamily="34" charset="0"/>
                         </a:rPr>
@@ -9691,11 +10507,11 @@
                 </a:tc>
                 <a:extLst>
                   <a:ext uri="{0D108BD9-81ED-4DB2-BD59-A6C34878D82A}">
-                    <a16:rowId xmlns:a16="http://schemas.microsoft.com/office/drawing/2014/main" val="2857060379"/>
+                    <a16:rowId xmlns:a16="http://schemas.microsoft.com/office/drawing/2014/main" val="1601109311"/>
                   </a:ext>
                 </a:extLst>
               </a:tr>
-              <a:tr h="128278">
+              <a:tr h="170739">
                 <a:tc vMerge="1">
                   <a:txBody>
                     <a:bodyPr/>
@@ -9713,7 +10529,7 @@
                     <a:p>
                       <a:pPr algn="ctr" fontAlgn="ctr"/>
                       <a:r>
-                        <a:rPr lang="en-US" sz="700" b="0" i="0" u="none" strike="noStrike" baseline="0">
+                        <a:rPr lang="en-US" sz="1200" b="0" i="0" u="none" strike="noStrike" baseline="0">
                           <a:effectLst/>
                           <a:latin typeface="Calibri" panose="020F0502020204030204" pitchFamily="34" charset="0"/>
                         </a:rPr>
@@ -9767,7 +10583,7 @@
                     <a:p>
                       <a:pPr algn="ctr" fontAlgn="ctr"/>
                       <a:r>
-                        <a:rPr lang="en-US" sz="700" b="0" i="0" u="none" strike="noStrike" baseline="0">
+                        <a:rPr lang="en-US" sz="1200" b="0" i="0" u="none" strike="noStrike" baseline="0">
                           <a:effectLst/>
                           <a:latin typeface="Calibri" panose="020F0502020204030204" pitchFamily="34" charset="0"/>
                         </a:rPr>
@@ -9821,7 +10637,7 @@
                     <a:p>
                       <a:pPr algn="ctr" fontAlgn="ctr"/>
                       <a:r>
-                        <a:rPr lang="en-US" sz="700" b="0" i="0" u="none" strike="noStrike" baseline="0">
+                        <a:rPr lang="en-US" sz="1200" b="0" i="0" u="none" strike="noStrike" baseline="0">
                           <a:effectLst/>
                           <a:latin typeface="Calibri" panose="020F0502020204030204" pitchFamily="34" charset="0"/>
                         </a:rPr>
@@ -9875,7 +10691,7 @@
                     <a:p>
                       <a:pPr algn="ctr" fontAlgn="ctr"/>
                       <a:r>
-                        <a:rPr lang="en-US" sz="700" b="0" i="0" u="none" strike="noStrike" baseline="0">
+                        <a:rPr lang="en-US" sz="1200" b="0" i="0" u="none" strike="noStrike" baseline="0">
                           <a:effectLst/>
                           <a:latin typeface="Calibri" panose="020F0502020204030204" pitchFamily="34" charset="0"/>
                         </a:rPr>
@@ -9929,7 +10745,7 @@
                     <a:p>
                       <a:pPr algn="ctr" fontAlgn="ctr"/>
                       <a:r>
-                        <a:rPr lang="en-US" sz="700" b="0" i="0" u="none" strike="noStrike" baseline="0">
+                        <a:rPr lang="en-US" sz="1200" b="0" i="0" u="none" strike="noStrike" baseline="0" dirty="0">
                           <a:effectLst/>
                           <a:latin typeface="Calibri" panose="020F0502020204030204" pitchFamily="34" charset="0"/>
                         </a:rPr>
@@ -9978,19 +10794,456 @@
                 </a:tc>
                 <a:extLst>
                   <a:ext uri="{0D108BD9-81ED-4DB2-BD59-A6C34878D82A}">
-                    <a16:rowId xmlns:a16="http://schemas.microsoft.com/office/drawing/2014/main" val="3019517517"/>
+                    <a16:rowId xmlns:a16="http://schemas.microsoft.com/office/drawing/2014/main" val="2193199610"/>
                   </a:ext>
                 </a:extLst>
               </a:tr>
-              <a:tr h="128278">
-                <a:tc rowSpan="16">
+            </a:tbl>
+          </a:graphicData>
+        </a:graphic>
+      </p:graphicFrame>
+      <p:graphicFrame>
+        <p:nvGraphicFramePr>
+          <p:cNvPr id="8" name="Table 7">
+            <a:extLst>
+              <a:ext uri="{FF2B5EF4-FFF2-40B4-BE49-F238E27FC236}">
+                <a16:creationId xmlns:a16="http://schemas.microsoft.com/office/drawing/2014/main" id="{7494F069-234B-478F-8D37-1E55A1C20F73}"/>
+              </a:ext>
+            </a:extLst>
+          </p:cNvPr>
+          <p:cNvGraphicFramePr>
+            <a:graphicFrameLocks noGrp="1"/>
+          </p:cNvGraphicFramePr>
+          <p:nvPr>
+            <p:extLst>
+              <p:ext uri="{D42A27DB-BD31-4B8C-83A1-F6EECF244321}">
+                <p14:modId xmlns:p14="http://schemas.microsoft.com/office/powerpoint/2010/main" val="1227161301"/>
+              </p:ext>
+            </p:extLst>
+          </p:nvPr>
+        </p:nvGraphicFramePr>
+        <p:xfrm>
+          <a:off x="4205115" y="2105359"/>
+          <a:ext cx="3577546" cy="3349793"/>
+        </p:xfrm>
+        <a:graphic>
+          <a:graphicData uri="http://schemas.openxmlformats.org/drawingml/2006/table">
+            <a:tbl>
+              <a:tblPr/>
+              <a:tblGrid>
+                <a:gridCol w="664614">
+                  <a:extLst>
+                    <a:ext uri="{9D8B030D-6E8A-4147-A177-3AD203B41FA5}">
+                      <a16:colId xmlns:a16="http://schemas.microsoft.com/office/drawing/2014/main" val="3677631679"/>
+                    </a:ext>
+                  </a:extLst>
+                </a:gridCol>
+                <a:gridCol w="692618">
+                  <a:extLst>
+                    <a:ext uri="{9D8B030D-6E8A-4147-A177-3AD203B41FA5}">
+                      <a16:colId xmlns:a16="http://schemas.microsoft.com/office/drawing/2014/main" val="409266551"/>
+                    </a:ext>
+                  </a:extLst>
+                </a:gridCol>
+                <a:gridCol w="656677">
+                  <a:extLst>
+                    <a:ext uri="{9D8B030D-6E8A-4147-A177-3AD203B41FA5}">
+                      <a16:colId xmlns:a16="http://schemas.microsoft.com/office/drawing/2014/main" val="892343397"/>
+                    </a:ext>
+                  </a:extLst>
+                </a:gridCol>
+                <a:gridCol w="371943">
+                  <a:extLst>
+                    <a:ext uri="{9D8B030D-6E8A-4147-A177-3AD203B41FA5}">
+                      <a16:colId xmlns:a16="http://schemas.microsoft.com/office/drawing/2014/main" val="3835179805"/>
+                    </a:ext>
+                  </a:extLst>
+                </a:gridCol>
+                <a:gridCol w="349718">
+                  <a:extLst>
+                    <a:ext uri="{9D8B030D-6E8A-4147-A177-3AD203B41FA5}">
+                      <a16:colId xmlns:a16="http://schemas.microsoft.com/office/drawing/2014/main" val="4240723465"/>
+                    </a:ext>
+                  </a:extLst>
+                </a:gridCol>
+                <a:gridCol w="841976">
+                  <a:extLst>
+                    <a:ext uri="{9D8B030D-6E8A-4147-A177-3AD203B41FA5}">
+                      <a16:colId xmlns:a16="http://schemas.microsoft.com/office/drawing/2014/main" val="2012469604"/>
+                    </a:ext>
+                  </a:extLst>
+                </a:gridCol>
+              </a:tblGrid>
+              <a:tr h="173277">
+                <a:tc>
                   <a:txBody>
                     <a:bodyPr/>
                     <a:lstStyle/>
                     <a:p>
                       <a:pPr algn="ctr" fontAlgn="ctr"/>
                       <a:r>
-                        <a:rPr lang="en-US" sz="700" b="0" i="0" u="none" strike="noStrike" baseline="0">
+                        <a:rPr lang="en-US" sz="1200" b="0" i="0" u="none" strike="noStrike" baseline="0" dirty="0">
+                          <a:effectLst/>
+                          <a:latin typeface="Calibri" panose="020F0502020204030204" pitchFamily="34" charset="0"/>
+                        </a:rPr>
+                        <a:t>Noise STD</a:t>
+                      </a:r>
+                    </a:p>
+                  </a:txBody>
+                  <a:tcPr marL="3409" marR="3409" marT="3409" marB="0" anchor="ctr">
+                    <a:lnL w="12700" cap="flat" cmpd="sng" algn="ctr">
+                      <a:solidFill>
+                        <a:srgbClr val="000000"/>
+                      </a:solidFill>
+                      <a:prstDash val="solid"/>
+                      <a:round/>
+                      <a:headEnd type="none" w="med" len="med"/>
+                      <a:tailEnd type="none" w="med" len="med"/>
+                    </a:lnL>
+                    <a:lnR w="6350" cap="flat" cmpd="sng" algn="ctr">
+                      <a:solidFill>
+                        <a:srgbClr val="000000"/>
+                      </a:solidFill>
+                      <a:prstDash val="solid"/>
+                      <a:round/>
+                      <a:headEnd type="none" w="med" len="med"/>
+                      <a:tailEnd type="none" w="med" len="med"/>
+                    </a:lnR>
+                    <a:lnT w="12700" cap="flat" cmpd="sng" algn="ctr">
+                      <a:solidFill>
+                        <a:srgbClr val="000000"/>
+                      </a:solidFill>
+                      <a:prstDash val="solid"/>
+                      <a:round/>
+                      <a:headEnd type="none" w="med" len="med"/>
+                      <a:tailEnd type="none" w="med" len="med"/>
+                    </a:lnT>
+                    <a:lnB w="12700" cap="flat" cmpd="sng" algn="ctr">
+                      <a:solidFill>
+                        <a:srgbClr val="000000"/>
+                      </a:solidFill>
+                      <a:prstDash val="solid"/>
+                      <a:round/>
+                      <a:headEnd type="none" w="med" len="med"/>
+                      <a:tailEnd type="none" w="med" len="med"/>
+                    </a:lnB>
+                    <a:solidFill>
+                      <a:schemeClr val="bg1">
+                        <a:lumMod val="85000"/>
+                      </a:schemeClr>
+                    </a:solidFill>
+                  </a:tcPr>
+                </a:tc>
+                <a:tc>
+                  <a:txBody>
+                    <a:bodyPr/>
+                    <a:lstStyle/>
+                    <a:p>
+                      <a:pPr algn="ctr" fontAlgn="ctr"/>
+                      <a:r>
+                        <a:rPr lang="en-US" sz="1200" b="0" i="0" u="none" strike="noStrike" baseline="0">
+                          <a:effectLst/>
+                          <a:latin typeface="Calibri" panose="020F0502020204030204" pitchFamily="34" charset="0"/>
+                        </a:rPr>
+                        <a:t>Video</a:t>
+                      </a:r>
+                    </a:p>
+                  </a:txBody>
+                  <a:tcPr marL="3409" marR="3409" marT="3409" marB="0" anchor="ctr">
+                    <a:lnL w="6350" cap="flat" cmpd="sng" algn="ctr">
+                      <a:solidFill>
+                        <a:srgbClr val="000000"/>
+                      </a:solidFill>
+                      <a:prstDash val="solid"/>
+                      <a:round/>
+                      <a:headEnd type="none" w="med" len="med"/>
+                      <a:tailEnd type="none" w="med" len="med"/>
+                    </a:lnL>
+                    <a:lnR w="6350" cap="flat" cmpd="sng" algn="ctr">
+                      <a:solidFill>
+                        <a:srgbClr val="000000"/>
+                      </a:solidFill>
+                      <a:prstDash val="solid"/>
+                      <a:round/>
+                      <a:headEnd type="none" w="med" len="med"/>
+                      <a:tailEnd type="none" w="med" len="med"/>
+                    </a:lnR>
+                    <a:lnT w="12700" cap="flat" cmpd="sng" algn="ctr">
+                      <a:solidFill>
+                        <a:srgbClr val="000000"/>
+                      </a:solidFill>
+                      <a:prstDash val="solid"/>
+                      <a:round/>
+                      <a:headEnd type="none" w="med" len="med"/>
+                      <a:tailEnd type="none" w="med" len="med"/>
+                    </a:lnT>
+                    <a:lnB w="12700" cap="flat" cmpd="sng" algn="ctr">
+                      <a:solidFill>
+                        <a:srgbClr val="000000"/>
+                      </a:solidFill>
+                      <a:prstDash val="solid"/>
+                      <a:round/>
+                      <a:headEnd type="none" w="med" len="med"/>
+                      <a:tailEnd type="none" w="med" len="med"/>
+                    </a:lnB>
+                    <a:solidFill>
+                      <a:schemeClr val="bg1">
+                        <a:lumMod val="85000"/>
+                      </a:schemeClr>
+                    </a:solidFill>
+                  </a:tcPr>
+                </a:tc>
+                <a:tc>
+                  <a:txBody>
+                    <a:bodyPr/>
+                    <a:lstStyle/>
+                    <a:p>
+                      <a:pPr algn="ctr" fontAlgn="ctr"/>
+                      <a:r>
+                        <a:rPr lang="en-US" sz="1200" b="0" i="0" u="none" strike="noStrike" baseline="0" dirty="0">
+                          <a:effectLst/>
+                          <a:latin typeface="Calibri" panose="020F0502020204030204" pitchFamily="34" charset="0"/>
+                        </a:rPr>
+                        <a:t>Algorithm</a:t>
+                      </a:r>
+                    </a:p>
+                  </a:txBody>
+                  <a:tcPr marL="3409" marR="3409" marT="3409" marB="0" anchor="ctr">
+                    <a:lnL w="6350" cap="flat" cmpd="sng" algn="ctr">
+                      <a:solidFill>
+                        <a:srgbClr val="000000"/>
+                      </a:solidFill>
+                      <a:prstDash val="solid"/>
+                      <a:round/>
+                      <a:headEnd type="none" w="med" len="med"/>
+                      <a:tailEnd type="none" w="med" len="med"/>
+                    </a:lnL>
+                    <a:lnR w="6350" cap="flat" cmpd="sng" algn="ctr">
+                      <a:solidFill>
+                        <a:srgbClr val="000000"/>
+                      </a:solidFill>
+                      <a:prstDash val="solid"/>
+                      <a:round/>
+                      <a:headEnd type="none" w="med" len="med"/>
+                      <a:tailEnd type="none" w="med" len="med"/>
+                    </a:lnR>
+                    <a:lnT w="12700" cap="flat" cmpd="sng" algn="ctr">
+                      <a:solidFill>
+                        <a:srgbClr val="000000"/>
+                      </a:solidFill>
+                      <a:prstDash val="solid"/>
+                      <a:round/>
+                      <a:headEnd type="none" w="med" len="med"/>
+                      <a:tailEnd type="none" w="med" len="med"/>
+                    </a:lnT>
+                    <a:lnB w="12700" cap="flat" cmpd="sng" algn="ctr">
+                      <a:solidFill>
+                        <a:srgbClr val="000000"/>
+                      </a:solidFill>
+                      <a:prstDash val="solid"/>
+                      <a:round/>
+                      <a:headEnd type="none" w="med" len="med"/>
+                      <a:tailEnd type="none" w="med" len="med"/>
+                    </a:lnB>
+                    <a:solidFill>
+                      <a:schemeClr val="bg1">
+                        <a:lumMod val="85000"/>
+                      </a:schemeClr>
+                    </a:solidFill>
+                  </a:tcPr>
+                </a:tc>
+                <a:tc>
+                  <a:txBody>
+                    <a:bodyPr/>
+                    <a:lstStyle/>
+                    <a:p>
+                      <a:pPr algn="ctr" fontAlgn="ctr"/>
+                      <a:r>
+                        <a:rPr lang="en-US" sz="1200" b="0" i="0" u="none" strike="noStrike" baseline="0" dirty="0">
+                          <a:effectLst/>
+                          <a:latin typeface="Calibri" panose="020F0502020204030204" pitchFamily="34" charset="0"/>
+                        </a:rPr>
+                        <a:t>PSNR</a:t>
+                      </a:r>
+                    </a:p>
+                  </a:txBody>
+                  <a:tcPr marL="3409" marR="3409" marT="3409" marB="0" anchor="ctr">
+                    <a:lnL w="6350" cap="flat" cmpd="sng" algn="ctr">
+                      <a:solidFill>
+                        <a:srgbClr val="000000"/>
+                      </a:solidFill>
+                      <a:prstDash val="solid"/>
+                      <a:round/>
+                      <a:headEnd type="none" w="med" len="med"/>
+                      <a:tailEnd type="none" w="med" len="med"/>
+                    </a:lnL>
+                    <a:lnR w="6350" cap="flat" cmpd="sng" algn="ctr">
+                      <a:solidFill>
+                        <a:srgbClr val="000000"/>
+                      </a:solidFill>
+                      <a:prstDash val="solid"/>
+                      <a:round/>
+                      <a:headEnd type="none" w="med" len="med"/>
+                      <a:tailEnd type="none" w="med" len="med"/>
+                    </a:lnR>
+                    <a:lnT w="12700" cap="flat" cmpd="sng" algn="ctr">
+                      <a:solidFill>
+                        <a:srgbClr val="000000"/>
+                      </a:solidFill>
+                      <a:prstDash val="solid"/>
+                      <a:round/>
+                      <a:headEnd type="none" w="med" len="med"/>
+                      <a:tailEnd type="none" w="med" len="med"/>
+                    </a:lnT>
+                    <a:lnB w="12700" cap="flat" cmpd="sng" algn="ctr">
+                      <a:solidFill>
+                        <a:srgbClr val="000000"/>
+                      </a:solidFill>
+                      <a:prstDash val="solid"/>
+                      <a:round/>
+                      <a:headEnd type="none" w="med" len="med"/>
+                      <a:tailEnd type="none" w="med" len="med"/>
+                    </a:lnB>
+                    <a:solidFill>
+                      <a:schemeClr val="bg1">
+                        <a:lumMod val="85000"/>
+                      </a:schemeClr>
+                    </a:solidFill>
+                  </a:tcPr>
+                </a:tc>
+                <a:tc>
+                  <a:txBody>
+                    <a:bodyPr/>
+                    <a:lstStyle/>
+                    <a:p>
+                      <a:pPr algn="ctr" fontAlgn="ctr"/>
+                      <a:r>
+                        <a:rPr lang="en-US" sz="1200" b="0" i="0" u="none" strike="noStrike" baseline="0" dirty="0">
+                          <a:effectLst/>
+                          <a:latin typeface="Calibri" panose="020F0502020204030204" pitchFamily="34" charset="0"/>
+                        </a:rPr>
+                        <a:t>SSIM</a:t>
+                      </a:r>
+                    </a:p>
+                  </a:txBody>
+                  <a:tcPr marL="3409" marR="3409" marT="3409" marB="0" anchor="ctr">
+                    <a:lnL w="6350" cap="flat" cmpd="sng" algn="ctr">
+                      <a:solidFill>
+                        <a:srgbClr val="000000"/>
+                      </a:solidFill>
+                      <a:prstDash val="solid"/>
+                      <a:round/>
+                      <a:headEnd type="none" w="med" len="med"/>
+                      <a:tailEnd type="none" w="med" len="med"/>
+                    </a:lnL>
+                    <a:lnR w="6350" cap="flat" cmpd="sng" algn="ctr">
+                      <a:solidFill>
+                        <a:schemeClr val="tx1"/>
+                      </a:solidFill>
+                      <a:prstDash val="solid"/>
+                      <a:round/>
+                      <a:headEnd type="none" w="med" len="med"/>
+                      <a:tailEnd type="none" w="med" len="med"/>
+                    </a:lnR>
+                    <a:lnT w="12700" cap="flat" cmpd="sng" algn="ctr">
+                      <a:solidFill>
+                        <a:srgbClr val="000000"/>
+                      </a:solidFill>
+                      <a:prstDash val="solid"/>
+                      <a:round/>
+                      <a:headEnd type="none" w="med" len="med"/>
+                      <a:tailEnd type="none" w="med" len="med"/>
+                    </a:lnT>
+                    <a:lnB w="12700" cap="flat" cmpd="sng" algn="ctr">
+                      <a:solidFill>
+                        <a:srgbClr val="000000"/>
+                      </a:solidFill>
+                      <a:prstDash val="solid"/>
+                      <a:round/>
+                      <a:headEnd type="none" w="med" len="med"/>
+                      <a:tailEnd type="none" w="med" len="med"/>
+                    </a:lnB>
+                    <a:solidFill>
+                      <a:schemeClr val="bg1">
+                        <a:lumMod val="85000"/>
+                      </a:schemeClr>
+                    </a:solidFill>
+                  </a:tcPr>
+                </a:tc>
+                <a:tc>
+                  <a:txBody>
+                    <a:bodyPr/>
+                    <a:lstStyle/>
+                    <a:p>
+                      <a:pPr algn="ctr" fontAlgn="ctr"/>
+                      <a:r>
+                        <a:rPr lang="en-US" sz="1200" b="0" i="0" u="none" strike="noStrike" baseline="0" dirty="0">
+                          <a:effectLst/>
+                          <a:latin typeface="Calibri" panose="020F0502020204030204" pitchFamily="34" charset="0"/>
+                        </a:rPr>
+                        <a:t>Time per frame [sec]</a:t>
+                      </a:r>
+                    </a:p>
+                  </a:txBody>
+                  <a:tcPr marL="3409" marR="3409" marT="3409" marB="0" anchor="ctr">
+                    <a:lnL w="6350" cap="flat" cmpd="sng" algn="ctr">
+                      <a:solidFill>
+                        <a:schemeClr val="tx1"/>
+                      </a:solidFill>
+                      <a:prstDash val="solid"/>
+                      <a:round/>
+                      <a:headEnd type="none" w="med" len="med"/>
+                      <a:tailEnd type="none" w="med" len="med"/>
+                    </a:lnL>
+                    <a:lnR w="12700" cap="flat" cmpd="sng" algn="ctr">
+                      <a:solidFill>
+                        <a:srgbClr val="000000"/>
+                      </a:solidFill>
+                      <a:prstDash val="solid"/>
+                      <a:round/>
+                      <a:headEnd type="none" w="med" len="med"/>
+                      <a:tailEnd type="none" w="med" len="med"/>
+                    </a:lnR>
+                    <a:lnT w="12700" cap="flat" cmpd="sng" algn="ctr">
+                      <a:solidFill>
+                        <a:srgbClr val="000000"/>
+                      </a:solidFill>
+                      <a:prstDash val="solid"/>
+                      <a:round/>
+                      <a:headEnd type="none" w="med" len="med"/>
+                      <a:tailEnd type="none" w="med" len="med"/>
+                    </a:lnT>
+                    <a:lnB w="12700" cap="flat" cmpd="sng" algn="ctr">
+                      <a:solidFill>
+                        <a:srgbClr val="000000"/>
+                      </a:solidFill>
+                      <a:prstDash val="solid"/>
+                      <a:round/>
+                      <a:headEnd type="none" w="med" len="med"/>
+                      <a:tailEnd type="none" w="med" len="med"/>
+                    </a:lnB>
+                    <a:solidFill>
+                      <a:schemeClr val="bg1">
+                        <a:lumMod val="85000"/>
+                      </a:schemeClr>
+                    </a:solidFill>
+                  </a:tcPr>
+                </a:tc>
+                <a:extLst>
+                  <a:ext uri="{0D108BD9-81ED-4DB2-BD59-A6C34878D82A}">
+                    <a16:rowId xmlns:a16="http://schemas.microsoft.com/office/drawing/2014/main" val="1020624739"/>
+                  </a:ext>
+                </a:extLst>
+              </a:tr>
+              <a:tr h="170739">
+                <a:tc rowSpan="16">
+                  <a:txBody>
+                    <a:bodyPr/>
+                    <a:lstStyle/>
+                    <a:p>
+                      <a:pPr algn="ctr" fontAlgn="ctr"/>
+                      <a:r>
+                        <a:rPr lang="en-US" sz="1200" b="0" i="0" u="none" strike="noStrike" baseline="0">
                           <a:effectLst/>
                           <a:latin typeface="Calibri" panose="020F0502020204030204" pitchFamily="34" charset="0"/>
                         </a:rPr>
@@ -10044,12 +11297,16 @@
                     <a:p>
                       <a:pPr algn="ctr" fontAlgn="ctr"/>
                       <a:r>
-                        <a:rPr lang="en-US" sz="700" b="0" i="0" u="none" strike="noStrike" baseline="0">
+                        <a:rPr lang="en-US" sz="1200" b="0" i="0" u="none" strike="noStrike" baseline="0" dirty="0" err="1">
                           <a:effectLst/>
                           <a:latin typeface="Calibri" panose="020F0502020204030204" pitchFamily="34" charset="0"/>
                         </a:rPr>
                         <a:t>gbicycle</a:t>
                       </a:r>
+                      <a:endParaRPr lang="en-US" sz="1200" b="0" i="0" u="none" strike="noStrike" baseline="0" dirty="0">
+                        <a:effectLst/>
+                        <a:latin typeface="Calibri" panose="020F0502020204030204" pitchFamily="34" charset="0"/>
+                      </a:endParaRPr>
                     </a:p>
                   </a:txBody>
                   <a:tcPr marL="3409" marR="3409" marT="3409" marB="0" anchor="ctr">
@@ -10098,7 +11355,7 @@
                     <a:p>
                       <a:pPr algn="ctr" fontAlgn="ctr"/>
                       <a:r>
-                        <a:rPr lang="en-US" sz="700" b="0" i="0" u="none" strike="noStrike" baseline="0">
+                        <a:rPr lang="en-US" sz="1200" b="0" i="0" u="none" strike="noStrike" baseline="0">
                           <a:effectLst/>
                           <a:latin typeface="Calibri" panose="020F0502020204030204" pitchFamily="34" charset="0"/>
                         </a:rPr>
@@ -10146,7 +11403,7 @@
                     <a:p>
                       <a:pPr algn="ctr" fontAlgn="ctr"/>
                       <a:r>
-                        <a:rPr lang="en-US" sz="700" b="1" i="0" u="none" strike="noStrike" baseline="0">
+                        <a:rPr lang="en-US" sz="1200" b="1" i="0" u="none" strike="noStrike" baseline="0">
                           <a:effectLst/>
                           <a:latin typeface="Calibri" panose="020F0502020204030204" pitchFamily="34" charset="0"/>
                         </a:rPr>
@@ -10194,7 +11451,7 @@
                     <a:p>
                       <a:pPr algn="ctr" fontAlgn="ctr"/>
                       <a:r>
-                        <a:rPr lang="en-US" sz="700" b="1" i="0" u="none" strike="noStrike" baseline="0">
+                        <a:rPr lang="en-US" sz="1200" b="1" i="0" u="none" strike="noStrike" baseline="0">
                           <a:effectLst/>
                           <a:latin typeface="Calibri" panose="020F0502020204030204" pitchFamily="34" charset="0"/>
                         </a:rPr>
@@ -10214,7 +11471,7 @@
                     </a:lnL>
                     <a:lnR w="6350" cap="flat" cmpd="sng" algn="ctr">
                       <a:solidFill>
-                        <a:srgbClr val="000000"/>
+                        <a:schemeClr val="tx1"/>
                       </a:solidFill>
                       <a:prstDash val="solid"/>
                       <a:round/>
@@ -10242,7 +11499,7 @@
                     <a:p>
                       <a:pPr algn="ctr" fontAlgn="ctr"/>
                       <a:r>
-                        <a:rPr lang="en-US" sz="700" b="1" i="0" u="none" strike="noStrike" baseline="0">
+                        <a:rPr lang="en-US" sz="1200" b="1" i="0" u="none" strike="noStrike" baseline="0" dirty="0">
                           <a:effectLst/>
                           <a:latin typeface="Calibri" panose="020F0502020204030204" pitchFamily="34" charset="0"/>
                         </a:rPr>
@@ -10253,7 +11510,7 @@
                   <a:tcPr marL="3409" marR="3409" marT="3409" marB="0" anchor="ctr">
                     <a:lnL w="6350" cap="flat" cmpd="sng" algn="ctr">
                       <a:solidFill>
-                        <a:srgbClr val="000000"/>
+                        <a:schemeClr val="tx1"/>
                       </a:solidFill>
                       <a:prstDash val="solid"/>
                       <a:round/>
@@ -10285,11 +11542,11 @@
                 </a:tc>
                 <a:extLst>
                   <a:ext uri="{0D108BD9-81ED-4DB2-BD59-A6C34878D82A}">
-                    <a16:rowId xmlns:a16="http://schemas.microsoft.com/office/drawing/2014/main" val="3367592399"/>
+                    <a16:rowId xmlns:a16="http://schemas.microsoft.com/office/drawing/2014/main" val="2583148272"/>
                   </a:ext>
                 </a:extLst>
               </a:tr>
-              <a:tr h="128278">
+              <a:tr h="170739">
                 <a:tc vMerge="1">
                   <a:txBody>
                     <a:bodyPr/>
@@ -10317,7 +11574,7 @@
                     <a:p>
                       <a:pPr algn="ctr" fontAlgn="ctr"/>
                       <a:r>
-                        <a:rPr lang="en-US" sz="700" b="0" i="0" u="none" strike="noStrike" baseline="0">
+                        <a:rPr lang="en-US" sz="1200" b="0" i="0" u="none" strike="noStrike" baseline="0">
                           <a:effectLst/>
                           <a:latin typeface="Calibri" panose="020F0502020204030204" pitchFamily="34" charset="0"/>
                         </a:rPr>
@@ -10359,7 +11616,7 @@
                     <a:p>
                       <a:pPr algn="ctr" fontAlgn="ctr"/>
                       <a:r>
-                        <a:rPr lang="en-US" sz="700" b="0" i="0" u="none" strike="noStrike" baseline="0">
+                        <a:rPr lang="en-US" sz="1200" b="0" i="0" u="none" strike="noStrike" baseline="0">
                           <a:effectLst/>
                           <a:latin typeface="Calibri" panose="020F0502020204030204" pitchFamily="34" charset="0"/>
                         </a:rPr>
@@ -10401,7 +11658,7 @@
                     <a:p>
                       <a:pPr algn="ctr" fontAlgn="ctr"/>
                       <a:r>
-                        <a:rPr lang="en-US" sz="700" b="0" i="0" u="none" strike="noStrike" baseline="0">
+                        <a:rPr lang="en-US" sz="1200" b="0" i="0" u="none" strike="noStrike" baseline="0">
                           <a:effectLst/>
                           <a:latin typeface="Calibri" panose="020F0502020204030204" pitchFamily="34" charset="0"/>
                         </a:rPr>
@@ -10443,7 +11700,7 @@
                     <a:p>
                       <a:pPr algn="ctr" fontAlgn="ctr"/>
                       <a:r>
-                        <a:rPr lang="en-US" sz="700" b="0" i="0" u="none" strike="noStrike" baseline="0">
+                        <a:rPr lang="en-US" sz="1200" b="0" i="0" u="none" strike="noStrike" baseline="0" dirty="0">
                           <a:effectLst/>
                           <a:latin typeface="Calibri" panose="020F0502020204030204" pitchFamily="34" charset="0"/>
                         </a:rPr>
@@ -10480,11 +11737,11 @@
                 </a:tc>
                 <a:extLst>
                   <a:ext uri="{0D108BD9-81ED-4DB2-BD59-A6C34878D82A}">
-                    <a16:rowId xmlns:a16="http://schemas.microsoft.com/office/drawing/2014/main" val="2537667028"/>
+                    <a16:rowId xmlns:a16="http://schemas.microsoft.com/office/drawing/2014/main" val="3759492771"/>
                   </a:ext>
                 </a:extLst>
               </a:tr>
-              <a:tr h="128278">
+              <a:tr h="170739">
                 <a:tc vMerge="1">
                   <a:txBody>
                     <a:bodyPr/>
@@ -10512,7 +11769,7 @@
                     <a:p>
                       <a:pPr algn="ctr" fontAlgn="ctr"/>
                       <a:r>
-                        <a:rPr lang="en-US" sz="700" b="0" i="0" u="none" strike="noStrike" baseline="0">
+                        <a:rPr lang="en-US" sz="1200" b="0" i="0" u="none" strike="noStrike" baseline="0">
                           <a:effectLst/>
                           <a:latin typeface="Calibri" panose="020F0502020204030204" pitchFamily="34" charset="0"/>
                         </a:rPr>
@@ -10560,7 +11817,7 @@
                     <a:p>
                       <a:pPr algn="ctr" fontAlgn="ctr"/>
                       <a:r>
-                        <a:rPr lang="en-US" sz="700" b="0" i="0" u="none" strike="noStrike" baseline="0">
+                        <a:rPr lang="en-US" sz="1200" b="0" i="0" u="none" strike="noStrike" baseline="0">
                           <a:effectLst/>
                           <a:latin typeface="Calibri" panose="020F0502020204030204" pitchFamily="34" charset="0"/>
                         </a:rPr>
@@ -10608,7 +11865,7 @@
                     <a:p>
                       <a:pPr algn="ctr" fontAlgn="ctr"/>
                       <a:r>
-                        <a:rPr lang="en-US" sz="700" b="1" i="0" u="none" strike="noStrike" baseline="0">
+                        <a:rPr lang="en-US" sz="1200" b="1" i="0" u="none" strike="noStrike" baseline="0">
                           <a:effectLst/>
                           <a:latin typeface="Calibri" panose="020F0502020204030204" pitchFamily="34" charset="0"/>
                         </a:rPr>
@@ -10656,7 +11913,7 @@
                     <a:p>
                       <a:pPr algn="ctr" fontAlgn="ctr"/>
                       <a:r>
-                        <a:rPr lang="en-US" sz="700" b="0" i="0" u="none" strike="noStrike" baseline="0">
+                        <a:rPr lang="en-US" sz="1200" b="0" i="0" u="none" strike="noStrike" baseline="0" dirty="0">
                           <a:effectLst/>
                           <a:latin typeface="Calibri" panose="020F0502020204030204" pitchFamily="34" charset="0"/>
                         </a:rPr>
@@ -10699,11 +11956,11 @@
                 </a:tc>
                 <a:extLst>
                   <a:ext uri="{0D108BD9-81ED-4DB2-BD59-A6C34878D82A}">
-                    <a16:rowId xmlns:a16="http://schemas.microsoft.com/office/drawing/2014/main" val="2561572347"/>
+                    <a16:rowId xmlns:a16="http://schemas.microsoft.com/office/drawing/2014/main" val="578177292"/>
                   </a:ext>
                 </a:extLst>
               </a:tr>
-              <a:tr h="128278">
+              <a:tr h="170739">
                 <a:tc vMerge="1">
                   <a:txBody>
                     <a:bodyPr/>
@@ -10721,7 +11978,7 @@
                     <a:p>
                       <a:pPr algn="ctr" fontAlgn="ctr"/>
                       <a:r>
-                        <a:rPr lang="en-US" sz="700" b="0" i="0" u="none" strike="noStrike" baseline="0">
+                        <a:rPr lang="en-US" sz="1200" b="0" i="0" u="none" strike="noStrike" baseline="0">
                           <a:effectLst/>
                           <a:latin typeface="Calibri" panose="020F0502020204030204" pitchFamily="34" charset="0"/>
                         </a:rPr>
@@ -10775,7 +12032,7 @@
                     <a:p>
                       <a:pPr algn="ctr" fontAlgn="ctr"/>
                       <a:r>
-                        <a:rPr lang="en-US" sz="700" b="0" i="0" u="none" strike="noStrike" baseline="0">
+                        <a:rPr lang="en-US" sz="1200" b="0" i="0" u="none" strike="noStrike" baseline="0" dirty="0">
                           <a:effectLst/>
                           <a:latin typeface="Calibri" panose="020F0502020204030204" pitchFamily="34" charset="0"/>
                         </a:rPr>
@@ -10823,7 +12080,7 @@
                     <a:p>
                       <a:pPr algn="ctr" fontAlgn="ctr"/>
                       <a:r>
-                        <a:rPr lang="en-US" sz="700" b="1" i="0" u="none" strike="noStrike" baseline="0">
+                        <a:rPr lang="en-US" sz="1200" b="1" i="0" u="none" strike="noStrike" baseline="0">
                           <a:effectLst/>
                           <a:latin typeface="Calibri" panose="020F0502020204030204" pitchFamily="34" charset="0"/>
                         </a:rPr>
@@ -10871,7 +12128,7 @@
                     <a:p>
                       <a:pPr algn="ctr" fontAlgn="ctr"/>
                       <a:r>
-                        <a:rPr lang="en-US" sz="700" b="1" i="0" u="none" strike="noStrike" baseline="0">
+                        <a:rPr lang="en-US" sz="1200" b="1" i="0" u="none" strike="noStrike" baseline="0">
                           <a:effectLst/>
                           <a:latin typeface="Calibri" panose="020F0502020204030204" pitchFamily="34" charset="0"/>
                         </a:rPr>
@@ -10919,7 +12176,7 @@
                     <a:p>
                       <a:pPr algn="ctr" fontAlgn="ctr"/>
                       <a:r>
-                        <a:rPr lang="en-US" sz="700" b="1" i="0" u="none" strike="noStrike" baseline="0">
+                        <a:rPr lang="en-US" sz="1200" b="1" i="0" u="none" strike="noStrike" baseline="0" dirty="0">
                           <a:effectLst/>
                           <a:latin typeface="Calibri" panose="020F0502020204030204" pitchFamily="34" charset="0"/>
                         </a:rPr>
@@ -10962,11 +12219,11 @@
                 </a:tc>
                 <a:extLst>
                   <a:ext uri="{0D108BD9-81ED-4DB2-BD59-A6C34878D82A}">
-                    <a16:rowId xmlns:a16="http://schemas.microsoft.com/office/drawing/2014/main" val="1620068325"/>
+                    <a16:rowId xmlns:a16="http://schemas.microsoft.com/office/drawing/2014/main" val="831667613"/>
                   </a:ext>
                 </a:extLst>
               </a:tr>
-              <a:tr h="128278">
+              <a:tr h="170739">
                 <a:tc vMerge="1">
                   <a:txBody>
                     <a:bodyPr/>
@@ -10994,7 +12251,7 @@
                     <a:p>
                       <a:pPr algn="ctr" fontAlgn="ctr"/>
                       <a:r>
-                        <a:rPr lang="en-US" sz="700" b="0" i="0" u="none" strike="noStrike" baseline="0">
+                        <a:rPr lang="en-US" sz="1200" b="0" i="0" u="none" strike="noStrike" baseline="0" dirty="0">
                           <a:effectLst/>
                           <a:latin typeface="Calibri" panose="020F0502020204030204" pitchFamily="34" charset="0"/>
                         </a:rPr>
@@ -11036,7 +12293,7 @@
                     <a:p>
                       <a:pPr algn="ctr" fontAlgn="ctr"/>
                       <a:r>
-                        <a:rPr lang="en-US" sz="700" b="0" i="0" u="none" strike="noStrike" baseline="0">
+                        <a:rPr lang="en-US" sz="1200" b="0" i="0" u="none" strike="noStrike" baseline="0">
                           <a:effectLst/>
                           <a:latin typeface="Calibri" panose="020F0502020204030204" pitchFamily="34" charset="0"/>
                         </a:rPr>
@@ -11078,7 +12335,7 @@
                     <a:p>
                       <a:pPr algn="ctr" fontAlgn="ctr"/>
                       <a:r>
-                        <a:rPr lang="en-US" sz="700" b="0" i="0" u="none" strike="noStrike" baseline="0">
+                        <a:rPr lang="en-US" sz="1200" b="0" i="0" u="none" strike="noStrike" baseline="0">
                           <a:effectLst/>
                           <a:latin typeface="Calibri" panose="020F0502020204030204" pitchFamily="34" charset="0"/>
                         </a:rPr>
@@ -11120,7 +12377,7 @@
                     <a:p>
                       <a:pPr algn="ctr" fontAlgn="ctr"/>
                       <a:r>
-                        <a:rPr lang="en-US" sz="700" b="0" i="0" u="none" strike="noStrike" baseline="0">
+                        <a:rPr lang="en-US" sz="1200" b="0" i="0" u="none" strike="noStrike" baseline="0" dirty="0">
                           <a:effectLst/>
                           <a:latin typeface="Calibri" panose="020F0502020204030204" pitchFamily="34" charset="0"/>
                         </a:rPr>
@@ -11157,11 +12414,11 @@
                 </a:tc>
                 <a:extLst>
                   <a:ext uri="{0D108BD9-81ED-4DB2-BD59-A6C34878D82A}">
-                    <a16:rowId xmlns:a16="http://schemas.microsoft.com/office/drawing/2014/main" val="1794813275"/>
+                    <a16:rowId xmlns:a16="http://schemas.microsoft.com/office/drawing/2014/main" val="807886540"/>
                   </a:ext>
                 </a:extLst>
               </a:tr>
-              <a:tr h="128278">
+              <a:tr h="170739">
                 <a:tc vMerge="1">
                   <a:txBody>
                     <a:bodyPr/>
@@ -11189,7 +12446,7 @@
                     <a:p>
                       <a:pPr algn="ctr" fontAlgn="ctr"/>
                       <a:r>
-                        <a:rPr lang="en-US" sz="700" b="0" i="0" u="none" strike="noStrike" baseline="0">
+                        <a:rPr lang="en-US" sz="1200" b="0" i="0" u="none" strike="noStrike" baseline="0">
                           <a:effectLst/>
                           <a:latin typeface="Calibri" panose="020F0502020204030204" pitchFamily="34" charset="0"/>
                         </a:rPr>
@@ -11237,7 +12494,7 @@
                     <a:p>
                       <a:pPr algn="ctr" fontAlgn="ctr"/>
                       <a:r>
-                        <a:rPr lang="en-US" sz="700" b="0" i="0" u="none" strike="noStrike" baseline="0">
+                        <a:rPr lang="en-US" sz="1200" b="0" i="0" u="none" strike="noStrike" baseline="0" dirty="0">
                           <a:effectLst/>
                           <a:latin typeface="Calibri" panose="020F0502020204030204" pitchFamily="34" charset="0"/>
                         </a:rPr>
@@ -11285,7 +12542,7 @@
                     <a:p>
                       <a:pPr algn="ctr" fontAlgn="ctr"/>
                       <a:r>
-                        <a:rPr lang="en-US" sz="700" b="0" i="0" u="none" strike="noStrike" baseline="0">
+                        <a:rPr lang="en-US" sz="1200" b="0" i="0" u="none" strike="noStrike" baseline="0">
                           <a:effectLst/>
                           <a:latin typeface="Calibri" panose="020F0502020204030204" pitchFamily="34" charset="0"/>
                         </a:rPr>
@@ -11333,7 +12590,7 @@
                     <a:p>
                       <a:pPr algn="ctr" fontAlgn="ctr"/>
                       <a:r>
-                        <a:rPr lang="en-US" sz="700" b="0" i="0" u="none" strike="noStrike" baseline="0">
+                        <a:rPr lang="en-US" sz="1200" b="0" i="0" u="none" strike="noStrike" baseline="0">
                           <a:effectLst/>
                           <a:latin typeface="Calibri" panose="020F0502020204030204" pitchFamily="34" charset="0"/>
                         </a:rPr>
@@ -11376,11 +12633,11 @@
                 </a:tc>
                 <a:extLst>
                   <a:ext uri="{0D108BD9-81ED-4DB2-BD59-A6C34878D82A}">
-                    <a16:rowId xmlns:a16="http://schemas.microsoft.com/office/drawing/2014/main" val="3765209167"/>
+                    <a16:rowId xmlns:a16="http://schemas.microsoft.com/office/drawing/2014/main" val="1643903793"/>
                   </a:ext>
                 </a:extLst>
               </a:tr>
-              <a:tr h="128278">
+              <a:tr h="170739">
                 <a:tc vMerge="1">
                   <a:txBody>
                     <a:bodyPr/>
@@ -11398,12 +12655,16 @@
                     <a:p>
                       <a:pPr algn="ctr" fontAlgn="ctr"/>
                       <a:r>
-                        <a:rPr lang="en-US" sz="700" b="0" i="0" u="none" strike="noStrike" baseline="0">
+                        <a:rPr lang="en-US" sz="1200" b="0" i="0" u="none" strike="noStrike" baseline="0" dirty="0" err="1">
                           <a:effectLst/>
                           <a:latin typeface="Calibri" panose="020F0502020204030204" pitchFamily="34" charset="0"/>
                         </a:rPr>
                         <a:t>gmissa</a:t>
                       </a:r>
+                      <a:endParaRPr lang="en-US" sz="1200" b="0" i="0" u="none" strike="noStrike" baseline="0" dirty="0">
+                        <a:effectLst/>
+                        <a:latin typeface="Calibri" panose="020F0502020204030204" pitchFamily="34" charset="0"/>
+                      </a:endParaRPr>
                     </a:p>
                   </a:txBody>
                   <a:tcPr marL="3409" marR="3409" marT="3409" marB="0" anchor="ctr">
@@ -11452,7 +12713,7 @@
                     <a:p>
                       <a:pPr algn="ctr" fontAlgn="ctr"/>
                       <a:r>
-                        <a:rPr lang="en-US" sz="700" b="0" i="0" u="none" strike="noStrike" baseline="0">
+                        <a:rPr lang="en-US" sz="1200" b="0" i="0" u="none" strike="noStrike" baseline="0">
                           <a:effectLst/>
                           <a:latin typeface="Calibri" panose="020F0502020204030204" pitchFamily="34" charset="0"/>
                         </a:rPr>
@@ -11500,7 +12761,7 @@
                     <a:p>
                       <a:pPr algn="ctr" fontAlgn="ctr"/>
                       <a:r>
-                        <a:rPr lang="en-US" sz="700" b="1" i="0" u="none" strike="noStrike" baseline="0">
+                        <a:rPr lang="en-US" sz="1200" b="1" i="0" u="none" strike="noStrike" baseline="0" dirty="0">
                           <a:effectLst/>
                           <a:latin typeface="Calibri" panose="020F0502020204030204" pitchFamily="34" charset="0"/>
                         </a:rPr>
@@ -11548,7 +12809,7 @@
                     <a:p>
                       <a:pPr algn="ctr" fontAlgn="ctr"/>
                       <a:r>
-                        <a:rPr lang="en-US" sz="700" b="1" i="0" u="none" strike="noStrike" baseline="0">
+                        <a:rPr lang="en-US" sz="1200" b="1" i="0" u="none" strike="noStrike" baseline="0">
                           <a:effectLst/>
                           <a:latin typeface="Calibri" panose="020F0502020204030204" pitchFamily="34" charset="0"/>
                         </a:rPr>
@@ -11596,7 +12857,7 @@
                     <a:p>
                       <a:pPr algn="ctr" fontAlgn="ctr"/>
                       <a:r>
-                        <a:rPr lang="en-US" sz="700" b="1" i="0" u="none" strike="noStrike" baseline="0">
+                        <a:rPr lang="en-US" sz="1200" b="1" i="0" u="none" strike="noStrike" baseline="0" dirty="0">
                           <a:effectLst/>
                           <a:latin typeface="Calibri" panose="020F0502020204030204" pitchFamily="34" charset="0"/>
                         </a:rPr>
@@ -11639,11 +12900,11 @@
                 </a:tc>
                 <a:extLst>
                   <a:ext uri="{0D108BD9-81ED-4DB2-BD59-A6C34878D82A}">
-                    <a16:rowId xmlns:a16="http://schemas.microsoft.com/office/drawing/2014/main" val="163841075"/>
+                    <a16:rowId xmlns:a16="http://schemas.microsoft.com/office/drawing/2014/main" val="2187541126"/>
                   </a:ext>
                 </a:extLst>
               </a:tr>
-              <a:tr h="128278">
+              <a:tr h="170739">
                 <a:tc vMerge="1">
                   <a:txBody>
                     <a:bodyPr/>
@@ -11671,7 +12932,7 @@
                     <a:p>
                       <a:pPr algn="ctr" fontAlgn="ctr"/>
                       <a:r>
-                        <a:rPr lang="en-US" sz="700" b="0" i="0" u="none" strike="noStrike" baseline="0">
+                        <a:rPr lang="en-US" sz="1200" b="0" i="0" u="none" strike="noStrike" baseline="0">
                           <a:effectLst/>
                           <a:latin typeface="Calibri" panose="020F0502020204030204" pitchFamily="34" charset="0"/>
                         </a:rPr>
@@ -11713,7 +12974,7 @@
                     <a:p>
                       <a:pPr algn="ctr" fontAlgn="ctr"/>
                       <a:r>
-                        <a:rPr lang="en-US" sz="700" b="0" i="0" u="none" strike="noStrike" baseline="0">
+                        <a:rPr lang="en-US" sz="1200" b="0" i="0" u="none" strike="noStrike" baseline="0">
                           <a:effectLst/>
                           <a:latin typeface="Calibri" panose="020F0502020204030204" pitchFamily="34" charset="0"/>
                         </a:rPr>
@@ -11755,7 +13016,7 @@
                     <a:p>
                       <a:pPr algn="ctr" fontAlgn="ctr"/>
                       <a:r>
-                        <a:rPr lang="en-US" sz="700" b="0" i="0" u="none" strike="noStrike" baseline="0">
+                        <a:rPr lang="en-US" sz="1200" b="0" i="0" u="none" strike="noStrike" baseline="0" dirty="0">
                           <a:effectLst/>
                           <a:latin typeface="Calibri" panose="020F0502020204030204" pitchFamily="34" charset="0"/>
                         </a:rPr>
@@ -11797,7 +13058,7 @@
                     <a:p>
                       <a:pPr algn="ctr" fontAlgn="ctr"/>
                       <a:r>
-                        <a:rPr lang="en-US" sz="700" b="0" i="0" u="none" strike="noStrike" baseline="0">
+                        <a:rPr lang="en-US" sz="1200" b="0" i="0" u="none" strike="noStrike" baseline="0" dirty="0">
                           <a:effectLst/>
                           <a:latin typeface="Calibri" panose="020F0502020204030204" pitchFamily="34" charset="0"/>
                         </a:rPr>
@@ -11834,11 +13095,11 @@
                 </a:tc>
                 <a:extLst>
                   <a:ext uri="{0D108BD9-81ED-4DB2-BD59-A6C34878D82A}">
-                    <a16:rowId xmlns:a16="http://schemas.microsoft.com/office/drawing/2014/main" val="3622371230"/>
+                    <a16:rowId xmlns:a16="http://schemas.microsoft.com/office/drawing/2014/main" val="4057645038"/>
                   </a:ext>
                 </a:extLst>
               </a:tr>
-              <a:tr h="128278">
+              <a:tr h="170739">
                 <a:tc vMerge="1">
                   <a:txBody>
                     <a:bodyPr/>
@@ -11866,7 +13127,7 @@
                     <a:p>
                       <a:pPr algn="ctr" fontAlgn="ctr"/>
                       <a:r>
-                        <a:rPr lang="en-US" sz="700" b="0" i="0" u="none" strike="noStrike" baseline="0">
+                        <a:rPr lang="en-US" sz="1200" b="0" i="0" u="none" strike="noStrike" baseline="0">
                           <a:effectLst/>
                           <a:latin typeface="Calibri" panose="020F0502020204030204" pitchFamily="34" charset="0"/>
                         </a:rPr>
@@ -11914,7 +13175,7 @@
                     <a:p>
                       <a:pPr algn="ctr" fontAlgn="ctr"/>
                       <a:r>
-                        <a:rPr lang="en-US" sz="700" b="0" i="0" u="none" strike="noStrike" baseline="0">
+                        <a:rPr lang="en-US" sz="1200" b="0" i="0" u="none" strike="noStrike" baseline="0">
                           <a:effectLst/>
                           <a:latin typeface="Calibri" panose="020F0502020204030204" pitchFamily="34" charset="0"/>
                         </a:rPr>
@@ -11962,7 +13223,7 @@
                     <a:p>
                       <a:pPr algn="ctr" fontAlgn="ctr"/>
                       <a:r>
-                        <a:rPr lang="en-US" sz="700" b="0" i="0" u="none" strike="noStrike" baseline="0">
+                        <a:rPr lang="en-US" sz="1200" b="0" i="0" u="none" strike="noStrike" baseline="0">
                           <a:effectLst/>
                           <a:latin typeface="Calibri" panose="020F0502020204030204" pitchFamily="34" charset="0"/>
                         </a:rPr>
@@ -12010,7 +13271,7 @@
                     <a:p>
                       <a:pPr algn="ctr" fontAlgn="ctr"/>
                       <a:r>
-                        <a:rPr lang="en-US" sz="700" b="0" i="0" u="none" strike="noStrike" baseline="0">
+                        <a:rPr lang="en-US" sz="1200" b="0" i="0" u="none" strike="noStrike" baseline="0" dirty="0">
                           <a:effectLst/>
                           <a:latin typeface="Calibri" panose="020F0502020204030204" pitchFamily="34" charset="0"/>
                         </a:rPr>
@@ -12053,11 +13314,11 @@
                 </a:tc>
                 <a:extLst>
                   <a:ext uri="{0D108BD9-81ED-4DB2-BD59-A6C34878D82A}">
-                    <a16:rowId xmlns:a16="http://schemas.microsoft.com/office/drawing/2014/main" val="553207744"/>
+                    <a16:rowId xmlns:a16="http://schemas.microsoft.com/office/drawing/2014/main" val="3004521706"/>
                   </a:ext>
                 </a:extLst>
               </a:tr>
-              <a:tr h="128278">
+              <a:tr h="170739">
                 <a:tc vMerge="1">
                   <a:txBody>
                     <a:bodyPr/>
@@ -12075,7 +13336,7 @@
                     <a:p>
                       <a:pPr algn="ctr" fontAlgn="ctr"/>
                       <a:r>
-                        <a:rPr lang="en-US" sz="700" b="0" i="0" u="none" strike="noStrike" baseline="0">
+                        <a:rPr lang="en-US" sz="1200" b="0" i="0" u="none" strike="noStrike" baseline="0">
                           <a:effectLst/>
                           <a:latin typeface="Calibri" panose="020F0502020204030204" pitchFamily="34" charset="0"/>
                         </a:rPr>
@@ -12129,7 +13390,7 @@
                     <a:p>
                       <a:pPr algn="ctr" fontAlgn="ctr"/>
                       <a:r>
-                        <a:rPr lang="en-US" sz="700" b="0" i="0" u="none" strike="noStrike" baseline="0">
+                        <a:rPr lang="en-US" sz="1200" b="0" i="0" u="none" strike="noStrike" baseline="0">
                           <a:effectLst/>
                           <a:latin typeface="Calibri" panose="020F0502020204030204" pitchFamily="34" charset="0"/>
                         </a:rPr>
@@ -12177,7 +13438,7 @@
                     <a:p>
                       <a:pPr algn="ctr" fontAlgn="ctr"/>
                       <a:r>
-                        <a:rPr lang="en-US" sz="700" b="0" i="0" u="none" strike="noStrike" baseline="0">
+                        <a:rPr lang="en-US" sz="1200" b="0" i="0" u="none" strike="noStrike" baseline="0">
                           <a:effectLst/>
                           <a:latin typeface="Calibri" panose="020F0502020204030204" pitchFamily="34" charset="0"/>
                         </a:rPr>
@@ -12225,7 +13486,7 @@
                     <a:p>
                       <a:pPr algn="ctr" fontAlgn="ctr"/>
                       <a:r>
-                        <a:rPr lang="en-US" sz="700" b="1" i="0" u="none" strike="noStrike" baseline="0">
+                        <a:rPr lang="en-US" sz="1200" b="1" i="0" u="none" strike="noStrike" baseline="0">
                           <a:effectLst/>
                           <a:latin typeface="Calibri" panose="020F0502020204030204" pitchFamily="34" charset="0"/>
                         </a:rPr>
@@ -12273,7 +13534,7 @@
                     <a:p>
                       <a:pPr algn="ctr" fontAlgn="ctr"/>
                       <a:r>
-                        <a:rPr lang="en-US" sz="700" b="1" i="0" u="none" strike="noStrike" baseline="0">
+                        <a:rPr lang="en-US" sz="1200" b="1" i="0" u="none" strike="noStrike" baseline="0" dirty="0">
                           <a:effectLst/>
                           <a:latin typeface="Calibri" panose="020F0502020204030204" pitchFamily="34" charset="0"/>
                         </a:rPr>
@@ -12316,11 +13577,11 @@
                 </a:tc>
                 <a:extLst>
                   <a:ext uri="{0D108BD9-81ED-4DB2-BD59-A6C34878D82A}">
-                    <a16:rowId xmlns:a16="http://schemas.microsoft.com/office/drawing/2014/main" val="3524363869"/>
+                    <a16:rowId xmlns:a16="http://schemas.microsoft.com/office/drawing/2014/main" val="1265564477"/>
                   </a:ext>
                 </a:extLst>
               </a:tr>
-              <a:tr h="128278">
+              <a:tr h="170739">
                 <a:tc vMerge="1">
                   <a:txBody>
                     <a:bodyPr/>
@@ -12348,7 +13609,7 @@
                     <a:p>
                       <a:pPr algn="ctr" fontAlgn="ctr"/>
                       <a:r>
-                        <a:rPr lang="en-US" sz="700" b="0" i="0" u="none" strike="noStrike" baseline="0">
+                        <a:rPr lang="en-US" sz="1200" b="0" i="0" u="none" strike="noStrike" baseline="0">
                           <a:effectLst/>
                           <a:latin typeface="Calibri" panose="020F0502020204030204" pitchFamily="34" charset="0"/>
                         </a:rPr>
@@ -12390,7 +13651,7 @@
                     <a:p>
                       <a:pPr algn="ctr" fontAlgn="ctr"/>
                       <a:r>
-                        <a:rPr lang="en-US" sz="700" b="0" i="0" u="none" strike="noStrike" baseline="0">
+                        <a:rPr lang="en-US" sz="1200" b="0" i="0" u="none" strike="noStrike" baseline="0">
                           <a:effectLst/>
                           <a:latin typeface="Calibri" panose="020F0502020204030204" pitchFamily="34" charset="0"/>
                         </a:rPr>
@@ -12432,7 +13693,7 @@
                     <a:p>
                       <a:pPr algn="ctr" fontAlgn="ctr"/>
                       <a:r>
-                        <a:rPr lang="en-US" sz="700" b="0" i="0" u="none" strike="noStrike" baseline="0">
+                        <a:rPr lang="en-US" sz="1200" b="0" i="0" u="none" strike="noStrike" baseline="0">
                           <a:effectLst/>
                           <a:latin typeface="Calibri" panose="020F0502020204030204" pitchFamily="34" charset="0"/>
                         </a:rPr>
@@ -12474,7 +13735,7 @@
                     <a:p>
                       <a:pPr algn="ctr" fontAlgn="ctr"/>
                       <a:r>
-                        <a:rPr lang="en-US" sz="700" b="0" i="0" u="none" strike="noStrike" baseline="0">
+                        <a:rPr lang="en-US" sz="1200" b="0" i="0" u="none" strike="noStrike" baseline="0" dirty="0">
                           <a:effectLst/>
                           <a:latin typeface="Calibri" panose="020F0502020204030204" pitchFamily="34" charset="0"/>
                         </a:rPr>
@@ -12511,11 +13772,11 @@
                 </a:tc>
                 <a:extLst>
                   <a:ext uri="{0D108BD9-81ED-4DB2-BD59-A6C34878D82A}">
-                    <a16:rowId xmlns:a16="http://schemas.microsoft.com/office/drawing/2014/main" val="2543210580"/>
+                    <a16:rowId xmlns:a16="http://schemas.microsoft.com/office/drawing/2014/main" val="3538594780"/>
                   </a:ext>
                 </a:extLst>
               </a:tr>
-              <a:tr h="174607">
+              <a:tr h="170739">
                 <a:tc vMerge="1">
                   <a:txBody>
                     <a:bodyPr/>
@@ -12543,7 +13804,7 @@
                     <a:p>
                       <a:pPr algn="ctr" fontAlgn="ctr"/>
                       <a:r>
-                        <a:rPr lang="en-US" sz="700" b="0" i="0" u="none" strike="noStrike" baseline="0">
+                        <a:rPr lang="en-US" sz="1200" b="0" i="0" u="none" strike="noStrike" baseline="0">
                           <a:effectLst/>
                           <a:latin typeface="Calibri" panose="020F0502020204030204" pitchFamily="34" charset="0"/>
                         </a:rPr>
@@ -12591,7 +13852,7 @@
                     <a:p>
                       <a:pPr algn="ctr" fontAlgn="ctr"/>
                       <a:r>
-                        <a:rPr lang="en-US" sz="700" b="0" i="0" u="none" strike="noStrike" baseline="0">
+                        <a:rPr lang="en-US" sz="1200" b="0" i="0" u="none" strike="noStrike" baseline="0">
                           <a:effectLst/>
                           <a:latin typeface="Calibri" panose="020F0502020204030204" pitchFamily="34" charset="0"/>
                         </a:rPr>
@@ -12639,7 +13900,7 @@
                     <a:p>
                       <a:pPr algn="ctr" fontAlgn="ctr"/>
                       <a:r>
-                        <a:rPr lang="en-US" sz="700" b="0" i="0" u="none" strike="noStrike" baseline="0">
+                        <a:rPr lang="en-US" sz="1200" b="0" i="0" u="none" strike="noStrike" baseline="0">
                           <a:effectLst/>
                           <a:latin typeface="Calibri" panose="020F0502020204030204" pitchFamily="34" charset="0"/>
                         </a:rPr>
@@ -12687,7 +13948,7 @@
                     <a:p>
                       <a:pPr algn="ctr" fontAlgn="ctr"/>
                       <a:r>
-                        <a:rPr lang="en-US" sz="700" b="0" i="0" u="none" strike="noStrike" baseline="0">
+                        <a:rPr lang="en-US" sz="1200" b="0" i="0" u="none" strike="noStrike" baseline="0" dirty="0">
                           <a:effectLst/>
                           <a:latin typeface="Calibri" panose="020F0502020204030204" pitchFamily="34" charset="0"/>
                         </a:rPr>
@@ -12730,11 +13991,11 @@
                 </a:tc>
                 <a:extLst>
                   <a:ext uri="{0D108BD9-81ED-4DB2-BD59-A6C34878D82A}">
-                    <a16:rowId xmlns:a16="http://schemas.microsoft.com/office/drawing/2014/main" val="2496550200"/>
+                    <a16:rowId xmlns:a16="http://schemas.microsoft.com/office/drawing/2014/main" val="2349596134"/>
                   </a:ext>
                 </a:extLst>
               </a:tr>
-              <a:tr h="128278">
+              <a:tr h="170739">
                 <a:tc vMerge="1">
                   <a:txBody>
                     <a:bodyPr/>
@@ -12752,7 +14013,7 @@
                     <a:p>
                       <a:pPr algn="ctr" fontAlgn="ctr"/>
                       <a:r>
-                        <a:rPr lang="en-US" sz="700" b="0" i="0" u="none" strike="noStrike" baseline="0">
+                        <a:rPr lang="en-US" sz="1200" b="0" i="0" u="none" strike="noStrike" baseline="0">
                           <a:effectLst/>
                           <a:latin typeface="Calibri" panose="020F0502020204030204" pitchFamily="34" charset="0"/>
                         </a:rPr>
@@ -12806,7 +14067,7 @@
                     <a:p>
                       <a:pPr algn="ctr" fontAlgn="ctr"/>
                       <a:r>
-                        <a:rPr lang="en-US" sz="700" b="0" i="0" u="none" strike="noStrike" baseline="0">
+                        <a:rPr lang="en-US" sz="1200" b="0" i="0" u="none" strike="noStrike" baseline="0">
                           <a:effectLst/>
                           <a:latin typeface="Calibri" panose="020F0502020204030204" pitchFamily="34" charset="0"/>
                         </a:rPr>
@@ -12854,7 +14115,7 @@
                     <a:p>
                       <a:pPr algn="ctr" fontAlgn="ctr"/>
                       <a:r>
-                        <a:rPr lang="en-US" sz="700" b="1" i="0" u="none" strike="noStrike" baseline="0">
+                        <a:rPr lang="en-US" sz="1200" b="1" i="0" u="none" strike="noStrike" baseline="0">
                           <a:effectLst/>
                           <a:latin typeface="Calibri" panose="020F0502020204030204" pitchFamily="34" charset="0"/>
                         </a:rPr>
@@ -12902,7 +14163,7 @@
                     <a:p>
                       <a:pPr algn="ctr" fontAlgn="ctr"/>
                       <a:r>
-                        <a:rPr lang="en-US" sz="700" b="1" i="0" u="none" strike="noStrike" baseline="0">
+                        <a:rPr lang="en-US" sz="1200" b="1" i="0" u="none" strike="noStrike" baseline="0">
                           <a:effectLst/>
                           <a:latin typeface="Calibri" panose="020F0502020204030204" pitchFamily="34" charset="0"/>
                         </a:rPr>
@@ -12950,7 +14211,7 @@
                     <a:p>
                       <a:pPr algn="ctr" fontAlgn="ctr"/>
                       <a:r>
-                        <a:rPr lang="en-US" sz="700" b="1" i="0" u="none" strike="noStrike" baseline="0">
+                        <a:rPr lang="en-US" sz="1200" b="1" i="0" u="none" strike="noStrike" baseline="0" dirty="0">
                           <a:effectLst/>
                           <a:latin typeface="Calibri" panose="020F0502020204030204" pitchFamily="34" charset="0"/>
                         </a:rPr>
@@ -12993,11 +14254,11 @@
                 </a:tc>
                 <a:extLst>
                   <a:ext uri="{0D108BD9-81ED-4DB2-BD59-A6C34878D82A}">
-                    <a16:rowId xmlns:a16="http://schemas.microsoft.com/office/drawing/2014/main" val="4212564477"/>
+                    <a16:rowId xmlns:a16="http://schemas.microsoft.com/office/drawing/2014/main" val="3511878076"/>
                   </a:ext>
                 </a:extLst>
               </a:tr>
-              <a:tr h="128278">
+              <a:tr h="170739">
                 <a:tc vMerge="1">
                   <a:txBody>
                     <a:bodyPr/>
@@ -13025,7 +14286,7 @@
                     <a:p>
                       <a:pPr algn="ctr" fontAlgn="ctr"/>
                       <a:r>
-                        <a:rPr lang="en-US" sz="700" b="0" i="0" u="none" strike="noStrike" baseline="0">
+                        <a:rPr lang="en-US" sz="1200" b="0" i="0" u="none" strike="noStrike" baseline="0">
                           <a:effectLst/>
                           <a:latin typeface="Calibri" panose="020F0502020204030204" pitchFamily="34" charset="0"/>
                         </a:rPr>
@@ -13067,7 +14328,7 @@
                     <a:p>
                       <a:pPr algn="ctr" fontAlgn="ctr"/>
                       <a:r>
-                        <a:rPr lang="en-US" sz="700" b="0" i="0" u="none" strike="noStrike" baseline="0">
+                        <a:rPr lang="en-US" sz="1200" b="0" i="0" u="none" strike="noStrike" baseline="0">
                           <a:effectLst/>
                           <a:latin typeface="Calibri" panose="020F0502020204030204" pitchFamily="34" charset="0"/>
                         </a:rPr>
@@ -13109,7 +14370,7 @@
                     <a:p>
                       <a:pPr algn="ctr" fontAlgn="ctr"/>
                       <a:r>
-                        <a:rPr lang="en-US" sz="700" b="0" i="0" u="none" strike="noStrike" baseline="0">
+                        <a:rPr lang="en-US" sz="1200" b="0" i="0" u="none" strike="noStrike" baseline="0">
                           <a:effectLst/>
                           <a:latin typeface="Calibri" panose="020F0502020204030204" pitchFamily="34" charset="0"/>
                         </a:rPr>
@@ -13151,7 +14412,7 @@
                     <a:p>
                       <a:pPr algn="ctr" fontAlgn="ctr"/>
                       <a:r>
-                        <a:rPr lang="en-US" sz="700" b="0" i="0" u="none" strike="noStrike" baseline="0">
+                        <a:rPr lang="en-US" sz="1200" b="0" i="0" u="none" strike="noStrike" baseline="0" dirty="0">
                           <a:effectLst/>
                           <a:latin typeface="Calibri" panose="020F0502020204030204" pitchFamily="34" charset="0"/>
                         </a:rPr>
@@ -13188,11 +14449,11 @@
                 </a:tc>
                 <a:extLst>
                   <a:ext uri="{0D108BD9-81ED-4DB2-BD59-A6C34878D82A}">
-                    <a16:rowId xmlns:a16="http://schemas.microsoft.com/office/drawing/2014/main" val="2164312183"/>
+                    <a16:rowId xmlns:a16="http://schemas.microsoft.com/office/drawing/2014/main" val="2811192545"/>
                   </a:ext>
                 </a:extLst>
               </a:tr>
-              <a:tr h="128278">
+              <a:tr h="170739">
                 <a:tc vMerge="1">
                   <a:txBody>
                     <a:bodyPr/>
@@ -13220,7 +14481,7 @@
                     <a:p>
                       <a:pPr algn="ctr" fontAlgn="ctr"/>
                       <a:r>
-                        <a:rPr lang="en-US" sz="700" b="0" i="0" u="none" strike="noStrike" baseline="0">
+                        <a:rPr lang="en-US" sz="1200" b="0" i="0" u="none" strike="noStrike" baseline="0">
                           <a:effectLst/>
                           <a:latin typeface="Calibri" panose="020F0502020204030204" pitchFamily="34" charset="0"/>
                         </a:rPr>
@@ -13268,7 +14529,7 @@
                     <a:p>
                       <a:pPr algn="ctr" fontAlgn="ctr"/>
                       <a:r>
-                        <a:rPr lang="en-US" sz="700" b="0" i="0" u="none" strike="noStrike" baseline="0">
+                        <a:rPr lang="en-US" sz="1200" b="0" i="0" u="none" strike="noStrike" baseline="0">
                           <a:effectLst/>
                           <a:latin typeface="Calibri" panose="020F0502020204030204" pitchFamily="34" charset="0"/>
                         </a:rPr>
@@ -13316,7 +14577,7 @@
                     <a:p>
                       <a:pPr algn="ctr" fontAlgn="ctr"/>
                       <a:r>
-                        <a:rPr lang="en-US" sz="700" b="0" i="0" u="none" strike="noStrike" baseline="0">
+                        <a:rPr lang="en-US" sz="1200" b="0" i="0" u="none" strike="noStrike" baseline="0">
                           <a:effectLst/>
                           <a:latin typeface="Calibri" panose="020F0502020204030204" pitchFamily="34" charset="0"/>
                         </a:rPr>
@@ -13364,7 +14625,7 @@
                     <a:p>
                       <a:pPr algn="ctr" fontAlgn="ctr"/>
                       <a:r>
-                        <a:rPr lang="en-US" sz="700" b="0" i="0" u="none" strike="noStrike" baseline="0">
+                        <a:rPr lang="en-US" sz="1200" b="0" i="0" u="none" strike="noStrike" baseline="0" dirty="0">
                           <a:effectLst/>
                           <a:latin typeface="Calibri" panose="020F0502020204030204" pitchFamily="34" charset="0"/>
                         </a:rPr>
@@ -13407,11 +14668,11 @@
                 </a:tc>
                 <a:extLst>
                   <a:ext uri="{0D108BD9-81ED-4DB2-BD59-A6C34878D82A}">
-                    <a16:rowId xmlns:a16="http://schemas.microsoft.com/office/drawing/2014/main" val="4241098731"/>
+                    <a16:rowId xmlns:a16="http://schemas.microsoft.com/office/drawing/2014/main" val="1601109311"/>
                   </a:ext>
                 </a:extLst>
               </a:tr>
-              <a:tr h="128278">
+              <a:tr h="170739">
                 <a:tc vMerge="1">
                   <a:txBody>
                     <a:bodyPr/>
@@ -13429,7 +14690,7 @@
                     <a:p>
                       <a:pPr algn="ctr" fontAlgn="ctr"/>
                       <a:r>
-                        <a:rPr lang="en-US" sz="700" b="0" i="0" u="none" strike="noStrike" baseline="0">
+                        <a:rPr lang="en-US" sz="1200" b="0" i="0" u="none" strike="noStrike" baseline="0">
                           <a:effectLst/>
                           <a:latin typeface="Calibri" panose="020F0502020204030204" pitchFamily="34" charset="0"/>
                         </a:rPr>
@@ -13483,7 +14744,7 @@
                     <a:p>
                       <a:pPr algn="ctr" fontAlgn="ctr"/>
                       <a:r>
-                        <a:rPr lang="en-US" sz="700" b="0" i="0" u="none" strike="noStrike" baseline="0">
+                        <a:rPr lang="en-US" sz="1200" b="0" i="0" u="none" strike="noStrike" baseline="0">
                           <a:effectLst/>
                           <a:latin typeface="Calibri" panose="020F0502020204030204" pitchFamily="34" charset="0"/>
                         </a:rPr>
@@ -13537,7 +14798,7 @@
                     <a:p>
                       <a:pPr algn="ctr" fontAlgn="ctr"/>
                       <a:r>
-                        <a:rPr lang="en-US" sz="700" b="0" i="0" u="none" strike="noStrike" baseline="0">
+                        <a:rPr lang="en-US" sz="1200" b="0" i="0" u="none" strike="noStrike" baseline="0">
                           <a:effectLst/>
                           <a:latin typeface="Calibri" panose="020F0502020204030204" pitchFamily="34" charset="0"/>
                         </a:rPr>
@@ -13591,7 +14852,7 @@
                     <a:p>
                       <a:pPr algn="ctr" fontAlgn="ctr"/>
                       <a:r>
-                        <a:rPr lang="en-US" sz="700" b="0" i="0" u="none" strike="noStrike" baseline="0">
+                        <a:rPr lang="en-US" sz="1200" b="0" i="0" u="none" strike="noStrike" baseline="0">
                           <a:effectLst/>
                           <a:latin typeface="Calibri" panose="020F0502020204030204" pitchFamily="34" charset="0"/>
                         </a:rPr>
@@ -13645,7 +14906,7 @@
                     <a:p>
                       <a:pPr algn="ctr" fontAlgn="ctr"/>
                       <a:r>
-                        <a:rPr lang="en-US" sz="700" b="0" i="0" u="none" strike="noStrike" baseline="0">
+                        <a:rPr lang="en-US" sz="1200" b="0" i="0" u="none" strike="noStrike" baseline="0" dirty="0">
                           <a:effectLst/>
                           <a:latin typeface="Calibri" panose="020F0502020204030204" pitchFamily="34" charset="0"/>
                         </a:rPr>
@@ -13694,19 +14955,456 @@
                 </a:tc>
                 <a:extLst>
                   <a:ext uri="{0D108BD9-81ED-4DB2-BD59-A6C34878D82A}">
-                    <a16:rowId xmlns:a16="http://schemas.microsoft.com/office/drawing/2014/main" val="2278332566"/>
+                    <a16:rowId xmlns:a16="http://schemas.microsoft.com/office/drawing/2014/main" val="2193199610"/>
                   </a:ext>
                 </a:extLst>
               </a:tr>
-              <a:tr h="128278">
-                <a:tc rowSpan="16">
+            </a:tbl>
+          </a:graphicData>
+        </a:graphic>
+      </p:graphicFrame>
+      <p:graphicFrame>
+        <p:nvGraphicFramePr>
+          <p:cNvPr id="9" name="Table 8">
+            <a:extLst>
+              <a:ext uri="{FF2B5EF4-FFF2-40B4-BE49-F238E27FC236}">
+                <a16:creationId xmlns:a16="http://schemas.microsoft.com/office/drawing/2014/main" id="{BF859899-014D-4DC3-A25C-13D3A04C53F1}"/>
+              </a:ext>
+            </a:extLst>
+          </p:cNvPr>
+          <p:cNvGraphicFramePr>
+            <a:graphicFrameLocks noGrp="1"/>
+          </p:cNvGraphicFramePr>
+          <p:nvPr>
+            <p:extLst>
+              <p:ext uri="{D42A27DB-BD31-4B8C-83A1-F6EECF244321}">
+                <p14:modId xmlns:p14="http://schemas.microsoft.com/office/powerpoint/2010/main" val="2329974934"/>
+              </p:ext>
+            </p:extLst>
+          </p:nvPr>
+        </p:nvGraphicFramePr>
+        <p:xfrm>
+          <a:off x="8143925" y="2105360"/>
+          <a:ext cx="3577546" cy="3349793"/>
+        </p:xfrm>
+        <a:graphic>
+          <a:graphicData uri="http://schemas.openxmlformats.org/drawingml/2006/table">
+            <a:tbl>
+              <a:tblPr/>
+              <a:tblGrid>
+                <a:gridCol w="664614">
+                  <a:extLst>
+                    <a:ext uri="{9D8B030D-6E8A-4147-A177-3AD203B41FA5}">
+                      <a16:colId xmlns:a16="http://schemas.microsoft.com/office/drawing/2014/main" val="3677631679"/>
+                    </a:ext>
+                  </a:extLst>
+                </a:gridCol>
+                <a:gridCol w="692618">
+                  <a:extLst>
+                    <a:ext uri="{9D8B030D-6E8A-4147-A177-3AD203B41FA5}">
+                      <a16:colId xmlns:a16="http://schemas.microsoft.com/office/drawing/2014/main" val="409266551"/>
+                    </a:ext>
+                  </a:extLst>
+                </a:gridCol>
+                <a:gridCol w="656677">
+                  <a:extLst>
+                    <a:ext uri="{9D8B030D-6E8A-4147-A177-3AD203B41FA5}">
+                      <a16:colId xmlns:a16="http://schemas.microsoft.com/office/drawing/2014/main" val="892343397"/>
+                    </a:ext>
+                  </a:extLst>
+                </a:gridCol>
+                <a:gridCol w="371943">
+                  <a:extLst>
+                    <a:ext uri="{9D8B030D-6E8A-4147-A177-3AD203B41FA5}">
+                      <a16:colId xmlns:a16="http://schemas.microsoft.com/office/drawing/2014/main" val="3835179805"/>
+                    </a:ext>
+                  </a:extLst>
+                </a:gridCol>
+                <a:gridCol w="349718">
+                  <a:extLst>
+                    <a:ext uri="{9D8B030D-6E8A-4147-A177-3AD203B41FA5}">
+                      <a16:colId xmlns:a16="http://schemas.microsoft.com/office/drawing/2014/main" val="4240723465"/>
+                    </a:ext>
+                  </a:extLst>
+                </a:gridCol>
+                <a:gridCol w="841976">
+                  <a:extLst>
+                    <a:ext uri="{9D8B030D-6E8A-4147-A177-3AD203B41FA5}">
+                      <a16:colId xmlns:a16="http://schemas.microsoft.com/office/drawing/2014/main" val="2012469604"/>
+                    </a:ext>
+                  </a:extLst>
+                </a:gridCol>
+              </a:tblGrid>
+              <a:tr h="173277">
+                <a:tc>
                   <a:txBody>
                     <a:bodyPr/>
                     <a:lstStyle/>
                     <a:p>
                       <a:pPr algn="ctr" fontAlgn="ctr"/>
                       <a:r>
-                        <a:rPr lang="en-US" sz="700" b="0" i="0" u="none" strike="noStrike" baseline="0">
+                        <a:rPr lang="en-US" sz="1200" b="0" i="0" u="none" strike="noStrike" baseline="0" dirty="0">
+                          <a:effectLst/>
+                          <a:latin typeface="Calibri" panose="020F0502020204030204" pitchFamily="34" charset="0"/>
+                        </a:rPr>
+                        <a:t>Noise STD</a:t>
+                      </a:r>
+                    </a:p>
+                  </a:txBody>
+                  <a:tcPr marL="3409" marR="3409" marT="3409" marB="0" anchor="ctr">
+                    <a:lnL w="12700" cap="flat" cmpd="sng" algn="ctr">
+                      <a:solidFill>
+                        <a:srgbClr val="000000"/>
+                      </a:solidFill>
+                      <a:prstDash val="solid"/>
+                      <a:round/>
+                      <a:headEnd type="none" w="med" len="med"/>
+                      <a:tailEnd type="none" w="med" len="med"/>
+                    </a:lnL>
+                    <a:lnR w="6350" cap="flat" cmpd="sng" algn="ctr">
+                      <a:solidFill>
+                        <a:srgbClr val="000000"/>
+                      </a:solidFill>
+                      <a:prstDash val="solid"/>
+                      <a:round/>
+                      <a:headEnd type="none" w="med" len="med"/>
+                      <a:tailEnd type="none" w="med" len="med"/>
+                    </a:lnR>
+                    <a:lnT w="12700" cap="flat" cmpd="sng" algn="ctr">
+                      <a:solidFill>
+                        <a:srgbClr val="000000"/>
+                      </a:solidFill>
+                      <a:prstDash val="solid"/>
+                      <a:round/>
+                      <a:headEnd type="none" w="med" len="med"/>
+                      <a:tailEnd type="none" w="med" len="med"/>
+                    </a:lnT>
+                    <a:lnB w="12700" cap="flat" cmpd="sng" algn="ctr">
+                      <a:solidFill>
+                        <a:srgbClr val="000000"/>
+                      </a:solidFill>
+                      <a:prstDash val="solid"/>
+                      <a:round/>
+                      <a:headEnd type="none" w="med" len="med"/>
+                      <a:tailEnd type="none" w="med" len="med"/>
+                    </a:lnB>
+                    <a:solidFill>
+                      <a:schemeClr val="bg1">
+                        <a:lumMod val="85000"/>
+                      </a:schemeClr>
+                    </a:solidFill>
+                  </a:tcPr>
+                </a:tc>
+                <a:tc>
+                  <a:txBody>
+                    <a:bodyPr/>
+                    <a:lstStyle/>
+                    <a:p>
+                      <a:pPr algn="ctr" fontAlgn="ctr"/>
+                      <a:r>
+                        <a:rPr lang="en-US" sz="1200" b="0" i="0" u="none" strike="noStrike" baseline="0" dirty="0">
+                          <a:effectLst/>
+                          <a:latin typeface="Calibri" panose="020F0502020204030204" pitchFamily="34" charset="0"/>
+                        </a:rPr>
+                        <a:t>Video</a:t>
+                      </a:r>
+                    </a:p>
+                  </a:txBody>
+                  <a:tcPr marL="3409" marR="3409" marT="3409" marB="0" anchor="ctr">
+                    <a:lnL w="6350" cap="flat" cmpd="sng" algn="ctr">
+                      <a:solidFill>
+                        <a:srgbClr val="000000"/>
+                      </a:solidFill>
+                      <a:prstDash val="solid"/>
+                      <a:round/>
+                      <a:headEnd type="none" w="med" len="med"/>
+                      <a:tailEnd type="none" w="med" len="med"/>
+                    </a:lnL>
+                    <a:lnR w="6350" cap="flat" cmpd="sng" algn="ctr">
+                      <a:solidFill>
+                        <a:srgbClr val="000000"/>
+                      </a:solidFill>
+                      <a:prstDash val="solid"/>
+                      <a:round/>
+                      <a:headEnd type="none" w="med" len="med"/>
+                      <a:tailEnd type="none" w="med" len="med"/>
+                    </a:lnR>
+                    <a:lnT w="12700" cap="flat" cmpd="sng" algn="ctr">
+                      <a:solidFill>
+                        <a:srgbClr val="000000"/>
+                      </a:solidFill>
+                      <a:prstDash val="solid"/>
+                      <a:round/>
+                      <a:headEnd type="none" w="med" len="med"/>
+                      <a:tailEnd type="none" w="med" len="med"/>
+                    </a:lnT>
+                    <a:lnB w="12700" cap="flat" cmpd="sng" algn="ctr">
+                      <a:solidFill>
+                        <a:srgbClr val="000000"/>
+                      </a:solidFill>
+                      <a:prstDash val="solid"/>
+                      <a:round/>
+                      <a:headEnd type="none" w="med" len="med"/>
+                      <a:tailEnd type="none" w="med" len="med"/>
+                    </a:lnB>
+                    <a:solidFill>
+                      <a:schemeClr val="bg1">
+                        <a:lumMod val="85000"/>
+                      </a:schemeClr>
+                    </a:solidFill>
+                  </a:tcPr>
+                </a:tc>
+                <a:tc>
+                  <a:txBody>
+                    <a:bodyPr/>
+                    <a:lstStyle/>
+                    <a:p>
+                      <a:pPr algn="ctr" fontAlgn="ctr"/>
+                      <a:r>
+                        <a:rPr lang="en-US" sz="1200" b="0" i="0" u="none" strike="noStrike" baseline="0" dirty="0">
+                          <a:effectLst/>
+                          <a:latin typeface="Calibri" panose="020F0502020204030204" pitchFamily="34" charset="0"/>
+                        </a:rPr>
+                        <a:t>Algorithm</a:t>
+                      </a:r>
+                    </a:p>
+                  </a:txBody>
+                  <a:tcPr marL="3409" marR="3409" marT="3409" marB="0" anchor="ctr">
+                    <a:lnL w="6350" cap="flat" cmpd="sng" algn="ctr">
+                      <a:solidFill>
+                        <a:srgbClr val="000000"/>
+                      </a:solidFill>
+                      <a:prstDash val="solid"/>
+                      <a:round/>
+                      <a:headEnd type="none" w="med" len="med"/>
+                      <a:tailEnd type="none" w="med" len="med"/>
+                    </a:lnL>
+                    <a:lnR w="6350" cap="flat" cmpd="sng" algn="ctr">
+                      <a:solidFill>
+                        <a:srgbClr val="000000"/>
+                      </a:solidFill>
+                      <a:prstDash val="solid"/>
+                      <a:round/>
+                      <a:headEnd type="none" w="med" len="med"/>
+                      <a:tailEnd type="none" w="med" len="med"/>
+                    </a:lnR>
+                    <a:lnT w="12700" cap="flat" cmpd="sng" algn="ctr">
+                      <a:solidFill>
+                        <a:srgbClr val="000000"/>
+                      </a:solidFill>
+                      <a:prstDash val="solid"/>
+                      <a:round/>
+                      <a:headEnd type="none" w="med" len="med"/>
+                      <a:tailEnd type="none" w="med" len="med"/>
+                    </a:lnT>
+                    <a:lnB w="12700" cap="flat" cmpd="sng" algn="ctr">
+                      <a:solidFill>
+                        <a:srgbClr val="000000"/>
+                      </a:solidFill>
+                      <a:prstDash val="solid"/>
+                      <a:round/>
+                      <a:headEnd type="none" w="med" len="med"/>
+                      <a:tailEnd type="none" w="med" len="med"/>
+                    </a:lnB>
+                    <a:solidFill>
+                      <a:schemeClr val="bg1">
+                        <a:lumMod val="85000"/>
+                      </a:schemeClr>
+                    </a:solidFill>
+                  </a:tcPr>
+                </a:tc>
+                <a:tc>
+                  <a:txBody>
+                    <a:bodyPr/>
+                    <a:lstStyle/>
+                    <a:p>
+                      <a:pPr algn="ctr" fontAlgn="ctr"/>
+                      <a:r>
+                        <a:rPr lang="en-US" sz="1200" b="0" i="0" u="none" strike="noStrike" baseline="0">
+                          <a:effectLst/>
+                          <a:latin typeface="Calibri" panose="020F0502020204030204" pitchFamily="34" charset="0"/>
+                        </a:rPr>
+                        <a:t>PSNR</a:t>
+                      </a:r>
+                    </a:p>
+                  </a:txBody>
+                  <a:tcPr marL="3409" marR="3409" marT="3409" marB="0" anchor="ctr">
+                    <a:lnL w="6350" cap="flat" cmpd="sng" algn="ctr">
+                      <a:solidFill>
+                        <a:srgbClr val="000000"/>
+                      </a:solidFill>
+                      <a:prstDash val="solid"/>
+                      <a:round/>
+                      <a:headEnd type="none" w="med" len="med"/>
+                      <a:tailEnd type="none" w="med" len="med"/>
+                    </a:lnL>
+                    <a:lnR w="6350" cap="flat" cmpd="sng" algn="ctr">
+                      <a:solidFill>
+                        <a:srgbClr val="000000"/>
+                      </a:solidFill>
+                      <a:prstDash val="solid"/>
+                      <a:round/>
+                      <a:headEnd type="none" w="med" len="med"/>
+                      <a:tailEnd type="none" w="med" len="med"/>
+                    </a:lnR>
+                    <a:lnT w="12700" cap="flat" cmpd="sng" algn="ctr">
+                      <a:solidFill>
+                        <a:srgbClr val="000000"/>
+                      </a:solidFill>
+                      <a:prstDash val="solid"/>
+                      <a:round/>
+                      <a:headEnd type="none" w="med" len="med"/>
+                      <a:tailEnd type="none" w="med" len="med"/>
+                    </a:lnT>
+                    <a:lnB w="12700" cap="flat" cmpd="sng" algn="ctr">
+                      <a:solidFill>
+                        <a:srgbClr val="000000"/>
+                      </a:solidFill>
+                      <a:prstDash val="solid"/>
+                      <a:round/>
+                      <a:headEnd type="none" w="med" len="med"/>
+                      <a:tailEnd type="none" w="med" len="med"/>
+                    </a:lnB>
+                    <a:solidFill>
+                      <a:schemeClr val="bg1">
+                        <a:lumMod val="85000"/>
+                      </a:schemeClr>
+                    </a:solidFill>
+                  </a:tcPr>
+                </a:tc>
+                <a:tc>
+                  <a:txBody>
+                    <a:bodyPr/>
+                    <a:lstStyle/>
+                    <a:p>
+                      <a:pPr algn="ctr" fontAlgn="ctr"/>
+                      <a:r>
+                        <a:rPr lang="en-US" sz="1200" b="0" i="0" u="none" strike="noStrike" baseline="0" dirty="0">
+                          <a:effectLst/>
+                          <a:latin typeface="Calibri" panose="020F0502020204030204" pitchFamily="34" charset="0"/>
+                        </a:rPr>
+                        <a:t>SSIM</a:t>
+                      </a:r>
+                    </a:p>
+                  </a:txBody>
+                  <a:tcPr marL="3409" marR="3409" marT="3409" marB="0" anchor="ctr">
+                    <a:lnL w="6350" cap="flat" cmpd="sng" algn="ctr">
+                      <a:solidFill>
+                        <a:srgbClr val="000000"/>
+                      </a:solidFill>
+                      <a:prstDash val="solid"/>
+                      <a:round/>
+                      <a:headEnd type="none" w="med" len="med"/>
+                      <a:tailEnd type="none" w="med" len="med"/>
+                    </a:lnL>
+                    <a:lnR w="6350" cap="flat" cmpd="sng" algn="ctr">
+                      <a:solidFill>
+                        <a:schemeClr val="tx1"/>
+                      </a:solidFill>
+                      <a:prstDash val="solid"/>
+                      <a:round/>
+                      <a:headEnd type="none" w="med" len="med"/>
+                      <a:tailEnd type="none" w="med" len="med"/>
+                    </a:lnR>
+                    <a:lnT w="12700" cap="flat" cmpd="sng" algn="ctr">
+                      <a:solidFill>
+                        <a:srgbClr val="000000"/>
+                      </a:solidFill>
+                      <a:prstDash val="solid"/>
+                      <a:round/>
+                      <a:headEnd type="none" w="med" len="med"/>
+                      <a:tailEnd type="none" w="med" len="med"/>
+                    </a:lnT>
+                    <a:lnB w="12700" cap="flat" cmpd="sng" algn="ctr">
+                      <a:solidFill>
+                        <a:srgbClr val="000000"/>
+                      </a:solidFill>
+                      <a:prstDash val="solid"/>
+                      <a:round/>
+                      <a:headEnd type="none" w="med" len="med"/>
+                      <a:tailEnd type="none" w="med" len="med"/>
+                    </a:lnB>
+                    <a:solidFill>
+                      <a:schemeClr val="bg1">
+                        <a:lumMod val="85000"/>
+                      </a:schemeClr>
+                    </a:solidFill>
+                  </a:tcPr>
+                </a:tc>
+                <a:tc>
+                  <a:txBody>
+                    <a:bodyPr/>
+                    <a:lstStyle/>
+                    <a:p>
+                      <a:pPr algn="ctr" fontAlgn="ctr"/>
+                      <a:r>
+                        <a:rPr lang="en-US" sz="1200" b="0" i="0" u="none" strike="noStrike" baseline="0" dirty="0">
+                          <a:effectLst/>
+                          <a:latin typeface="Calibri" panose="020F0502020204030204" pitchFamily="34" charset="0"/>
+                        </a:rPr>
+                        <a:t>Time per frame [sec]</a:t>
+                      </a:r>
+                    </a:p>
+                  </a:txBody>
+                  <a:tcPr marL="3409" marR="3409" marT="3409" marB="0" anchor="ctr">
+                    <a:lnL w="6350" cap="flat" cmpd="sng" algn="ctr">
+                      <a:solidFill>
+                        <a:schemeClr val="tx1"/>
+                      </a:solidFill>
+                      <a:prstDash val="solid"/>
+                      <a:round/>
+                      <a:headEnd type="none" w="med" len="med"/>
+                      <a:tailEnd type="none" w="med" len="med"/>
+                    </a:lnL>
+                    <a:lnR w="12700" cap="flat" cmpd="sng" algn="ctr">
+                      <a:solidFill>
+                        <a:srgbClr val="000000"/>
+                      </a:solidFill>
+                      <a:prstDash val="solid"/>
+                      <a:round/>
+                      <a:headEnd type="none" w="med" len="med"/>
+                      <a:tailEnd type="none" w="med" len="med"/>
+                    </a:lnR>
+                    <a:lnT w="12700" cap="flat" cmpd="sng" algn="ctr">
+                      <a:solidFill>
+                        <a:srgbClr val="000000"/>
+                      </a:solidFill>
+                      <a:prstDash val="solid"/>
+                      <a:round/>
+                      <a:headEnd type="none" w="med" len="med"/>
+                      <a:tailEnd type="none" w="med" len="med"/>
+                    </a:lnT>
+                    <a:lnB w="12700" cap="flat" cmpd="sng" algn="ctr">
+                      <a:solidFill>
+                        <a:srgbClr val="000000"/>
+                      </a:solidFill>
+                      <a:prstDash val="solid"/>
+                      <a:round/>
+                      <a:headEnd type="none" w="med" len="med"/>
+                      <a:tailEnd type="none" w="med" len="med"/>
+                    </a:lnB>
+                    <a:solidFill>
+                      <a:schemeClr val="bg1">
+                        <a:lumMod val="85000"/>
+                      </a:schemeClr>
+                    </a:solidFill>
+                  </a:tcPr>
+                </a:tc>
+                <a:extLst>
+                  <a:ext uri="{0D108BD9-81ED-4DB2-BD59-A6C34878D82A}">
+                    <a16:rowId xmlns:a16="http://schemas.microsoft.com/office/drawing/2014/main" val="1020624739"/>
+                  </a:ext>
+                </a:extLst>
+              </a:tr>
+              <a:tr h="170739">
+                <a:tc rowSpan="16">
+                  <a:txBody>
+                    <a:bodyPr/>
+                    <a:lstStyle/>
+                    <a:p>
+                      <a:pPr algn="ctr" fontAlgn="ctr"/>
+                      <a:r>
+                        <a:rPr lang="en-US" sz="1200" b="0" i="0" u="none" strike="noStrike" baseline="0" dirty="0">
                           <a:effectLst/>
                           <a:latin typeface="Calibri" panose="020F0502020204030204" pitchFamily="34" charset="0"/>
                         </a:rPr>
@@ -13760,12 +15458,16 @@
                     <a:p>
                       <a:pPr algn="ctr" fontAlgn="ctr"/>
                       <a:r>
-                        <a:rPr lang="en-US" sz="700" b="0" i="0" u="none" strike="noStrike" baseline="0">
+                        <a:rPr lang="en-US" sz="1200" b="0" i="0" u="none" strike="noStrike" baseline="0" dirty="0" err="1">
                           <a:effectLst/>
                           <a:latin typeface="Calibri" panose="020F0502020204030204" pitchFamily="34" charset="0"/>
                         </a:rPr>
                         <a:t>gbicycle</a:t>
                       </a:r>
+                      <a:endParaRPr lang="en-US" sz="1200" b="0" i="0" u="none" strike="noStrike" baseline="0" dirty="0">
+                        <a:effectLst/>
+                        <a:latin typeface="Calibri" panose="020F0502020204030204" pitchFamily="34" charset="0"/>
+                      </a:endParaRPr>
                     </a:p>
                   </a:txBody>
                   <a:tcPr marL="3409" marR="3409" marT="3409" marB="0" anchor="ctr">
@@ -13814,7 +15516,7 @@
                     <a:p>
                       <a:pPr algn="ctr" fontAlgn="ctr"/>
                       <a:r>
-                        <a:rPr lang="en-US" sz="700" b="0" i="0" u="none" strike="noStrike" baseline="0">
+                        <a:rPr lang="en-US" sz="1200" b="0" i="0" u="none" strike="noStrike" baseline="0">
                           <a:effectLst/>
                           <a:latin typeface="Calibri" panose="020F0502020204030204" pitchFamily="34" charset="0"/>
                         </a:rPr>
@@ -13862,7 +15564,7 @@
                     <a:p>
                       <a:pPr algn="ctr" fontAlgn="ctr"/>
                       <a:r>
-                        <a:rPr lang="en-US" sz="700" b="1" i="0" u="none" strike="noStrike" baseline="0">
+                        <a:rPr lang="en-US" sz="1200" b="1" i="0" u="none" strike="noStrike" baseline="0">
                           <a:effectLst/>
                           <a:latin typeface="Calibri" panose="020F0502020204030204" pitchFamily="34" charset="0"/>
                         </a:rPr>
@@ -13910,7 +15612,7 @@
                     <a:p>
                       <a:pPr algn="ctr" fontAlgn="ctr"/>
                       <a:r>
-                        <a:rPr lang="en-US" sz="700" b="1" i="0" u="none" strike="noStrike" baseline="0">
+                        <a:rPr lang="en-US" sz="1200" b="1" i="0" u="none" strike="noStrike" baseline="0">
                           <a:effectLst/>
                           <a:latin typeface="Calibri" panose="020F0502020204030204" pitchFamily="34" charset="0"/>
                         </a:rPr>
@@ -13930,7 +15632,7 @@
                     </a:lnL>
                     <a:lnR w="6350" cap="flat" cmpd="sng" algn="ctr">
                       <a:solidFill>
-                        <a:srgbClr val="000000"/>
+                        <a:schemeClr val="tx1"/>
                       </a:solidFill>
                       <a:prstDash val="solid"/>
                       <a:round/>
@@ -13958,7 +15660,7 @@
                     <a:p>
                       <a:pPr algn="ctr" fontAlgn="ctr"/>
                       <a:r>
-                        <a:rPr lang="en-US" sz="700" b="1" i="0" u="none" strike="noStrike" baseline="0">
+                        <a:rPr lang="en-US" sz="1200" b="1" i="0" u="none" strike="noStrike" baseline="0" dirty="0">
                           <a:effectLst/>
                           <a:latin typeface="Calibri" panose="020F0502020204030204" pitchFamily="34" charset="0"/>
                         </a:rPr>
@@ -13969,7 +15671,7 @@
                   <a:tcPr marL="3409" marR="3409" marT="3409" marB="0" anchor="ctr">
                     <a:lnL w="6350" cap="flat" cmpd="sng" algn="ctr">
                       <a:solidFill>
-                        <a:srgbClr val="000000"/>
+                        <a:schemeClr val="tx1"/>
                       </a:solidFill>
                       <a:prstDash val="solid"/>
                       <a:round/>
@@ -14001,11 +15703,11 @@
                 </a:tc>
                 <a:extLst>
                   <a:ext uri="{0D108BD9-81ED-4DB2-BD59-A6C34878D82A}">
-                    <a16:rowId xmlns:a16="http://schemas.microsoft.com/office/drawing/2014/main" val="1693133229"/>
+                    <a16:rowId xmlns:a16="http://schemas.microsoft.com/office/drawing/2014/main" val="2583148272"/>
                   </a:ext>
                 </a:extLst>
               </a:tr>
-              <a:tr h="128278">
+              <a:tr h="170739">
                 <a:tc vMerge="1">
                   <a:txBody>
                     <a:bodyPr/>
@@ -14033,7 +15735,7 @@
                     <a:p>
                       <a:pPr algn="ctr" fontAlgn="ctr"/>
                       <a:r>
-                        <a:rPr lang="en-US" sz="700" b="0" i="0" u="none" strike="noStrike" baseline="0">
+                        <a:rPr lang="en-US" sz="1200" b="0" i="0" u="none" strike="noStrike" baseline="0">
                           <a:effectLst/>
                           <a:latin typeface="Calibri" panose="020F0502020204030204" pitchFamily="34" charset="0"/>
                         </a:rPr>
@@ -14075,7 +15777,7 @@
                     <a:p>
                       <a:pPr algn="ctr" fontAlgn="ctr"/>
                       <a:r>
-                        <a:rPr lang="en-US" sz="700" b="0" i="0" u="none" strike="noStrike" baseline="0">
+                        <a:rPr lang="en-US" sz="1200" b="0" i="0" u="none" strike="noStrike" baseline="0">
                           <a:effectLst/>
                           <a:latin typeface="Calibri" panose="020F0502020204030204" pitchFamily="34" charset="0"/>
                         </a:rPr>
@@ -14117,7 +15819,7 @@
                     <a:p>
                       <a:pPr algn="ctr" fontAlgn="ctr"/>
                       <a:r>
-                        <a:rPr lang="en-US" sz="700" b="0" i="0" u="none" strike="noStrike" baseline="0">
+                        <a:rPr lang="en-US" sz="1200" b="0" i="0" u="none" strike="noStrike" baseline="0">
                           <a:effectLst/>
                           <a:latin typeface="Calibri" panose="020F0502020204030204" pitchFamily="34" charset="0"/>
                         </a:rPr>
@@ -14159,7 +15861,7 @@
                     <a:p>
                       <a:pPr algn="ctr" fontAlgn="ctr"/>
                       <a:r>
-                        <a:rPr lang="en-US" sz="700" b="0" i="0" u="none" strike="noStrike" baseline="0">
+                        <a:rPr lang="en-US" sz="1200" b="0" i="0" u="none" strike="noStrike" baseline="0" dirty="0">
                           <a:effectLst/>
                           <a:latin typeface="Calibri" panose="020F0502020204030204" pitchFamily="34" charset="0"/>
                         </a:rPr>
@@ -14196,11 +15898,11 @@
                 </a:tc>
                 <a:extLst>
                   <a:ext uri="{0D108BD9-81ED-4DB2-BD59-A6C34878D82A}">
-                    <a16:rowId xmlns:a16="http://schemas.microsoft.com/office/drawing/2014/main" val="566306001"/>
+                    <a16:rowId xmlns:a16="http://schemas.microsoft.com/office/drawing/2014/main" val="3759492771"/>
                   </a:ext>
                 </a:extLst>
               </a:tr>
-              <a:tr h="128278">
+              <a:tr h="170739">
                 <a:tc vMerge="1">
                   <a:txBody>
                     <a:bodyPr/>
@@ -14228,7 +15930,7 @@
                     <a:p>
                       <a:pPr algn="ctr" fontAlgn="ctr"/>
                       <a:r>
-                        <a:rPr lang="en-US" sz="700" b="0" i="0" u="none" strike="noStrike" baseline="0">
+                        <a:rPr lang="en-US" sz="1200" b="0" i="0" u="none" strike="noStrike" baseline="0">
                           <a:effectLst/>
                           <a:latin typeface="Calibri" panose="020F0502020204030204" pitchFamily="34" charset="0"/>
                         </a:rPr>
@@ -14276,7 +15978,7 @@
                     <a:p>
                       <a:pPr algn="ctr" fontAlgn="ctr"/>
                       <a:r>
-                        <a:rPr lang="en-US" sz="700" b="0" i="0" u="none" strike="noStrike" baseline="0">
+                        <a:rPr lang="en-US" sz="1200" b="0" i="0" u="none" strike="noStrike" baseline="0">
                           <a:effectLst/>
                           <a:latin typeface="Calibri" panose="020F0502020204030204" pitchFamily="34" charset="0"/>
                         </a:rPr>
@@ -14324,7 +16026,7 @@
                     <a:p>
                       <a:pPr algn="ctr" fontAlgn="ctr"/>
                       <a:r>
-                        <a:rPr lang="en-US" sz="700" b="0" i="0" u="none" strike="noStrike" baseline="0">
+                        <a:rPr lang="en-US" sz="1200" b="0" i="0" u="none" strike="noStrike" baseline="0">
                           <a:effectLst/>
                           <a:latin typeface="Calibri" panose="020F0502020204030204" pitchFamily="34" charset="0"/>
                         </a:rPr>
@@ -14372,7 +16074,7 @@
                     <a:p>
                       <a:pPr algn="ctr" fontAlgn="ctr"/>
                       <a:r>
-                        <a:rPr lang="en-US" sz="700" b="0" i="0" u="none" strike="noStrike" baseline="0">
+                        <a:rPr lang="en-US" sz="1200" b="0" i="0" u="none" strike="noStrike" baseline="0" dirty="0">
                           <a:effectLst/>
                           <a:latin typeface="Calibri" panose="020F0502020204030204" pitchFamily="34" charset="0"/>
                         </a:rPr>
@@ -14415,11 +16117,11 @@
                 </a:tc>
                 <a:extLst>
                   <a:ext uri="{0D108BD9-81ED-4DB2-BD59-A6C34878D82A}">
-                    <a16:rowId xmlns:a16="http://schemas.microsoft.com/office/drawing/2014/main" val="1016968758"/>
+                    <a16:rowId xmlns:a16="http://schemas.microsoft.com/office/drawing/2014/main" val="578177292"/>
                   </a:ext>
                 </a:extLst>
               </a:tr>
-              <a:tr h="128278">
+              <a:tr h="170739">
                 <a:tc vMerge="1">
                   <a:txBody>
                     <a:bodyPr/>
@@ -14437,7 +16139,7 @@
                     <a:p>
                       <a:pPr algn="ctr" fontAlgn="ctr"/>
                       <a:r>
-                        <a:rPr lang="en-US" sz="700" b="0" i="0" u="none" strike="noStrike" baseline="0">
+                        <a:rPr lang="en-US" sz="1200" b="0" i="0" u="none" strike="noStrike" baseline="0">
                           <a:effectLst/>
                           <a:latin typeface="Calibri" panose="020F0502020204030204" pitchFamily="34" charset="0"/>
                         </a:rPr>
@@ -14491,7 +16193,7 @@
                     <a:p>
                       <a:pPr algn="ctr" fontAlgn="ctr"/>
                       <a:r>
-                        <a:rPr lang="en-US" sz="700" b="0" i="0" u="none" strike="noStrike" baseline="0">
+                        <a:rPr lang="en-US" sz="1200" b="0" i="0" u="none" strike="noStrike" baseline="0">
                           <a:effectLst/>
                           <a:latin typeface="Calibri" panose="020F0502020204030204" pitchFamily="34" charset="0"/>
                         </a:rPr>
@@ -14539,7 +16241,7 @@
                     <a:p>
                       <a:pPr algn="ctr" fontAlgn="ctr"/>
                       <a:r>
-                        <a:rPr lang="en-US" sz="700" b="1" i="0" u="none" strike="noStrike" baseline="0">
+                        <a:rPr lang="en-US" sz="1200" b="1" i="0" u="none" strike="noStrike" baseline="0">
                           <a:effectLst/>
                           <a:latin typeface="Calibri" panose="020F0502020204030204" pitchFamily="34" charset="0"/>
                         </a:rPr>
@@ -14587,7 +16289,7 @@
                     <a:p>
                       <a:pPr algn="ctr" fontAlgn="ctr"/>
                       <a:r>
-                        <a:rPr lang="en-US" sz="700" b="1" i="0" u="none" strike="noStrike" baseline="0">
+                        <a:rPr lang="en-US" sz="1200" b="1" i="0" u="none" strike="noStrike" baseline="0">
                           <a:effectLst/>
                           <a:latin typeface="Calibri" panose="020F0502020204030204" pitchFamily="34" charset="0"/>
                         </a:rPr>
@@ -14635,7 +16337,7 @@
                     <a:p>
                       <a:pPr algn="ctr" fontAlgn="ctr"/>
                       <a:r>
-                        <a:rPr lang="en-US" sz="700" b="1" i="0" u="none" strike="noStrike" baseline="0">
+                        <a:rPr lang="en-US" sz="1200" b="1" i="0" u="none" strike="noStrike" baseline="0" dirty="0">
                           <a:effectLst/>
                           <a:latin typeface="Calibri" panose="020F0502020204030204" pitchFamily="34" charset="0"/>
                         </a:rPr>
@@ -14678,11 +16380,11 @@
                 </a:tc>
                 <a:extLst>
                   <a:ext uri="{0D108BD9-81ED-4DB2-BD59-A6C34878D82A}">
-                    <a16:rowId xmlns:a16="http://schemas.microsoft.com/office/drawing/2014/main" val="1542030534"/>
+                    <a16:rowId xmlns:a16="http://schemas.microsoft.com/office/drawing/2014/main" val="831667613"/>
                   </a:ext>
                 </a:extLst>
               </a:tr>
-              <a:tr h="128278">
+              <a:tr h="170739">
                 <a:tc vMerge="1">
                   <a:txBody>
                     <a:bodyPr/>
@@ -14710,7 +16412,7 @@
                     <a:p>
                       <a:pPr algn="ctr" fontAlgn="ctr"/>
                       <a:r>
-                        <a:rPr lang="en-US" sz="700" b="0" i="0" u="none" strike="noStrike" baseline="0">
+                        <a:rPr lang="en-US" sz="1200" b="0" i="0" u="none" strike="noStrike" baseline="0">
                           <a:effectLst/>
                           <a:latin typeface="Calibri" panose="020F0502020204030204" pitchFamily="34" charset="0"/>
                         </a:rPr>
@@ -14752,7 +16454,7 @@
                     <a:p>
                       <a:pPr algn="ctr" fontAlgn="ctr"/>
                       <a:r>
-                        <a:rPr lang="en-US" sz="700" b="0" i="0" u="none" strike="noStrike" baseline="0">
+                        <a:rPr lang="en-US" sz="1200" b="0" i="0" u="none" strike="noStrike" baseline="0">
                           <a:effectLst/>
                           <a:latin typeface="Calibri" panose="020F0502020204030204" pitchFamily="34" charset="0"/>
                         </a:rPr>
@@ -14794,7 +16496,7 @@
                     <a:p>
                       <a:pPr algn="ctr" fontAlgn="ctr"/>
                       <a:r>
-                        <a:rPr lang="en-US" sz="700" b="0" i="0" u="none" strike="noStrike" baseline="0">
+                        <a:rPr lang="en-US" sz="1200" b="0" i="0" u="none" strike="noStrike" baseline="0">
                           <a:effectLst/>
                           <a:latin typeface="Calibri" panose="020F0502020204030204" pitchFamily="34" charset="0"/>
                         </a:rPr>
@@ -14836,7 +16538,7 @@
                     <a:p>
                       <a:pPr algn="ctr" fontAlgn="ctr"/>
                       <a:r>
-                        <a:rPr lang="en-US" sz="700" b="0" i="0" u="none" strike="noStrike" baseline="0">
+                        <a:rPr lang="en-US" sz="1200" b="0" i="0" u="none" strike="noStrike" baseline="0" dirty="0">
                           <a:effectLst/>
                           <a:latin typeface="Calibri" panose="020F0502020204030204" pitchFamily="34" charset="0"/>
                         </a:rPr>
@@ -14873,11 +16575,11 @@
                 </a:tc>
                 <a:extLst>
                   <a:ext uri="{0D108BD9-81ED-4DB2-BD59-A6C34878D82A}">
-                    <a16:rowId xmlns:a16="http://schemas.microsoft.com/office/drawing/2014/main" val="2803988574"/>
+                    <a16:rowId xmlns:a16="http://schemas.microsoft.com/office/drawing/2014/main" val="807886540"/>
                   </a:ext>
                 </a:extLst>
               </a:tr>
-              <a:tr h="128278">
+              <a:tr h="170739">
                 <a:tc vMerge="1">
                   <a:txBody>
                     <a:bodyPr/>
@@ -14905,7 +16607,7 @@
                     <a:p>
                       <a:pPr algn="ctr" fontAlgn="ctr"/>
                       <a:r>
-                        <a:rPr lang="en-US" sz="700" b="0" i="0" u="none" strike="noStrike" baseline="0">
+                        <a:rPr lang="en-US" sz="1200" b="0" i="0" u="none" strike="noStrike" baseline="0">
                           <a:effectLst/>
                           <a:latin typeface="Calibri" panose="020F0502020204030204" pitchFamily="34" charset="0"/>
                         </a:rPr>
@@ -14953,7 +16655,7 @@
                     <a:p>
                       <a:pPr algn="ctr" fontAlgn="ctr"/>
                       <a:r>
-                        <a:rPr lang="en-US" sz="700" b="0" i="0" u="none" strike="noStrike" baseline="0">
+                        <a:rPr lang="en-US" sz="1200" b="0" i="0" u="none" strike="noStrike" baseline="0">
                           <a:effectLst/>
                           <a:latin typeface="Calibri" panose="020F0502020204030204" pitchFamily="34" charset="0"/>
                         </a:rPr>
@@ -15001,7 +16703,7 @@
                     <a:p>
                       <a:pPr algn="ctr" fontAlgn="ctr"/>
                       <a:r>
-                        <a:rPr lang="en-US" sz="700" b="0" i="0" u="none" strike="noStrike" baseline="0">
+                        <a:rPr lang="en-US" sz="1200" b="0" i="0" u="none" strike="noStrike" baseline="0">
                           <a:effectLst/>
                           <a:latin typeface="Calibri" panose="020F0502020204030204" pitchFamily="34" charset="0"/>
                         </a:rPr>
@@ -15049,7 +16751,7 @@
                     <a:p>
                       <a:pPr algn="ctr" fontAlgn="ctr"/>
                       <a:r>
-                        <a:rPr lang="en-US" sz="700" b="0" i="0" u="none" strike="noStrike" baseline="0">
+                        <a:rPr lang="en-US" sz="1200" b="0" i="0" u="none" strike="noStrike" baseline="0" dirty="0">
                           <a:effectLst/>
                           <a:latin typeface="Calibri" panose="020F0502020204030204" pitchFamily="34" charset="0"/>
                         </a:rPr>
@@ -15092,11 +16794,11 @@
                 </a:tc>
                 <a:extLst>
                   <a:ext uri="{0D108BD9-81ED-4DB2-BD59-A6C34878D82A}">
-                    <a16:rowId xmlns:a16="http://schemas.microsoft.com/office/drawing/2014/main" val="4039169278"/>
+                    <a16:rowId xmlns:a16="http://schemas.microsoft.com/office/drawing/2014/main" val="1643903793"/>
                   </a:ext>
                 </a:extLst>
               </a:tr>
-              <a:tr h="128278">
+              <a:tr h="170739">
                 <a:tc vMerge="1">
                   <a:txBody>
                     <a:bodyPr/>
@@ -15114,7 +16816,7 @@
                     <a:p>
                       <a:pPr algn="ctr" fontAlgn="ctr"/>
                       <a:r>
-                        <a:rPr lang="en-US" sz="700" b="0" i="0" u="none" strike="noStrike" baseline="0">
+                        <a:rPr lang="en-US" sz="1200" b="0" i="0" u="none" strike="noStrike" baseline="0">
                           <a:effectLst/>
                           <a:latin typeface="Calibri" panose="020F0502020204030204" pitchFamily="34" charset="0"/>
                         </a:rPr>
@@ -15168,7 +16870,7 @@
                     <a:p>
                       <a:pPr algn="ctr" fontAlgn="ctr"/>
                       <a:r>
-                        <a:rPr lang="en-US" sz="700" b="0" i="0" u="none" strike="noStrike" baseline="0">
+                        <a:rPr lang="en-US" sz="1200" b="0" i="0" u="none" strike="noStrike" baseline="0">
                           <a:effectLst/>
                           <a:latin typeface="Calibri" panose="020F0502020204030204" pitchFamily="34" charset="0"/>
                         </a:rPr>
@@ -15216,7 +16918,7 @@
                     <a:p>
                       <a:pPr algn="ctr" fontAlgn="ctr"/>
                       <a:r>
-                        <a:rPr lang="en-US" sz="700" b="1" i="0" u="none" strike="noStrike" baseline="0">
+                        <a:rPr lang="en-US" sz="1200" b="1" i="0" u="none" strike="noStrike" baseline="0">
                           <a:effectLst/>
                           <a:latin typeface="Calibri" panose="020F0502020204030204" pitchFamily="34" charset="0"/>
                         </a:rPr>
@@ -15264,7 +16966,7 @@
                     <a:p>
                       <a:pPr algn="ctr" fontAlgn="ctr"/>
                       <a:r>
-                        <a:rPr lang="en-US" sz="700" b="1" i="0" u="none" strike="noStrike" baseline="0">
+                        <a:rPr lang="en-US" sz="1200" b="1" i="0" u="none" strike="noStrike" baseline="0">
                           <a:effectLst/>
                           <a:latin typeface="Calibri" panose="020F0502020204030204" pitchFamily="34" charset="0"/>
                         </a:rPr>
@@ -15312,7 +17014,7 @@
                     <a:p>
                       <a:pPr algn="ctr" fontAlgn="ctr"/>
                       <a:r>
-                        <a:rPr lang="en-US" sz="700" b="1" i="0" u="none" strike="noStrike" baseline="0">
+                        <a:rPr lang="en-US" sz="1200" b="1" i="0" u="none" strike="noStrike" baseline="0" dirty="0">
                           <a:effectLst/>
                           <a:latin typeface="Calibri" panose="020F0502020204030204" pitchFamily="34" charset="0"/>
                         </a:rPr>
@@ -15355,11 +17057,11 @@
                 </a:tc>
                 <a:extLst>
                   <a:ext uri="{0D108BD9-81ED-4DB2-BD59-A6C34878D82A}">
-                    <a16:rowId xmlns:a16="http://schemas.microsoft.com/office/drawing/2014/main" val="3816031660"/>
+                    <a16:rowId xmlns:a16="http://schemas.microsoft.com/office/drawing/2014/main" val="2187541126"/>
                   </a:ext>
                 </a:extLst>
               </a:tr>
-              <a:tr h="128278">
+              <a:tr h="170739">
                 <a:tc vMerge="1">
                   <a:txBody>
                     <a:bodyPr/>
@@ -15387,7 +17089,7 @@
                     <a:p>
                       <a:pPr algn="ctr" fontAlgn="ctr"/>
                       <a:r>
-                        <a:rPr lang="en-US" sz="700" b="0" i="0" u="none" strike="noStrike" baseline="0">
+                        <a:rPr lang="en-US" sz="1200" b="0" i="0" u="none" strike="noStrike" baseline="0">
                           <a:effectLst/>
                           <a:latin typeface="Calibri" panose="020F0502020204030204" pitchFamily="34" charset="0"/>
                         </a:rPr>
@@ -15429,7 +17131,7 @@
                     <a:p>
                       <a:pPr algn="ctr" fontAlgn="ctr"/>
                       <a:r>
-                        <a:rPr lang="en-US" sz="700" b="0" i="0" u="none" strike="noStrike" baseline="0">
+                        <a:rPr lang="en-US" sz="1200" b="0" i="0" u="none" strike="noStrike" baseline="0">
                           <a:effectLst/>
                           <a:latin typeface="Calibri" panose="020F0502020204030204" pitchFamily="34" charset="0"/>
                         </a:rPr>
@@ -15471,7 +17173,7 @@
                     <a:p>
                       <a:pPr algn="ctr" fontAlgn="ctr"/>
                       <a:r>
-                        <a:rPr lang="en-US" sz="700" b="0" i="0" u="none" strike="noStrike" baseline="0">
+                        <a:rPr lang="en-US" sz="1200" b="0" i="0" u="none" strike="noStrike" baseline="0">
                           <a:effectLst/>
                           <a:latin typeface="Calibri" panose="020F0502020204030204" pitchFamily="34" charset="0"/>
                         </a:rPr>
@@ -15513,7 +17215,7 @@
                     <a:p>
                       <a:pPr algn="ctr" fontAlgn="ctr"/>
                       <a:r>
-                        <a:rPr lang="en-US" sz="700" b="0" i="0" u="none" strike="noStrike" baseline="0">
+                        <a:rPr lang="en-US" sz="1200" b="0" i="0" u="none" strike="noStrike" baseline="0" dirty="0">
                           <a:effectLst/>
                           <a:latin typeface="Calibri" panose="020F0502020204030204" pitchFamily="34" charset="0"/>
                         </a:rPr>
@@ -15550,11 +17252,11 @@
                 </a:tc>
                 <a:extLst>
                   <a:ext uri="{0D108BD9-81ED-4DB2-BD59-A6C34878D82A}">
-                    <a16:rowId xmlns:a16="http://schemas.microsoft.com/office/drawing/2014/main" val="2388333672"/>
+                    <a16:rowId xmlns:a16="http://schemas.microsoft.com/office/drawing/2014/main" val="4057645038"/>
                   </a:ext>
                 </a:extLst>
               </a:tr>
-              <a:tr h="128278">
+              <a:tr h="170739">
                 <a:tc vMerge="1">
                   <a:txBody>
                     <a:bodyPr/>
@@ -15582,7 +17284,7 @@
                     <a:p>
                       <a:pPr algn="ctr" fontAlgn="ctr"/>
                       <a:r>
-                        <a:rPr lang="en-US" sz="700" b="0" i="0" u="none" strike="noStrike" baseline="0">
+                        <a:rPr lang="en-US" sz="1200" b="0" i="0" u="none" strike="noStrike" baseline="0">
                           <a:effectLst/>
                           <a:latin typeface="Calibri" panose="020F0502020204030204" pitchFamily="34" charset="0"/>
                         </a:rPr>
@@ -15630,7 +17332,7 @@
                     <a:p>
                       <a:pPr algn="ctr" fontAlgn="ctr"/>
                       <a:r>
-                        <a:rPr lang="en-US" sz="700" b="0" i="0" u="none" strike="noStrike" baseline="0">
+                        <a:rPr lang="en-US" sz="1200" b="0" i="0" u="none" strike="noStrike" baseline="0">
                           <a:effectLst/>
                           <a:latin typeface="Calibri" panose="020F0502020204030204" pitchFamily="34" charset="0"/>
                         </a:rPr>
@@ -15678,7 +17380,7 @@
                     <a:p>
                       <a:pPr algn="ctr" fontAlgn="ctr"/>
                       <a:r>
-                        <a:rPr lang="en-US" sz="700" b="0" i="0" u="none" strike="noStrike" baseline="0">
+                        <a:rPr lang="en-US" sz="1200" b="0" i="0" u="none" strike="noStrike" baseline="0">
                           <a:effectLst/>
                           <a:latin typeface="Calibri" panose="020F0502020204030204" pitchFamily="34" charset="0"/>
                         </a:rPr>
@@ -15726,7 +17428,7 @@
                     <a:p>
                       <a:pPr algn="ctr" fontAlgn="ctr"/>
                       <a:r>
-                        <a:rPr lang="en-US" sz="700" b="0" i="0" u="none" strike="noStrike" baseline="0">
+                        <a:rPr lang="en-US" sz="1200" b="0" i="0" u="none" strike="noStrike" baseline="0">
                           <a:effectLst/>
                           <a:latin typeface="Calibri" panose="020F0502020204030204" pitchFamily="34" charset="0"/>
                         </a:rPr>
@@ -15769,11 +17471,11 @@
                 </a:tc>
                 <a:extLst>
                   <a:ext uri="{0D108BD9-81ED-4DB2-BD59-A6C34878D82A}">
-                    <a16:rowId xmlns:a16="http://schemas.microsoft.com/office/drawing/2014/main" val="829190118"/>
+                    <a16:rowId xmlns:a16="http://schemas.microsoft.com/office/drawing/2014/main" val="3004521706"/>
                   </a:ext>
                 </a:extLst>
               </a:tr>
-              <a:tr h="128278">
+              <a:tr h="170739">
                 <a:tc vMerge="1">
                   <a:txBody>
                     <a:bodyPr/>
@@ -15791,7 +17493,7 @@
                     <a:p>
                       <a:pPr algn="ctr" fontAlgn="ctr"/>
                       <a:r>
-                        <a:rPr lang="en-US" sz="700" b="0" i="0" u="none" strike="noStrike" baseline="0">
+                        <a:rPr lang="en-US" sz="1200" b="0" i="0" u="none" strike="noStrike" baseline="0">
                           <a:effectLst/>
                           <a:latin typeface="Calibri" panose="020F0502020204030204" pitchFamily="34" charset="0"/>
                         </a:rPr>
@@ -15845,7 +17547,7 @@
                     <a:p>
                       <a:pPr algn="ctr" fontAlgn="ctr"/>
                       <a:r>
-                        <a:rPr lang="en-US" sz="700" b="0" i="0" u="none" strike="noStrike" baseline="0">
+                        <a:rPr lang="en-US" sz="1200" b="0" i="0" u="none" strike="noStrike" baseline="0">
                           <a:effectLst/>
                           <a:latin typeface="Calibri" panose="020F0502020204030204" pitchFamily="34" charset="0"/>
                         </a:rPr>
@@ -15893,7 +17595,7 @@
                     <a:p>
                       <a:pPr algn="ctr" fontAlgn="ctr"/>
                       <a:r>
-                        <a:rPr lang="en-US" sz="700" b="1" i="0" u="none" strike="noStrike" baseline="0">
+                        <a:rPr lang="en-US" sz="1200" b="1" i="0" u="none" strike="noStrike" baseline="0">
                           <a:effectLst/>
                           <a:latin typeface="Calibri" panose="020F0502020204030204" pitchFamily="34" charset="0"/>
                         </a:rPr>
@@ -15941,7 +17643,7 @@
                     <a:p>
                       <a:pPr algn="ctr" fontAlgn="ctr"/>
                       <a:r>
-                        <a:rPr lang="en-US" sz="700" b="1" i="0" u="none" strike="noStrike" baseline="0">
+                        <a:rPr lang="en-US" sz="1200" b="1" i="0" u="none" strike="noStrike" baseline="0">
                           <a:effectLst/>
                           <a:latin typeface="Calibri" panose="020F0502020204030204" pitchFamily="34" charset="0"/>
                         </a:rPr>
@@ -15989,7 +17691,7 @@
                     <a:p>
                       <a:pPr algn="ctr" fontAlgn="ctr"/>
                       <a:r>
-                        <a:rPr lang="en-US" sz="700" b="1" i="0" u="none" strike="noStrike" baseline="0">
+                        <a:rPr lang="en-US" sz="1200" b="1" i="0" u="none" strike="noStrike" baseline="0" dirty="0">
                           <a:effectLst/>
                           <a:latin typeface="Calibri" panose="020F0502020204030204" pitchFamily="34" charset="0"/>
                         </a:rPr>
@@ -16032,11 +17734,11 @@
                 </a:tc>
                 <a:extLst>
                   <a:ext uri="{0D108BD9-81ED-4DB2-BD59-A6C34878D82A}">
-                    <a16:rowId xmlns:a16="http://schemas.microsoft.com/office/drawing/2014/main" val="2270853153"/>
+                    <a16:rowId xmlns:a16="http://schemas.microsoft.com/office/drawing/2014/main" val="1265564477"/>
                   </a:ext>
                 </a:extLst>
               </a:tr>
-              <a:tr h="128278">
+              <a:tr h="170739">
                 <a:tc vMerge="1">
                   <a:txBody>
                     <a:bodyPr/>
@@ -16064,7 +17766,7 @@
                     <a:p>
                       <a:pPr algn="ctr" fontAlgn="ctr"/>
                       <a:r>
-                        <a:rPr lang="en-US" sz="700" b="0" i="0" u="none" strike="noStrike" baseline="0">
+                        <a:rPr lang="en-US" sz="1200" b="0" i="0" u="none" strike="noStrike" baseline="0">
                           <a:effectLst/>
                           <a:latin typeface="Calibri" panose="020F0502020204030204" pitchFamily="34" charset="0"/>
                         </a:rPr>
@@ -16106,7 +17808,7 @@
                     <a:p>
                       <a:pPr algn="ctr" fontAlgn="ctr"/>
                       <a:r>
-                        <a:rPr lang="en-US" sz="700" b="0" i="0" u="none" strike="noStrike" baseline="0">
+                        <a:rPr lang="en-US" sz="1200" b="0" i="0" u="none" strike="noStrike" baseline="0">
                           <a:effectLst/>
                           <a:latin typeface="Calibri" panose="020F0502020204030204" pitchFamily="34" charset="0"/>
                         </a:rPr>
@@ -16148,7 +17850,7 @@
                     <a:p>
                       <a:pPr algn="ctr" fontAlgn="ctr"/>
                       <a:r>
-                        <a:rPr lang="en-US" sz="700" b="0" i="0" u="none" strike="noStrike" baseline="0">
+                        <a:rPr lang="en-US" sz="1200" b="0" i="0" u="none" strike="noStrike" baseline="0">
                           <a:effectLst/>
                           <a:latin typeface="Calibri" panose="020F0502020204030204" pitchFamily="34" charset="0"/>
                         </a:rPr>
@@ -16190,7 +17892,7 @@
                     <a:p>
                       <a:pPr algn="ctr" fontAlgn="ctr"/>
                       <a:r>
-                        <a:rPr lang="en-US" sz="700" b="0" i="0" u="none" strike="noStrike" baseline="0">
+                        <a:rPr lang="en-US" sz="1200" b="0" i="0" u="none" strike="noStrike" baseline="0" dirty="0">
                           <a:effectLst/>
                           <a:latin typeface="Calibri" panose="020F0502020204030204" pitchFamily="34" charset="0"/>
                         </a:rPr>
@@ -16227,11 +17929,11 @@
                 </a:tc>
                 <a:extLst>
                   <a:ext uri="{0D108BD9-81ED-4DB2-BD59-A6C34878D82A}">
-                    <a16:rowId xmlns:a16="http://schemas.microsoft.com/office/drawing/2014/main" val="444675189"/>
+                    <a16:rowId xmlns:a16="http://schemas.microsoft.com/office/drawing/2014/main" val="3538594780"/>
                   </a:ext>
                 </a:extLst>
               </a:tr>
-              <a:tr h="128278">
+              <a:tr h="170739">
                 <a:tc vMerge="1">
                   <a:txBody>
                     <a:bodyPr/>
@@ -16259,7 +17961,7 @@
                     <a:p>
                       <a:pPr algn="ctr" fontAlgn="ctr"/>
                       <a:r>
-                        <a:rPr lang="en-US" sz="700" b="0" i="0" u="none" strike="noStrike" baseline="0">
+                        <a:rPr lang="en-US" sz="1200" b="0" i="0" u="none" strike="noStrike" baseline="0">
                           <a:effectLst/>
                           <a:latin typeface="Calibri" panose="020F0502020204030204" pitchFamily="34" charset="0"/>
                         </a:rPr>
@@ -16307,7 +18009,7 @@
                     <a:p>
                       <a:pPr algn="ctr" fontAlgn="ctr"/>
                       <a:r>
-                        <a:rPr lang="en-US" sz="700" b="0" i="0" u="none" strike="noStrike" baseline="0">
+                        <a:rPr lang="en-US" sz="1200" b="0" i="0" u="none" strike="noStrike" baseline="0">
                           <a:effectLst/>
                           <a:latin typeface="Calibri" panose="020F0502020204030204" pitchFamily="34" charset="0"/>
                         </a:rPr>
@@ -16355,7 +18057,7 @@
                     <a:p>
                       <a:pPr algn="ctr" fontAlgn="ctr"/>
                       <a:r>
-                        <a:rPr lang="en-US" sz="700" b="0" i="0" u="none" strike="noStrike" baseline="0">
+                        <a:rPr lang="en-US" sz="1200" b="0" i="0" u="none" strike="noStrike" baseline="0">
                           <a:effectLst/>
                           <a:latin typeface="Calibri" panose="020F0502020204030204" pitchFamily="34" charset="0"/>
                         </a:rPr>
@@ -16403,7 +18105,7 @@
                     <a:p>
                       <a:pPr algn="ctr" fontAlgn="ctr"/>
                       <a:r>
-                        <a:rPr lang="en-US" sz="700" b="0" i="0" u="none" strike="noStrike" baseline="0">
+                        <a:rPr lang="en-US" sz="1200" b="0" i="0" u="none" strike="noStrike" baseline="0">
                           <a:effectLst/>
                           <a:latin typeface="Calibri" panose="020F0502020204030204" pitchFamily="34" charset="0"/>
                         </a:rPr>
@@ -16446,11 +18148,11 @@
                 </a:tc>
                 <a:extLst>
                   <a:ext uri="{0D108BD9-81ED-4DB2-BD59-A6C34878D82A}">
-                    <a16:rowId xmlns:a16="http://schemas.microsoft.com/office/drawing/2014/main" val="151646977"/>
+                    <a16:rowId xmlns:a16="http://schemas.microsoft.com/office/drawing/2014/main" val="2349596134"/>
                   </a:ext>
                 </a:extLst>
               </a:tr>
-              <a:tr h="128278">
+              <a:tr h="170739">
                 <a:tc vMerge="1">
                   <a:txBody>
                     <a:bodyPr/>
@@ -16468,7 +18170,7 @@
                     <a:p>
                       <a:pPr algn="ctr" fontAlgn="ctr"/>
                       <a:r>
-                        <a:rPr lang="en-US" sz="700" b="0" i="0" u="none" strike="noStrike" baseline="0">
+                        <a:rPr lang="en-US" sz="1200" b="0" i="0" u="none" strike="noStrike" baseline="0">
                           <a:effectLst/>
                           <a:latin typeface="Calibri" panose="020F0502020204030204" pitchFamily="34" charset="0"/>
                         </a:rPr>
@@ -16522,7 +18224,7 @@
                     <a:p>
                       <a:pPr algn="ctr" fontAlgn="ctr"/>
                       <a:r>
-                        <a:rPr lang="en-US" sz="700" b="0" i="0" u="none" strike="noStrike" baseline="0">
+                        <a:rPr lang="en-US" sz="1200" b="0" i="0" u="none" strike="noStrike" baseline="0">
                           <a:effectLst/>
                           <a:latin typeface="Calibri" panose="020F0502020204030204" pitchFamily="34" charset="0"/>
                         </a:rPr>
@@ -16570,7 +18272,7 @@
                     <a:p>
                       <a:pPr algn="ctr" fontAlgn="ctr"/>
                       <a:r>
-                        <a:rPr lang="en-US" sz="700" b="1" i="0" u="none" strike="noStrike" baseline="0">
+                        <a:rPr lang="en-US" sz="1200" b="1" i="0" u="none" strike="noStrike" baseline="0">
                           <a:effectLst/>
                           <a:latin typeface="Calibri" panose="020F0502020204030204" pitchFamily="34" charset="0"/>
                         </a:rPr>
@@ -16618,7 +18320,7 @@
                     <a:p>
                       <a:pPr algn="ctr" fontAlgn="ctr"/>
                       <a:r>
-                        <a:rPr lang="en-US" sz="700" b="1" i="0" u="none" strike="noStrike" baseline="0">
+                        <a:rPr lang="en-US" sz="1200" b="1" i="0" u="none" strike="noStrike" baseline="0">
                           <a:effectLst/>
                           <a:latin typeface="Calibri" panose="020F0502020204030204" pitchFamily="34" charset="0"/>
                         </a:rPr>
@@ -16666,7 +18368,7 @@
                     <a:p>
                       <a:pPr algn="ctr" fontAlgn="ctr"/>
                       <a:r>
-                        <a:rPr lang="en-US" sz="700" b="1" i="0" u="none" strike="noStrike" baseline="0">
+                        <a:rPr lang="en-US" sz="1200" b="1" i="0" u="none" strike="noStrike" baseline="0" dirty="0">
                           <a:effectLst/>
                           <a:latin typeface="Calibri" panose="020F0502020204030204" pitchFamily="34" charset="0"/>
                         </a:rPr>
@@ -16709,11 +18411,11 @@
                 </a:tc>
                 <a:extLst>
                   <a:ext uri="{0D108BD9-81ED-4DB2-BD59-A6C34878D82A}">
-                    <a16:rowId xmlns:a16="http://schemas.microsoft.com/office/drawing/2014/main" val="622107093"/>
+                    <a16:rowId xmlns:a16="http://schemas.microsoft.com/office/drawing/2014/main" val="3511878076"/>
                   </a:ext>
                 </a:extLst>
               </a:tr>
-              <a:tr h="128278">
+              <a:tr h="170739">
                 <a:tc vMerge="1">
                   <a:txBody>
                     <a:bodyPr/>
@@ -16741,7 +18443,7 @@
                     <a:p>
                       <a:pPr algn="ctr" fontAlgn="ctr"/>
                       <a:r>
-                        <a:rPr lang="en-US" sz="700" b="0" i="0" u="none" strike="noStrike" baseline="0">
+                        <a:rPr lang="en-US" sz="1200" b="0" i="0" u="none" strike="noStrike" baseline="0">
                           <a:effectLst/>
                           <a:latin typeface="Calibri" panose="020F0502020204030204" pitchFamily="34" charset="0"/>
                         </a:rPr>
@@ -16783,7 +18485,7 @@
                     <a:p>
                       <a:pPr algn="ctr" fontAlgn="ctr"/>
                       <a:r>
-                        <a:rPr lang="en-US" sz="700" b="0" i="0" u="none" strike="noStrike" baseline="0">
+                        <a:rPr lang="en-US" sz="1200" b="0" i="0" u="none" strike="noStrike" baseline="0">
                           <a:effectLst/>
                           <a:latin typeface="Calibri" panose="020F0502020204030204" pitchFamily="34" charset="0"/>
                         </a:rPr>
@@ -16825,7 +18527,7 @@
                     <a:p>
                       <a:pPr algn="ctr" fontAlgn="ctr"/>
                       <a:r>
-                        <a:rPr lang="en-US" sz="700" b="0" i="0" u="none" strike="noStrike" baseline="0">
+                        <a:rPr lang="en-US" sz="1200" b="0" i="0" u="none" strike="noStrike" baseline="0">
                           <a:effectLst/>
                           <a:latin typeface="Calibri" panose="020F0502020204030204" pitchFamily="34" charset="0"/>
                         </a:rPr>
@@ -16867,7 +18569,7 @@
                     <a:p>
                       <a:pPr algn="ctr" fontAlgn="ctr"/>
                       <a:r>
-                        <a:rPr lang="en-US" sz="700" b="0" i="0" u="none" strike="noStrike" baseline="0">
+                        <a:rPr lang="en-US" sz="1200" b="0" i="0" u="none" strike="noStrike" baseline="0" dirty="0">
                           <a:effectLst/>
                           <a:latin typeface="Calibri" panose="020F0502020204030204" pitchFamily="34" charset="0"/>
                         </a:rPr>
@@ -16904,11 +18606,11 @@
                 </a:tc>
                 <a:extLst>
                   <a:ext uri="{0D108BD9-81ED-4DB2-BD59-A6C34878D82A}">
-                    <a16:rowId xmlns:a16="http://schemas.microsoft.com/office/drawing/2014/main" val="3432209368"/>
+                    <a16:rowId xmlns:a16="http://schemas.microsoft.com/office/drawing/2014/main" val="2811192545"/>
                   </a:ext>
                 </a:extLst>
               </a:tr>
-              <a:tr h="128278">
+              <a:tr h="170739">
                 <a:tc vMerge="1">
                   <a:txBody>
                     <a:bodyPr/>
@@ -16936,7 +18638,7 @@
                     <a:p>
                       <a:pPr algn="ctr" fontAlgn="ctr"/>
                       <a:r>
-                        <a:rPr lang="en-US" sz="700" b="0" i="0" u="none" strike="noStrike" baseline="0">
+                        <a:rPr lang="en-US" sz="1200" b="0" i="0" u="none" strike="noStrike" baseline="0">
                           <a:effectLst/>
                           <a:latin typeface="Calibri" panose="020F0502020204030204" pitchFamily="34" charset="0"/>
                         </a:rPr>
@@ -16984,7 +18686,7 @@
                     <a:p>
                       <a:pPr algn="ctr" fontAlgn="ctr"/>
                       <a:r>
-                        <a:rPr lang="en-US" sz="700" b="0" i="0" u="none" strike="noStrike" baseline="0">
+                        <a:rPr lang="en-US" sz="1200" b="0" i="0" u="none" strike="noStrike" baseline="0">
                           <a:effectLst/>
                           <a:latin typeface="Calibri" panose="020F0502020204030204" pitchFamily="34" charset="0"/>
                         </a:rPr>
@@ -17032,7 +18734,7 @@
                     <a:p>
                       <a:pPr algn="ctr" fontAlgn="ctr"/>
                       <a:r>
-                        <a:rPr lang="en-US" sz="700" b="0" i="0" u="none" strike="noStrike" baseline="0">
+                        <a:rPr lang="en-US" sz="1200" b="0" i="0" u="none" strike="noStrike" baseline="0">
                           <a:effectLst/>
                           <a:latin typeface="Calibri" panose="020F0502020204030204" pitchFamily="34" charset="0"/>
                         </a:rPr>
@@ -17080,7 +18782,7 @@
                     <a:p>
                       <a:pPr algn="ctr" fontAlgn="ctr"/>
                       <a:r>
-                        <a:rPr lang="en-US" sz="700" b="0" i="0" u="none" strike="noStrike" baseline="0">
+                        <a:rPr lang="en-US" sz="1200" b="0" i="0" u="none" strike="noStrike" baseline="0" dirty="0">
                           <a:effectLst/>
                           <a:latin typeface="Calibri" panose="020F0502020204030204" pitchFamily="34" charset="0"/>
                         </a:rPr>
@@ -17123,11 +18825,11 @@
                 </a:tc>
                 <a:extLst>
                   <a:ext uri="{0D108BD9-81ED-4DB2-BD59-A6C34878D82A}">
-                    <a16:rowId xmlns:a16="http://schemas.microsoft.com/office/drawing/2014/main" val="3063344347"/>
+                    <a16:rowId xmlns:a16="http://schemas.microsoft.com/office/drawing/2014/main" val="1601109311"/>
                   </a:ext>
                 </a:extLst>
               </a:tr>
-              <a:tr h="128278">
+              <a:tr h="170739">
                 <a:tc vMerge="1">
                   <a:txBody>
                     <a:bodyPr/>
@@ -17145,7 +18847,7 @@
                     <a:p>
                       <a:pPr algn="ctr" fontAlgn="ctr"/>
                       <a:r>
-                        <a:rPr lang="en-US" sz="700" b="0" i="0" u="none" strike="noStrike" baseline="0">
+                        <a:rPr lang="en-US" sz="1200" b="0" i="0" u="none" strike="noStrike" baseline="0">
                           <a:effectLst/>
                           <a:latin typeface="Calibri" panose="020F0502020204030204" pitchFamily="34" charset="0"/>
                         </a:rPr>
@@ -17199,7 +18901,7 @@
                     <a:p>
                       <a:pPr algn="ctr" fontAlgn="ctr"/>
                       <a:r>
-                        <a:rPr lang="en-US" sz="700" b="0" i="0" u="none" strike="noStrike" baseline="0">
+                        <a:rPr lang="en-US" sz="1200" b="0" i="0" u="none" strike="noStrike" baseline="0">
                           <a:effectLst/>
                           <a:latin typeface="Calibri" panose="020F0502020204030204" pitchFamily="34" charset="0"/>
                         </a:rPr>
@@ -17253,7 +18955,7 @@
                     <a:p>
                       <a:pPr algn="ctr" fontAlgn="ctr"/>
                       <a:r>
-                        <a:rPr lang="en-US" sz="700" b="0" i="0" u="none" strike="noStrike" baseline="0">
+                        <a:rPr lang="en-US" sz="1200" b="0" i="0" u="none" strike="noStrike" baseline="0">
                           <a:effectLst/>
                           <a:latin typeface="Calibri" panose="020F0502020204030204" pitchFamily="34" charset="0"/>
                         </a:rPr>
@@ -17307,7 +19009,7 @@
                     <a:p>
                       <a:pPr algn="ctr" fontAlgn="ctr"/>
                       <a:r>
-                        <a:rPr lang="en-US" sz="700" b="0" i="0" u="none" strike="noStrike" baseline="0">
+                        <a:rPr lang="en-US" sz="1200" b="0" i="0" u="none" strike="noStrike" baseline="0">
                           <a:effectLst/>
                           <a:latin typeface="Calibri" panose="020F0502020204030204" pitchFamily="34" charset="0"/>
                         </a:rPr>
@@ -17361,7 +19063,7 @@
                     <a:p>
                       <a:pPr algn="ctr" fontAlgn="ctr"/>
                       <a:r>
-                        <a:rPr lang="en-US" sz="700" b="0" i="0" u="none" strike="noStrike" baseline="0" dirty="0">
+                        <a:rPr lang="en-US" sz="1200" b="0" i="0" u="none" strike="noStrike" baseline="0" dirty="0">
                           <a:effectLst/>
                           <a:latin typeface="Calibri" panose="020F0502020204030204" pitchFamily="34" charset="0"/>
                         </a:rPr>
@@ -17410,7 +19112,7 @@
                 </a:tc>
                 <a:extLst>
                   <a:ext uri="{0D108BD9-81ED-4DB2-BD59-A6C34878D82A}">
-                    <a16:rowId xmlns:a16="http://schemas.microsoft.com/office/drawing/2014/main" val="1740891009"/>
+                    <a16:rowId xmlns:a16="http://schemas.microsoft.com/office/drawing/2014/main" val="2193199610"/>
                   </a:ext>
                 </a:extLst>
               </a:tr>
@@ -17421,7 +19123,7 @@
     </p:spTree>
     <p:extLst>
       <p:ext uri="{BB962C8B-B14F-4D97-AF65-F5344CB8AC3E}">
-        <p14:creationId xmlns:p14="http://schemas.microsoft.com/office/powerpoint/2010/main" val="24649654"/>
+        <p14:creationId xmlns:p14="http://schemas.microsoft.com/office/powerpoint/2010/main" val="3302860712"/>
       </p:ext>
     </p:extLst>
   </p:cSld>
@@ -17431,7 +19133,355 @@
 </p:sld>
 </file>
 
-<file path=ppt/slides/slide17.xml><?xml version="1.0" encoding="utf-8"?>
+<file path=ppt/slides/slide2.xml><?xml version="1.0" encoding="utf-8"?>
+<p:sld xmlns:a="http://schemas.openxmlformats.org/drawingml/2006/main" xmlns:r="http://schemas.openxmlformats.org/officeDocument/2006/relationships" xmlns:p="http://schemas.openxmlformats.org/presentationml/2006/main">
+  <p:cSld>
+    <p:spTree>
+      <p:nvGrpSpPr>
+        <p:cNvPr id="1" name=""/>
+        <p:cNvGrpSpPr/>
+        <p:nvPr/>
+      </p:nvGrpSpPr>
+      <p:grpSpPr>
+        <a:xfrm>
+          <a:off x="0" y="0"/>
+          <a:ext cx="0" cy="0"/>
+          <a:chOff x="0" y="0"/>
+          <a:chExt cx="0" cy="0"/>
+        </a:xfrm>
+      </p:grpSpPr>
+      <p:sp>
+        <p:nvSpPr>
+          <p:cNvPr id="2" name="כותרת 1">
+            <a:extLst>
+              <a:ext uri="{FF2B5EF4-FFF2-40B4-BE49-F238E27FC236}">
+                <a16:creationId xmlns:a16="http://schemas.microsoft.com/office/drawing/2014/main" id="{2218BEE8-428B-4A0E-8885-81FE3A8BF717}"/>
+              </a:ext>
+            </a:extLst>
+          </p:cNvPr>
+          <p:cNvSpPr>
+            <a:spLocks noGrp="1"/>
+          </p:cNvSpPr>
+          <p:nvPr>
+            <p:ph type="title"/>
+          </p:nvPr>
+        </p:nvSpPr>
+        <p:spPr/>
+        <p:txBody>
+          <a:bodyPr/>
+          <a:lstStyle/>
+          <a:p>
+            <a:pPr algn="l" rtl="0"/>
+            <a:r>
+              <a:rPr lang="en-US" b="1" dirty="0"/>
+              <a:t>Table of Contents</a:t>
+            </a:r>
+          </a:p>
+        </p:txBody>
+      </p:sp>
+      <p:sp>
+        <p:nvSpPr>
+          <p:cNvPr id="3" name="מציין מיקום תוכן 2">
+            <a:extLst>
+              <a:ext uri="{FF2B5EF4-FFF2-40B4-BE49-F238E27FC236}">
+                <a16:creationId xmlns:a16="http://schemas.microsoft.com/office/drawing/2014/main" id="{A6D188E9-98B9-4050-9741-1183C581EBEB}"/>
+              </a:ext>
+            </a:extLst>
+          </p:cNvPr>
+          <p:cNvSpPr>
+            <a:spLocks noGrp="1"/>
+          </p:cNvSpPr>
+          <p:nvPr>
+            <p:ph idx="1"/>
+          </p:nvPr>
+        </p:nvSpPr>
+        <p:spPr/>
+        <p:txBody>
+          <a:bodyPr>
+            <a:normAutofit/>
+          </a:bodyPr>
+          <a:lstStyle/>
+          <a:p>
+            <a:pPr algn="l" rtl="0">
+              <a:lnSpc>
+                <a:spcPct val="150000"/>
+              </a:lnSpc>
+              <a:buFont typeface="Courier New" panose="02070309020205020404" pitchFamily="49" charset="0"/>
+              <a:buChar char="o"/>
+            </a:pPr>
+            <a:r>
+              <a:rPr lang="en-US" dirty="0"/>
+              <a:t> Mathematical background</a:t>
+            </a:r>
+          </a:p>
+          <a:p>
+            <a:pPr algn="l" rtl="0">
+              <a:lnSpc>
+                <a:spcPct val="150000"/>
+              </a:lnSpc>
+              <a:buFont typeface="Courier New" panose="02070309020205020404" pitchFamily="49" charset="0"/>
+              <a:buChar char="o"/>
+            </a:pPr>
+            <a:r>
+              <a:rPr lang="en-US" dirty="0"/>
+              <a:t> Chosen paper &amp; Our project</a:t>
+            </a:r>
+          </a:p>
+          <a:p>
+            <a:pPr algn="l" rtl="0">
+              <a:lnSpc>
+                <a:spcPct val="150000"/>
+              </a:lnSpc>
+              <a:buFont typeface="Courier New" panose="02070309020205020404" pitchFamily="49" charset="0"/>
+              <a:buChar char="o"/>
+            </a:pPr>
+            <a:r>
+              <a:rPr lang="en-US" dirty="0"/>
+              <a:t> Literature review of related work</a:t>
+            </a:r>
+          </a:p>
+          <a:p>
+            <a:pPr algn="l" rtl="0">
+              <a:lnSpc>
+                <a:spcPct val="150000"/>
+              </a:lnSpc>
+              <a:buFont typeface="Courier New" panose="02070309020205020404" pitchFamily="49" charset="0"/>
+              <a:buChar char="o"/>
+            </a:pPr>
+            <a:r>
+              <a:rPr lang="en-US" dirty="0"/>
+              <a:t> WNNVD</a:t>
+            </a:r>
+          </a:p>
+          <a:p>
+            <a:pPr algn="l" rtl="0">
+              <a:lnSpc>
+                <a:spcPct val="150000"/>
+              </a:lnSpc>
+              <a:buFont typeface="Courier New" panose="02070309020205020404" pitchFamily="49" charset="0"/>
+              <a:buChar char="o"/>
+            </a:pPr>
+            <a:r>
+              <a:rPr lang="en-US" dirty="0"/>
+              <a:t> Results &amp; Conclusion</a:t>
+            </a:r>
+          </a:p>
+          <a:p>
+            <a:pPr algn="l" rtl="0">
+              <a:lnSpc>
+                <a:spcPct val="150000"/>
+              </a:lnSpc>
+              <a:buFont typeface="Courier New" panose="02070309020205020404" pitchFamily="49" charset="0"/>
+              <a:buChar char="o"/>
+            </a:pPr>
+            <a:r>
+              <a:rPr lang="en-US" dirty="0"/>
+              <a:t> Future work</a:t>
+            </a:r>
+          </a:p>
+          <a:p>
+            <a:pPr algn="l" rtl="0"/>
+            <a:endParaRPr lang="en-US" dirty="0"/>
+          </a:p>
+          <a:p>
+            <a:pPr algn="l" rtl="0"/>
+            <a:endParaRPr lang="en-US" dirty="0"/>
+          </a:p>
+          <a:p>
+            <a:pPr algn="l" rtl="0"/>
+            <a:endParaRPr lang="en-US" dirty="0"/>
+          </a:p>
+        </p:txBody>
+      </p:sp>
+    </p:spTree>
+    <p:extLst>
+      <p:ext uri="{BB962C8B-B14F-4D97-AF65-F5344CB8AC3E}">
+        <p14:creationId xmlns:p14="http://schemas.microsoft.com/office/powerpoint/2010/main" val="1742629250"/>
+      </p:ext>
+    </p:extLst>
+  </p:cSld>
+  <p:clrMapOvr>
+    <a:masterClrMapping/>
+  </p:clrMapOvr>
+</p:sld>
+</file>
+
+<file path=ppt/slides/slide20.xml><?xml version="1.0" encoding="utf-8"?>
+<p:sld xmlns:a="http://schemas.openxmlformats.org/drawingml/2006/main" xmlns:r="http://schemas.openxmlformats.org/officeDocument/2006/relationships" xmlns:p="http://schemas.openxmlformats.org/presentationml/2006/main">
+  <p:cSld>
+    <p:spTree>
+      <p:nvGrpSpPr>
+        <p:cNvPr id="1" name=""/>
+        <p:cNvGrpSpPr/>
+        <p:nvPr/>
+      </p:nvGrpSpPr>
+      <p:grpSpPr>
+        <a:xfrm>
+          <a:off x="0" y="0"/>
+          <a:ext cx="0" cy="0"/>
+          <a:chOff x="0" y="0"/>
+          <a:chExt cx="0" cy="0"/>
+        </a:xfrm>
+      </p:grpSpPr>
+      <p:sp>
+        <p:nvSpPr>
+          <p:cNvPr id="2" name="כותרת 1">
+            <a:extLst>
+              <a:ext uri="{FF2B5EF4-FFF2-40B4-BE49-F238E27FC236}">
+                <a16:creationId xmlns:a16="http://schemas.microsoft.com/office/drawing/2014/main" id="{0693B2AA-3FE4-4386-B0D8-334287FA86E3}"/>
+              </a:ext>
+            </a:extLst>
+          </p:cNvPr>
+          <p:cNvSpPr>
+            <a:spLocks noGrp="1"/>
+          </p:cNvSpPr>
+          <p:nvPr>
+            <p:ph type="title"/>
+          </p:nvPr>
+        </p:nvSpPr>
+        <p:spPr/>
+        <p:txBody>
+          <a:bodyPr>
+            <a:normAutofit/>
+          </a:bodyPr>
+          <a:lstStyle/>
+          <a:p>
+            <a:pPr algn="l" rtl="0"/>
+            <a:r>
+              <a:rPr lang="en-US" b="1" dirty="0"/>
+              <a:t>Results - Examples</a:t>
+            </a:r>
+          </a:p>
+        </p:txBody>
+      </p:sp>
+      <p:pic>
+        <p:nvPicPr>
+          <p:cNvPr id="5" name="Picture 4" descr="A picture containing text, fan, device, posing&#10;&#10;Description automatically generated">
+            <a:extLst>
+              <a:ext uri="{FF2B5EF4-FFF2-40B4-BE49-F238E27FC236}">
+                <a16:creationId xmlns:a16="http://schemas.microsoft.com/office/drawing/2014/main" id="{6F32396A-0F78-4219-84A3-C967CECF0B5D}"/>
+              </a:ext>
+            </a:extLst>
+          </p:cNvPr>
+          <p:cNvPicPr/>
+          <p:nvPr/>
+        </p:nvPicPr>
+        <p:blipFill>
+          <a:blip r:embed="rId2"/>
+          <a:stretch>
+            <a:fillRect/>
+          </a:stretch>
+        </p:blipFill>
+        <p:spPr>
+          <a:xfrm>
+            <a:off x="494015" y="2052068"/>
+            <a:ext cx="5943600" cy="1746250"/>
+          </a:xfrm>
+          <a:prstGeom prst="rect">
+            <a:avLst/>
+          </a:prstGeom>
+        </p:spPr>
+      </p:pic>
+      <p:pic>
+        <p:nvPicPr>
+          <p:cNvPr id="6" name="Picture 5" descr="A group of men sitting at a table&#10;&#10;Description automatically generated with medium confidence">
+            <a:extLst>
+              <a:ext uri="{FF2B5EF4-FFF2-40B4-BE49-F238E27FC236}">
+                <a16:creationId xmlns:a16="http://schemas.microsoft.com/office/drawing/2014/main" id="{41C6D192-ADAA-4BCC-BA5F-89D6CBDE045F}"/>
+              </a:ext>
+            </a:extLst>
+          </p:cNvPr>
+          <p:cNvPicPr/>
+          <p:nvPr/>
+        </p:nvPicPr>
+        <p:blipFill>
+          <a:blip r:embed="rId3"/>
+          <a:stretch>
+            <a:fillRect/>
+          </a:stretch>
+        </p:blipFill>
+        <p:spPr>
+          <a:xfrm>
+            <a:off x="494015" y="4000011"/>
+            <a:ext cx="5943600" cy="1746250"/>
+          </a:xfrm>
+          <a:prstGeom prst="rect">
+            <a:avLst/>
+          </a:prstGeom>
+        </p:spPr>
+      </p:pic>
+      <p:pic>
+        <p:nvPicPr>
+          <p:cNvPr id="7" name="Picture 6" descr="A picture containing text, person, headdress, hat&#10;&#10;Description automatically generated">
+            <a:extLst>
+              <a:ext uri="{FF2B5EF4-FFF2-40B4-BE49-F238E27FC236}">
+                <a16:creationId xmlns:a16="http://schemas.microsoft.com/office/drawing/2014/main" id="{E11E34D2-4EEC-4869-A995-E25103A0DF86}"/>
+              </a:ext>
+            </a:extLst>
+          </p:cNvPr>
+          <p:cNvPicPr/>
+          <p:nvPr/>
+        </p:nvPicPr>
+        <p:blipFill>
+          <a:blip r:embed="rId4"/>
+          <a:stretch>
+            <a:fillRect/>
+          </a:stretch>
+        </p:blipFill>
+        <p:spPr>
+          <a:xfrm>
+            <a:off x="6437615" y="2052069"/>
+            <a:ext cx="5359400" cy="1746250"/>
+          </a:xfrm>
+          <a:prstGeom prst="rect">
+            <a:avLst/>
+          </a:prstGeom>
+        </p:spPr>
+      </p:pic>
+      <p:pic>
+        <p:nvPicPr>
+          <p:cNvPr id="8" name="Picture 7">
+            <a:extLst>
+              <a:ext uri="{FF2B5EF4-FFF2-40B4-BE49-F238E27FC236}">
+                <a16:creationId xmlns:a16="http://schemas.microsoft.com/office/drawing/2014/main" id="{9B00B183-248D-473E-96F6-060B79A415B8}"/>
+              </a:ext>
+            </a:extLst>
+          </p:cNvPr>
+          <p:cNvPicPr>
+            <a:picLocks noChangeAspect="1"/>
+          </p:cNvPicPr>
+          <p:nvPr/>
+        </p:nvPicPr>
+        <p:blipFill>
+          <a:blip r:embed="rId5"/>
+          <a:stretch>
+            <a:fillRect/>
+          </a:stretch>
+        </p:blipFill>
+        <p:spPr>
+          <a:xfrm>
+            <a:off x="6332450" y="4000010"/>
+            <a:ext cx="5447210" cy="1746250"/>
+          </a:xfrm>
+          <a:prstGeom prst="rect">
+            <a:avLst/>
+          </a:prstGeom>
+        </p:spPr>
+      </p:pic>
+    </p:spTree>
+    <p:extLst>
+      <p:ext uri="{BB962C8B-B14F-4D97-AF65-F5344CB8AC3E}">
+        <p14:creationId xmlns:p14="http://schemas.microsoft.com/office/powerpoint/2010/main" val="1480338880"/>
+      </p:ext>
+    </p:extLst>
+  </p:cSld>
+  <p:clrMapOvr>
+    <a:masterClrMapping/>
+  </p:clrMapOvr>
+</p:sld>
+</file>
+
+<file path=ppt/slides/slide21.xml><?xml version="1.0" encoding="utf-8"?>
 <p:sld xmlns:a="http://schemas.openxmlformats.org/drawingml/2006/main" xmlns:r="http://schemas.openxmlformats.org/officeDocument/2006/relationships" xmlns:p="http://schemas.openxmlformats.org/presentationml/2006/main">
   <p:cSld>
     <p:spTree>
@@ -17509,7 +19559,7 @@
             </a:pPr>
             <a:r>
               <a:rPr lang="en-US" dirty="0"/>
-              <a:t>Parameter optimization</a:t>
+              <a:t> Parameter optimization.</a:t>
             </a:r>
           </a:p>
           <a:p>
@@ -17522,7 +19572,7 @@
             </a:pPr>
             <a:r>
               <a:rPr lang="en-US" dirty="0"/>
-              <a:t>Instead of vectorizing blocks, work with 3-D/4-D blocks and implementing High-Order SVD</a:t>
+              <a:t> Instead of vectorizing blocks, work with 3-D/4-D blocks and implement High-Order SVD.</a:t>
             </a:r>
           </a:p>
           <a:p>
@@ -17535,7 +19585,7 @@
             </a:pPr>
             <a:r>
               <a:rPr lang="en-US" dirty="0"/>
-              <a:t>Modify the algorithm for an online video denoising ( causal denoise)</a:t>
+              <a:t> Modify the algorithm for online video denoising (causal denoising).</a:t>
             </a:r>
           </a:p>
           <a:p>
@@ -17548,7 +19598,7 @@
             </a:pPr>
             <a:r>
               <a:rPr lang="en-US" dirty="0"/>
-              <a:t>Expand the algorithm to support RGB images/videos.</a:t>
+              <a:t> Expand the algorithm to support RGB images/videos.</a:t>
             </a:r>
           </a:p>
           <a:p>
@@ -17561,7 +19611,7 @@
             </a:pPr>
             <a:r>
               <a:rPr lang="en-US" dirty="0"/>
-              <a:t>Optimize run-time.</a:t>
+              <a:t> Optimize run-time.</a:t>
             </a:r>
           </a:p>
         </p:txBody>
@@ -17579,7 +19629,7 @@
 </p:sld>
 </file>
 
-<file path=ppt/slides/slide18.xml><?xml version="1.0" encoding="utf-8"?>
+<file path=ppt/slides/slide22.xml><?xml version="1.0" encoding="utf-8"?>
 <p:sld xmlns:a="http://schemas.openxmlformats.org/drawingml/2006/main" xmlns:r="http://schemas.openxmlformats.org/officeDocument/2006/relationships" xmlns:p="http://schemas.openxmlformats.org/presentationml/2006/main">
   <p:cSld>
     <p:spTree>
@@ -17641,7 +19691,12 @@
             <p:ph idx="1"/>
           </p:nvPr>
         </p:nvSpPr>
-        <p:spPr/>
+        <p:spPr>
+          <a:xfrm>
+            <a:off x="1097280" y="1845734"/>
+            <a:ext cx="10389228" cy="4023360"/>
+          </a:xfrm>
+        </p:spPr>
         <p:txBody>
           <a:bodyPr>
             <a:normAutofit/>
@@ -17657,7 +19712,7 @@
             </a:pPr>
             <a:r>
               <a:rPr lang="en-US" dirty="0"/>
-              <a:t>The core signal-processing concept we studied is LRMA utilization for image and video denoising.</a:t>
+              <a:t> The core signal-processing concept we studied is LRMA utilization for image and video denoising.</a:t>
             </a:r>
           </a:p>
           <a:p>
@@ -17683,7 +19738,7 @@
             </a:pPr>
             <a:r>
               <a:rPr lang="en-US" dirty="0"/>
-              <a:t>We explored different ways of  grouping methods (BM,TM).</a:t>
+              <a:t> We explored different ways of grouping methods (BM, TM).</a:t>
             </a:r>
           </a:p>
           <a:p>
@@ -17696,7 +19751,7 @@
             </a:pPr>
             <a:r>
               <a:rPr lang="en-US" dirty="0"/>
-              <a:t>We conducted analysis and research of our proposed algorithm.</a:t>
+              <a:t> We conducted analysis and research of our proposed algorithm.</a:t>
             </a:r>
           </a:p>
           <a:p>
@@ -17709,7 +19764,7 @@
             </a:pPr>
             <a:r>
               <a:rPr lang="en-US" dirty="0"/>
-              <a:t>We compared out result to SOTA papers in the classical regime of video and image denoising</a:t>
+              <a:t> We compared our results to SOTA papers in the classical regime of video and image denoising.</a:t>
             </a:r>
           </a:p>
           <a:p>
@@ -17722,179 +19777,6 @@
     <p:extLst>
       <p:ext uri="{BB962C8B-B14F-4D97-AF65-F5344CB8AC3E}">
         <p14:creationId xmlns:p14="http://schemas.microsoft.com/office/powerpoint/2010/main" val="2147019689"/>
-      </p:ext>
-    </p:extLst>
-  </p:cSld>
-  <p:clrMapOvr>
-    <a:masterClrMapping/>
-  </p:clrMapOvr>
-</p:sld>
-</file>
-
-<file path=ppt/slides/slide2.xml><?xml version="1.0" encoding="utf-8"?>
-<p:sld xmlns:a="http://schemas.openxmlformats.org/drawingml/2006/main" xmlns:r="http://schemas.openxmlformats.org/officeDocument/2006/relationships" xmlns:p="http://schemas.openxmlformats.org/presentationml/2006/main">
-  <p:cSld>
-    <p:spTree>
-      <p:nvGrpSpPr>
-        <p:cNvPr id="1" name=""/>
-        <p:cNvGrpSpPr/>
-        <p:nvPr/>
-      </p:nvGrpSpPr>
-      <p:grpSpPr>
-        <a:xfrm>
-          <a:off x="0" y="0"/>
-          <a:ext cx="0" cy="0"/>
-          <a:chOff x="0" y="0"/>
-          <a:chExt cx="0" cy="0"/>
-        </a:xfrm>
-      </p:grpSpPr>
-      <p:sp>
-        <p:nvSpPr>
-          <p:cNvPr id="2" name="כותרת 1">
-            <a:extLst>
-              <a:ext uri="{FF2B5EF4-FFF2-40B4-BE49-F238E27FC236}">
-                <a16:creationId xmlns:a16="http://schemas.microsoft.com/office/drawing/2014/main" id="{2218BEE8-428B-4A0E-8885-81FE3A8BF717}"/>
-              </a:ext>
-            </a:extLst>
-          </p:cNvPr>
-          <p:cNvSpPr>
-            <a:spLocks noGrp="1"/>
-          </p:cNvSpPr>
-          <p:nvPr>
-            <p:ph type="title"/>
-          </p:nvPr>
-        </p:nvSpPr>
-        <p:spPr/>
-        <p:txBody>
-          <a:bodyPr/>
-          <a:lstStyle/>
-          <a:p>
-            <a:pPr algn="l" rtl="0"/>
-            <a:r>
-              <a:rPr lang="en-US" b="1" dirty="0"/>
-              <a:t>Table of Content</a:t>
-            </a:r>
-          </a:p>
-        </p:txBody>
-      </p:sp>
-      <p:sp>
-        <p:nvSpPr>
-          <p:cNvPr id="3" name="מציין מיקום תוכן 2">
-            <a:extLst>
-              <a:ext uri="{FF2B5EF4-FFF2-40B4-BE49-F238E27FC236}">
-                <a16:creationId xmlns:a16="http://schemas.microsoft.com/office/drawing/2014/main" id="{A6D188E9-98B9-4050-9741-1183C581EBEB}"/>
-              </a:ext>
-            </a:extLst>
-          </p:cNvPr>
-          <p:cNvSpPr>
-            <a:spLocks noGrp="1"/>
-          </p:cNvSpPr>
-          <p:nvPr>
-            <p:ph idx="1"/>
-          </p:nvPr>
-        </p:nvSpPr>
-        <p:spPr/>
-        <p:txBody>
-          <a:bodyPr>
-            <a:normAutofit/>
-          </a:bodyPr>
-          <a:lstStyle/>
-          <a:p>
-            <a:pPr algn="l" rtl="0">
-              <a:lnSpc>
-                <a:spcPct val="150000"/>
-              </a:lnSpc>
-              <a:buFont typeface="Courier New" panose="02070309020205020404" pitchFamily="49" charset="0"/>
-              <a:buChar char="o"/>
-            </a:pPr>
-            <a:r>
-              <a:rPr lang="en-US" dirty="0"/>
-              <a:t>Mathematical background</a:t>
-            </a:r>
-          </a:p>
-          <a:p>
-            <a:pPr algn="l" rtl="0">
-              <a:lnSpc>
-                <a:spcPct val="150000"/>
-              </a:lnSpc>
-              <a:buFont typeface="Courier New" panose="02070309020205020404" pitchFamily="49" charset="0"/>
-              <a:buChar char="o"/>
-            </a:pPr>
-            <a:r>
-              <a:rPr lang="en-US" dirty="0"/>
-              <a:t>Chosen paper &amp; Our project</a:t>
-            </a:r>
-          </a:p>
-          <a:p>
-            <a:pPr algn="l" rtl="0">
-              <a:lnSpc>
-                <a:spcPct val="150000"/>
-              </a:lnSpc>
-              <a:buFont typeface="Courier New" panose="02070309020205020404" pitchFamily="49" charset="0"/>
-              <a:buChar char="o"/>
-            </a:pPr>
-            <a:r>
-              <a:rPr lang="en-US" dirty="0"/>
-              <a:t>Literature review of related work</a:t>
-            </a:r>
-          </a:p>
-          <a:p>
-            <a:pPr algn="l" rtl="0">
-              <a:lnSpc>
-                <a:spcPct val="150000"/>
-              </a:lnSpc>
-              <a:buFont typeface="Courier New" panose="02070309020205020404" pitchFamily="49" charset="0"/>
-              <a:buChar char="o"/>
-            </a:pPr>
-            <a:r>
-              <a:rPr lang="en-US" dirty="0"/>
-              <a:t>WNNVD</a:t>
-            </a:r>
-          </a:p>
-          <a:p>
-            <a:pPr algn="l" rtl="0">
-              <a:lnSpc>
-                <a:spcPct val="150000"/>
-              </a:lnSpc>
-              <a:buFont typeface="Courier New" panose="02070309020205020404" pitchFamily="49" charset="0"/>
-              <a:buChar char="o"/>
-            </a:pPr>
-            <a:r>
-              <a:rPr lang="en-US" dirty="0"/>
-              <a:t>Results &amp; Conclusion</a:t>
-            </a:r>
-          </a:p>
-          <a:p>
-            <a:pPr algn="l" rtl="0">
-              <a:lnSpc>
-                <a:spcPct val="150000"/>
-              </a:lnSpc>
-              <a:buFont typeface="Courier New" panose="02070309020205020404" pitchFamily="49" charset="0"/>
-              <a:buChar char="o"/>
-            </a:pPr>
-            <a:r>
-              <a:rPr lang="en-US" dirty="0"/>
-              <a:t>Future work</a:t>
-            </a:r>
-          </a:p>
-          <a:p>
-            <a:pPr algn="l" rtl="0"/>
-            <a:endParaRPr lang="en-US" dirty="0"/>
-          </a:p>
-          <a:p>
-            <a:pPr algn="l" rtl="0"/>
-            <a:endParaRPr lang="en-US" dirty="0"/>
-          </a:p>
-          <a:p>
-            <a:pPr algn="l" rtl="0"/>
-            <a:endParaRPr lang="en-US" dirty="0"/>
-          </a:p>
-        </p:txBody>
-      </p:sp>
-    </p:spTree>
-    <p:extLst>
-      <p:ext uri="{BB962C8B-B14F-4D97-AF65-F5344CB8AC3E}">
-        <p14:creationId xmlns:p14="http://schemas.microsoft.com/office/powerpoint/2010/main" val="1742629250"/>
       </p:ext>
     </p:extLst>
   </p:cSld>
@@ -18089,10 +19971,10 @@
                       </m:sSupPr>
                       <m:e>
                         <m:r>
-                          <a:rPr lang="en-US" sz="2000" i="0">
+                          <a:rPr lang="en-US" sz="2000" b="0" i="1" smtClean="0">
                             <a:latin typeface="Cambria Math" panose="02040503050406030204" pitchFamily="18" charset="0"/>
                           </a:rPr>
-                          <m:t>ℜ</m:t>
+                          <m:t>ℝ</m:t>
                         </m:r>
                       </m:e>
                       <m:sup>
@@ -18312,7 +20194,7 @@
                     <a:latin typeface="David" panose="020E0502060401010101" pitchFamily="34" charset="-79"/>
                     <a:ea typeface="Times New Roman" panose="02020603050405020304" pitchFamily="18" charset="0"/>
                   </a:rPr>
-                  <a:t>, defined as:</a:t>
+                  <a:t>, is defined as:</a:t>
                 </a:r>
               </a:p>
               <a:p>
@@ -18565,8 +20447,8 @@
             </p:nvSpPr>
             <p:spPr>
               <a:xfrm>
-                <a:off x="183111" y="4619792"/>
-                <a:ext cx="7556632" cy="1337739"/>
+                <a:off x="503465" y="4505016"/>
+                <a:ext cx="7556632" cy="1345240"/>
               </a:xfrm>
               <a:prstGeom prst="rect">
                 <a:avLst/>
@@ -18614,10 +20496,13 @@
                       </m:sSupPr>
                       <m:e>
                         <m:r>
-                          <a:rPr lang="en-US" sz="2000" i="0">
+                          <a:rPr lang="en-US" sz="2000" b="0" i="1" smtClean="0">
+                            <a:solidFill>
+                              <a:srgbClr val="836967"/>
+                            </a:solidFill>
                             <a:latin typeface="Cambria Math" panose="02040503050406030204" pitchFamily="18" charset="0"/>
                           </a:rPr>
-                          <m:t>ℜ</m:t>
+                          <m:t>ℝ</m:t>
                         </m:r>
                       </m:e>
                       <m:sup>
@@ -18817,11 +20702,15 @@
                       </m:e>
                       <m:sub>
                         <m:r>
-                          <a:rPr lang="en-US" i="1"/>
+                          <a:rPr lang="en-US" i="1">
+                            <a:latin typeface="Cambria Math" panose="02040503050406030204" pitchFamily="18" charset="0"/>
+                          </a:rPr>
                           <m:t>𝑤</m:t>
                         </m:r>
                         <m:r>
-                          <a:rPr lang="en-US"/>
+                          <a:rPr lang="en-US">
+                            <a:latin typeface="Cambria Math" panose="02040503050406030204" pitchFamily="18" charset="0"/>
+                          </a:rPr>
                           <m:t>,</m:t>
                         </m:r>
                         <m:r>
@@ -18845,7 +20734,7 @@
                     <a:latin typeface="David" panose="020E0502060401010101" pitchFamily="34" charset="-79"/>
                     <a:ea typeface="Times New Roman" panose="02020603050405020304" pitchFamily="18" charset="0"/>
                   </a:rPr>
-                  <a:t>, defined as:</a:t>
+                  <a:t>, is defined as:</a:t>
                 </a:r>
               </a:p>
               <a:p>
@@ -18912,11 +20801,15 @@
                       </m:e>
                       <m:sub>
                         <m:r>
-                          <a:rPr lang="en-US" i="1"/>
+                          <a:rPr lang="en-US" i="1">
+                            <a:latin typeface="Cambria Math" panose="02040503050406030204" pitchFamily="18" charset="0"/>
+                          </a:rPr>
                           <m:t>𝑤</m:t>
                         </m:r>
                         <m:r>
-                          <a:rPr lang="en-US"/>
+                          <a:rPr lang="en-US">
+                            <a:latin typeface="Cambria Math" panose="02040503050406030204" pitchFamily="18" charset="0"/>
+                          </a:rPr>
                           <m:t>,</m:t>
                         </m:r>
                         <m:r>
@@ -19090,8 +20983,8 @@
             </p:nvSpPr>
             <p:spPr>
               <a:xfrm>
-                <a:off x="183111" y="4619792"/>
-                <a:ext cx="7556632" cy="1337739"/>
+                <a:off x="503465" y="4505016"/>
+                <a:ext cx="7556632" cy="1345240"/>
               </a:xfrm>
               <a:prstGeom prst="rect">
                 <a:avLst/>
@@ -19099,7 +20992,7 @@
               <a:blipFill>
                 <a:blip r:embed="rId3"/>
                 <a:stretch>
-                  <a:fillRect l="-806" t="-2740" b="-54338"/>
+                  <a:fillRect l="-888" t="-2262" b="-52941"/>
                 </a:stretch>
               </a:blipFill>
             </p:spPr>
@@ -19172,7 +21065,7 @@
             <a:pPr algn="l" rtl="0"/>
             <a:r>
               <a:rPr lang="en-US" b="1" dirty="0"/>
-              <a:t>Low-Rank Matrix Approximation(LRMA)</a:t>
+              <a:t>Low-Rank Matrix Approximation (LRMA)</a:t>
             </a:r>
           </a:p>
         </p:txBody>
@@ -19211,7 +21104,7 @@
                 </a:pPr>
                 <a:r>
                   <a:rPr lang="en-US" dirty="0"/>
-                  <a:t>The goal is to approximate matrix </a:t>
+                  <a:t> The goal is to approximate matrix </a:t>
                 </a:r>
                 <a14:m>
                   <m:oMath xmlns:m="http://schemas.openxmlformats.org/officeDocument/2006/math">
@@ -19255,7 +21148,7 @@
                 </a14:m>
                 <a:r>
                   <a:rPr lang="en-US" dirty="0"/>
-                  <a:t> which can be factorized into product of low rank matrices.</a:t>
+                  <a:t> which may be factorized into a product of low rank matrices.</a:t>
                 </a:r>
               </a:p>
               <a:p>
@@ -19268,7 +21161,7 @@
                 </a:pPr>
                 <a:r>
                   <a:rPr lang="en-US" dirty="0"/>
-                  <a:t>We focus on minimization methods using NN/WNN – also abbreviated as WNN/WNNM.</a:t>
+                  <a:t> We focus on minimization methods using NN/WNN – also abbreviated as NNM/WNNM.</a:t>
                 </a:r>
               </a:p>
               <a:p>
@@ -19281,313 +21174,317 @@
                 </a:pPr>
                 <a:r>
                   <a:rPr lang="en-US" dirty="0"/>
-                  <a:t>The problem formulated as:      </a:t>
+                  <a:t> The problem is formulated as:      </a:t>
                 </a:r>
               </a:p>
               <a:p>
-                <a:pPr algn="ctr" rtl="0">
+                <a:pPr marL="0" indent="0" algn="ctr" rtl="0">
                   <a:lnSpc>
                     <a:spcPct val="150000"/>
                   </a:lnSpc>
-                  <a:buFont typeface="Courier New" panose="02070309020205020404" pitchFamily="49" charset="0"/>
-                  <a:buChar char="o"/>
+                  <a:buNone/>
                 </a:pPr>
                 <a14:m>
-                  <m:oMath xmlns:m="http://schemas.openxmlformats.org/officeDocument/2006/math">
-                    <m:acc>
-                      <m:accPr>
-                        <m:chr m:val="̂"/>
-                        <m:ctrlPr>
-                          <a:rPr lang="en-US" sz="2100" b="1" i="1" smtClean="0">
-                            <a:effectLst/>
-                            <a:latin typeface="Cambria Math" panose="02040503050406030204" pitchFamily="18" charset="0"/>
-                            <a:ea typeface="Times New Roman" panose="02020603050405020304" pitchFamily="18" charset="0"/>
-                            <a:cs typeface="David" panose="020E0502060401010101" pitchFamily="34" charset="-79"/>
-                          </a:rPr>
-                        </m:ctrlPr>
-                      </m:accPr>
-                      <m:e>
-                        <m:r>
-                          <a:rPr lang="en-US" sz="2100" b="1" i="1">
-                            <a:effectLst/>
-                            <a:latin typeface="Cambria Math" panose="02040503050406030204" pitchFamily="18" charset="0"/>
-                            <a:ea typeface="Times New Roman" panose="02020603050405020304" pitchFamily="18" charset="0"/>
-                            <a:cs typeface="David" panose="020E0502060401010101" pitchFamily="34" charset="-79"/>
-                          </a:rPr>
-                          <m:t>𝑿</m:t>
-                        </m:r>
-                      </m:e>
-                    </m:acc>
-                    <m:r>
-                      <a:rPr lang="en-US" sz="2100" b="1" i="1">
-                        <a:effectLst/>
-                        <a:latin typeface="Cambria Math" panose="02040503050406030204" pitchFamily="18" charset="0"/>
-                        <a:ea typeface="Times New Roman" panose="02020603050405020304" pitchFamily="18" charset="0"/>
-                        <a:cs typeface="David" panose="020E0502060401010101" pitchFamily="34" charset="-79"/>
-                      </a:rPr>
-                      <m:t> =</m:t>
-                    </m:r>
-                    <m:r>
-                      <a:rPr lang="en-US" sz="2100" b="1" i="1">
-                        <a:effectLst/>
-                        <a:latin typeface="Cambria Math" panose="02040503050406030204" pitchFamily="18" charset="0"/>
-                        <a:ea typeface="Times New Roman" panose="02020603050405020304" pitchFamily="18" charset="0"/>
-                        <a:cs typeface="David" panose="020E0502060401010101" pitchFamily="34" charset="-79"/>
-                      </a:rPr>
-                      <m:t>𝒂𝒓𝒈𝒎𝒊</m:t>
-                    </m:r>
-                    <m:sSub>
-                      <m:sSubPr>
-                        <m:ctrlPr>
-                          <a:rPr lang="en-US" sz="2100" b="1" i="1">
-                            <a:effectLst/>
-                            <a:latin typeface="Cambria Math" panose="02040503050406030204" pitchFamily="18" charset="0"/>
-                            <a:ea typeface="Times New Roman" panose="02020603050405020304" pitchFamily="18" charset="0"/>
-                            <a:cs typeface="David" panose="020E0502060401010101" pitchFamily="34" charset="-79"/>
-                          </a:rPr>
-                        </m:ctrlPr>
-                      </m:sSubPr>
-                      <m:e>
-                        <m:r>
-                          <a:rPr lang="en-US" sz="2100" b="1" i="1">
-                            <a:effectLst/>
-                            <a:latin typeface="Cambria Math" panose="02040503050406030204" pitchFamily="18" charset="0"/>
-                            <a:ea typeface="Times New Roman" panose="02020603050405020304" pitchFamily="18" charset="0"/>
-                            <a:cs typeface="David" panose="020E0502060401010101" pitchFamily="34" charset="-79"/>
-                          </a:rPr>
-                          <m:t>𝒏</m:t>
-                        </m:r>
-                      </m:e>
-                      <m:sub>
-                        <m:r>
-                          <a:rPr lang="en-US" sz="2100" b="1" i="1" smtClean="0">
-                            <a:effectLst/>
-                            <a:latin typeface="Cambria Math" panose="02040503050406030204" pitchFamily="18" charset="0"/>
-                            <a:ea typeface="Times New Roman" panose="02020603050405020304" pitchFamily="18" charset="0"/>
-                            <a:cs typeface="David" panose="020E0502060401010101" pitchFamily="34" charset="-79"/>
-                          </a:rPr>
-                          <m:t>𝑿</m:t>
-                        </m:r>
-                      </m:sub>
-                    </m:sSub>
-                    <m:f>
-                      <m:fPr>
-                        <m:ctrlPr>
-                          <a:rPr lang="en-US" sz="2100" b="1" i="1">
-                            <a:effectLst/>
-                            <a:latin typeface="Cambria Math" panose="02040503050406030204" pitchFamily="18" charset="0"/>
-                            <a:ea typeface="Times New Roman" panose="02020603050405020304" pitchFamily="18" charset="0"/>
-                            <a:cs typeface="David" panose="020E0502060401010101" pitchFamily="34" charset="-79"/>
-                          </a:rPr>
-                        </m:ctrlPr>
-                      </m:fPr>
-                      <m:num>
-                        <m:r>
-                          <a:rPr lang="en-US" sz="2100" b="1" i="1">
-                            <a:effectLst/>
-                            <a:latin typeface="Cambria Math" panose="02040503050406030204" pitchFamily="18" charset="0"/>
-                            <a:ea typeface="Times New Roman" panose="02020603050405020304" pitchFamily="18" charset="0"/>
-                            <a:cs typeface="David" panose="020E0502060401010101" pitchFamily="34" charset="-79"/>
-                          </a:rPr>
-                          <m:t>𝟏</m:t>
-                        </m:r>
-                      </m:num>
-                      <m:den>
-                        <m:sSubSup>
-                          <m:sSubSupPr>
-                            <m:ctrlPr>
-                              <a:rPr lang="en-US" sz="2100" b="1" i="1">
-                                <a:effectLst/>
-                                <a:latin typeface="Cambria Math" panose="02040503050406030204" pitchFamily="18" charset="0"/>
-                                <a:ea typeface="Times New Roman" panose="02020603050405020304" pitchFamily="18" charset="0"/>
-                                <a:cs typeface="David" panose="020E0502060401010101" pitchFamily="34" charset="-79"/>
-                              </a:rPr>
-                            </m:ctrlPr>
-                          </m:sSubSupPr>
-                          <m:e>
-                            <m:r>
-                              <a:rPr lang="en-US" sz="2100" b="1" i="1">
-                                <a:effectLst/>
-                                <a:latin typeface="Cambria Math" panose="02040503050406030204" pitchFamily="18" charset="0"/>
-                                <a:ea typeface="Times New Roman" panose="02020603050405020304" pitchFamily="18" charset="0"/>
-                                <a:cs typeface="David" panose="020E0502060401010101" pitchFamily="34" charset="-79"/>
-                              </a:rPr>
-                              <m:t>𝝈</m:t>
-                            </m:r>
-                          </m:e>
-                          <m:sub>
-                            <m:r>
-                              <a:rPr lang="en-US" sz="2100" b="1" i="1">
-                                <a:effectLst/>
-                                <a:latin typeface="Cambria Math" panose="02040503050406030204" pitchFamily="18" charset="0"/>
-                                <a:ea typeface="Times New Roman" panose="02020603050405020304" pitchFamily="18" charset="0"/>
-                                <a:cs typeface="David" panose="020E0502060401010101" pitchFamily="34" charset="-79"/>
-                              </a:rPr>
-                              <m:t>𝒏</m:t>
-                            </m:r>
-                          </m:sub>
-                          <m:sup>
-                            <m:r>
-                              <a:rPr lang="en-US" sz="2100" b="1" i="1">
-                                <a:effectLst/>
-                                <a:latin typeface="Cambria Math" panose="02040503050406030204" pitchFamily="18" charset="0"/>
-                                <a:ea typeface="Times New Roman" panose="02020603050405020304" pitchFamily="18" charset="0"/>
-                                <a:cs typeface="David" panose="020E0502060401010101" pitchFamily="34" charset="-79"/>
-                              </a:rPr>
-                              <m:t>𝟐</m:t>
-                            </m:r>
-                          </m:sup>
-                        </m:sSubSup>
-                      </m:den>
-                    </m:f>
-                    <m:sSubSup>
-                      <m:sSubSupPr>
-                        <m:ctrlPr>
-                          <a:rPr lang="en-US" sz="2100" b="1" i="1">
-                            <a:effectLst/>
-                            <a:latin typeface="Cambria Math" panose="02040503050406030204" pitchFamily="18" charset="0"/>
-                            <a:ea typeface="Times New Roman" panose="02020603050405020304" pitchFamily="18" charset="0"/>
-                            <a:cs typeface="David" panose="020E0502060401010101" pitchFamily="34" charset="-79"/>
-                          </a:rPr>
-                        </m:ctrlPr>
-                      </m:sSubSupPr>
-                      <m:e>
-                        <m:d>
-                          <m:dPr>
-                            <m:begChr m:val="‖"/>
-                            <m:endChr m:val="‖"/>
-                            <m:ctrlPr>
-                              <a:rPr lang="en-US" sz="2100" b="1" i="1">
-                                <a:effectLst/>
-                                <a:latin typeface="Cambria Math" panose="02040503050406030204" pitchFamily="18" charset="0"/>
-                                <a:ea typeface="Times New Roman" panose="02020603050405020304" pitchFamily="18" charset="0"/>
-                                <a:cs typeface="David" panose="020E0502060401010101" pitchFamily="34" charset="-79"/>
-                              </a:rPr>
-                            </m:ctrlPr>
-                          </m:dPr>
-                          <m:e>
-                            <m:r>
-                              <a:rPr lang="en-US" sz="2100" b="1" i="1" smtClean="0">
-                                <a:effectLst/>
-                                <a:latin typeface="Cambria Math" panose="02040503050406030204" pitchFamily="18" charset="0"/>
-                                <a:ea typeface="Times New Roman" panose="02020603050405020304" pitchFamily="18" charset="0"/>
-                                <a:cs typeface="David" panose="020E0502060401010101" pitchFamily="34" charset="-79"/>
-                              </a:rPr>
-                              <m:t>𝒀</m:t>
-                            </m:r>
-                            <m:r>
-                              <a:rPr lang="en-US" sz="2100" b="1" i="1">
-                                <a:effectLst/>
-                                <a:latin typeface="Cambria Math" panose="02040503050406030204" pitchFamily="18" charset="0"/>
-                                <a:ea typeface="Times New Roman" panose="02020603050405020304" pitchFamily="18" charset="0"/>
-                                <a:cs typeface="David" panose="020E0502060401010101" pitchFamily="34" charset="-79"/>
-                              </a:rPr>
-                              <m:t>−</m:t>
-                            </m:r>
-                            <m:r>
-                              <a:rPr lang="en-US" sz="2100" b="1" i="1" smtClean="0">
-                                <a:effectLst/>
-                                <a:latin typeface="Cambria Math" panose="02040503050406030204" pitchFamily="18" charset="0"/>
-                                <a:ea typeface="Times New Roman" panose="02020603050405020304" pitchFamily="18" charset="0"/>
-                                <a:cs typeface="David" panose="020E0502060401010101" pitchFamily="34" charset="-79"/>
-                              </a:rPr>
-                              <m:t>𝑿</m:t>
-                            </m:r>
-                          </m:e>
-                        </m:d>
-                      </m:e>
-                      <m:sub>
-                        <m:r>
-                          <a:rPr lang="en-US" sz="2100" b="1" i="1">
-                            <a:effectLst/>
-                            <a:latin typeface="Cambria Math" panose="02040503050406030204" pitchFamily="18" charset="0"/>
-                            <a:ea typeface="Times New Roman" panose="02020603050405020304" pitchFamily="18" charset="0"/>
-                            <a:cs typeface="David" panose="020E0502060401010101" pitchFamily="34" charset="-79"/>
-                          </a:rPr>
-                          <m:t>𝑭</m:t>
-                        </m:r>
-                      </m:sub>
-                      <m:sup>
-                        <m:r>
-                          <a:rPr lang="en-US" sz="2100" b="1" i="1">
-                            <a:effectLst/>
-                            <a:latin typeface="Cambria Math" panose="02040503050406030204" pitchFamily="18" charset="0"/>
-                            <a:ea typeface="Times New Roman" panose="02020603050405020304" pitchFamily="18" charset="0"/>
-                            <a:cs typeface="David" panose="020E0502060401010101" pitchFamily="34" charset="-79"/>
-                          </a:rPr>
-                          <m:t>𝟐</m:t>
-                        </m:r>
-                      </m:sup>
-                    </m:sSubSup>
-                    <m:r>
-                      <a:rPr lang="en-US" sz="2100" b="1" i="1">
-                        <a:effectLst/>
-                        <a:latin typeface="Cambria Math" panose="02040503050406030204" pitchFamily="18" charset="0"/>
-                        <a:ea typeface="Times New Roman" panose="02020603050405020304" pitchFamily="18" charset="0"/>
-                        <a:cs typeface="David" panose="020E0502060401010101" pitchFamily="34" charset="-79"/>
-                      </a:rPr>
-                      <m:t>+</m:t>
-                    </m:r>
-                    <m:sSub>
-                      <m:sSubPr>
-                        <m:ctrlPr>
-                          <a:rPr lang="en-US" sz="2100" b="1" i="1">
-                            <a:effectLst/>
-                            <a:latin typeface="Cambria Math" panose="02040503050406030204" pitchFamily="18" charset="0"/>
-                            <a:ea typeface="Times New Roman" panose="02020603050405020304" pitchFamily="18" charset="0"/>
-                            <a:cs typeface="David" panose="020E0502060401010101" pitchFamily="34" charset="-79"/>
-                          </a:rPr>
-                        </m:ctrlPr>
-                      </m:sSubPr>
-                      <m:e>
-                        <m:d>
-                          <m:dPr>
-                            <m:begChr m:val="‖"/>
-                            <m:endChr m:val="‖"/>
-                            <m:ctrlPr>
-                              <a:rPr lang="en-US" sz="2100" b="1" i="1">
-                                <a:effectLst/>
-                                <a:latin typeface="Cambria Math" panose="02040503050406030204" pitchFamily="18" charset="0"/>
-                                <a:ea typeface="Times New Roman" panose="02020603050405020304" pitchFamily="18" charset="0"/>
-                                <a:cs typeface="David" panose="020E0502060401010101" pitchFamily="34" charset="-79"/>
-                              </a:rPr>
-                            </m:ctrlPr>
-                          </m:dPr>
-                          <m:e>
-                            <m:r>
-                              <a:rPr lang="en-US" sz="2100" b="1" i="1" smtClean="0">
-                                <a:effectLst/>
-                                <a:latin typeface="Cambria Math" panose="02040503050406030204" pitchFamily="18" charset="0"/>
-                                <a:ea typeface="Times New Roman" panose="02020603050405020304" pitchFamily="18" charset="0"/>
-                                <a:cs typeface="David" panose="020E0502060401010101" pitchFamily="34" charset="-79"/>
-                              </a:rPr>
-                              <m:t>𝑿</m:t>
-                            </m:r>
-                          </m:e>
-                        </m:d>
-                      </m:e>
-                      <m:sub>
-                        <m:r>
-                          <a:rPr lang="en-US" sz="2100" b="1" i="1">
-                            <a:effectLst/>
-                            <a:latin typeface="Cambria Math" panose="02040503050406030204" pitchFamily="18" charset="0"/>
-                            <a:ea typeface="Times New Roman" panose="02020603050405020304" pitchFamily="18" charset="0"/>
-                            <a:cs typeface="David" panose="020E0502060401010101" pitchFamily="34" charset="-79"/>
-                          </a:rPr>
-                          <m:t>𝒘</m:t>
-                        </m:r>
-                        <m:r>
-                          <a:rPr lang="en-US" sz="2100" b="1" i="1">
-                            <a:effectLst/>
-                            <a:latin typeface="Cambria Math" panose="02040503050406030204" pitchFamily="18" charset="0"/>
-                            <a:ea typeface="Times New Roman" panose="02020603050405020304" pitchFamily="18" charset="0"/>
-                            <a:cs typeface="David" panose="020E0502060401010101" pitchFamily="34" charset="-79"/>
-                          </a:rPr>
-                          <m:t>,∗</m:t>
-                        </m:r>
-                      </m:sub>
-                    </m:sSub>
-                  </m:oMath>
+                  <m:oMathPara xmlns:m="http://schemas.openxmlformats.org/officeDocument/2006/math">
+                    <m:oMathParaPr>
+                      <m:jc m:val="centerGroup"/>
+                    </m:oMathParaPr>
+                    <m:oMath xmlns:m="http://schemas.openxmlformats.org/officeDocument/2006/math">
+                      <m:acc>
+                        <m:accPr>
+                          <m:chr m:val="̂"/>
+                          <m:ctrlPr>
+                            <a:rPr lang="en-US" sz="2100" b="1" i="1" smtClean="0">
+                              <a:effectLst/>
+                              <a:latin typeface="Cambria Math" panose="02040503050406030204" pitchFamily="18" charset="0"/>
+                              <a:ea typeface="Times New Roman" panose="02020603050405020304" pitchFamily="18" charset="0"/>
+                              <a:cs typeface="David" panose="020E0502060401010101" pitchFamily="34" charset="-79"/>
+                            </a:rPr>
+                          </m:ctrlPr>
+                        </m:accPr>
+                        <m:e>
+                          <m:r>
+                            <a:rPr lang="en-US" sz="2100" b="1" i="1">
+                              <a:effectLst/>
+                              <a:latin typeface="Cambria Math" panose="02040503050406030204" pitchFamily="18" charset="0"/>
+                              <a:ea typeface="Times New Roman" panose="02020603050405020304" pitchFamily="18" charset="0"/>
+                              <a:cs typeface="David" panose="020E0502060401010101" pitchFamily="34" charset="-79"/>
+                            </a:rPr>
+                            <m:t>𝑿</m:t>
+                          </m:r>
+                        </m:e>
+                      </m:acc>
+                      <m:r>
+                        <a:rPr lang="en-US" sz="2100" b="1" i="1">
+                          <a:effectLst/>
+                          <a:latin typeface="Cambria Math" panose="02040503050406030204" pitchFamily="18" charset="0"/>
+                          <a:ea typeface="Times New Roman" panose="02020603050405020304" pitchFamily="18" charset="0"/>
+                          <a:cs typeface="David" panose="020E0502060401010101" pitchFamily="34" charset="-79"/>
+                        </a:rPr>
+                        <m:t> =</m:t>
+                      </m:r>
+                      <m:r>
+                        <a:rPr lang="en-US" sz="2100" b="1" i="1">
+                          <a:effectLst/>
+                          <a:latin typeface="Cambria Math" panose="02040503050406030204" pitchFamily="18" charset="0"/>
+                          <a:ea typeface="Times New Roman" panose="02020603050405020304" pitchFamily="18" charset="0"/>
+                          <a:cs typeface="David" panose="020E0502060401010101" pitchFamily="34" charset="-79"/>
+                        </a:rPr>
+                        <m:t>𝒂𝒓𝒈𝒎𝒊</m:t>
+                      </m:r>
+                      <m:sSub>
+                        <m:sSubPr>
+                          <m:ctrlPr>
+                            <a:rPr lang="en-US" sz="2100" b="1" i="1">
+                              <a:effectLst/>
+                              <a:latin typeface="Cambria Math" panose="02040503050406030204" pitchFamily="18" charset="0"/>
+                              <a:ea typeface="Times New Roman" panose="02020603050405020304" pitchFamily="18" charset="0"/>
+                              <a:cs typeface="David" panose="020E0502060401010101" pitchFamily="34" charset="-79"/>
+                            </a:rPr>
+                          </m:ctrlPr>
+                        </m:sSubPr>
+                        <m:e>
+                          <m:r>
+                            <a:rPr lang="en-US" sz="2100" b="1" i="1">
+                              <a:effectLst/>
+                              <a:latin typeface="Cambria Math" panose="02040503050406030204" pitchFamily="18" charset="0"/>
+                              <a:ea typeface="Times New Roman" panose="02020603050405020304" pitchFamily="18" charset="0"/>
+                              <a:cs typeface="David" panose="020E0502060401010101" pitchFamily="34" charset="-79"/>
+                            </a:rPr>
+                            <m:t>𝒏</m:t>
+                          </m:r>
+                        </m:e>
+                        <m:sub>
+                          <m:r>
+                            <a:rPr lang="en-US" sz="2100" b="1" i="1" smtClean="0">
+                              <a:effectLst/>
+                              <a:latin typeface="Cambria Math" panose="02040503050406030204" pitchFamily="18" charset="0"/>
+                              <a:ea typeface="Times New Roman" panose="02020603050405020304" pitchFamily="18" charset="0"/>
+                              <a:cs typeface="David" panose="020E0502060401010101" pitchFamily="34" charset="-79"/>
+                            </a:rPr>
+                            <m:t>𝑿</m:t>
+                          </m:r>
+                        </m:sub>
+                      </m:sSub>
+                      <m:f>
+                        <m:fPr>
+                          <m:ctrlPr>
+                            <a:rPr lang="en-US" sz="2100" b="1" i="1">
+                              <a:effectLst/>
+                              <a:latin typeface="Cambria Math" panose="02040503050406030204" pitchFamily="18" charset="0"/>
+                              <a:ea typeface="Times New Roman" panose="02020603050405020304" pitchFamily="18" charset="0"/>
+                              <a:cs typeface="David" panose="020E0502060401010101" pitchFamily="34" charset="-79"/>
+                            </a:rPr>
+                          </m:ctrlPr>
+                        </m:fPr>
+                        <m:num>
+                          <m:r>
+                            <a:rPr lang="en-US" sz="2100" b="1" i="1">
+                              <a:effectLst/>
+                              <a:latin typeface="Cambria Math" panose="02040503050406030204" pitchFamily="18" charset="0"/>
+                              <a:ea typeface="Times New Roman" panose="02020603050405020304" pitchFamily="18" charset="0"/>
+                              <a:cs typeface="David" panose="020E0502060401010101" pitchFamily="34" charset="-79"/>
+                            </a:rPr>
+                            <m:t>𝟏</m:t>
+                          </m:r>
+                        </m:num>
+                        <m:den>
+                          <m:sSubSup>
+                            <m:sSubSupPr>
+                              <m:ctrlPr>
+                                <a:rPr lang="en-US" sz="2100" b="1" i="1">
+                                  <a:effectLst/>
+                                  <a:latin typeface="Cambria Math" panose="02040503050406030204" pitchFamily="18" charset="0"/>
+                                  <a:ea typeface="Times New Roman" panose="02020603050405020304" pitchFamily="18" charset="0"/>
+                                  <a:cs typeface="David" panose="020E0502060401010101" pitchFamily="34" charset="-79"/>
+                                </a:rPr>
+                              </m:ctrlPr>
+                            </m:sSubSupPr>
+                            <m:e>
+                              <m:r>
+                                <a:rPr lang="en-US" sz="2100" b="1" i="1">
+                                  <a:effectLst/>
+                                  <a:latin typeface="Cambria Math" panose="02040503050406030204" pitchFamily="18" charset="0"/>
+                                  <a:ea typeface="Times New Roman" panose="02020603050405020304" pitchFamily="18" charset="0"/>
+                                  <a:cs typeface="David" panose="020E0502060401010101" pitchFamily="34" charset="-79"/>
+                                </a:rPr>
+                                <m:t>𝝈</m:t>
+                              </m:r>
+                            </m:e>
+                            <m:sub>
+                              <m:r>
+                                <a:rPr lang="en-US" sz="2100" b="1" i="1">
+                                  <a:effectLst/>
+                                  <a:latin typeface="Cambria Math" panose="02040503050406030204" pitchFamily="18" charset="0"/>
+                                  <a:ea typeface="Times New Roman" panose="02020603050405020304" pitchFamily="18" charset="0"/>
+                                  <a:cs typeface="David" panose="020E0502060401010101" pitchFamily="34" charset="-79"/>
+                                </a:rPr>
+                                <m:t>𝒏</m:t>
+                              </m:r>
+                            </m:sub>
+                            <m:sup>
+                              <m:r>
+                                <a:rPr lang="en-US" sz="2100" b="1" i="1">
+                                  <a:effectLst/>
+                                  <a:latin typeface="Cambria Math" panose="02040503050406030204" pitchFamily="18" charset="0"/>
+                                  <a:ea typeface="Times New Roman" panose="02020603050405020304" pitchFamily="18" charset="0"/>
+                                  <a:cs typeface="David" panose="020E0502060401010101" pitchFamily="34" charset="-79"/>
+                                </a:rPr>
+                                <m:t>𝟐</m:t>
+                              </m:r>
+                            </m:sup>
+                          </m:sSubSup>
+                        </m:den>
+                      </m:f>
+                      <m:sSubSup>
+                        <m:sSubSupPr>
+                          <m:ctrlPr>
+                            <a:rPr lang="en-US" sz="2100" b="1" i="1">
+                              <a:effectLst/>
+                              <a:latin typeface="Cambria Math" panose="02040503050406030204" pitchFamily="18" charset="0"/>
+                              <a:ea typeface="Times New Roman" panose="02020603050405020304" pitchFamily="18" charset="0"/>
+                              <a:cs typeface="David" panose="020E0502060401010101" pitchFamily="34" charset="-79"/>
+                            </a:rPr>
+                          </m:ctrlPr>
+                        </m:sSubSupPr>
+                        <m:e>
+                          <m:d>
+                            <m:dPr>
+                              <m:begChr m:val="‖"/>
+                              <m:endChr m:val="‖"/>
+                              <m:ctrlPr>
+                                <a:rPr lang="en-US" sz="2100" b="1" i="1">
+                                  <a:effectLst/>
+                                  <a:latin typeface="Cambria Math" panose="02040503050406030204" pitchFamily="18" charset="0"/>
+                                  <a:ea typeface="Times New Roman" panose="02020603050405020304" pitchFamily="18" charset="0"/>
+                                  <a:cs typeface="David" panose="020E0502060401010101" pitchFamily="34" charset="-79"/>
+                                </a:rPr>
+                              </m:ctrlPr>
+                            </m:dPr>
+                            <m:e>
+                              <m:r>
+                                <a:rPr lang="en-US" sz="2100" b="1" i="1" smtClean="0">
+                                  <a:effectLst/>
+                                  <a:latin typeface="Cambria Math" panose="02040503050406030204" pitchFamily="18" charset="0"/>
+                                  <a:ea typeface="Times New Roman" panose="02020603050405020304" pitchFamily="18" charset="0"/>
+                                  <a:cs typeface="David" panose="020E0502060401010101" pitchFamily="34" charset="-79"/>
+                                </a:rPr>
+                                <m:t>𝒀</m:t>
+                              </m:r>
+                              <m:r>
+                                <a:rPr lang="en-US" sz="2100" b="1" i="1">
+                                  <a:effectLst/>
+                                  <a:latin typeface="Cambria Math" panose="02040503050406030204" pitchFamily="18" charset="0"/>
+                                  <a:ea typeface="Times New Roman" panose="02020603050405020304" pitchFamily="18" charset="0"/>
+                                  <a:cs typeface="David" panose="020E0502060401010101" pitchFamily="34" charset="-79"/>
+                                </a:rPr>
+                                <m:t>−</m:t>
+                              </m:r>
+                              <m:r>
+                                <a:rPr lang="en-US" sz="2100" b="1" i="1" smtClean="0">
+                                  <a:effectLst/>
+                                  <a:latin typeface="Cambria Math" panose="02040503050406030204" pitchFamily="18" charset="0"/>
+                                  <a:ea typeface="Times New Roman" panose="02020603050405020304" pitchFamily="18" charset="0"/>
+                                  <a:cs typeface="David" panose="020E0502060401010101" pitchFamily="34" charset="-79"/>
+                                </a:rPr>
+                                <m:t>𝑿</m:t>
+                              </m:r>
+                            </m:e>
+                          </m:d>
+                        </m:e>
+                        <m:sub>
+                          <m:r>
+                            <a:rPr lang="en-US" sz="2100" b="1" i="1">
+                              <a:effectLst/>
+                              <a:latin typeface="Cambria Math" panose="02040503050406030204" pitchFamily="18" charset="0"/>
+                              <a:ea typeface="Times New Roman" panose="02020603050405020304" pitchFamily="18" charset="0"/>
+                              <a:cs typeface="David" panose="020E0502060401010101" pitchFamily="34" charset="-79"/>
+                            </a:rPr>
+                            <m:t>𝑭</m:t>
+                          </m:r>
+                        </m:sub>
+                        <m:sup>
+                          <m:r>
+                            <a:rPr lang="en-US" sz="2100" b="1" i="1">
+                              <a:effectLst/>
+                              <a:latin typeface="Cambria Math" panose="02040503050406030204" pitchFamily="18" charset="0"/>
+                              <a:ea typeface="Times New Roman" panose="02020603050405020304" pitchFamily="18" charset="0"/>
+                              <a:cs typeface="David" panose="020E0502060401010101" pitchFamily="34" charset="-79"/>
+                            </a:rPr>
+                            <m:t>𝟐</m:t>
+                          </m:r>
+                        </m:sup>
+                      </m:sSubSup>
+                      <m:r>
+                        <a:rPr lang="en-US" sz="2100" b="1" i="1">
+                          <a:effectLst/>
+                          <a:latin typeface="Cambria Math" panose="02040503050406030204" pitchFamily="18" charset="0"/>
+                          <a:ea typeface="Times New Roman" panose="02020603050405020304" pitchFamily="18" charset="0"/>
+                          <a:cs typeface="David" panose="020E0502060401010101" pitchFamily="34" charset="-79"/>
+                        </a:rPr>
+                        <m:t>+</m:t>
+                      </m:r>
+                      <m:sSub>
+                        <m:sSubPr>
+                          <m:ctrlPr>
+                            <a:rPr lang="en-US" sz="2100" b="1" i="1">
+                              <a:effectLst/>
+                              <a:latin typeface="Cambria Math" panose="02040503050406030204" pitchFamily="18" charset="0"/>
+                              <a:ea typeface="Times New Roman" panose="02020603050405020304" pitchFamily="18" charset="0"/>
+                              <a:cs typeface="David" panose="020E0502060401010101" pitchFamily="34" charset="-79"/>
+                            </a:rPr>
+                          </m:ctrlPr>
+                        </m:sSubPr>
+                        <m:e>
+                          <m:d>
+                            <m:dPr>
+                              <m:begChr m:val="‖"/>
+                              <m:endChr m:val="‖"/>
+                              <m:ctrlPr>
+                                <a:rPr lang="en-US" sz="2100" b="1" i="1">
+                                  <a:effectLst/>
+                                  <a:latin typeface="Cambria Math" panose="02040503050406030204" pitchFamily="18" charset="0"/>
+                                  <a:ea typeface="Times New Roman" panose="02020603050405020304" pitchFamily="18" charset="0"/>
+                                  <a:cs typeface="David" panose="020E0502060401010101" pitchFamily="34" charset="-79"/>
+                                </a:rPr>
+                              </m:ctrlPr>
+                            </m:dPr>
+                            <m:e>
+                              <m:r>
+                                <a:rPr lang="en-US" sz="2100" b="1" i="1" smtClean="0">
+                                  <a:effectLst/>
+                                  <a:latin typeface="Cambria Math" panose="02040503050406030204" pitchFamily="18" charset="0"/>
+                                  <a:ea typeface="Times New Roman" panose="02020603050405020304" pitchFamily="18" charset="0"/>
+                                  <a:cs typeface="David" panose="020E0502060401010101" pitchFamily="34" charset="-79"/>
+                                </a:rPr>
+                                <m:t>𝑿</m:t>
+                              </m:r>
+                            </m:e>
+                          </m:d>
+                        </m:e>
+                        <m:sub>
+                          <m:r>
+                            <a:rPr lang="en-US" sz="2100" b="1" i="1">
+                              <a:effectLst/>
+                              <a:latin typeface="Cambria Math" panose="02040503050406030204" pitchFamily="18" charset="0"/>
+                              <a:ea typeface="Times New Roman" panose="02020603050405020304" pitchFamily="18" charset="0"/>
+                              <a:cs typeface="David" panose="020E0502060401010101" pitchFamily="34" charset="-79"/>
+                            </a:rPr>
+                            <m:t>𝒘</m:t>
+                          </m:r>
+                          <m:r>
+                            <a:rPr lang="en-US" sz="2100" b="1" i="1">
+                              <a:effectLst/>
+                              <a:latin typeface="Cambria Math" panose="02040503050406030204" pitchFamily="18" charset="0"/>
+                              <a:ea typeface="Times New Roman" panose="02020603050405020304" pitchFamily="18" charset="0"/>
+                              <a:cs typeface="David" panose="020E0502060401010101" pitchFamily="34" charset="-79"/>
+                            </a:rPr>
+                            <m:t>,∗</m:t>
+                          </m:r>
+                        </m:sub>
+                      </m:sSub>
+                    </m:oMath>
+                  </m:oMathPara>
                 </a14:m>
                 <a:endParaRPr lang="en-US" sz="2100" b="1" dirty="0">
                   <a:effectLst/>
@@ -19606,7 +21503,7 @@
                 </a:pPr>
                 <a:r>
                   <a:rPr lang="en-US" dirty="0"/>
-                  <a:t>The general problem is not convex but if the weights are sorted the solution is:</a:t>
+                  <a:t> The general problem is not convex, but if the weights are sorted the solution is:</a:t>
                 </a:r>
               </a:p>
               <a:p>
@@ -19793,7 +21690,7 @@
                     <a:ea typeface="Calibri" panose="020F0502020204030204" pitchFamily="34" charset="0"/>
                     <a:cs typeface="David" panose="020E0502060401010101" pitchFamily="34" charset="-79"/>
                   </a:rPr>
-                  <a:t> is singular value matrix) </a:t>
+                  <a:t> is the singular value matrix) </a:t>
                 </a:r>
               </a:p>
               <a:p>
@@ -20146,7 +22043,7 @@
             </a:pPr>
             <a:r>
               <a:rPr lang="en-US" dirty="0"/>
-              <a:t>Weighted Nuclear Norm Minimization with Application to Image Denoising” [Gu et. al.]</a:t>
+              <a:t> “Weighted Nuclear Norm Minimization with Application to Image Denoising” [Gu et. al.]</a:t>
             </a:r>
           </a:p>
           <a:p>
@@ -20159,39 +22056,8 @@
             </a:pPr>
             <a:r>
               <a:rPr lang="en-US" dirty="0"/>
-              <a:t>Utilized the WNNM for image denoising by taking advantage of non-local self similarities</a:t>
+              <a:t> Utilized the WNNM for image denoising by taking advantage of non-local self similarities.</a:t>
             </a:r>
-          </a:p>
-          <a:p>
-            <a:pPr marL="0" indent="0" algn="l" rtl="0">
-              <a:lnSpc>
-                <a:spcPct val="100000"/>
-              </a:lnSpc>
-              <a:buNone/>
-            </a:pPr>
-            <a:r>
-              <a:rPr lang="en-US" sz="1800" dirty="0">
-                <a:effectLst/>
-                <a:ea typeface="Times New Roman" panose="02020603050405020304" pitchFamily="18" charset="0"/>
-              </a:rPr>
-              <a:t>The Weighted Nuclear Norm Image</a:t>
-            </a:r>
-          </a:p>
-          <a:p>
-            <a:pPr marL="0" indent="0" algn="l" rtl="0">
-              <a:lnSpc>
-                <a:spcPct val="100000"/>
-              </a:lnSpc>
-              <a:buNone/>
-            </a:pPr>
-            <a:r>
-              <a:rPr lang="en-US" sz="1800" dirty="0">
-                <a:effectLst/>
-                <a:ea typeface="Times New Roman" panose="02020603050405020304" pitchFamily="18" charset="0"/>
-              </a:rPr>
-              <a:t>	 Denoising algorithm (WNNID)</a:t>
-            </a:r>
-            <a:endParaRPr lang="en-US" dirty="0"/>
           </a:p>
           <a:p>
             <a:pPr algn="l" rtl="0"/>
@@ -20219,8 +22085,8 @@
         </p:blipFill>
         <p:spPr>
           <a:xfrm>
-            <a:off x="1036320" y="3728991"/>
-            <a:ext cx="3183194" cy="2453148"/>
+            <a:off x="419869" y="2804317"/>
+            <a:ext cx="4131581" cy="3377822"/>
           </a:xfrm>
           <a:prstGeom prst="rect">
             <a:avLst/>
@@ -20247,8 +22113,8 @@
         </p:blipFill>
         <p:spPr>
           <a:xfrm>
-            <a:off x="5800819" y="2962074"/>
-            <a:ext cx="5680586" cy="3220065"/>
+            <a:off x="5122724" y="2757057"/>
+            <a:ext cx="6261041" cy="3377822"/>
           </a:xfrm>
           <a:prstGeom prst="rect">
             <a:avLst/>
@@ -20269,6 +22135,532 @@
 </file>
 
 <file path=ppt/slides/slide6.xml><?xml version="1.0" encoding="utf-8"?>
+<p:sld xmlns:a="http://schemas.openxmlformats.org/drawingml/2006/main" xmlns:r="http://schemas.openxmlformats.org/officeDocument/2006/relationships" xmlns:p="http://schemas.openxmlformats.org/presentationml/2006/main">
+  <p:cSld>
+    <p:spTree>
+      <p:nvGrpSpPr>
+        <p:cNvPr id="1" name=""/>
+        <p:cNvGrpSpPr/>
+        <p:nvPr/>
+      </p:nvGrpSpPr>
+      <p:grpSpPr>
+        <a:xfrm>
+          <a:off x="0" y="0"/>
+          <a:ext cx="0" cy="0"/>
+          <a:chOff x="0" y="0"/>
+          <a:chExt cx="0" cy="0"/>
+        </a:xfrm>
+      </p:grpSpPr>
+      <p:sp>
+        <p:nvSpPr>
+          <p:cNvPr id="2" name="כותרת 1">
+            <a:extLst>
+              <a:ext uri="{FF2B5EF4-FFF2-40B4-BE49-F238E27FC236}">
+                <a16:creationId xmlns:a16="http://schemas.microsoft.com/office/drawing/2014/main" id="{C7A81BB7-FE42-4385-BA57-BBDD1BEAD972}"/>
+              </a:ext>
+            </a:extLst>
+          </p:cNvPr>
+          <p:cNvSpPr>
+            <a:spLocks noGrp="1"/>
+          </p:cNvSpPr>
+          <p:nvPr>
+            <p:ph type="title"/>
+          </p:nvPr>
+        </p:nvSpPr>
+        <p:spPr/>
+        <p:txBody>
+          <a:bodyPr>
+            <a:normAutofit/>
+          </a:bodyPr>
+          <a:lstStyle/>
+          <a:p>
+            <a:pPr algn="l" rtl="0"/>
+            <a:r>
+              <a:rPr lang="en-US" b="1" dirty="0"/>
+              <a:t>Chosen Paper</a:t>
+            </a:r>
+          </a:p>
+        </p:txBody>
+      </p:sp>
+      <mc:AlternateContent xmlns:mc="http://schemas.openxmlformats.org/markup-compatibility/2006">
+        <mc:Choice xmlns:a14="http://schemas.microsoft.com/office/drawing/2010/main" Requires="a14">
+          <p:sp>
+            <p:nvSpPr>
+              <p:cNvPr id="3" name="מציין מיקום תוכן 2">
+                <a:extLst>
+                  <a:ext uri="{FF2B5EF4-FFF2-40B4-BE49-F238E27FC236}">
+                    <a16:creationId xmlns:a16="http://schemas.microsoft.com/office/drawing/2014/main" id="{C36F00ED-786D-49AC-B981-CA0615B0391B}"/>
+                  </a:ext>
+                </a:extLst>
+              </p:cNvPr>
+              <p:cNvSpPr>
+                <a:spLocks noGrp="1"/>
+              </p:cNvSpPr>
+              <p:nvPr>
+                <p:ph idx="1"/>
+              </p:nvPr>
+            </p:nvSpPr>
+            <p:spPr/>
+            <p:txBody>
+              <a:bodyPr/>
+              <a:lstStyle/>
+              <a:p>
+                <a:pPr algn="l" rtl="0"/>
+                <a:r>
+                  <a:rPr lang="en-US" dirty="0">
+                    <a:highlight>
+                      <a:srgbClr val="FFFF00"/>
+                    </a:highlight>
+                  </a:rPr>
+                  <a:t>TODO: add a diagram explaining each term of the equation</a:t>
+                </a:r>
+              </a:p>
+              <a:p>
+                <a:pPr algn="l" rtl="0"/>
+                <a14:m>
+                  <m:oMath xmlns:m="http://schemas.openxmlformats.org/officeDocument/2006/math">
+                    <m:acc>
+                      <m:accPr>
+                        <m:chr m:val="̂"/>
+                        <m:ctrlPr>
+                          <a:rPr lang="en-US" sz="2000" b="1" i="1" smtClean="0">
+                            <a:effectLst/>
+                            <a:highlight>
+                              <a:srgbClr val="FFFF00"/>
+                            </a:highlight>
+                            <a:latin typeface="Cambria Math" panose="02040503050406030204" pitchFamily="18" charset="0"/>
+                            <a:ea typeface="Times New Roman" panose="02020603050405020304" pitchFamily="18" charset="0"/>
+                            <a:cs typeface="David" panose="020E0502060401010101" pitchFamily="34" charset="-79"/>
+                          </a:rPr>
+                        </m:ctrlPr>
+                      </m:accPr>
+                      <m:e>
+                        <m:r>
+                          <a:rPr lang="en-US" sz="2000" b="1" i="1">
+                            <a:effectLst/>
+                            <a:highlight>
+                              <a:srgbClr val="FFFF00"/>
+                            </a:highlight>
+                            <a:latin typeface="Cambria Math" panose="02040503050406030204" pitchFamily="18" charset="0"/>
+                            <a:ea typeface="Times New Roman" panose="02020603050405020304" pitchFamily="18" charset="0"/>
+                            <a:cs typeface="David" panose="020E0502060401010101" pitchFamily="34" charset="-79"/>
+                          </a:rPr>
+                          <m:t>𝑿</m:t>
+                        </m:r>
+                      </m:e>
+                    </m:acc>
+                    <m:r>
+                      <a:rPr lang="en-US" sz="2000" b="1" i="1">
+                        <a:effectLst/>
+                        <a:highlight>
+                          <a:srgbClr val="FFFF00"/>
+                        </a:highlight>
+                        <a:latin typeface="Cambria Math" panose="02040503050406030204" pitchFamily="18" charset="0"/>
+                        <a:ea typeface="Times New Roman" panose="02020603050405020304" pitchFamily="18" charset="0"/>
+                        <a:cs typeface="David" panose="020E0502060401010101" pitchFamily="34" charset="-79"/>
+                      </a:rPr>
+                      <m:t> =</m:t>
+                    </m:r>
+                    <m:r>
+                      <a:rPr lang="en-US" sz="2000" b="1" i="1">
+                        <a:effectLst/>
+                        <a:highlight>
+                          <a:srgbClr val="FFFF00"/>
+                        </a:highlight>
+                        <a:latin typeface="Cambria Math" panose="02040503050406030204" pitchFamily="18" charset="0"/>
+                        <a:ea typeface="Times New Roman" panose="02020603050405020304" pitchFamily="18" charset="0"/>
+                        <a:cs typeface="David" panose="020E0502060401010101" pitchFamily="34" charset="-79"/>
+                      </a:rPr>
+                      <m:t>𝒂𝒓𝒈𝒎𝒊</m:t>
+                    </m:r>
+                    <m:sSub>
+                      <m:sSubPr>
+                        <m:ctrlPr>
+                          <a:rPr lang="en-US" sz="2000" b="1" i="1">
+                            <a:effectLst/>
+                            <a:highlight>
+                              <a:srgbClr val="FFFF00"/>
+                            </a:highlight>
+                            <a:latin typeface="Cambria Math" panose="02040503050406030204" pitchFamily="18" charset="0"/>
+                            <a:ea typeface="Times New Roman" panose="02020603050405020304" pitchFamily="18" charset="0"/>
+                            <a:cs typeface="David" panose="020E0502060401010101" pitchFamily="34" charset="-79"/>
+                          </a:rPr>
+                        </m:ctrlPr>
+                      </m:sSubPr>
+                      <m:e>
+                        <m:r>
+                          <a:rPr lang="en-US" sz="2000" b="1" i="1">
+                            <a:effectLst/>
+                            <a:highlight>
+                              <a:srgbClr val="FFFF00"/>
+                            </a:highlight>
+                            <a:latin typeface="Cambria Math" panose="02040503050406030204" pitchFamily="18" charset="0"/>
+                            <a:ea typeface="Times New Roman" panose="02020603050405020304" pitchFamily="18" charset="0"/>
+                            <a:cs typeface="David" panose="020E0502060401010101" pitchFamily="34" charset="-79"/>
+                          </a:rPr>
+                          <m:t>𝒏</m:t>
+                        </m:r>
+                      </m:e>
+                      <m:sub>
+                        <m:r>
+                          <a:rPr lang="en-US" sz="2000" b="1" i="1" smtClean="0">
+                            <a:effectLst/>
+                            <a:highlight>
+                              <a:srgbClr val="FFFF00"/>
+                            </a:highlight>
+                            <a:latin typeface="Cambria Math" panose="02040503050406030204" pitchFamily="18" charset="0"/>
+                            <a:ea typeface="Times New Roman" panose="02020603050405020304" pitchFamily="18" charset="0"/>
+                            <a:cs typeface="David" panose="020E0502060401010101" pitchFamily="34" charset="-79"/>
+                          </a:rPr>
+                          <m:t>𝑿</m:t>
+                        </m:r>
+                      </m:sub>
+                    </m:sSub>
+                    <m:f>
+                      <m:fPr>
+                        <m:ctrlPr>
+                          <a:rPr lang="en-US" sz="2000" b="1" i="1">
+                            <a:effectLst/>
+                            <a:highlight>
+                              <a:srgbClr val="FFFF00"/>
+                            </a:highlight>
+                            <a:latin typeface="Cambria Math" panose="02040503050406030204" pitchFamily="18" charset="0"/>
+                            <a:ea typeface="Times New Roman" panose="02020603050405020304" pitchFamily="18" charset="0"/>
+                            <a:cs typeface="David" panose="020E0502060401010101" pitchFamily="34" charset="-79"/>
+                          </a:rPr>
+                        </m:ctrlPr>
+                      </m:fPr>
+                      <m:num>
+                        <m:r>
+                          <a:rPr lang="en-US" sz="2000" b="1" i="1">
+                            <a:effectLst/>
+                            <a:highlight>
+                              <a:srgbClr val="FFFF00"/>
+                            </a:highlight>
+                            <a:latin typeface="Cambria Math" panose="02040503050406030204" pitchFamily="18" charset="0"/>
+                            <a:ea typeface="Times New Roman" panose="02020603050405020304" pitchFamily="18" charset="0"/>
+                            <a:cs typeface="David" panose="020E0502060401010101" pitchFamily="34" charset="-79"/>
+                          </a:rPr>
+                          <m:t>𝟏</m:t>
+                        </m:r>
+                      </m:num>
+                      <m:den>
+                        <m:sSubSup>
+                          <m:sSubSupPr>
+                            <m:ctrlPr>
+                              <a:rPr lang="en-US" sz="2000" b="1" i="1">
+                                <a:effectLst/>
+                                <a:highlight>
+                                  <a:srgbClr val="FFFF00"/>
+                                </a:highlight>
+                                <a:latin typeface="Cambria Math" panose="02040503050406030204" pitchFamily="18" charset="0"/>
+                                <a:ea typeface="Times New Roman" panose="02020603050405020304" pitchFamily="18" charset="0"/>
+                                <a:cs typeface="David" panose="020E0502060401010101" pitchFamily="34" charset="-79"/>
+                              </a:rPr>
+                            </m:ctrlPr>
+                          </m:sSubSupPr>
+                          <m:e>
+                            <m:r>
+                              <a:rPr lang="en-US" sz="2000" b="1" i="1">
+                                <a:effectLst/>
+                                <a:highlight>
+                                  <a:srgbClr val="FFFF00"/>
+                                </a:highlight>
+                                <a:latin typeface="Cambria Math" panose="02040503050406030204" pitchFamily="18" charset="0"/>
+                                <a:ea typeface="Times New Roman" panose="02020603050405020304" pitchFamily="18" charset="0"/>
+                                <a:cs typeface="David" panose="020E0502060401010101" pitchFamily="34" charset="-79"/>
+                              </a:rPr>
+                              <m:t>𝝈</m:t>
+                            </m:r>
+                          </m:e>
+                          <m:sub>
+                            <m:r>
+                              <a:rPr lang="en-US" sz="2000" b="1" i="1">
+                                <a:effectLst/>
+                                <a:highlight>
+                                  <a:srgbClr val="FFFF00"/>
+                                </a:highlight>
+                                <a:latin typeface="Cambria Math" panose="02040503050406030204" pitchFamily="18" charset="0"/>
+                                <a:ea typeface="Times New Roman" panose="02020603050405020304" pitchFamily="18" charset="0"/>
+                                <a:cs typeface="David" panose="020E0502060401010101" pitchFamily="34" charset="-79"/>
+                              </a:rPr>
+                              <m:t>𝒏</m:t>
+                            </m:r>
+                          </m:sub>
+                          <m:sup>
+                            <m:r>
+                              <a:rPr lang="en-US" sz="2000" b="1" i="1">
+                                <a:effectLst/>
+                                <a:highlight>
+                                  <a:srgbClr val="FFFF00"/>
+                                </a:highlight>
+                                <a:latin typeface="Cambria Math" panose="02040503050406030204" pitchFamily="18" charset="0"/>
+                                <a:ea typeface="Times New Roman" panose="02020603050405020304" pitchFamily="18" charset="0"/>
+                                <a:cs typeface="David" panose="020E0502060401010101" pitchFamily="34" charset="-79"/>
+                              </a:rPr>
+                              <m:t>𝟐</m:t>
+                            </m:r>
+                          </m:sup>
+                        </m:sSubSup>
+                      </m:den>
+                    </m:f>
+                    <m:sSubSup>
+                      <m:sSubSupPr>
+                        <m:ctrlPr>
+                          <a:rPr lang="en-US" sz="2000" b="1" i="1">
+                            <a:effectLst/>
+                            <a:highlight>
+                              <a:srgbClr val="FFFF00"/>
+                            </a:highlight>
+                            <a:latin typeface="Cambria Math" panose="02040503050406030204" pitchFamily="18" charset="0"/>
+                            <a:ea typeface="Times New Roman" panose="02020603050405020304" pitchFamily="18" charset="0"/>
+                            <a:cs typeface="David" panose="020E0502060401010101" pitchFamily="34" charset="-79"/>
+                          </a:rPr>
+                        </m:ctrlPr>
+                      </m:sSubSupPr>
+                      <m:e>
+                        <m:d>
+                          <m:dPr>
+                            <m:begChr m:val="‖"/>
+                            <m:endChr m:val="‖"/>
+                            <m:ctrlPr>
+                              <a:rPr lang="en-US" sz="2000" b="1" i="1">
+                                <a:effectLst/>
+                                <a:highlight>
+                                  <a:srgbClr val="FFFF00"/>
+                                </a:highlight>
+                                <a:latin typeface="Cambria Math" panose="02040503050406030204" pitchFamily="18" charset="0"/>
+                                <a:ea typeface="Times New Roman" panose="02020603050405020304" pitchFamily="18" charset="0"/>
+                                <a:cs typeface="David" panose="020E0502060401010101" pitchFamily="34" charset="-79"/>
+                              </a:rPr>
+                            </m:ctrlPr>
+                          </m:dPr>
+                          <m:e>
+                            <m:r>
+                              <a:rPr lang="en-US" sz="2000" b="1" i="1" smtClean="0">
+                                <a:effectLst/>
+                                <a:highlight>
+                                  <a:srgbClr val="FFFF00"/>
+                                </a:highlight>
+                                <a:latin typeface="Cambria Math" panose="02040503050406030204" pitchFamily="18" charset="0"/>
+                                <a:ea typeface="Times New Roman" panose="02020603050405020304" pitchFamily="18" charset="0"/>
+                                <a:cs typeface="David" panose="020E0502060401010101" pitchFamily="34" charset="-79"/>
+                              </a:rPr>
+                              <m:t>𝒀</m:t>
+                            </m:r>
+                            <m:r>
+                              <a:rPr lang="en-US" sz="2000" b="1" i="1">
+                                <a:effectLst/>
+                                <a:highlight>
+                                  <a:srgbClr val="FFFF00"/>
+                                </a:highlight>
+                                <a:latin typeface="Cambria Math" panose="02040503050406030204" pitchFamily="18" charset="0"/>
+                                <a:ea typeface="Times New Roman" panose="02020603050405020304" pitchFamily="18" charset="0"/>
+                                <a:cs typeface="David" panose="020E0502060401010101" pitchFamily="34" charset="-79"/>
+                              </a:rPr>
+                              <m:t>−</m:t>
+                            </m:r>
+                            <m:r>
+                              <a:rPr lang="en-US" sz="2000" b="1" i="1" smtClean="0">
+                                <a:effectLst/>
+                                <a:highlight>
+                                  <a:srgbClr val="FFFF00"/>
+                                </a:highlight>
+                                <a:latin typeface="Cambria Math" panose="02040503050406030204" pitchFamily="18" charset="0"/>
+                                <a:ea typeface="Times New Roman" panose="02020603050405020304" pitchFamily="18" charset="0"/>
+                                <a:cs typeface="David" panose="020E0502060401010101" pitchFamily="34" charset="-79"/>
+                              </a:rPr>
+                              <m:t>𝑿</m:t>
+                            </m:r>
+                          </m:e>
+                        </m:d>
+                      </m:e>
+                      <m:sub>
+                        <m:r>
+                          <a:rPr lang="en-US" sz="2000" b="1" i="1">
+                            <a:effectLst/>
+                            <a:highlight>
+                              <a:srgbClr val="FFFF00"/>
+                            </a:highlight>
+                            <a:latin typeface="Cambria Math" panose="02040503050406030204" pitchFamily="18" charset="0"/>
+                            <a:ea typeface="Times New Roman" panose="02020603050405020304" pitchFamily="18" charset="0"/>
+                            <a:cs typeface="David" panose="020E0502060401010101" pitchFamily="34" charset="-79"/>
+                          </a:rPr>
+                          <m:t>𝑭</m:t>
+                        </m:r>
+                      </m:sub>
+                      <m:sup>
+                        <m:r>
+                          <a:rPr lang="en-US" sz="2000" b="1" i="1">
+                            <a:effectLst/>
+                            <a:highlight>
+                              <a:srgbClr val="FFFF00"/>
+                            </a:highlight>
+                            <a:latin typeface="Cambria Math" panose="02040503050406030204" pitchFamily="18" charset="0"/>
+                            <a:ea typeface="Times New Roman" panose="02020603050405020304" pitchFamily="18" charset="0"/>
+                            <a:cs typeface="David" panose="020E0502060401010101" pitchFamily="34" charset="-79"/>
+                          </a:rPr>
+                          <m:t>𝟐</m:t>
+                        </m:r>
+                      </m:sup>
+                    </m:sSubSup>
+                    <m:r>
+                      <a:rPr lang="en-US" sz="2000" b="1" i="1">
+                        <a:effectLst/>
+                        <a:highlight>
+                          <a:srgbClr val="FFFF00"/>
+                        </a:highlight>
+                        <a:latin typeface="Cambria Math" panose="02040503050406030204" pitchFamily="18" charset="0"/>
+                        <a:ea typeface="Times New Roman" panose="02020603050405020304" pitchFamily="18" charset="0"/>
+                        <a:cs typeface="David" panose="020E0502060401010101" pitchFamily="34" charset="-79"/>
+                      </a:rPr>
+                      <m:t>+</m:t>
+                    </m:r>
+                    <m:sSub>
+                      <m:sSubPr>
+                        <m:ctrlPr>
+                          <a:rPr lang="en-US" sz="2000" b="1" i="1">
+                            <a:effectLst/>
+                            <a:highlight>
+                              <a:srgbClr val="FFFF00"/>
+                            </a:highlight>
+                            <a:latin typeface="Cambria Math" panose="02040503050406030204" pitchFamily="18" charset="0"/>
+                            <a:ea typeface="Times New Roman" panose="02020603050405020304" pitchFamily="18" charset="0"/>
+                            <a:cs typeface="David" panose="020E0502060401010101" pitchFamily="34" charset="-79"/>
+                          </a:rPr>
+                        </m:ctrlPr>
+                      </m:sSubPr>
+                      <m:e>
+                        <m:d>
+                          <m:dPr>
+                            <m:begChr m:val="‖"/>
+                            <m:endChr m:val="‖"/>
+                            <m:ctrlPr>
+                              <a:rPr lang="en-US" sz="2000" b="1" i="1">
+                                <a:effectLst/>
+                                <a:highlight>
+                                  <a:srgbClr val="FFFF00"/>
+                                </a:highlight>
+                                <a:latin typeface="Cambria Math" panose="02040503050406030204" pitchFamily="18" charset="0"/>
+                                <a:ea typeface="Times New Roman" panose="02020603050405020304" pitchFamily="18" charset="0"/>
+                                <a:cs typeface="David" panose="020E0502060401010101" pitchFamily="34" charset="-79"/>
+                              </a:rPr>
+                            </m:ctrlPr>
+                          </m:dPr>
+                          <m:e>
+                            <m:r>
+                              <a:rPr lang="en-US" sz="2000" b="1" i="1" smtClean="0">
+                                <a:effectLst/>
+                                <a:highlight>
+                                  <a:srgbClr val="FFFF00"/>
+                                </a:highlight>
+                                <a:latin typeface="Cambria Math" panose="02040503050406030204" pitchFamily="18" charset="0"/>
+                                <a:ea typeface="Times New Roman" panose="02020603050405020304" pitchFamily="18" charset="0"/>
+                                <a:cs typeface="David" panose="020E0502060401010101" pitchFamily="34" charset="-79"/>
+                              </a:rPr>
+                              <m:t>𝑿</m:t>
+                            </m:r>
+                          </m:e>
+                        </m:d>
+                      </m:e>
+                      <m:sub>
+                        <m:r>
+                          <a:rPr lang="en-US" sz="2000" b="1" i="1">
+                            <a:effectLst/>
+                            <a:highlight>
+                              <a:srgbClr val="FFFF00"/>
+                            </a:highlight>
+                            <a:latin typeface="Cambria Math" panose="02040503050406030204" pitchFamily="18" charset="0"/>
+                            <a:ea typeface="Times New Roman" panose="02020603050405020304" pitchFamily="18" charset="0"/>
+                            <a:cs typeface="David" panose="020E0502060401010101" pitchFamily="34" charset="-79"/>
+                          </a:rPr>
+                          <m:t>𝒘</m:t>
+                        </m:r>
+                        <m:r>
+                          <a:rPr lang="en-US" sz="2000" b="1" i="1">
+                            <a:effectLst/>
+                            <a:highlight>
+                              <a:srgbClr val="FFFF00"/>
+                            </a:highlight>
+                            <a:latin typeface="Cambria Math" panose="02040503050406030204" pitchFamily="18" charset="0"/>
+                            <a:ea typeface="Times New Roman" panose="02020603050405020304" pitchFamily="18" charset="0"/>
+                            <a:cs typeface="David" panose="020E0502060401010101" pitchFamily="34" charset="-79"/>
+                          </a:rPr>
+                          <m:t>,∗</m:t>
+                        </m:r>
+                      </m:sub>
+                    </m:sSub>
+                  </m:oMath>
+                </a14:m>
+                <a:endParaRPr lang="en-US" dirty="0">
+                  <a:highlight>
+                    <a:srgbClr val="FFFF00"/>
+                  </a:highlight>
+                </a:endParaRPr>
+              </a:p>
+              <a:p>
+                <a:pPr marL="0" indent="0" algn="l" rtl="0">
+                  <a:buNone/>
+                </a:pPr>
+                <a:endParaRPr lang="en-US" dirty="0"/>
+              </a:p>
+            </p:txBody>
+          </p:sp>
+        </mc:Choice>
+        <mc:Fallback>
+          <p:sp>
+            <p:nvSpPr>
+              <p:cNvPr id="3" name="מציין מיקום תוכן 2">
+                <a:extLst>
+                  <a:ext uri="{FF2B5EF4-FFF2-40B4-BE49-F238E27FC236}">
+                    <a16:creationId xmlns:a16="http://schemas.microsoft.com/office/drawing/2014/main" id="{C36F00ED-786D-49AC-B981-CA0615B0391B}"/>
+                  </a:ext>
+                </a:extLst>
+              </p:cNvPr>
+              <p:cNvSpPr>
+                <a:spLocks noGrp="1" noRot="1" noChangeAspect="1" noMove="1" noResize="1" noEditPoints="1" noAdjustHandles="1" noChangeArrowheads="1" noChangeShapeType="1" noTextEdit="1"/>
+              </p:cNvSpPr>
+              <p:nvPr>
+                <p:ph idx="1"/>
+              </p:nvPr>
+            </p:nvSpPr>
+            <p:spPr>
+              <a:blipFill>
+                <a:blip r:embed="rId2"/>
+                <a:stretch>
+                  <a:fillRect l="-1515" t="-1667"/>
+                </a:stretch>
+              </a:blipFill>
+            </p:spPr>
+            <p:txBody>
+              <a:bodyPr/>
+              <a:lstStyle/>
+              <a:p>
+                <a:r>
+                  <a:rPr lang="en-US">
+                    <a:noFill/>
+                  </a:rPr>
+                  <a:t> </a:t>
+                </a:r>
+              </a:p>
+            </p:txBody>
+          </p:sp>
+        </mc:Fallback>
+      </mc:AlternateContent>
+    </p:spTree>
+    <p:extLst>
+      <p:ext uri="{BB962C8B-B14F-4D97-AF65-F5344CB8AC3E}">
+        <p14:creationId xmlns:p14="http://schemas.microsoft.com/office/powerpoint/2010/main" val="1279860081"/>
+      </p:ext>
+    </p:extLst>
+  </p:cSld>
+  <p:clrMapOvr>
+    <a:masterClrMapping/>
+  </p:clrMapOvr>
+</p:sld>
+</file>
+
+<file path=ppt/slides/slide7.xml><?xml version="1.0" encoding="utf-8"?>
 <p:sld xmlns:a="http://schemas.openxmlformats.org/drawingml/2006/main" xmlns:r="http://schemas.openxmlformats.org/officeDocument/2006/relationships" xmlns:p="http://schemas.openxmlformats.org/presentationml/2006/main">
   <p:cSld>
     <p:spTree>
@@ -20330,7 +22722,12 @@
             <p:ph idx="1"/>
           </p:nvPr>
         </p:nvSpPr>
-        <p:spPr/>
+        <p:spPr>
+          <a:xfrm>
+            <a:off x="1097280" y="1845734"/>
+            <a:ext cx="10058400" cy="4411228"/>
+          </a:xfrm>
+        </p:spPr>
         <p:txBody>
           <a:bodyPr>
             <a:normAutofit/>
@@ -20346,7 +22743,7 @@
             </a:pPr>
             <a:r>
               <a:rPr lang="en-US" dirty="0"/>
-              <a:t>Weighted Nuclear Norm Minimization for Video Denoising (WNNVD).</a:t>
+              <a:t> Weighted Nuclear Norm Minimization for Video Denoising (WNNVD).</a:t>
             </a:r>
           </a:p>
           <a:p>
@@ -20359,7 +22756,20 @@
             </a:pPr>
             <a:r>
               <a:rPr lang="en-US" dirty="0"/>
-              <a:t>Main Challenges:</a:t>
+              <a:t> The naive solution: Apply WWNID separately per frame.</a:t>
+            </a:r>
+          </a:p>
+          <a:p>
+            <a:pPr algn="l" rtl="0">
+              <a:lnSpc>
+                <a:spcPct val="150000"/>
+              </a:lnSpc>
+              <a:buFont typeface="Courier New" panose="02070309020205020404" pitchFamily="49" charset="0"/>
+              <a:buChar char="o"/>
+            </a:pPr>
+            <a:r>
+              <a:rPr lang="en-US" dirty="0"/>
+              <a:t> Main Challenges:</a:t>
             </a:r>
           </a:p>
           <a:p>
@@ -20372,7 +22782,7 @@
             </a:pPr>
             <a:r>
               <a:rPr lang="en-US" dirty="0"/>
-              <a:t>Utilize temporal data (which is not used by the WNNID)</a:t>
+              <a:t>Utilize temporal data (which is not used by the WNNID).</a:t>
             </a:r>
           </a:p>
           <a:p>
@@ -20398,7 +22808,7 @@
             </a:pPr>
             <a:r>
               <a:rPr lang="en-US" dirty="0"/>
-              <a:t>Out of Scope:</a:t>
+              <a:t> Out of Scope:</a:t>
             </a:r>
           </a:p>
           <a:p>
@@ -20411,7 +22821,7 @@
             </a:pPr>
             <a:r>
               <a:rPr lang="en-US" dirty="0"/>
-              <a:t>Processing RGB images</a:t>
+              <a:t>Processing RGB images.</a:t>
             </a:r>
           </a:p>
           <a:p>
@@ -20424,7 +22834,7 @@
             </a:pPr>
             <a:r>
               <a:rPr lang="en-US" dirty="0"/>
-              <a:t>Non-Causal algorithm</a:t>
+              <a:t>Non-Causal algorithm.</a:t>
             </a:r>
           </a:p>
         </p:txBody>
@@ -20442,7 +22852,7 @@
 </p:sld>
 </file>
 
-<file path=ppt/slides/slide7.xml><?xml version="1.0" encoding="utf-8"?>
+<file path=ppt/slides/slide8.xml><?xml version="1.0" encoding="utf-8"?>
 <p:sld xmlns:a="http://schemas.openxmlformats.org/drawingml/2006/main" xmlns:r="http://schemas.openxmlformats.org/officeDocument/2006/relationships" xmlns:p="http://schemas.openxmlformats.org/presentationml/2006/main">
   <p:cSld>
     <p:spTree>
@@ -20519,6 +22929,13 @@
               <a:buChar char="o"/>
             </a:pPr>
             <a:r>
+              <a:rPr lang="en-US" b="1" dirty="0">
+                <a:effectLst/>
+                <a:ea typeface="Times New Roman" panose="02020603050405020304" pitchFamily="18" charset="0"/>
+              </a:rPr>
+              <a:t> </a:t>
+            </a:r>
+            <a:r>
               <a:rPr lang="en-US" b="1" u="sng" dirty="0">
                 <a:effectLst/>
                 <a:ea typeface="Times New Roman" panose="02020603050405020304" pitchFamily="18" charset="0"/>
@@ -20544,7 +22961,7 @@
                 <a:effectLst/>
                 <a:ea typeface="Times New Roman" panose="02020603050405020304" pitchFamily="18" charset="0"/>
               </a:rPr>
-              <a:t>- this paper presented the NNM as a convex relaxation for the low-rank minimization problem</a:t>
+              <a:t>- Presented the NNM as a convex relaxation for the low-rank minimization problem.</a:t>
             </a:r>
             <a:endParaRPr lang="he-IL" dirty="0">
               <a:effectLst/>
@@ -20559,6 +22976,13 @@
               <a:buFont typeface="Courier New" panose="02070309020205020404" pitchFamily="49" charset="0"/>
               <a:buChar char="o"/>
             </a:pPr>
+            <a:r>
+              <a:rPr lang="en-US" b="1" dirty="0">
+                <a:effectLst/>
+                <a:ea typeface="Times New Roman" panose="02020603050405020304" pitchFamily="18" charset="0"/>
+              </a:rPr>
+              <a:t> </a:t>
+            </a:r>
             <a:r>
               <a:rPr lang="en-US" b="1" u="sng" dirty="0">
                 <a:effectLst/>
@@ -20578,7 +23002,7 @@
                 <a:effectLst/>
                 <a:ea typeface="Times New Roman" panose="02020603050405020304" pitchFamily="18" charset="0"/>
               </a:rPr>
-              <a:t>-  was SOTA algorithm and used as comparison. Also, this paper use the same grouping method as WNNID – block matching(BM)</a:t>
+              <a:t>-  Was SOTA algorithm and used as comparison. Also, this paper uses the same grouping method as WNNID – block matching (BM).</a:t>
             </a:r>
           </a:p>
           <a:p>
@@ -20589,6 +23013,14 @@
               <a:buFont typeface="Courier New" panose="02070309020205020404" pitchFamily="49" charset="0"/>
               <a:buChar char="o"/>
             </a:pPr>
+            <a:r>
+              <a:rPr lang="en-US" b="1" dirty="0">
+                <a:effectLst/>
+                <a:ea typeface="Calibri" panose="020F0502020204030204" pitchFamily="34" charset="0"/>
+                <a:cs typeface="Arial" panose="020B0604020202020204" pitchFamily="34" charset="0"/>
+              </a:rPr>
+              <a:t> </a:t>
+            </a:r>
             <a:r>
               <a:rPr lang="en-US" b="1" u="sng" dirty="0">
                 <a:effectLst/>
@@ -20616,7 +23048,7 @@
                 <a:ea typeface="Calibri" panose="020F0502020204030204" pitchFamily="34" charset="0"/>
                 <a:cs typeface="Arial" panose="020B0604020202020204" pitchFamily="34" charset="0"/>
               </a:rPr>
-              <a:t>– proposed a grouping method which creates block from videos, utilizing temporal data. Our Block Matching block based on this method.</a:t>
+              <a:t>– Proposed a grouping method which creates blocks from videos, utilizing temporal data. Our Block Matching is based on this method.</a:t>
             </a:r>
           </a:p>
           <a:p>
@@ -20628,12 +23060,20 @@
               <a:buChar char="o"/>
             </a:pPr>
             <a:r>
+              <a:rPr lang="en-US" b="1" dirty="0">
+                <a:effectLst/>
+                <a:ea typeface="Calibri" panose="020F0502020204030204" pitchFamily="34" charset="0"/>
+                <a:cs typeface="Arial" panose="020B0604020202020204" pitchFamily="34" charset="0"/>
+              </a:rPr>
+              <a:t> </a:t>
+            </a:r>
+            <a:r>
               <a:rPr lang="en-US" b="1" u="sng" dirty="0">
                 <a:effectLst/>
                 <a:ea typeface="Calibri" panose="020F0502020204030204" pitchFamily="34" charset="0"/>
                 <a:cs typeface="Arial" panose="020B0604020202020204" pitchFamily="34" charset="0"/>
               </a:rPr>
-              <a:t>"Video Denoising, Deblocking, and Enhancement Through Separable 4-D Nonlocal Spatiotemporal Transforms“(VBM4D)</a:t>
+              <a:t>"Video Denoising, Deblocking, and Enhancement Through Separable 4-D Nonlocal Spatiotemporal Transforms“ (VBM4D)</a:t>
             </a:r>
             <a:r>
               <a:rPr lang="en-US" b="1" dirty="0">
@@ -20649,7 +23089,7 @@
                 <a:ea typeface="Calibri" panose="020F0502020204030204" pitchFamily="34" charset="0"/>
                 <a:cs typeface="Arial" panose="020B0604020202020204" pitchFamily="34" charset="0"/>
               </a:rPr>
-              <a:t>– proposed a different grouping method. First creating temporal trajectories of patches and than search for similar trajectories. This is an addition to our project that we implemented. </a:t>
+              <a:t>– Proposed a different grouping method. First creating temporal trajectories of patches and then search for similar trajectories. This is an addition to our project that we implemented.</a:t>
             </a:r>
             <a:endParaRPr lang="he-IL" dirty="0">
               <a:effectLst/>
@@ -20675,7 +23115,7 @@
 </p:sld>
 </file>
 
-<file path=ppt/slides/slide8.xml><?xml version="1.0" encoding="utf-8"?>
+<file path=ppt/slides/slide9.xml><?xml version="1.0" encoding="utf-8"?>
 <p:sld xmlns:a="http://schemas.openxmlformats.org/drawingml/2006/main" xmlns:r="http://schemas.openxmlformats.org/officeDocument/2006/relationships" xmlns:p="http://schemas.openxmlformats.org/presentationml/2006/main">
   <p:cSld>
     <p:spTree>
@@ -20745,7 +23185,7 @@
             <a:pPr algn="l" rtl="0"/>
             <a:r>
               <a:rPr lang="en-US" dirty="0"/>
-              <a:t>Algorithm block scheme:</a:t>
+              <a:t>Algorithm block diagram:</a:t>
             </a:r>
           </a:p>
           <a:p>
@@ -20771,17 +23211,7 @@
             </a:pPr>
             <a:r>
               <a:rPr lang="en-US" dirty="0"/>
-              <a:t>The grouping step (“Block Matching”) has the most complicated logic</a:t>
-            </a:r>
-          </a:p>
-          <a:p>
-            <a:pPr algn="l" rtl="0">
-              <a:buFont typeface="Courier New" panose="02070309020205020404" pitchFamily="49" charset="0"/>
-              <a:buChar char="o"/>
-            </a:pPr>
-            <a:r>
-              <a:rPr lang="en-US" dirty="0"/>
-              <a:t>We also show using different block instead of “Block Matching” – “Trajectory Matching” as explained</a:t>
+              <a:t> The grouping step (“Block Matching”) has the most complicated, and most important logic.</a:t>
             </a:r>
           </a:p>
         </p:txBody>
@@ -20820,368 +23250,6 @@
     <p:extLst>
       <p:ext uri="{BB962C8B-B14F-4D97-AF65-F5344CB8AC3E}">
         <p14:creationId xmlns:p14="http://schemas.microsoft.com/office/powerpoint/2010/main" val="1075575228"/>
-      </p:ext>
-    </p:extLst>
-  </p:cSld>
-  <p:clrMapOvr>
-    <a:masterClrMapping/>
-  </p:clrMapOvr>
-</p:sld>
-</file>
-
-<file path=ppt/slides/slide9.xml><?xml version="1.0" encoding="utf-8"?>
-<p:sld xmlns:a="http://schemas.openxmlformats.org/drawingml/2006/main" xmlns:r="http://schemas.openxmlformats.org/officeDocument/2006/relationships" xmlns:p="http://schemas.openxmlformats.org/presentationml/2006/main">
-  <p:cSld>
-    <p:spTree>
-      <p:nvGrpSpPr>
-        <p:cNvPr id="1" name=""/>
-        <p:cNvGrpSpPr/>
-        <p:nvPr/>
-      </p:nvGrpSpPr>
-      <p:grpSpPr>
-        <a:xfrm>
-          <a:off x="0" y="0"/>
-          <a:ext cx="0" cy="0"/>
-          <a:chOff x="0" y="0"/>
-          <a:chExt cx="0" cy="0"/>
-        </a:xfrm>
-      </p:grpSpPr>
-      <p:sp>
-        <p:nvSpPr>
-          <p:cNvPr id="2" name="כותרת 1">
-            <a:extLst>
-              <a:ext uri="{FF2B5EF4-FFF2-40B4-BE49-F238E27FC236}">
-                <a16:creationId xmlns:a16="http://schemas.microsoft.com/office/drawing/2014/main" id="{640D6196-48DD-4C97-BCF9-62688756F468}"/>
-              </a:ext>
-            </a:extLst>
-          </p:cNvPr>
-          <p:cNvSpPr>
-            <a:spLocks noGrp="1"/>
-          </p:cNvSpPr>
-          <p:nvPr>
-            <p:ph type="title"/>
-          </p:nvPr>
-        </p:nvSpPr>
-        <p:spPr/>
-        <p:txBody>
-          <a:bodyPr/>
-          <a:lstStyle/>
-          <a:p>
-            <a:pPr algn="l" rtl="0"/>
-            <a:r>
-              <a:rPr lang="en-US" b="1" dirty="0"/>
-              <a:t>WNNVD – Block Matching</a:t>
-            </a:r>
-          </a:p>
-        </p:txBody>
-      </p:sp>
-      <p:sp>
-        <p:nvSpPr>
-          <p:cNvPr id="3" name="מציין מיקום תוכן 2">
-            <a:extLst>
-              <a:ext uri="{FF2B5EF4-FFF2-40B4-BE49-F238E27FC236}">
-                <a16:creationId xmlns:a16="http://schemas.microsoft.com/office/drawing/2014/main" id="{5F08C827-38ED-4688-8B59-C48D340F0FEA}"/>
-              </a:ext>
-            </a:extLst>
-          </p:cNvPr>
-          <p:cNvSpPr>
-            <a:spLocks noGrp="1"/>
-          </p:cNvSpPr>
-          <p:nvPr>
-            <p:ph idx="1"/>
-          </p:nvPr>
-        </p:nvSpPr>
-        <p:spPr>
-          <a:xfrm>
-            <a:off x="838200" y="1825624"/>
-            <a:ext cx="10515600" cy="5014377"/>
-          </a:xfrm>
-        </p:spPr>
-        <p:txBody>
-          <a:bodyPr>
-            <a:normAutofit/>
-          </a:bodyPr>
-          <a:lstStyle/>
-          <a:p>
-            <a:pPr algn="l" rtl="0">
-              <a:lnSpc>
-                <a:spcPct val="120000"/>
-              </a:lnSpc>
-              <a:buFont typeface="Courier New" panose="02070309020205020404" pitchFamily="49" charset="0"/>
-              <a:buChar char="o"/>
-            </a:pPr>
-            <a:r>
-              <a:rPr lang="en-US" dirty="0"/>
-              <a:t>The grouping step. Each group(Block) will consist of similar patches both spatially and temporally</a:t>
-            </a:r>
-          </a:p>
-          <a:p>
-            <a:pPr lvl="1" algn="l" rtl="0">
-              <a:lnSpc>
-                <a:spcPct val="120000"/>
-              </a:lnSpc>
-              <a:buFont typeface="Courier New" panose="02070309020205020404" pitchFamily="49" charset="0"/>
-              <a:buChar char="o"/>
-            </a:pPr>
-            <a:r>
-              <a:rPr lang="en-US" sz="2000" dirty="0"/>
-              <a:t>Grouping from different frames done sequentially</a:t>
-            </a:r>
-          </a:p>
-          <a:p>
-            <a:pPr lvl="2" algn="l" rtl="0">
-              <a:lnSpc>
-                <a:spcPct val="120000"/>
-              </a:lnSpc>
-              <a:buFont typeface="Courier New" panose="02070309020205020404" pitchFamily="49" charset="0"/>
-              <a:buChar char="o"/>
-            </a:pPr>
-            <a:r>
-              <a:rPr lang="en-US" sz="1600" dirty="0"/>
-              <a:t>“Past” and “Future” frames handles separately </a:t>
-            </a:r>
-          </a:p>
-          <a:p>
-            <a:pPr lvl="2">
-              <a:lnSpc>
-                <a:spcPct val="120000"/>
-              </a:lnSpc>
-              <a:buFont typeface="Courier New" panose="02070309020205020404" pitchFamily="49" charset="0"/>
-              <a:buChar char="o"/>
-            </a:pPr>
-            <a:r>
-              <a:rPr lang="en-US" sz="1600" dirty="0"/>
-              <a:t>A list of reference patches chosen from a single frame</a:t>
-            </a:r>
-          </a:p>
-          <a:p>
-            <a:pPr lvl="3">
-              <a:lnSpc>
-                <a:spcPct val="120000"/>
-              </a:lnSpc>
-              <a:buFont typeface="Courier New" panose="02070309020205020404" pitchFamily="49" charset="0"/>
-              <a:buChar char="o"/>
-            </a:pPr>
-            <a:r>
-              <a:rPr lang="en-US" sz="1600" dirty="0"/>
-              <a:t>In our case we chose them by grid</a:t>
-            </a:r>
-          </a:p>
-          <a:p>
-            <a:pPr algn="l" rtl="0">
-              <a:lnSpc>
-                <a:spcPct val="120000"/>
-              </a:lnSpc>
-              <a:buFont typeface="Courier New" panose="02070309020205020404" pitchFamily="49" charset="0"/>
-              <a:buChar char="o"/>
-            </a:pPr>
-            <a:r>
-              <a:rPr lang="en-US" dirty="0"/>
-              <a:t>Done in 2 phases search for similar patches:</a:t>
-            </a:r>
-          </a:p>
-          <a:p>
-            <a:pPr lvl="1" algn="l" rtl="0">
-              <a:lnSpc>
-                <a:spcPct val="120000"/>
-              </a:lnSpc>
-              <a:buFont typeface="Courier New" panose="02070309020205020404" pitchFamily="49" charset="0"/>
-              <a:buChar char="o"/>
-            </a:pPr>
-            <a:r>
-              <a:rPr lang="en-US" sz="1600" b="1" dirty="0"/>
-              <a:t>Non-Predictive Search – </a:t>
-            </a:r>
-          </a:p>
-          <a:p>
-            <a:pPr lvl="2" algn="l" rtl="0">
-              <a:lnSpc>
-                <a:spcPct val="120000"/>
-              </a:lnSpc>
-              <a:buFont typeface="Courier New" panose="02070309020205020404" pitchFamily="49" charset="0"/>
-              <a:buChar char="o"/>
-            </a:pPr>
-            <a:r>
-              <a:rPr lang="en-US" dirty="0"/>
-              <a:t>Executed only in the frame of each reference patch.</a:t>
-            </a:r>
-          </a:p>
-          <a:p>
-            <a:pPr lvl="2" algn="l" rtl="0">
-              <a:lnSpc>
-                <a:spcPct val="120000"/>
-              </a:lnSpc>
-              <a:buFont typeface="Courier New" panose="02070309020205020404" pitchFamily="49" charset="0"/>
-              <a:buChar char="o"/>
-            </a:pPr>
-            <a:r>
-              <a:rPr lang="en-US" dirty="0"/>
-              <a:t>Performed on defined window size and stride.</a:t>
-            </a:r>
-          </a:p>
-          <a:p>
-            <a:pPr lvl="1" algn="l" rtl="0">
-              <a:lnSpc>
-                <a:spcPct val="120000"/>
-              </a:lnSpc>
-              <a:buFont typeface="Courier New" panose="02070309020205020404" pitchFamily="49" charset="0"/>
-              <a:buChar char="o"/>
-            </a:pPr>
-            <a:r>
-              <a:rPr lang="en-US" sz="1600" b="1" dirty="0"/>
-              <a:t>Predictive Search – </a:t>
-            </a:r>
-          </a:p>
-          <a:p>
-            <a:pPr lvl="2" algn="l" rtl="0">
-              <a:lnSpc>
-                <a:spcPct val="120000"/>
-              </a:lnSpc>
-              <a:buFont typeface="Courier New" panose="02070309020205020404" pitchFamily="49" charset="0"/>
-              <a:buChar char="o"/>
-            </a:pPr>
-            <a:r>
-              <a:rPr lang="en-US" dirty="0"/>
-              <a:t>Executed on the “past” and “future” frames.</a:t>
-            </a:r>
-          </a:p>
-          <a:p>
-            <a:pPr lvl="2" algn="l" rtl="0">
-              <a:lnSpc>
-                <a:spcPct val="120000"/>
-              </a:lnSpc>
-              <a:buFont typeface="Courier New" panose="02070309020205020404" pitchFamily="49" charset="0"/>
-              <a:buChar char="o"/>
-            </a:pPr>
-            <a:r>
-              <a:rPr lang="en-US" dirty="0"/>
-              <a:t>Around each similar patch from the previous frame, we open a search window to find a defined number of similar patches</a:t>
-            </a:r>
-          </a:p>
-          <a:p>
-            <a:pPr lvl="2" algn="l" rtl="0">
-              <a:lnSpc>
-                <a:spcPct val="120000"/>
-              </a:lnSpc>
-            </a:pPr>
-            <a:endParaRPr lang="en-US" dirty="0"/>
-          </a:p>
-        </p:txBody>
-      </p:sp>
-      <p:pic>
-        <p:nvPicPr>
-          <p:cNvPr id="4" name="תמונה 3">
-            <a:extLst>
-              <a:ext uri="{FF2B5EF4-FFF2-40B4-BE49-F238E27FC236}">
-                <a16:creationId xmlns:a16="http://schemas.microsoft.com/office/drawing/2014/main" id="{A7452707-D67E-4159-9593-F77E958BCBB6}"/>
-              </a:ext>
-            </a:extLst>
-          </p:cNvPr>
-          <p:cNvPicPr>
-            <a:picLocks noChangeAspect="1"/>
-          </p:cNvPicPr>
-          <p:nvPr/>
-        </p:nvPicPr>
-        <p:blipFill rotWithShape="1">
-          <a:blip r:embed="rId2"/>
-          <a:srcRect t="8428" b="16603"/>
-          <a:stretch/>
-        </p:blipFill>
-        <p:spPr>
-          <a:xfrm>
-            <a:off x="7344697" y="0"/>
-            <a:ext cx="4847303" cy="612211"/>
-          </a:xfrm>
-          <a:prstGeom prst="rect">
-            <a:avLst/>
-          </a:prstGeom>
-        </p:spPr>
-      </p:pic>
-      <p:sp>
-        <p:nvSpPr>
-          <p:cNvPr id="5" name="מלבן 4">
-            <a:extLst>
-              <a:ext uri="{FF2B5EF4-FFF2-40B4-BE49-F238E27FC236}">
-                <a16:creationId xmlns:a16="http://schemas.microsoft.com/office/drawing/2014/main" id="{98DB4E8F-E6B7-470A-8E2F-FB5ED2B02072}"/>
-              </a:ext>
-            </a:extLst>
-          </p:cNvPr>
-          <p:cNvSpPr/>
-          <p:nvPr/>
-        </p:nvSpPr>
-        <p:spPr>
-          <a:xfrm>
-            <a:off x="8843261" y="17998"/>
-            <a:ext cx="880841" cy="441121"/>
-          </a:xfrm>
-          <a:prstGeom prst="rect">
-            <a:avLst/>
-          </a:prstGeom>
-          <a:noFill/>
-          <a:ln w="9525" cap="flat" cmpd="sng" algn="ctr">
-            <a:solidFill>
-              <a:schemeClr val="accent6"/>
-            </a:solidFill>
-            <a:prstDash val="solid"/>
-            <a:round/>
-            <a:headEnd type="none" w="med" len="med"/>
-            <a:tailEnd type="none" w="med" len="med"/>
-          </a:ln>
-        </p:spPr>
-        <p:style>
-          <a:lnRef idx="0">
-            <a:scrgbClr r="0" g="0" b="0"/>
-          </a:lnRef>
-          <a:fillRef idx="0">
-            <a:scrgbClr r="0" g="0" b="0"/>
-          </a:fillRef>
-          <a:effectRef idx="0">
-            <a:scrgbClr r="0" g="0" b="0"/>
-          </a:effectRef>
-          <a:fontRef idx="minor">
-            <a:schemeClr val="accent6"/>
-          </a:fontRef>
-        </p:style>
-        <p:txBody>
-          <a:bodyPr rtlCol="0" anchor="ctr"/>
-          <a:lstStyle/>
-          <a:p>
-            <a:pPr algn="ctr"/>
-            <a:endParaRPr lang="en-US"/>
-          </a:p>
-        </p:txBody>
-      </p:sp>
-      <p:pic>
-        <p:nvPicPr>
-          <p:cNvPr id="6" name="Picture 3" descr="A picture containing text&#10;&#10;Description automatically generated">
-            <a:extLst>
-              <a:ext uri="{FF2B5EF4-FFF2-40B4-BE49-F238E27FC236}">
-                <a16:creationId xmlns:a16="http://schemas.microsoft.com/office/drawing/2014/main" id="{07F7EA4D-1A6C-42E2-AF56-6577C01CAE01}"/>
-              </a:ext>
-            </a:extLst>
-          </p:cNvPr>
-          <p:cNvPicPr/>
-          <p:nvPr/>
-        </p:nvPicPr>
-        <p:blipFill rotWithShape="1">
-          <a:blip r:embed="rId3"/>
-          <a:srcRect l="4625" t="9753" r="3631" b="11273"/>
-          <a:stretch/>
-        </p:blipFill>
-        <p:spPr>
-          <a:xfrm>
-            <a:off x="5860026" y="3742876"/>
-            <a:ext cx="6410632" cy="1930336"/>
-          </a:xfrm>
-          <a:prstGeom prst="rect">
-            <a:avLst/>
-          </a:prstGeom>
-        </p:spPr>
-      </p:pic>
-    </p:spTree>
-    <p:extLst>
-      <p:ext uri="{BB962C8B-B14F-4D97-AF65-F5344CB8AC3E}">
-        <p14:creationId xmlns:p14="http://schemas.microsoft.com/office/powerpoint/2010/main" val="364532457"/>
       </p:ext>
     </p:extLst>
   </p:cSld>

--- a/Project Presentation.pptx
+++ b/Project Presentation.pptx
@@ -218,7 +218,7 @@
           <a:p>
             <a:fld id="{C3FD74BF-9CD9-4A85-A347-CE1D6B3476A9}" type="datetimeFigureOut">
               <a:rPr lang="en-US" smtClean="0"/>
-              <a:t>16-Sep-21</a:t>
+              <a:t>17-Sep-21</a:t>
             </a:fld>
             <a:endParaRPr lang="en-US"/>
           </a:p>
@@ -796,7 +796,7 @@
           <a:p>
             <a:fld id="{F859EC29-AB51-4235-93D7-D93A9A0D5173}" type="datetimeFigureOut">
               <a:rPr lang="en-US" smtClean="0"/>
-              <a:t>16-Sep-21</a:t>
+              <a:t>17-Sep-21</a:t>
             </a:fld>
             <a:endParaRPr lang="en-US"/>
           </a:p>
@@ -1004,7 +1004,7 @@
           <a:p>
             <a:fld id="{F859EC29-AB51-4235-93D7-D93A9A0D5173}" type="datetimeFigureOut">
               <a:rPr lang="en-US" smtClean="0"/>
-              <a:t>16-Sep-21</a:t>
+              <a:t>17-Sep-21</a:t>
             </a:fld>
             <a:endParaRPr lang="en-US"/>
           </a:p>
@@ -1260,7 +1260,7 @@
           <a:p>
             <a:fld id="{F859EC29-AB51-4235-93D7-D93A9A0D5173}" type="datetimeFigureOut">
               <a:rPr lang="en-US" smtClean="0"/>
-              <a:t>16-Sep-21</a:t>
+              <a:t>17-Sep-21</a:t>
             </a:fld>
             <a:endParaRPr lang="en-US"/>
           </a:p>
@@ -1434,7 +1434,7 @@
           <a:p>
             <a:fld id="{F859EC29-AB51-4235-93D7-D93A9A0D5173}" type="datetimeFigureOut">
               <a:rPr lang="en-US" smtClean="0"/>
-              <a:t>16-Sep-21</a:t>
+              <a:t>17-Sep-21</a:t>
             </a:fld>
             <a:endParaRPr lang="en-US"/>
           </a:p>
@@ -1777,7 +1777,7 @@
           <a:p>
             <a:fld id="{F859EC29-AB51-4235-93D7-D93A9A0D5173}" type="datetimeFigureOut">
               <a:rPr lang="en-US" smtClean="0"/>
-              <a:t>16-Sep-21</a:t>
+              <a:t>17-Sep-21</a:t>
             </a:fld>
             <a:endParaRPr lang="en-US"/>
           </a:p>
@@ -2052,7 +2052,7 @@
           <a:p>
             <a:fld id="{F859EC29-AB51-4235-93D7-D93A9A0D5173}" type="datetimeFigureOut">
               <a:rPr lang="en-US" smtClean="0"/>
-              <a:t>16-Sep-21</a:t>
+              <a:t>17-Sep-21</a:t>
             </a:fld>
             <a:endParaRPr lang="en-US"/>
           </a:p>
@@ -2431,7 +2431,7 @@
           <a:p>
             <a:fld id="{F859EC29-AB51-4235-93D7-D93A9A0D5173}" type="datetimeFigureOut">
               <a:rPr lang="en-US" smtClean="0"/>
-              <a:t>16-Sep-21</a:t>
+              <a:t>17-Sep-21</a:t>
             </a:fld>
             <a:endParaRPr lang="en-US"/>
           </a:p>
@@ -2549,7 +2549,7 @@
           <a:p>
             <a:fld id="{F859EC29-AB51-4235-93D7-D93A9A0D5173}" type="datetimeFigureOut">
               <a:rPr lang="en-US" smtClean="0"/>
-              <a:t>16-Sep-21</a:t>
+              <a:t>17-Sep-21</a:t>
             </a:fld>
             <a:endParaRPr lang="en-US"/>
           </a:p>
@@ -2720,7 +2720,7 @@
           <a:p>
             <a:fld id="{F859EC29-AB51-4235-93D7-D93A9A0D5173}" type="datetimeFigureOut">
               <a:rPr lang="en-US" smtClean="0"/>
-              <a:t>16-Sep-21</a:t>
+              <a:t>17-Sep-21</a:t>
             </a:fld>
             <a:endParaRPr lang="en-US"/>
           </a:p>
@@ -3074,7 +3074,7 @@
           <a:p>
             <a:fld id="{F859EC29-AB51-4235-93D7-D93A9A0D5173}" type="datetimeFigureOut">
               <a:rPr lang="en-US" smtClean="0"/>
-              <a:t>16-Sep-21</a:t>
+              <a:t>17-Sep-21</a:t>
             </a:fld>
             <a:endParaRPr lang="en-US"/>
           </a:p>
@@ -3456,7 +3456,7 @@
           <a:p>
             <a:fld id="{F859EC29-AB51-4235-93D7-D93A9A0D5173}" type="datetimeFigureOut">
               <a:rPr lang="en-US" smtClean="0"/>
-              <a:t>16-Sep-21</a:t>
+              <a:t>17-Sep-21</a:t>
             </a:fld>
             <a:endParaRPr lang="en-US"/>
           </a:p>
@@ -3743,7 +3743,7 @@
           <a:p>
             <a:fld id="{F859EC29-AB51-4235-93D7-D93A9A0D5173}" type="datetimeFigureOut">
               <a:rPr lang="en-US" smtClean="0"/>
-              <a:t>16-Sep-21</a:t>
+              <a:t>17-Sep-21</a:t>
             </a:fld>
             <a:endParaRPr lang="en-US"/>
           </a:p>
@@ -5222,8 +5222,8 @@
           </a:p>
         </p:txBody>
       </p:sp>
-      <mc:AlternateContent xmlns:mc="http://schemas.openxmlformats.org/markup-compatibility/2006">
-        <mc:Choice xmlns:a14="http://schemas.microsoft.com/office/drawing/2010/main" Requires="a14">
+      <mc:AlternateContent xmlns:mc="http://schemas.openxmlformats.org/markup-compatibility/2006" xmlns:a14="http://schemas.microsoft.com/office/drawing/2010/main">
+        <mc:Choice Requires="a14">
           <p:sp>
             <p:nvSpPr>
               <p:cNvPr id="3" name="מציין מיקום תוכן 2">
@@ -5469,7 +5469,7 @@
             </p:txBody>
           </p:sp>
         </mc:Choice>
-        <mc:Fallback>
+        <mc:Fallback xmlns="">
           <p:sp>
             <p:nvSpPr>
               <p:cNvPr id="3" name="מציין מיקום תוכן 2">
@@ -6652,7 +6652,7 @@
           <p:nvPr>
             <p:extLst>
               <p:ext uri="{D42A27DB-BD31-4B8C-83A1-F6EECF244321}">
-                <p14:modId xmlns:p14="http://schemas.microsoft.com/office/powerpoint/2010/main" val="2256456044"/>
+                <p14:modId xmlns:p14="http://schemas.microsoft.com/office/powerpoint/2010/main" val="4102598855"/>
               </p:ext>
             </p:extLst>
           </p:nvPr>
@@ -10167,7 +10167,7 @@
                     <a:p>
                       <a:pPr algn="ctr" fontAlgn="ctr"/>
                       <a:r>
-                        <a:rPr lang="en-US" sz="1200" b="0" i="0" u="none" strike="noStrike" baseline="0">
+                        <a:rPr lang="en-US" sz="1200" b="0" i="0" u="none" strike="noStrike" baseline="0" dirty="0">
                           <a:effectLst/>
                           <a:latin typeface="Calibri" panose="020F0502020204030204" pitchFamily="34" charset="0"/>
                         </a:rPr>
@@ -10368,7 +10368,7 @@
                     <a:p>
                       <a:pPr algn="ctr" fontAlgn="ctr"/>
                       <a:r>
-                        <a:rPr lang="en-US" sz="1200" b="0" i="0" u="none" strike="noStrike" baseline="0">
+                        <a:rPr lang="en-US" sz="1200" b="0" i="0" u="none" strike="noStrike" baseline="0" dirty="0">
                           <a:effectLst/>
                           <a:latin typeface="Calibri" panose="020F0502020204030204" pitchFamily="34" charset="0"/>
                         </a:rPr>
@@ -10637,65 +10637,11 @@
                     <a:p>
                       <a:pPr algn="ctr" fontAlgn="ctr"/>
                       <a:r>
-                        <a:rPr lang="en-US" sz="1200" b="0" i="0" u="none" strike="noStrike" baseline="0">
+                        <a:rPr lang="en-US" sz="1200" b="0" i="0" u="none" strike="noStrike" baseline="0" dirty="0">
                           <a:effectLst/>
                           <a:latin typeface="Calibri" panose="020F0502020204030204" pitchFamily="34" charset="0"/>
                         </a:rPr>
-                        <a:t>35.3</a:t>
-                      </a:r>
-                    </a:p>
-                  </a:txBody>
-                  <a:tcPr marL="3409" marR="3409" marT="3409" marB="0" anchor="ctr">
-                    <a:lnL w="6350" cap="flat" cmpd="sng" algn="ctr">
-                      <a:solidFill>
-                        <a:srgbClr val="000000"/>
-                      </a:solidFill>
-                      <a:prstDash val="solid"/>
-                      <a:round/>
-                      <a:headEnd type="none" w="med" len="med"/>
-                      <a:tailEnd type="none" w="med" len="med"/>
-                    </a:lnL>
-                    <a:lnR w="6350" cap="flat" cmpd="sng" algn="ctr">
-                      <a:solidFill>
-                        <a:srgbClr val="000000"/>
-                      </a:solidFill>
-                      <a:prstDash val="solid"/>
-                      <a:round/>
-                      <a:headEnd type="none" w="med" len="med"/>
-                      <a:tailEnd type="none" w="med" len="med"/>
-                    </a:lnR>
-                    <a:lnT w="6350" cap="flat" cmpd="sng" algn="ctr">
-                      <a:solidFill>
-                        <a:srgbClr val="000000"/>
-                      </a:solidFill>
-                      <a:prstDash val="solid"/>
-                      <a:round/>
-                      <a:headEnd type="none" w="med" len="med"/>
-                      <a:tailEnd type="none" w="med" len="med"/>
-                    </a:lnT>
-                    <a:lnB w="12700" cap="flat" cmpd="sng" algn="ctr">
-                      <a:solidFill>
-                        <a:srgbClr val="000000"/>
-                      </a:solidFill>
-                      <a:prstDash val="solid"/>
-                      <a:round/>
-                      <a:headEnd type="none" w="med" len="med"/>
-                      <a:tailEnd type="none" w="med" len="med"/>
-                    </a:lnB>
-                  </a:tcPr>
-                </a:tc>
-                <a:tc>
-                  <a:txBody>
-                    <a:bodyPr/>
-                    <a:lstStyle/>
-                    <a:p>
-                      <a:pPr algn="ctr" fontAlgn="ctr"/>
-                      <a:r>
-                        <a:rPr lang="en-US" sz="1200" b="0" i="0" u="none" strike="noStrike" baseline="0">
-                          <a:effectLst/>
-                          <a:latin typeface="Calibri" panose="020F0502020204030204" pitchFamily="34" charset="0"/>
-                        </a:rPr>
-                        <a:t>0.91</a:t>
+                        <a:t>35.8</a:t>
                       </a:r>
                     </a:p>
                   </a:txBody>
@@ -10749,7 +10695,61 @@
                           <a:effectLst/>
                           <a:latin typeface="Calibri" panose="020F0502020204030204" pitchFamily="34" charset="0"/>
                         </a:rPr>
-                        <a:t>49.81</a:t>
+                        <a:t>0.92</a:t>
+                      </a:r>
+                    </a:p>
+                  </a:txBody>
+                  <a:tcPr marL="3409" marR="3409" marT="3409" marB="0" anchor="ctr">
+                    <a:lnL w="6350" cap="flat" cmpd="sng" algn="ctr">
+                      <a:solidFill>
+                        <a:srgbClr val="000000"/>
+                      </a:solidFill>
+                      <a:prstDash val="solid"/>
+                      <a:round/>
+                      <a:headEnd type="none" w="med" len="med"/>
+                      <a:tailEnd type="none" w="med" len="med"/>
+                    </a:lnL>
+                    <a:lnR w="6350" cap="flat" cmpd="sng" algn="ctr">
+                      <a:solidFill>
+                        <a:srgbClr val="000000"/>
+                      </a:solidFill>
+                      <a:prstDash val="solid"/>
+                      <a:round/>
+                      <a:headEnd type="none" w="med" len="med"/>
+                      <a:tailEnd type="none" w="med" len="med"/>
+                    </a:lnR>
+                    <a:lnT w="6350" cap="flat" cmpd="sng" algn="ctr">
+                      <a:solidFill>
+                        <a:srgbClr val="000000"/>
+                      </a:solidFill>
+                      <a:prstDash val="solid"/>
+                      <a:round/>
+                      <a:headEnd type="none" w="med" len="med"/>
+                      <a:tailEnd type="none" w="med" len="med"/>
+                    </a:lnT>
+                    <a:lnB w="12700" cap="flat" cmpd="sng" algn="ctr">
+                      <a:solidFill>
+                        <a:srgbClr val="000000"/>
+                      </a:solidFill>
+                      <a:prstDash val="solid"/>
+                      <a:round/>
+                      <a:headEnd type="none" w="med" len="med"/>
+                      <a:tailEnd type="none" w="med" len="med"/>
+                    </a:lnB>
+                  </a:tcPr>
+                </a:tc>
+                <a:tc>
+                  <a:txBody>
+                    <a:bodyPr/>
+                    <a:lstStyle/>
+                    <a:p>
+                      <a:pPr algn="ctr" fontAlgn="ctr"/>
+                      <a:r>
+                        <a:rPr lang="en-US" sz="1200" b="0" i="0" u="none" strike="noStrike" baseline="0" dirty="0">
+                          <a:effectLst/>
+                          <a:latin typeface="Calibri" panose="020F0502020204030204" pitchFamily="34" charset="0"/>
+                        </a:rPr>
+                        <a:t>110.4</a:t>
                       </a:r>
                     </a:p>
                   </a:txBody>
@@ -10817,7 +10817,7 @@
           <p:nvPr>
             <p:extLst>
               <p:ext uri="{D42A27DB-BD31-4B8C-83A1-F6EECF244321}">
-                <p14:modId xmlns:p14="http://schemas.microsoft.com/office/powerpoint/2010/main" val="1227161301"/>
+                <p14:modId xmlns:p14="http://schemas.microsoft.com/office/powerpoint/2010/main" val="3333215321"/>
               </p:ext>
             </p:extLst>
           </p:nvPr>
@@ -14163,7 +14163,7 @@
                     <a:p>
                       <a:pPr algn="ctr" fontAlgn="ctr"/>
                       <a:r>
-                        <a:rPr lang="en-US" sz="1200" b="1" i="0" u="none" strike="noStrike" baseline="0">
+                        <a:rPr lang="en-US" sz="1200" b="1" i="0" u="none" strike="noStrike" baseline="0" dirty="0">
                           <a:effectLst/>
                           <a:latin typeface="Calibri" panose="020F0502020204030204" pitchFamily="34" charset="0"/>
                         </a:rPr>
@@ -14370,7 +14370,7 @@
                     <a:p>
                       <a:pPr algn="ctr" fontAlgn="ctr"/>
                       <a:r>
-                        <a:rPr lang="en-US" sz="1200" b="0" i="0" u="none" strike="noStrike" baseline="0">
+                        <a:rPr lang="en-US" sz="1200" b="0" i="0" u="none" strike="noStrike" baseline="0" dirty="0">
                           <a:effectLst/>
                           <a:latin typeface="Calibri" panose="020F0502020204030204" pitchFamily="34" charset="0"/>
                         </a:rPr>
@@ -14577,7 +14577,7 @@
                     <a:p>
                       <a:pPr algn="ctr" fontAlgn="ctr"/>
                       <a:r>
-                        <a:rPr lang="en-US" sz="1200" b="0" i="0" u="none" strike="noStrike" baseline="0">
+                        <a:rPr lang="en-US" sz="1200" b="0" i="0" u="none" strike="noStrike" baseline="0" dirty="0">
                           <a:effectLst/>
                           <a:latin typeface="Calibri" panose="020F0502020204030204" pitchFamily="34" charset="0"/>
                         </a:rPr>
@@ -14798,65 +14798,11 @@
                     <a:p>
                       <a:pPr algn="ctr" fontAlgn="ctr"/>
                       <a:r>
-                        <a:rPr lang="en-US" sz="1200" b="0" i="0" u="none" strike="noStrike" baseline="0">
+                        <a:rPr lang="en-US" sz="1200" b="0" i="0" u="none" strike="noStrike" baseline="0" dirty="0">
                           <a:effectLst/>
                           <a:latin typeface="Calibri" panose="020F0502020204030204" pitchFamily="34" charset="0"/>
                         </a:rPr>
-                        <a:t>32.2</a:t>
-                      </a:r>
-                    </a:p>
-                  </a:txBody>
-                  <a:tcPr marL="3409" marR="3409" marT="3409" marB="0" anchor="ctr">
-                    <a:lnL w="6350" cap="flat" cmpd="sng" algn="ctr">
-                      <a:solidFill>
-                        <a:srgbClr val="000000"/>
-                      </a:solidFill>
-                      <a:prstDash val="solid"/>
-                      <a:round/>
-                      <a:headEnd type="none" w="med" len="med"/>
-                      <a:tailEnd type="none" w="med" len="med"/>
-                    </a:lnL>
-                    <a:lnR w="6350" cap="flat" cmpd="sng" algn="ctr">
-                      <a:solidFill>
-                        <a:srgbClr val="000000"/>
-                      </a:solidFill>
-                      <a:prstDash val="solid"/>
-                      <a:round/>
-                      <a:headEnd type="none" w="med" len="med"/>
-                      <a:tailEnd type="none" w="med" len="med"/>
-                    </a:lnR>
-                    <a:lnT w="6350" cap="flat" cmpd="sng" algn="ctr">
-                      <a:solidFill>
-                        <a:srgbClr val="000000"/>
-                      </a:solidFill>
-                      <a:prstDash val="solid"/>
-                      <a:round/>
-                      <a:headEnd type="none" w="med" len="med"/>
-                      <a:tailEnd type="none" w="med" len="med"/>
-                    </a:lnT>
-                    <a:lnB w="12700" cap="flat" cmpd="sng" algn="ctr">
-                      <a:solidFill>
-                        <a:srgbClr val="000000"/>
-                      </a:solidFill>
-                      <a:prstDash val="solid"/>
-                      <a:round/>
-                      <a:headEnd type="none" w="med" len="med"/>
-                      <a:tailEnd type="none" w="med" len="med"/>
-                    </a:lnB>
-                  </a:tcPr>
-                </a:tc>
-                <a:tc>
-                  <a:txBody>
-                    <a:bodyPr/>
-                    <a:lstStyle/>
-                    <a:p>
-                      <a:pPr algn="ctr" fontAlgn="ctr"/>
-                      <a:r>
-                        <a:rPr lang="en-US" sz="1200" b="0" i="0" u="none" strike="noStrike" baseline="0">
-                          <a:effectLst/>
-                          <a:latin typeface="Calibri" panose="020F0502020204030204" pitchFamily="34" charset="0"/>
-                        </a:rPr>
-                        <a:t>0.87</a:t>
+                        <a:t>33.1</a:t>
                       </a:r>
                     </a:p>
                   </a:txBody>
@@ -14910,7 +14856,61 @@
                           <a:effectLst/>
                           <a:latin typeface="Calibri" panose="020F0502020204030204" pitchFamily="34" charset="0"/>
                         </a:rPr>
-                        <a:t>49.64</a:t>
+                        <a:t>0.88</a:t>
+                      </a:r>
+                    </a:p>
+                  </a:txBody>
+                  <a:tcPr marL="3409" marR="3409" marT="3409" marB="0" anchor="ctr">
+                    <a:lnL w="6350" cap="flat" cmpd="sng" algn="ctr">
+                      <a:solidFill>
+                        <a:srgbClr val="000000"/>
+                      </a:solidFill>
+                      <a:prstDash val="solid"/>
+                      <a:round/>
+                      <a:headEnd type="none" w="med" len="med"/>
+                      <a:tailEnd type="none" w="med" len="med"/>
+                    </a:lnL>
+                    <a:lnR w="6350" cap="flat" cmpd="sng" algn="ctr">
+                      <a:solidFill>
+                        <a:srgbClr val="000000"/>
+                      </a:solidFill>
+                      <a:prstDash val="solid"/>
+                      <a:round/>
+                      <a:headEnd type="none" w="med" len="med"/>
+                      <a:tailEnd type="none" w="med" len="med"/>
+                    </a:lnR>
+                    <a:lnT w="6350" cap="flat" cmpd="sng" algn="ctr">
+                      <a:solidFill>
+                        <a:srgbClr val="000000"/>
+                      </a:solidFill>
+                      <a:prstDash val="solid"/>
+                      <a:round/>
+                      <a:headEnd type="none" w="med" len="med"/>
+                      <a:tailEnd type="none" w="med" len="med"/>
+                    </a:lnT>
+                    <a:lnB w="12700" cap="flat" cmpd="sng" algn="ctr">
+                      <a:solidFill>
+                        <a:srgbClr val="000000"/>
+                      </a:solidFill>
+                      <a:prstDash val="solid"/>
+                      <a:round/>
+                      <a:headEnd type="none" w="med" len="med"/>
+                      <a:tailEnd type="none" w="med" len="med"/>
+                    </a:lnB>
+                  </a:tcPr>
+                </a:tc>
+                <a:tc>
+                  <a:txBody>
+                    <a:bodyPr/>
+                    <a:lstStyle/>
+                    <a:p>
+                      <a:pPr algn="ctr" fontAlgn="ctr"/>
+                      <a:r>
+                        <a:rPr lang="en-US" sz="1200" b="0" i="0" u="none" strike="noStrike" baseline="0" dirty="0">
+                          <a:effectLst/>
+                          <a:latin typeface="Calibri" panose="020F0502020204030204" pitchFamily="34" charset="0"/>
+                        </a:rPr>
+                        <a:t>114</a:t>
                       </a:r>
                     </a:p>
                   </a:txBody>
@@ -14978,7 +14978,7 @@
           <p:nvPr>
             <p:extLst>
               <p:ext uri="{D42A27DB-BD31-4B8C-83A1-F6EECF244321}">
-                <p14:modId xmlns:p14="http://schemas.microsoft.com/office/powerpoint/2010/main" val="2329974934"/>
+                <p14:modId xmlns:p14="http://schemas.microsoft.com/office/powerpoint/2010/main" val="1549186655"/>
               </p:ext>
             </p:extLst>
           </p:nvPr>
@@ -18734,7 +18734,7 @@
                     <a:p>
                       <a:pPr algn="ctr" fontAlgn="ctr"/>
                       <a:r>
-                        <a:rPr lang="en-US" sz="1200" b="0" i="0" u="none" strike="noStrike" baseline="0">
+                        <a:rPr lang="en-US" sz="1200" b="0" i="0" u="none" strike="noStrike" baseline="0" dirty="0">
                           <a:effectLst/>
                           <a:latin typeface="Calibri" panose="020F0502020204030204" pitchFamily="34" charset="0"/>
                         </a:rPr>
@@ -18955,65 +18955,11 @@
                     <a:p>
                       <a:pPr algn="ctr" fontAlgn="ctr"/>
                       <a:r>
-                        <a:rPr lang="en-US" sz="1200" b="0" i="0" u="none" strike="noStrike" baseline="0">
+                        <a:rPr lang="en-US" sz="1200" b="0" i="0" u="none" strike="noStrike" baseline="0" dirty="0">
                           <a:effectLst/>
                           <a:latin typeface="Calibri" panose="020F0502020204030204" pitchFamily="34" charset="0"/>
                         </a:rPr>
-                        <a:t>30.2</a:t>
-                      </a:r>
-                    </a:p>
-                  </a:txBody>
-                  <a:tcPr marL="3409" marR="3409" marT="3409" marB="0" anchor="ctr">
-                    <a:lnL w="6350" cap="flat" cmpd="sng" algn="ctr">
-                      <a:solidFill>
-                        <a:srgbClr val="000000"/>
-                      </a:solidFill>
-                      <a:prstDash val="solid"/>
-                      <a:round/>
-                      <a:headEnd type="none" w="med" len="med"/>
-                      <a:tailEnd type="none" w="med" len="med"/>
-                    </a:lnL>
-                    <a:lnR w="6350" cap="flat" cmpd="sng" algn="ctr">
-                      <a:solidFill>
-                        <a:srgbClr val="000000"/>
-                      </a:solidFill>
-                      <a:prstDash val="solid"/>
-                      <a:round/>
-                      <a:headEnd type="none" w="med" len="med"/>
-                      <a:tailEnd type="none" w="med" len="med"/>
-                    </a:lnR>
-                    <a:lnT w="6350" cap="flat" cmpd="sng" algn="ctr">
-                      <a:solidFill>
-                        <a:srgbClr val="000000"/>
-                      </a:solidFill>
-                      <a:prstDash val="solid"/>
-                      <a:round/>
-                      <a:headEnd type="none" w="med" len="med"/>
-                      <a:tailEnd type="none" w="med" len="med"/>
-                    </a:lnT>
-                    <a:lnB w="12700" cap="flat" cmpd="sng" algn="ctr">
-                      <a:solidFill>
-                        <a:srgbClr val="000000"/>
-                      </a:solidFill>
-                      <a:prstDash val="solid"/>
-                      <a:round/>
-                      <a:headEnd type="none" w="med" len="med"/>
-                      <a:tailEnd type="none" w="med" len="med"/>
-                    </a:lnB>
-                  </a:tcPr>
-                </a:tc>
-                <a:tc>
-                  <a:txBody>
-                    <a:bodyPr/>
-                    <a:lstStyle/>
-                    <a:p>
-                      <a:pPr algn="ctr" fontAlgn="ctr"/>
-                      <a:r>
-                        <a:rPr lang="en-US" sz="1200" b="0" i="0" u="none" strike="noStrike" baseline="0">
-                          <a:effectLst/>
-                          <a:latin typeface="Calibri" panose="020F0502020204030204" pitchFamily="34" charset="0"/>
-                        </a:rPr>
-                        <a:t>0.84</a:t>
+                        <a:t>31.3</a:t>
                       </a:r>
                     </a:p>
                   </a:txBody>
@@ -19067,7 +19013,61 @@
                           <a:effectLst/>
                           <a:latin typeface="Calibri" panose="020F0502020204030204" pitchFamily="34" charset="0"/>
                         </a:rPr>
-                        <a:t>48.98</a:t>
+                        <a:t>0.85</a:t>
+                      </a:r>
+                    </a:p>
+                  </a:txBody>
+                  <a:tcPr marL="3409" marR="3409" marT="3409" marB="0" anchor="ctr">
+                    <a:lnL w="6350" cap="flat" cmpd="sng" algn="ctr">
+                      <a:solidFill>
+                        <a:srgbClr val="000000"/>
+                      </a:solidFill>
+                      <a:prstDash val="solid"/>
+                      <a:round/>
+                      <a:headEnd type="none" w="med" len="med"/>
+                      <a:tailEnd type="none" w="med" len="med"/>
+                    </a:lnL>
+                    <a:lnR w="6350" cap="flat" cmpd="sng" algn="ctr">
+                      <a:solidFill>
+                        <a:srgbClr val="000000"/>
+                      </a:solidFill>
+                      <a:prstDash val="solid"/>
+                      <a:round/>
+                      <a:headEnd type="none" w="med" len="med"/>
+                      <a:tailEnd type="none" w="med" len="med"/>
+                    </a:lnR>
+                    <a:lnT w="6350" cap="flat" cmpd="sng" algn="ctr">
+                      <a:solidFill>
+                        <a:srgbClr val="000000"/>
+                      </a:solidFill>
+                      <a:prstDash val="solid"/>
+                      <a:round/>
+                      <a:headEnd type="none" w="med" len="med"/>
+                      <a:tailEnd type="none" w="med" len="med"/>
+                    </a:lnT>
+                    <a:lnB w="12700" cap="flat" cmpd="sng" algn="ctr">
+                      <a:solidFill>
+                        <a:srgbClr val="000000"/>
+                      </a:solidFill>
+                      <a:prstDash val="solid"/>
+                      <a:round/>
+                      <a:headEnd type="none" w="med" len="med"/>
+                      <a:tailEnd type="none" w="med" len="med"/>
+                    </a:lnB>
+                  </a:tcPr>
+                </a:tc>
+                <a:tc>
+                  <a:txBody>
+                    <a:bodyPr/>
+                    <a:lstStyle/>
+                    <a:p>
+                      <a:pPr algn="ctr" fontAlgn="ctr"/>
+                      <a:r>
+                        <a:rPr lang="en-US" sz="1200" b="0" i="0" u="none" strike="noStrike" baseline="0" dirty="0">
+                          <a:effectLst/>
+                          <a:latin typeface="Calibri" panose="020F0502020204030204" pitchFamily="34" charset="0"/>
+                        </a:rPr>
+                        <a:t>108.6</a:t>
                       </a:r>
                     </a:p>
                   </a:txBody>
@@ -19412,14 +19412,16 @@
       </p:pic>
       <p:pic>
         <p:nvPicPr>
-          <p:cNvPr id="7" name="Picture 6" descr="A picture containing text, person, headdress, hat&#10;&#10;Description automatically generated">
+          <p:cNvPr id="8" name="Picture 7">
             <a:extLst>
               <a:ext uri="{FF2B5EF4-FFF2-40B4-BE49-F238E27FC236}">
-                <a16:creationId xmlns:a16="http://schemas.microsoft.com/office/drawing/2014/main" id="{E11E34D2-4EEC-4869-A995-E25103A0DF86}"/>
+                <a16:creationId xmlns:a16="http://schemas.microsoft.com/office/drawing/2014/main" id="{9B00B183-248D-473E-96F6-060B79A415B8}"/>
               </a:ext>
             </a:extLst>
           </p:cNvPr>
-          <p:cNvPicPr/>
+          <p:cNvPicPr>
+            <a:picLocks noChangeAspect="1"/>
+          </p:cNvPicPr>
           <p:nvPr/>
         </p:nvPicPr>
         <p:blipFill>
@@ -19430,8 +19432,8 @@
         </p:blipFill>
         <p:spPr>
           <a:xfrm>
-            <a:off x="6437615" y="2052069"/>
-            <a:ext cx="5359400" cy="1746250"/>
+            <a:off x="6332450" y="4000010"/>
+            <a:ext cx="5447210" cy="1746250"/>
           </a:xfrm>
           <a:prstGeom prst="rect">
             <a:avLst/>
@@ -19440,10 +19442,10 @@
       </p:pic>
       <p:pic>
         <p:nvPicPr>
-          <p:cNvPr id="8" name="Picture 7">
+          <p:cNvPr id="4" name="Picture 3">
             <a:extLst>
               <a:ext uri="{FF2B5EF4-FFF2-40B4-BE49-F238E27FC236}">
-                <a16:creationId xmlns:a16="http://schemas.microsoft.com/office/drawing/2014/main" id="{9B00B183-248D-473E-96F6-060B79A415B8}"/>
+                <a16:creationId xmlns:a16="http://schemas.microsoft.com/office/drawing/2014/main" id="{37234DC1-29C6-4D16-97E1-9B211F832C97}"/>
               </a:ext>
             </a:extLst>
           </p:cNvPr>
@@ -19460,8 +19462,8 @@
         </p:blipFill>
         <p:spPr>
           <a:xfrm>
-            <a:off x="6332450" y="4000010"/>
-            <a:ext cx="5447210" cy="1746250"/>
+            <a:off x="6437614" y="2052068"/>
+            <a:ext cx="5342045" cy="1742980"/>
           </a:xfrm>
           <a:prstGeom prst="rect">
             <a:avLst/>
@@ -19906,8 +19908,8 @@
           </a:p>
         </p:txBody>
       </p:sp>
-      <mc:AlternateContent xmlns:mc="http://schemas.openxmlformats.org/markup-compatibility/2006">
-        <mc:Choice xmlns:a14="http://schemas.microsoft.com/office/drawing/2010/main" Requires="a14">
+      <mc:AlternateContent xmlns:mc="http://schemas.openxmlformats.org/markup-compatibility/2006" xmlns:a14="http://schemas.microsoft.com/office/drawing/2010/main">
+        <mc:Choice Requires="a14">
           <p:sp>
             <p:nvSpPr>
               <p:cNvPr id="19" name="תיבת טקסט 18">
@@ -20386,7 +20388,7 @@
             </p:txBody>
           </p:sp>
         </mc:Choice>
-        <mc:Fallback>
+        <mc:Fallback xmlns="">
           <p:sp>
             <p:nvSpPr>
               <p:cNvPr id="19" name="תיבת טקסט 18">
@@ -20431,8 +20433,8 @@
           </p:sp>
         </mc:Fallback>
       </mc:AlternateContent>
-      <mc:AlternateContent xmlns:mc="http://schemas.openxmlformats.org/markup-compatibility/2006">
-        <mc:Choice xmlns:a14="http://schemas.microsoft.com/office/drawing/2010/main" Requires="a14">
+      <mc:AlternateContent xmlns:mc="http://schemas.openxmlformats.org/markup-compatibility/2006" xmlns:a14="http://schemas.microsoft.com/office/drawing/2010/main">
+        <mc:Choice Requires="a14">
           <p:sp>
             <p:nvSpPr>
               <p:cNvPr id="20" name="תיבת טקסט 19">
@@ -20966,7 +20968,7 @@
             </p:txBody>
           </p:sp>
         </mc:Choice>
-        <mc:Fallback>
+        <mc:Fallback xmlns="">
           <p:sp>
             <p:nvSpPr>
               <p:cNvPr id="20" name="תיבת טקסט 19">
@@ -21070,8 +21072,8 @@
           </a:p>
         </p:txBody>
       </p:sp>
-      <mc:AlternateContent xmlns:mc="http://schemas.openxmlformats.org/markup-compatibility/2006">
-        <mc:Choice xmlns:a14="http://schemas.microsoft.com/office/drawing/2010/main" Requires="a14">
+      <mc:AlternateContent xmlns:mc="http://schemas.openxmlformats.org/markup-compatibility/2006" xmlns:a14="http://schemas.microsoft.com/office/drawing/2010/main">
+        <mc:Choice Requires="a14">
           <p:sp>
             <p:nvSpPr>
               <p:cNvPr id="3" name="מציין מיקום תוכן 2">
@@ -21912,7 +21914,7 @@
             </p:txBody>
           </p:sp>
         </mc:Choice>
-        <mc:Fallback>
+        <mc:Fallback xmlns="">
           <p:sp>
             <p:nvSpPr>
               <p:cNvPr id="3" name="מציין מיקום תוכן 2">
@@ -22182,8 +22184,8 @@
           </a:p>
         </p:txBody>
       </p:sp>
-      <mc:AlternateContent xmlns:mc="http://schemas.openxmlformats.org/markup-compatibility/2006">
-        <mc:Choice xmlns:a14="http://schemas.microsoft.com/office/drawing/2010/main" Requires="a14">
+      <mc:AlternateContent xmlns:mc="http://schemas.openxmlformats.org/markup-compatibility/2006" xmlns:a14="http://schemas.microsoft.com/office/drawing/2010/main">
+        <mc:Choice Requires="a14">
           <p:sp>
             <p:nvSpPr>
               <p:cNvPr id="3" name="מציין מיקום תוכן 2">
@@ -22607,7 +22609,7 @@
             </p:txBody>
           </p:sp>
         </mc:Choice>
-        <mc:Fallback>
+        <mc:Fallback xmlns="">
           <p:sp>
             <p:nvSpPr>
               <p:cNvPr id="3" name="מציין מיקום תוכן 2">

--- a/Project Presentation.pptx
+++ b/Project Presentation.pptx
@@ -218,7 +218,7 @@
           <a:p>
             <a:fld id="{C3FD74BF-9CD9-4A85-A347-CE1D6B3476A9}" type="datetimeFigureOut">
               <a:rPr lang="en-US" smtClean="0"/>
-              <a:t>17-Sep-21</a:t>
+              <a:t>9/20/2021</a:t>
             </a:fld>
             <a:endParaRPr lang="en-US"/>
           </a:p>
@@ -796,7 +796,7 @@
           <a:p>
             <a:fld id="{F859EC29-AB51-4235-93D7-D93A9A0D5173}" type="datetimeFigureOut">
               <a:rPr lang="en-US" smtClean="0"/>
-              <a:t>17-Sep-21</a:t>
+              <a:t>9/20/2021</a:t>
             </a:fld>
             <a:endParaRPr lang="en-US"/>
           </a:p>
@@ -1004,7 +1004,7 @@
           <a:p>
             <a:fld id="{F859EC29-AB51-4235-93D7-D93A9A0D5173}" type="datetimeFigureOut">
               <a:rPr lang="en-US" smtClean="0"/>
-              <a:t>17-Sep-21</a:t>
+              <a:t>9/20/2021</a:t>
             </a:fld>
             <a:endParaRPr lang="en-US"/>
           </a:p>
@@ -1260,7 +1260,7 @@
           <a:p>
             <a:fld id="{F859EC29-AB51-4235-93D7-D93A9A0D5173}" type="datetimeFigureOut">
               <a:rPr lang="en-US" smtClean="0"/>
-              <a:t>17-Sep-21</a:t>
+              <a:t>9/20/2021</a:t>
             </a:fld>
             <a:endParaRPr lang="en-US"/>
           </a:p>
@@ -1434,7 +1434,7 @@
           <a:p>
             <a:fld id="{F859EC29-AB51-4235-93D7-D93A9A0D5173}" type="datetimeFigureOut">
               <a:rPr lang="en-US" smtClean="0"/>
-              <a:t>17-Sep-21</a:t>
+              <a:t>9/20/2021</a:t>
             </a:fld>
             <a:endParaRPr lang="en-US"/>
           </a:p>
@@ -1777,7 +1777,7 @@
           <a:p>
             <a:fld id="{F859EC29-AB51-4235-93D7-D93A9A0D5173}" type="datetimeFigureOut">
               <a:rPr lang="en-US" smtClean="0"/>
-              <a:t>17-Sep-21</a:t>
+              <a:t>9/20/2021</a:t>
             </a:fld>
             <a:endParaRPr lang="en-US"/>
           </a:p>
@@ -2052,7 +2052,7 @@
           <a:p>
             <a:fld id="{F859EC29-AB51-4235-93D7-D93A9A0D5173}" type="datetimeFigureOut">
               <a:rPr lang="en-US" smtClean="0"/>
-              <a:t>17-Sep-21</a:t>
+              <a:t>9/20/2021</a:t>
             </a:fld>
             <a:endParaRPr lang="en-US"/>
           </a:p>
@@ -2431,7 +2431,7 @@
           <a:p>
             <a:fld id="{F859EC29-AB51-4235-93D7-D93A9A0D5173}" type="datetimeFigureOut">
               <a:rPr lang="en-US" smtClean="0"/>
-              <a:t>17-Sep-21</a:t>
+              <a:t>9/20/2021</a:t>
             </a:fld>
             <a:endParaRPr lang="en-US"/>
           </a:p>
@@ -2549,7 +2549,7 @@
           <a:p>
             <a:fld id="{F859EC29-AB51-4235-93D7-D93A9A0D5173}" type="datetimeFigureOut">
               <a:rPr lang="en-US" smtClean="0"/>
-              <a:t>17-Sep-21</a:t>
+              <a:t>9/20/2021</a:t>
             </a:fld>
             <a:endParaRPr lang="en-US"/>
           </a:p>
@@ -2720,7 +2720,7 @@
           <a:p>
             <a:fld id="{F859EC29-AB51-4235-93D7-D93A9A0D5173}" type="datetimeFigureOut">
               <a:rPr lang="en-US" smtClean="0"/>
-              <a:t>17-Sep-21</a:t>
+              <a:t>9/20/2021</a:t>
             </a:fld>
             <a:endParaRPr lang="en-US"/>
           </a:p>
@@ -3074,7 +3074,7 @@
           <a:p>
             <a:fld id="{F859EC29-AB51-4235-93D7-D93A9A0D5173}" type="datetimeFigureOut">
               <a:rPr lang="en-US" smtClean="0"/>
-              <a:t>17-Sep-21</a:t>
+              <a:t>9/20/2021</a:t>
             </a:fld>
             <a:endParaRPr lang="en-US"/>
           </a:p>
@@ -3456,7 +3456,7 @@
           <a:p>
             <a:fld id="{F859EC29-AB51-4235-93D7-D93A9A0D5173}" type="datetimeFigureOut">
               <a:rPr lang="en-US" smtClean="0"/>
-              <a:t>17-Sep-21</a:t>
+              <a:t>9/20/2021</a:t>
             </a:fld>
             <a:endParaRPr lang="en-US"/>
           </a:p>
@@ -3743,7 +3743,7 @@
           <a:p>
             <a:fld id="{F859EC29-AB51-4235-93D7-D93A9A0D5173}" type="datetimeFigureOut">
               <a:rPr lang="en-US" smtClean="0"/>
-              <a:t>17-Sep-21</a:t>
+              <a:t>9/20/2021</a:t>
             </a:fld>
             <a:endParaRPr lang="en-US"/>
           </a:p>
@@ -22069,10 +22069,10 @@
       </p:sp>
       <p:pic>
         <p:nvPicPr>
-          <p:cNvPr id="4" name="Picture 4" descr="Text, letter&#10;&#10;Description automatically generated">
+          <p:cNvPr id="5" name="Picture 5" descr="Diagram&#10;&#10;Description automatically generated">
             <a:extLst>
               <a:ext uri="{FF2B5EF4-FFF2-40B4-BE49-F238E27FC236}">
-                <a16:creationId xmlns:a16="http://schemas.microsoft.com/office/drawing/2014/main" id="{D80EA506-AD60-4D4E-B986-C037365740A5}"/>
+                <a16:creationId xmlns:a16="http://schemas.microsoft.com/office/drawing/2014/main" id="{EFFC9D48-011A-4501-82B1-ABD62788F11D}"/>
               </a:ext>
             </a:extLst>
           </p:cNvPr>
@@ -22087,35 +22087,7 @@
         </p:blipFill>
         <p:spPr>
           <a:xfrm>
-            <a:off x="419869" y="2804317"/>
-            <a:ext cx="4131581" cy="3377822"/>
-          </a:xfrm>
-          <a:prstGeom prst="rect">
-            <a:avLst/>
-          </a:prstGeom>
-        </p:spPr>
-      </p:pic>
-      <p:pic>
-        <p:nvPicPr>
-          <p:cNvPr id="5" name="Picture 5" descr="Diagram&#10;&#10;Description automatically generated">
-            <a:extLst>
-              <a:ext uri="{FF2B5EF4-FFF2-40B4-BE49-F238E27FC236}">
-                <a16:creationId xmlns:a16="http://schemas.microsoft.com/office/drawing/2014/main" id="{EFFC9D48-011A-4501-82B1-ABD62788F11D}"/>
-              </a:ext>
-            </a:extLst>
-          </p:cNvPr>
-          <p:cNvPicPr/>
-          <p:nvPr/>
-        </p:nvPicPr>
-        <p:blipFill>
-          <a:blip r:embed="rId3"/>
-          <a:stretch>
-            <a:fillRect/>
-          </a:stretch>
-        </p:blipFill>
-        <p:spPr>
-          <a:xfrm>
-            <a:off x="5122724" y="2757057"/>
+            <a:off x="2965479" y="2747225"/>
             <a:ext cx="6261041" cy="3377822"/>
           </a:xfrm>
           <a:prstGeom prst="rect">
@@ -22169,7 +22141,13 @@
             <p:ph type="title"/>
           </p:nvPr>
         </p:nvSpPr>
-        <p:spPr/>
+        <p:spPr>
+          <a:ln>
+            <a:solidFill>
+              <a:schemeClr val="bg1"/>
+            </a:solidFill>
+          </a:ln>
+        </p:spPr>
         <p:txBody>
           <a:bodyPr>
             <a:normAutofit/>
@@ -22184,453 +22162,324 @@
           </a:p>
         </p:txBody>
       </p:sp>
-      <mc:AlternateContent xmlns:mc="http://schemas.openxmlformats.org/markup-compatibility/2006" xmlns:a14="http://schemas.microsoft.com/office/drawing/2010/main">
-        <mc:Choice Requires="a14">
+      <p:pic>
+        <p:nvPicPr>
+          <p:cNvPr id="19" name="Picture 3" descr="A picture containing text&#10;&#10;Description automatically generated">
+            <a:extLst>
+              <a:ext uri="{FF2B5EF4-FFF2-40B4-BE49-F238E27FC236}">
+                <a16:creationId xmlns:a16="http://schemas.microsoft.com/office/drawing/2014/main" id="{8AD84200-3298-4E39-A9BB-9DEB9B54327E}"/>
+              </a:ext>
+            </a:extLst>
+          </p:cNvPr>
+          <p:cNvPicPr/>
+          <p:nvPr/>
+        </p:nvPicPr>
+        <p:blipFill rotWithShape="1">
+          <a:blip r:embed="rId2"/>
+          <a:srcRect l="4625" t="15777" r="68729" b="11273"/>
+          <a:stretch/>
+        </p:blipFill>
+        <p:spPr>
+          <a:xfrm>
+            <a:off x="7211513" y="605389"/>
+            <a:ext cx="2787048" cy="2600444"/>
+          </a:xfrm>
+          <a:prstGeom prst="rect">
+            <a:avLst/>
+          </a:prstGeom>
+        </p:spPr>
+      </p:pic>
+      <p:sp>
+        <p:nvSpPr>
+          <p:cNvPr id="3" name="מציין מיקום תוכן 2">
+            <a:extLst>
+              <a:ext uri="{FF2B5EF4-FFF2-40B4-BE49-F238E27FC236}">
+                <a16:creationId xmlns:a16="http://schemas.microsoft.com/office/drawing/2014/main" id="{C36F00ED-786D-49AC-B981-CA0615B0391B}"/>
+              </a:ext>
+            </a:extLst>
+          </p:cNvPr>
+          <p:cNvSpPr>
+            <a:spLocks noGrp="1"/>
+          </p:cNvSpPr>
+          <p:nvPr>
+            <p:ph idx="1"/>
+          </p:nvPr>
+        </p:nvSpPr>
+        <p:spPr/>
+        <p:txBody>
+          <a:bodyPr/>
+          <a:lstStyle/>
+          <a:p>
+            <a:pPr algn="l" rtl="0"/>
+            <a:endParaRPr lang="en-US" dirty="0">
+              <a:highlight>
+                <a:srgbClr val="FFFF00"/>
+              </a:highlight>
+            </a:endParaRPr>
+          </a:p>
+          <a:p>
+            <a:pPr marL="0" indent="0" algn="l" rtl="0">
+              <a:buNone/>
+            </a:pPr>
+            <a:endParaRPr lang="en-US" dirty="0"/>
+          </a:p>
+        </p:txBody>
+      </p:sp>
+      <p:pic>
+        <p:nvPicPr>
+          <p:cNvPr id="4" name="Picture 4" descr="Text, letter&#10;&#10;Description automatically generated">
+            <a:extLst>
+              <a:ext uri="{FF2B5EF4-FFF2-40B4-BE49-F238E27FC236}">
+                <a16:creationId xmlns:a16="http://schemas.microsoft.com/office/drawing/2014/main" id="{68657EE3-DD09-4526-A38E-EBD0C4EE8A30}"/>
+              </a:ext>
+            </a:extLst>
+          </p:cNvPr>
+          <p:cNvPicPr/>
+          <p:nvPr/>
+        </p:nvPicPr>
+        <p:blipFill>
+          <a:blip r:embed="rId3"/>
+          <a:stretch>
+            <a:fillRect/>
+          </a:stretch>
+        </p:blipFill>
+        <p:spPr>
+          <a:xfrm>
+            <a:off x="1090156" y="2075216"/>
+            <a:ext cx="4131581" cy="3377822"/>
+          </a:xfrm>
+          <a:prstGeom prst="rect">
+            <a:avLst/>
+          </a:prstGeom>
+        </p:spPr>
+      </p:pic>
+      <p:cxnSp>
+        <p:nvCxnSpPr>
+          <p:cNvPr id="12" name="מחבר חץ ישר 11">
+            <a:extLst>
+              <a:ext uri="{FF2B5EF4-FFF2-40B4-BE49-F238E27FC236}">
+                <a16:creationId xmlns:a16="http://schemas.microsoft.com/office/drawing/2014/main" id="{68182BB4-FF94-4156-8536-F1971A80F6BF}"/>
+              </a:ext>
+            </a:extLst>
+          </p:cNvPr>
+          <p:cNvCxnSpPr>
+            <a:cxnSpLocks/>
+            <a:stCxn id="24" idx="1"/>
+          </p:cNvCxnSpPr>
+          <p:nvPr/>
+        </p:nvCxnSpPr>
+        <p:spPr>
+          <a:xfrm flipH="1">
+            <a:off x="8403771" y="436819"/>
+            <a:ext cx="2042883" cy="1417407"/>
+          </a:xfrm>
+          <a:prstGeom prst="straightConnector1">
+            <a:avLst/>
+          </a:prstGeom>
+          <a:ln w="28575">
+            <a:solidFill>
+              <a:schemeClr val="tx1">
+                <a:lumMod val="95000"/>
+                <a:lumOff val="5000"/>
+              </a:schemeClr>
+            </a:solidFill>
+            <a:tailEnd type="triangle"/>
+          </a:ln>
+        </p:spPr>
+        <p:style>
+          <a:lnRef idx="1">
+            <a:schemeClr val="dk1"/>
+          </a:lnRef>
+          <a:fillRef idx="0">
+            <a:schemeClr val="dk1"/>
+          </a:fillRef>
+          <a:effectRef idx="0">
+            <a:schemeClr val="dk1"/>
+          </a:effectRef>
+          <a:fontRef idx="minor">
+            <a:schemeClr val="tx1"/>
+          </a:fontRef>
+        </p:style>
+      </p:cxnSp>
+      <p:cxnSp>
+        <p:nvCxnSpPr>
+          <p:cNvPr id="15" name="מחבר חץ ישר 14">
+            <a:extLst>
+              <a:ext uri="{FF2B5EF4-FFF2-40B4-BE49-F238E27FC236}">
+                <a16:creationId xmlns:a16="http://schemas.microsoft.com/office/drawing/2014/main" id="{0C2D8BAB-E11F-41BD-9B3C-DB6C527B90FE}"/>
+              </a:ext>
+            </a:extLst>
+          </p:cNvPr>
+          <p:cNvCxnSpPr>
+            <a:cxnSpLocks/>
+            <a:stCxn id="22" idx="0"/>
+          </p:cNvCxnSpPr>
+          <p:nvPr/>
+        </p:nvCxnSpPr>
+        <p:spPr>
+          <a:xfrm flipH="1" flipV="1">
+            <a:off x="8033657" y="1737361"/>
+            <a:ext cx="370114" cy="1787258"/>
+          </a:xfrm>
+          <a:prstGeom prst="straightConnector1">
+            <a:avLst/>
+          </a:prstGeom>
+          <a:ln w="28575">
+            <a:solidFill>
+              <a:schemeClr val="tx1"/>
+            </a:solidFill>
+            <a:tailEnd type="triangle"/>
+          </a:ln>
+        </p:spPr>
+        <p:style>
+          <a:lnRef idx="1">
+            <a:schemeClr val="dk1"/>
+          </a:lnRef>
+          <a:fillRef idx="0">
+            <a:schemeClr val="dk1"/>
+          </a:fillRef>
+          <a:effectRef idx="0">
+            <a:schemeClr val="dk1"/>
+          </a:effectRef>
+          <a:fontRef idx="minor">
+            <a:schemeClr val="tx1"/>
+          </a:fontRef>
+        </p:style>
+      </p:cxnSp>
+      <mc:AlternateContent xmlns:mc="http://schemas.openxmlformats.org/markup-compatibility/2006">
+        <mc:Choice xmlns:a14="http://schemas.microsoft.com/office/drawing/2010/main" Requires="a14">
           <p:sp>
             <p:nvSpPr>
-              <p:cNvPr id="3" name="מציין מיקום תוכן 2">
+              <p:cNvPr id="22" name="תיבת טקסט 21">
                 <a:extLst>
                   <a:ext uri="{FF2B5EF4-FFF2-40B4-BE49-F238E27FC236}">
-                    <a16:creationId xmlns:a16="http://schemas.microsoft.com/office/drawing/2014/main" id="{C36F00ED-786D-49AC-B981-CA0615B0391B}"/>
+                    <a16:creationId xmlns:a16="http://schemas.microsoft.com/office/drawing/2014/main" id="{5C37BC17-A1E2-483C-A1AE-76FA855AD154}"/>
                   </a:ext>
                 </a:extLst>
               </p:cNvPr>
-              <p:cNvSpPr>
-                <a:spLocks noGrp="1"/>
-              </p:cNvSpPr>
-              <p:nvPr>
-                <p:ph idx="1"/>
-              </p:nvPr>
+              <p:cNvSpPr txBox="1"/>
+              <p:nvPr/>
             </p:nvSpPr>
-            <p:spPr/>
+            <p:spPr>
+              <a:xfrm>
+                <a:off x="7861980" y="3524619"/>
+                <a:ext cx="1083581" cy="391646"/>
+              </a:xfrm>
+              <a:prstGeom prst="rect">
+                <a:avLst/>
+              </a:prstGeom>
+              <a:noFill/>
+            </p:spPr>
             <p:txBody>
-              <a:bodyPr/>
+              <a:bodyPr wrap="square">
+                <a:spAutoFit/>
+              </a:bodyPr>
               <a:lstStyle/>
               <a:p>
-                <a:pPr algn="l" rtl="0"/>
-                <a:r>
-                  <a:rPr lang="en-US" dirty="0">
-                    <a:highlight>
-                      <a:srgbClr val="FFFF00"/>
-                    </a:highlight>
-                  </a:rPr>
-                  <a:t>TODO: add a diagram explaining each term of the equation</a:t>
-                </a:r>
-              </a:p>
-              <a:p>
-                <a:pPr algn="l" rtl="0"/>
+                <a:pPr/>
                 <a14:m>
-                  <m:oMath xmlns:m="http://schemas.openxmlformats.org/officeDocument/2006/math">
-                    <m:acc>
-                      <m:accPr>
-                        <m:chr m:val="̂"/>
-                        <m:ctrlPr>
-                          <a:rPr lang="en-US" sz="2000" b="1" i="1" smtClean="0">
-                            <a:effectLst/>
-                            <a:highlight>
-                              <a:srgbClr val="FFFF00"/>
-                            </a:highlight>
-                            <a:latin typeface="Cambria Math" panose="02040503050406030204" pitchFamily="18" charset="0"/>
-                            <a:ea typeface="Times New Roman" panose="02020603050405020304" pitchFamily="18" charset="0"/>
-                            <a:cs typeface="David" panose="020E0502060401010101" pitchFamily="34" charset="-79"/>
-                          </a:rPr>
-                        </m:ctrlPr>
-                      </m:accPr>
-                      <m:e>
-                        <m:r>
-                          <a:rPr lang="en-US" sz="2000" b="1" i="1">
-                            <a:effectLst/>
-                            <a:highlight>
-                              <a:srgbClr val="FFFF00"/>
-                            </a:highlight>
-                            <a:latin typeface="Cambria Math" panose="02040503050406030204" pitchFamily="18" charset="0"/>
-                            <a:ea typeface="Times New Roman" panose="02020603050405020304" pitchFamily="18" charset="0"/>
-                            <a:cs typeface="David" panose="020E0502060401010101" pitchFamily="34" charset="-79"/>
-                          </a:rPr>
-                          <m:t>𝑿</m:t>
-                        </m:r>
-                      </m:e>
-                    </m:acc>
-                    <m:r>
-                      <a:rPr lang="en-US" sz="2000" b="1" i="1">
-                        <a:effectLst/>
-                        <a:highlight>
-                          <a:srgbClr val="FFFF00"/>
-                        </a:highlight>
-                        <a:latin typeface="Cambria Math" panose="02040503050406030204" pitchFamily="18" charset="0"/>
-                        <a:ea typeface="Times New Roman" panose="02020603050405020304" pitchFamily="18" charset="0"/>
-                        <a:cs typeface="David" panose="020E0502060401010101" pitchFamily="34" charset="-79"/>
-                      </a:rPr>
-                      <m:t> =</m:t>
-                    </m:r>
-                    <m:r>
-                      <a:rPr lang="en-US" sz="2000" b="1" i="1">
-                        <a:effectLst/>
-                        <a:highlight>
-                          <a:srgbClr val="FFFF00"/>
-                        </a:highlight>
-                        <a:latin typeface="Cambria Math" panose="02040503050406030204" pitchFamily="18" charset="0"/>
-                        <a:ea typeface="Times New Roman" panose="02020603050405020304" pitchFamily="18" charset="0"/>
-                        <a:cs typeface="David" panose="020E0502060401010101" pitchFamily="34" charset="-79"/>
-                      </a:rPr>
-                      <m:t>𝒂𝒓𝒈𝒎𝒊</m:t>
-                    </m:r>
-                    <m:sSub>
-                      <m:sSubPr>
-                        <m:ctrlPr>
-                          <a:rPr lang="en-US" sz="2000" b="1" i="1">
-                            <a:effectLst/>
-                            <a:highlight>
-                              <a:srgbClr val="FFFF00"/>
-                            </a:highlight>
-                            <a:latin typeface="Cambria Math" panose="02040503050406030204" pitchFamily="18" charset="0"/>
-                            <a:ea typeface="Times New Roman" panose="02020603050405020304" pitchFamily="18" charset="0"/>
-                            <a:cs typeface="David" panose="020E0502060401010101" pitchFamily="34" charset="-79"/>
-                          </a:rPr>
-                        </m:ctrlPr>
-                      </m:sSubPr>
-                      <m:e>
-                        <m:r>
-                          <a:rPr lang="en-US" sz="2000" b="1" i="1">
-                            <a:effectLst/>
-                            <a:highlight>
-                              <a:srgbClr val="FFFF00"/>
-                            </a:highlight>
-                            <a:latin typeface="Cambria Math" panose="02040503050406030204" pitchFamily="18" charset="0"/>
-                            <a:ea typeface="Times New Roman" panose="02020603050405020304" pitchFamily="18" charset="0"/>
-                            <a:cs typeface="David" panose="020E0502060401010101" pitchFamily="34" charset="-79"/>
-                          </a:rPr>
-                          <m:t>𝒏</m:t>
-                        </m:r>
-                      </m:e>
-                      <m:sub>
-                        <m:r>
-                          <a:rPr lang="en-US" sz="2000" b="1" i="1" smtClean="0">
-                            <a:effectLst/>
-                            <a:highlight>
-                              <a:srgbClr val="FFFF00"/>
-                            </a:highlight>
-                            <a:latin typeface="Cambria Math" panose="02040503050406030204" pitchFamily="18" charset="0"/>
-                            <a:ea typeface="Times New Roman" panose="02020603050405020304" pitchFamily="18" charset="0"/>
-                            <a:cs typeface="David" panose="020E0502060401010101" pitchFamily="34" charset="-79"/>
-                          </a:rPr>
-                          <m:t>𝑿</m:t>
-                        </m:r>
-                      </m:sub>
-                    </m:sSub>
-                    <m:f>
-                      <m:fPr>
-                        <m:ctrlPr>
-                          <a:rPr lang="en-US" sz="2000" b="1" i="1">
-                            <a:effectLst/>
-                            <a:highlight>
-                              <a:srgbClr val="FFFF00"/>
-                            </a:highlight>
-                            <a:latin typeface="Cambria Math" panose="02040503050406030204" pitchFamily="18" charset="0"/>
-                            <a:ea typeface="Times New Roman" panose="02020603050405020304" pitchFamily="18" charset="0"/>
-                            <a:cs typeface="David" panose="020E0502060401010101" pitchFamily="34" charset="-79"/>
-                          </a:rPr>
-                        </m:ctrlPr>
-                      </m:fPr>
-                      <m:num>
-                        <m:r>
-                          <a:rPr lang="en-US" sz="2000" b="1" i="1">
-                            <a:effectLst/>
-                            <a:highlight>
-                              <a:srgbClr val="FFFF00"/>
-                            </a:highlight>
-                            <a:latin typeface="Cambria Math" panose="02040503050406030204" pitchFamily="18" charset="0"/>
-                            <a:ea typeface="Times New Roman" panose="02020603050405020304" pitchFamily="18" charset="0"/>
-                            <a:cs typeface="David" panose="020E0502060401010101" pitchFamily="34" charset="-79"/>
-                          </a:rPr>
-                          <m:t>𝟏</m:t>
-                        </m:r>
-                      </m:num>
-                      <m:den>
-                        <m:sSubSup>
-                          <m:sSubSupPr>
-                            <m:ctrlPr>
-                              <a:rPr lang="en-US" sz="2000" b="1" i="1">
-                                <a:effectLst/>
-                                <a:highlight>
-                                  <a:srgbClr val="FFFF00"/>
-                                </a:highlight>
-                                <a:latin typeface="Cambria Math" panose="02040503050406030204" pitchFamily="18" charset="0"/>
-                                <a:ea typeface="Times New Roman" panose="02020603050405020304" pitchFamily="18" charset="0"/>
-                                <a:cs typeface="David" panose="020E0502060401010101" pitchFamily="34" charset="-79"/>
-                              </a:rPr>
-                            </m:ctrlPr>
-                          </m:sSubSupPr>
-                          <m:e>
-                            <m:r>
-                              <a:rPr lang="en-US" sz="2000" b="1" i="1">
-                                <a:effectLst/>
-                                <a:highlight>
-                                  <a:srgbClr val="FFFF00"/>
-                                </a:highlight>
-                                <a:latin typeface="Cambria Math" panose="02040503050406030204" pitchFamily="18" charset="0"/>
-                                <a:ea typeface="Times New Roman" panose="02020603050405020304" pitchFamily="18" charset="0"/>
-                                <a:cs typeface="David" panose="020E0502060401010101" pitchFamily="34" charset="-79"/>
-                              </a:rPr>
-                              <m:t>𝝈</m:t>
-                            </m:r>
-                          </m:e>
-                          <m:sub>
-                            <m:r>
-                              <a:rPr lang="en-US" sz="2000" b="1" i="1">
-                                <a:effectLst/>
-                                <a:highlight>
-                                  <a:srgbClr val="FFFF00"/>
-                                </a:highlight>
-                                <a:latin typeface="Cambria Math" panose="02040503050406030204" pitchFamily="18" charset="0"/>
-                                <a:ea typeface="Times New Roman" panose="02020603050405020304" pitchFamily="18" charset="0"/>
-                                <a:cs typeface="David" panose="020E0502060401010101" pitchFamily="34" charset="-79"/>
-                              </a:rPr>
-                              <m:t>𝒏</m:t>
-                            </m:r>
-                          </m:sub>
-                          <m:sup>
-                            <m:r>
-                              <a:rPr lang="en-US" sz="2000" b="1" i="1">
-                                <a:effectLst/>
-                                <a:highlight>
-                                  <a:srgbClr val="FFFF00"/>
-                                </a:highlight>
-                                <a:latin typeface="Cambria Math" panose="02040503050406030204" pitchFamily="18" charset="0"/>
-                                <a:ea typeface="Times New Roman" panose="02020603050405020304" pitchFamily="18" charset="0"/>
-                                <a:cs typeface="David" panose="020E0502060401010101" pitchFamily="34" charset="-79"/>
-                              </a:rPr>
-                              <m:t>𝟐</m:t>
-                            </m:r>
-                          </m:sup>
-                        </m:sSubSup>
-                      </m:den>
-                    </m:f>
-                    <m:sSubSup>
-                      <m:sSubSupPr>
-                        <m:ctrlPr>
-                          <a:rPr lang="en-US" sz="2000" b="1" i="1">
-                            <a:effectLst/>
-                            <a:highlight>
-                              <a:srgbClr val="FFFF00"/>
-                            </a:highlight>
-                            <a:latin typeface="Cambria Math" panose="02040503050406030204" pitchFamily="18" charset="0"/>
-                            <a:ea typeface="Times New Roman" panose="02020603050405020304" pitchFamily="18" charset="0"/>
-                            <a:cs typeface="David" panose="020E0502060401010101" pitchFamily="34" charset="-79"/>
-                          </a:rPr>
-                        </m:ctrlPr>
-                      </m:sSubSupPr>
-                      <m:e>
-                        <m:d>
-                          <m:dPr>
-                            <m:begChr m:val="‖"/>
-                            <m:endChr m:val="‖"/>
-                            <m:ctrlPr>
-                              <a:rPr lang="en-US" sz="2000" b="1" i="1">
-                                <a:effectLst/>
-                                <a:highlight>
-                                  <a:srgbClr val="FFFF00"/>
-                                </a:highlight>
-                                <a:latin typeface="Cambria Math" panose="02040503050406030204" pitchFamily="18" charset="0"/>
-                                <a:ea typeface="Times New Roman" panose="02020603050405020304" pitchFamily="18" charset="0"/>
-                                <a:cs typeface="David" panose="020E0502060401010101" pitchFamily="34" charset="-79"/>
-                              </a:rPr>
-                            </m:ctrlPr>
-                          </m:dPr>
-                          <m:e>
-                            <m:r>
-                              <a:rPr lang="en-US" sz="2000" b="1" i="1" smtClean="0">
-                                <a:effectLst/>
-                                <a:highlight>
-                                  <a:srgbClr val="FFFF00"/>
-                                </a:highlight>
-                                <a:latin typeface="Cambria Math" panose="02040503050406030204" pitchFamily="18" charset="0"/>
-                                <a:ea typeface="Times New Roman" panose="02020603050405020304" pitchFamily="18" charset="0"/>
-                                <a:cs typeface="David" panose="020E0502060401010101" pitchFamily="34" charset="-79"/>
-                              </a:rPr>
-                              <m:t>𝒀</m:t>
-                            </m:r>
-                            <m:r>
-                              <a:rPr lang="en-US" sz="2000" b="1" i="1">
-                                <a:effectLst/>
-                                <a:highlight>
-                                  <a:srgbClr val="FFFF00"/>
-                                </a:highlight>
-                                <a:latin typeface="Cambria Math" panose="02040503050406030204" pitchFamily="18" charset="0"/>
-                                <a:ea typeface="Times New Roman" panose="02020603050405020304" pitchFamily="18" charset="0"/>
-                                <a:cs typeface="David" panose="020E0502060401010101" pitchFamily="34" charset="-79"/>
-                              </a:rPr>
-                              <m:t>−</m:t>
-                            </m:r>
-                            <m:r>
-                              <a:rPr lang="en-US" sz="2000" b="1" i="1" smtClean="0">
-                                <a:effectLst/>
-                                <a:highlight>
-                                  <a:srgbClr val="FFFF00"/>
-                                </a:highlight>
-                                <a:latin typeface="Cambria Math" panose="02040503050406030204" pitchFamily="18" charset="0"/>
-                                <a:ea typeface="Times New Roman" panose="02020603050405020304" pitchFamily="18" charset="0"/>
-                                <a:cs typeface="David" panose="020E0502060401010101" pitchFamily="34" charset="-79"/>
-                              </a:rPr>
-                              <m:t>𝑿</m:t>
-                            </m:r>
-                          </m:e>
-                        </m:d>
-                      </m:e>
-                      <m:sub>
-                        <m:r>
-                          <a:rPr lang="en-US" sz="2000" b="1" i="1">
-                            <a:effectLst/>
-                            <a:highlight>
-                              <a:srgbClr val="FFFF00"/>
-                            </a:highlight>
-                            <a:latin typeface="Cambria Math" panose="02040503050406030204" pitchFamily="18" charset="0"/>
-                            <a:ea typeface="Times New Roman" panose="02020603050405020304" pitchFamily="18" charset="0"/>
-                            <a:cs typeface="David" panose="020E0502060401010101" pitchFamily="34" charset="-79"/>
-                          </a:rPr>
-                          <m:t>𝑭</m:t>
-                        </m:r>
-                      </m:sub>
-                      <m:sup>
-                        <m:r>
-                          <a:rPr lang="en-US" sz="2000" b="1" i="1">
-                            <a:effectLst/>
-                            <a:highlight>
-                              <a:srgbClr val="FFFF00"/>
-                            </a:highlight>
-                            <a:latin typeface="Cambria Math" panose="02040503050406030204" pitchFamily="18" charset="0"/>
-                            <a:ea typeface="Times New Roman" panose="02020603050405020304" pitchFamily="18" charset="0"/>
-                            <a:cs typeface="David" panose="020E0502060401010101" pitchFamily="34" charset="-79"/>
-                          </a:rPr>
-                          <m:t>𝟐</m:t>
-                        </m:r>
-                      </m:sup>
-                    </m:sSubSup>
-                    <m:r>
-                      <a:rPr lang="en-US" sz="2000" b="1" i="1">
-                        <a:effectLst/>
-                        <a:highlight>
-                          <a:srgbClr val="FFFF00"/>
-                        </a:highlight>
-                        <a:latin typeface="Cambria Math" panose="02040503050406030204" pitchFamily="18" charset="0"/>
-                        <a:ea typeface="Times New Roman" panose="02020603050405020304" pitchFamily="18" charset="0"/>
-                        <a:cs typeface="David" panose="020E0502060401010101" pitchFamily="34" charset="-79"/>
-                      </a:rPr>
-                      <m:t>+</m:t>
-                    </m:r>
-                    <m:sSub>
-                      <m:sSubPr>
-                        <m:ctrlPr>
-                          <a:rPr lang="en-US" sz="2000" b="1" i="1">
-                            <a:effectLst/>
-                            <a:highlight>
-                              <a:srgbClr val="FFFF00"/>
-                            </a:highlight>
-                            <a:latin typeface="Cambria Math" panose="02040503050406030204" pitchFamily="18" charset="0"/>
-                            <a:ea typeface="Times New Roman" panose="02020603050405020304" pitchFamily="18" charset="0"/>
-                            <a:cs typeface="David" panose="020E0502060401010101" pitchFamily="34" charset="-79"/>
-                          </a:rPr>
-                        </m:ctrlPr>
-                      </m:sSubPr>
-                      <m:e>
-                        <m:d>
-                          <m:dPr>
-                            <m:begChr m:val="‖"/>
-                            <m:endChr m:val="‖"/>
-                            <m:ctrlPr>
-                              <a:rPr lang="en-US" sz="2000" b="1" i="1">
-                                <a:effectLst/>
-                                <a:highlight>
-                                  <a:srgbClr val="FFFF00"/>
-                                </a:highlight>
-                                <a:latin typeface="Cambria Math" panose="02040503050406030204" pitchFamily="18" charset="0"/>
-                                <a:ea typeface="Times New Roman" panose="02020603050405020304" pitchFamily="18" charset="0"/>
-                                <a:cs typeface="David" panose="020E0502060401010101" pitchFamily="34" charset="-79"/>
-                              </a:rPr>
-                            </m:ctrlPr>
-                          </m:dPr>
-                          <m:e>
-                            <m:r>
-                              <a:rPr lang="en-US" sz="2000" b="1" i="1" smtClean="0">
-                                <a:effectLst/>
-                                <a:highlight>
-                                  <a:srgbClr val="FFFF00"/>
-                                </a:highlight>
-                                <a:latin typeface="Cambria Math" panose="02040503050406030204" pitchFamily="18" charset="0"/>
-                                <a:ea typeface="Times New Roman" panose="02020603050405020304" pitchFamily="18" charset="0"/>
-                                <a:cs typeface="David" panose="020E0502060401010101" pitchFamily="34" charset="-79"/>
-                              </a:rPr>
-                              <m:t>𝑿</m:t>
-                            </m:r>
-                          </m:e>
-                        </m:d>
-                      </m:e>
-                      <m:sub>
-                        <m:r>
-                          <a:rPr lang="en-US" sz="2000" b="1" i="1">
-                            <a:effectLst/>
-                            <a:highlight>
-                              <a:srgbClr val="FFFF00"/>
-                            </a:highlight>
-                            <a:latin typeface="Cambria Math" panose="02040503050406030204" pitchFamily="18" charset="0"/>
-                            <a:ea typeface="Times New Roman" panose="02020603050405020304" pitchFamily="18" charset="0"/>
-                            <a:cs typeface="David" panose="020E0502060401010101" pitchFamily="34" charset="-79"/>
-                          </a:rPr>
-                          <m:t>𝒘</m:t>
-                        </m:r>
-                        <m:r>
-                          <a:rPr lang="en-US" sz="2000" b="1" i="1">
-                            <a:effectLst/>
-                            <a:highlight>
-                              <a:srgbClr val="FFFF00"/>
-                            </a:highlight>
-                            <a:latin typeface="Cambria Math" panose="02040503050406030204" pitchFamily="18" charset="0"/>
-                            <a:ea typeface="Times New Roman" panose="02020603050405020304" pitchFamily="18" charset="0"/>
-                            <a:cs typeface="David" panose="020E0502060401010101" pitchFamily="34" charset="-79"/>
-                          </a:rPr>
-                          <m:t>,∗</m:t>
-                        </m:r>
-                      </m:sub>
-                    </m:sSub>
-                  </m:oMath>
+                  <m:oMathPara xmlns:m="http://schemas.openxmlformats.org/officeDocument/2006/math">
+                    <m:oMathParaPr>
+                      <m:jc m:val="centerGroup"/>
+                    </m:oMathParaPr>
+                    <m:oMath xmlns:m="http://schemas.openxmlformats.org/officeDocument/2006/math">
+                      <m:sSub>
+                        <m:sSubPr>
+                          <m:ctrlPr>
+                            <a:rPr lang="en-US" i="1" smtClean="0">
+                              <a:solidFill>
+                                <a:srgbClr val="836967"/>
+                              </a:solidFill>
+                              <a:latin typeface="Cambria Math" panose="02040503050406030204" pitchFamily="18" charset="0"/>
+                            </a:rPr>
+                          </m:ctrlPr>
+                        </m:sSubPr>
+                        <m:e>
+                          <m:r>
+                            <a:rPr lang="en-US" i="1">
+                              <a:latin typeface="Cambria Math" panose="02040503050406030204" pitchFamily="18" charset="0"/>
+                            </a:rPr>
+                            <m:t>𝑌</m:t>
+                          </m:r>
+                        </m:e>
+                        <m:sub>
+                          <m:r>
+                            <a:rPr lang="en-US" i="1">
+                              <a:latin typeface="Cambria Math" panose="02040503050406030204" pitchFamily="18" charset="0"/>
+                            </a:rPr>
+                            <m:t>𝑖</m:t>
+                          </m:r>
+                        </m:sub>
+                      </m:sSub>
+                      <m:r>
+                        <a:rPr lang="en-US" i="0">
+                          <a:latin typeface="Cambria Math" panose="02040503050406030204" pitchFamily="18" charset="0"/>
+                        </a:rPr>
+                        <m:t>⋯</m:t>
+                      </m:r>
+                      <m:sSub>
+                        <m:sSubPr>
+                          <m:ctrlPr>
+                            <a:rPr lang="en-US" i="1">
+                              <a:solidFill>
+                                <a:srgbClr val="836967"/>
+                              </a:solidFill>
+                              <a:latin typeface="Cambria Math" panose="02040503050406030204" pitchFamily="18" charset="0"/>
+                            </a:rPr>
+                          </m:ctrlPr>
+                        </m:sSubPr>
+                        <m:e>
+                          <m:r>
+                            <a:rPr lang="en-US" i="1">
+                              <a:latin typeface="Cambria Math" panose="02040503050406030204" pitchFamily="18" charset="0"/>
+                            </a:rPr>
+                            <m:t>𝑌</m:t>
+                          </m:r>
+                        </m:e>
+                        <m:sub>
+                          <m:r>
+                            <a:rPr lang="en-US" i="1">
+                              <a:latin typeface="Cambria Math" panose="02040503050406030204" pitchFamily="18" charset="0"/>
+                            </a:rPr>
+                            <m:t>𝑗</m:t>
+                          </m:r>
+                        </m:sub>
+                      </m:sSub>
+                    </m:oMath>
+                  </m:oMathPara>
                 </a14:m>
-                <a:endParaRPr lang="en-US" dirty="0">
-                  <a:highlight>
-                    <a:srgbClr val="FFFF00"/>
-                  </a:highlight>
-                </a:endParaRPr>
-              </a:p>
-              <a:p>
-                <a:pPr marL="0" indent="0" algn="l" rtl="0">
-                  <a:buNone/>
-                </a:pPr>
                 <a:endParaRPr lang="en-US" dirty="0"/>
               </a:p>
             </p:txBody>
           </p:sp>
         </mc:Choice>
-        <mc:Fallback xmlns="">
+        <mc:Fallback>
           <p:sp>
             <p:nvSpPr>
-              <p:cNvPr id="3" name="מציין מיקום תוכן 2">
+              <p:cNvPr id="22" name="תיבת טקסט 21">
                 <a:extLst>
                   <a:ext uri="{FF2B5EF4-FFF2-40B4-BE49-F238E27FC236}">
-                    <a16:creationId xmlns:a16="http://schemas.microsoft.com/office/drawing/2014/main" id="{C36F00ED-786D-49AC-B981-CA0615B0391B}"/>
+                    <a16:creationId xmlns:a16="http://schemas.microsoft.com/office/drawing/2014/main" id="{5C37BC17-A1E2-483C-A1AE-76FA855AD154}"/>
                   </a:ext>
                 </a:extLst>
               </p:cNvPr>
-              <p:cNvSpPr>
-                <a:spLocks noGrp="1" noRot="1" noChangeAspect="1" noMove="1" noResize="1" noEditPoints="1" noAdjustHandles="1" noChangeArrowheads="1" noChangeShapeType="1" noTextEdit="1"/>
+              <p:cNvSpPr txBox="1">
+                <a:spLocks noRot="1" noChangeAspect="1" noMove="1" noResize="1" noEditPoints="1" noAdjustHandles="1" noChangeArrowheads="1" noChangeShapeType="1" noTextEdit="1"/>
               </p:cNvSpPr>
-              <p:nvPr>
-                <p:ph idx="1"/>
-              </p:nvPr>
+              <p:nvPr/>
             </p:nvSpPr>
             <p:spPr>
+              <a:xfrm>
+                <a:off x="7861980" y="3524619"/>
+                <a:ext cx="1083581" cy="391646"/>
+              </a:xfrm>
+              <a:prstGeom prst="rect">
+                <a:avLst/>
+              </a:prstGeom>
               <a:blipFill>
-                <a:blip r:embed="rId2"/>
+                <a:blip r:embed="rId4"/>
                 <a:stretch>
-                  <a:fillRect l="-1515" t="-1667"/>
+                  <a:fillRect b="-9375"/>
                 </a:stretch>
               </a:blipFill>
             </p:spPr>
@@ -22649,6 +22498,1431 @@
           </p:sp>
         </mc:Fallback>
       </mc:AlternateContent>
+      <mc:AlternateContent xmlns:mc="http://schemas.openxmlformats.org/markup-compatibility/2006">
+        <mc:Choice xmlns:a14="http://schemas.microsoft.com/office/drawing/2010/main" Requires="a14">
+          <p:sp>
+            <p:nvSpPr>
+              <p:cNvPr id="24" name="תיבת טקסט 23">
+                <a:extLst>
+                  <a:ext uri="{FF2B5EF4-FFF2-40B4-BE49-F238E27FC236}">
+                    <a16:creationId xmlns:a16="http://schemas.microsoft.com/office/drawing/2014/main" id="{B2185C7D-1BA2-4CFF-AA2F-C03F0CBDF83C}"/>
+                  </a:ext>
+                </a:extLst>
+              </p:cNvPr>
+              <p:cNvSpPr txBox="1"/>
+              <p:nvPr/>
+            </p:nvSpPr>
+            <p:spPr>
+              <a:xfrm>
+                <a:off x="10446654" y="240996"/>
+                <a:ext cx="364654" cy="391646"/>
+              </a:xfrm>
+              <a:prstGeom prst="rect">
+                <a:avLst/>
+              </a:prstGeom>
+              <a:noFill/>
+            </p:spPr>
+            <p:txBody>
+              <a:bodyPr wrap="square">
+                <a:spAutoFit/>
+              </a:bodyPr>
+              <a:lstStyle/>
+              <a:p>
+                <a:pPr/>
+                <a14:m>
+                  <m:oMathPara xmlns:m="http://schemas.openxmlformats.org/officeDocument/2006/math">
+                    <m:oMathParaPr>
+                      <m:jc m:val="centerGroup"/>
+                    </m:oMathParaPr>
+                    <m:oMath xmlns:m="http://schemas.openxmlformats.org/officeDocument/2006/math">
+                      <m:sSub>
+                        <m:sSubPr>
+                          <m:ctrlPr>
+                            <a:rPr lang="en-US" b="0" i="1" smtClean="0">
+                              <a:latin typeface="Cambria Math" panose="02040503050406030204" pitchFamily="18" charset="0"/>
+                            </a:rPr>
+                          </m:ctrlPr>
+                        </m:sSubPr>
+                        <m:e>
+                          <m:r>
+                            <a:rPr lang="en-US" i="1" smtClean="0">
+                              <a:latin typeface="Cambria Math" panose="02040503050406030204" pitchFamily="18" charset="0"/>
+                            </a:rPr>
+                            <m:t>𝑦</m:t>
+                          </m:r>
+                        </m:e>
+                        <m:sub>
+                          <m:r>
+                            <a:rPr lang="en-US" b="0" i="1" smtClean="0">
+                              <a:latin typeface="Cambria Math" panose="02040503050406030204" pitchFamily="18" charset="0"/>
+                            </a:rPr>
+                            <m:t>𝑗</m:t>
+                          </m:r>
+                        </m:sub>
+                      </m:sSub>
+                    </m:oMath>
+                  </m:oMathPara>
+                </a14:m>
+                <a:endParaRPr lang="en-US" dirty="0"/>
+              </a:p>
+            </p:txBody>
+          </p:sp>
+        </mc:Choice>
+        <mc:Fallback>
+          <p:sp>
+            <p:nvSpPr>
+              <p:cNvPr id="24" name="תיבת טקסט 23">
+                <a:extLst>
+                  <a:ext uri="{FF2B5EF4-FFF2-40B4-BE49-F238E27FC236}">
+                    <a16:creationId xmlns:a16="http://schemas.microsoft.com/office/drawing/2014/main" id="{B2185C7D-1BA2-4CFF-AA2F-C03F0CBDF83C}"/>
+                  </a:ext>
+                </a:extLst>
+              </p:cNvPr>
+              <p:cNvSpPr txBox="1">
+                <a:spLocks noRot="1" noChangeAspect="1" noMove="1" noResize="1" noEditPoints="1" noAdjustHandles="1" noChangeArrowheads="1" noChangeShapeType="1" noTextEdit="1"/>
+              </p:cNvSpPr>
+              <p:nvPr/>
+            </p:nvSpPr>
+            <p:spPr>
+              <a:xfrm>
+                <a:off x="10446654" y="240996"/>
+                <a:ext cx="364654" cy="391646"/>
+              </a:xfrm>
+              <a:prstGeom prst="rect">
+                <a:avLst/>
+              </a:prstGeom>
+              <a:blipFill>
+                <a:blip r:embed="rId5"/>
+                <a:stretch>
+                  <a:fillRect b="-7813"/>
+                </a:stretch>
+              </a:blipFill>
+            </p:spPr>
+            <p:txBody>
+              <a:bodyPr/>
+              <a:lstStyle/>
+              <a:p>
+                <a:r>
+                  <a:rPr lang="en-US">
+                    <a:noFill/>
+                  </a:rPr>
+                  <a:t> </a:t>
+                </a:r>
+              </a:p>
+            </p:txBody>
+          </p:sp>
+        </mc:Fallback>
+      </mc:AlternateContent>
+      <mc:AlternateContent xmlns:mc="http://schemas.openxmlformats.org/markup-compatibility/2006">
+        <mc:Choice xmlns:a14="http://schemas.microsoft.com/office/drawing/2010/main" Requires="a14">
+          <p:sp>
+            <p:nvSpPr>
+              <p:cNvPr id="43" name="תיבת טקסט 42">
+                <a:extLst>
+                  <a:ext uri="{FF2B5EF4-FFF2-40B4-BE49-F238E27FC236}">
+                    <a16:creationId xmlns:a16="http://schemas.microsoft.com/office/drawing/2014/main" id="{1A8571DE-3B4F-4CF4-8743-7E1E2BF79948}"/>
+                  </a:ext>
+                </a:extLst>
+              </p:cNvPr>
+              <p:cNvSpPr txBox="1"/>
+              <p:nvPr/>
+            </p:nvSpPr>
+            <p:spPr>
+              <a:xfrm>
+                <a:off x="5131215" y="5750709"/>
+                <a:ext cx="364654" cy="369332"/>
+              </a:xfrm>
+              <a:prstGeom prst="rect">
+                <a:avLst/>
+              </a:prstGeom>
+              <a:noFill/>
+            </p:spPr>
+            <p:txBody>
+              <a:bodyPr wrap="square">
+                <a:spAutoFit/>
+              </a:bodyPr>
+              <a:lstStyle/>
+              <a:p>
+                <a:pPr/>
+                <a14:m>
+                  <m:oMathPara xmlns:m="http://schemas.openxmlformats.org/officeDocument/2006/math">
+                    <m:oMathParaPr>
+                      <m:jc m:val="centerGroup"/>
+                    </m:oMathParaPr>
+                    <m:oMath xmlns:m="http://schemas.openxmlformats.org/officeDocument/2006/math">
+                      <m:acc>
+                        <m:accPr>
+                          <m:chr m:val="̂"/>
+                          <m:ctrlPr>
+                            <a:rPr lang="en-US" b="0" i="1" smtClean="0">
+                              <a:latin typeface="Cambria Math" panose="02040503050406030204" pitchFamily="18" charset="0"/>
+                            </a:rPr>
+                          </m:ctrlPr>
+                        </m:accPr>
+                        <m:e>
+                          <m:r>
+                            <a:rPr lang="en-US" b="0" i="1" smtClean="0">
+                              <a:latin typeface="Cambria Math" panose="02040503050406030204" pitchFamily="18" charset="0"/>
+                            </a:rPr>
+                            <m:t>𝑥</m:t>
+                          </m:r>
+                        </m:e>
+                      </m:acc>
+                    </m:oMath>
+                  </m:oMathPara>
+                </a14:m>
+                <a:endParaRPr lang="en-US" dirty="0"/>
+              </a:p>
+            </p:txBody>
+          </p:sp>
+        </mc:Choice>
+        <mc:Fallback>
+          <p:sp>
+            <p:nvSpPr>
+              <p:cNvPr id="43" name="תיבת טקסט 42">
+                <a:extLst>
+                  <a:ext uri="{FF2B5EF4-FFF2-40B4-BE49-F238E27FC236}">
+                    <a16:creationId xmlns:a16="http://schemas.microsoft.com/office/drawing/2014/main" id="{1A8571DE-3B4F-4CF4-8743-7E1E2BF79948}"/>
+                  </a:ext>
+                </a:extLst>
+              </p:cNvPr>
+              <p:cNvSpPr txBox="1">
+                <a:spLocks noRot="1" noChangeAspect="1" noMove="1" noResize="1" noEditPoints="1" noAdjustHandles="1" noChangeArrowheads="1" noChangeShapeType="1" noTextEdit="1"/>
+              </p:cNvSpPr>
+              <p:nvPr/>
+            </p:nvSpPr>
+            <p:spPr>
+              <a:xfrm>
+                <a:off x="5131215" y="5750709"/>
+                <a:ext cx="364654" cy="369332"/>
+              </a:xfrm>
+              <a:prstGeom prst="rect">
+                <a:avLst/>
+              </a:prstGeom>
+              <a:blipFill>
+                <a:blip r:embed="rId6"/>
+                <a:stretch>
+                  <a:fillRect t="-6557" r="-13333"/>
+                </a:stretch>
+              </a:blipFill>
+            </p:spPr>
+            <p:txBody>
+              <a:bodyPr/>
+              <a:lstStyle/>
+              <a:p>
+                <a:r>
+                  <a:rPr lang="en-US">
+                    <a:noFill/>
+                  </a:rPr>
+                  <a:t> </a:t>
+                </a:r>
+              </a:p>
+            </p:txBody>
+          </p:sp>
+        </mc:Fallback>
+      </mc:AlternateContent>
+      <p:cxnSp>
+        <p:nvCxnSpPr>
+          <p:cNvPr id="28" name="מחבר חץ ישר 27">
+            <a:extLst>
+              <a:ext uri="{FF2B5EF4-FFF2-40B4-BE49-F238E27FC236}">
+                <a16:creationId xmlns:a16="http://schemas.microsoft.com/office/drawing/2014/main" id="{FCEFFB68-D9C2-45E9-AEEF-34F37AE15951}"/>
+              </a:ext>
+            </a:extLst>
+          </p:cNvPr>
+          <p:cNvCxnSpPr>
+            <a:cxnSpLocks/>
+            <a:stCxn id="22" idx="0"/>
+          </p:cNvCxnSpPr>
+          <p:nvPr/>
+        </p:nvCxnSpPr>
+        <p:spPr>
+          <a:xfrm flipH="1" flipV="1">
+            <a:off x="8287959" y="2173013"/>
+            <a:ext cx="115812" cy="1351606"/>
+          </a:xfrm>
+          <a:prstGeom prst="straightConnector1">
+            <a:avLst/>
+          </a:prstGeom>
+          <a:ln w="28575">
+            <a:solidFill>
+              <a:schemeClr val="tx1">
+                <a:lumMod val="95000"/>
+                <a:lumOff val="5000"/>
+              </a:schemeClr>
+            </a:solidFill>
+            <a:tailEnd type="triangle"/>
+          </a:ln>
+        </p:spPr>
+        <p:style>
+          <a:lnRef idx="1">
+            <a:schemeClr val="dk1"/>
+          </a:lnRef>
+          <a:fillRef idx="0">
+            <a:schemeClr val="dk1"/>
+          </a:fillRef>
+          <a:effectRef idx="0">
+            <a:schemeClr val="dk1"/>
+          </a:effectRef>
+          <a:fontRef idx="minor">
+            <a:schemeClr val="tx1"/>
+          </a:fontRef>
+        </p:style>
+      </p:cxnSp>
+      <mc:AlternateContent xmlns:mc="http://schemas.openxmlformats.org/markup-compatibility/2006">
+        <mc:Choice xmlns:a14="http://schemas.microsoft.com/office/drawing/2010/main" Requires="a14">
+          <p:sp>
+            <p:nvSpPr>
+              <p:cNvPr id="32" name="תיבת טקסט 31">
+                <a:extLst>
+                  <a:ext uri="{FF2B5EF4-FFF2-40B4-BE49-F238E27FC236}">
+                    <a16:creationId xmlns:a16="http://schemas.microsoft.com/office/drawing/2014/main" id="{320B62EC-AD69-40B8-A365-6784C8506546}"/>
+                  </a:ext>
+                </a:extLst>
+              </p:cNvPr>
+              <p:cNvSpPr txBox="1"/>
+              <p:nvPr/>
+            </p:nvSpPr>
+            <p:spPr>
+              <a:xfrm>
+                <a:off x="6902537" y="214831"/>
+                <a:ext cx="489857" cy="387927"/>
+              </a:xfrm>
+              <a:prstGeom prst="rect">
+                <a:avLst/>
+              </a:prstGeom>
+              <a:noFill/>
+            </p:spPr>
+            <p:txBody>
+              <a:bodyPr wrap="square">
+                <a:spAutoFit/>
+              </a:bodyPr>
+              <a:lstStyle/>
+              <a:p>
+                <a:pPr/>
+                <a14:m>
+                  <m:oMathPara xmlns:m="http://schemas.openxmlformats.org/officeDocument/2006/math">
+                    <m:oMathParaPr>
+                      <m:jc m:val="centerGroup"/>
+                    </m:oMathParaPr>
+                    <m:oMath xmlns:m="http://schemas.openxmlformats.org/officeDocument/2006/math">
+                      <m:sSup>
+                        <m:sSupPr>
+                          <m:ctrlPr>
+                            <a:rPr lang="en-US" b="1" i="1" smtClean="0">
+                              <a:solidFill>
+                                <a:srgbClr val="836967"/>
+                              </a:solidFill>
+                              <a:latin typeface="Cambria Math" panose="02040503050406030204" pitchFamily="18" charset="0"/>
+                            </a:rPr>
+                          </m:ctrlPr>
+                        </m:sSupPr>
+                        <m:e>
+                          <m:r>
+                            <a:rPr lang="en-US" b="1" i="1">
+                              <a:latin typeface="Cambria Math" panose="02040503050406030204" pitchFamily="18" charset="0"/>
+                            </a:rPr>
+                            <m:t>𝒚</m:t>
+                          </m:r>
+                        </m:e>
+                        <m:sup>
+                          <m:d>
+                            <m:dPr>
+                              <m:ctrlPr>
+                                <a:rPr lang="en-US" b="1" i="1">
+                                  <a:latin typeface="Cambria Math" panose="02040503050406030204" pitchFamily="18" charset="0"/>
+                                </a:rPr>
+                              </m:ctrlPr>
+                            </m:dPr>
+                            <m:e>
+                              <m:r>
+                                <a:rPr lang="en-US" b="1" i="1">
+                                  <a:latin typeface="Cambria Math" panose="02040503050406030204" pitchFamily="18" charset="0"/>
+                                </a:rPr>
+                                <m:t>𝒌</m:t>
+                              </m:r>
+                            </m:e>
+                          </m:d>
+                        </m:sup>
+                      </m:sSup>
+                    </m:oMath>
+                  </m:oMathPara>
+                </a14:m>
+                <a:endParaRPr lang="en-US" b="1" dirty="0"/>
+              </a:p>
+            </p:txBody>
+          </p:sp>
+        </mc:Choice>
+        <mc:Fallback>
+          <p:sp>
+            <p:nvSpPr>
+              <p:cNvPr id="32" name="תיבת טקסט 31">
+                <a:extLst>
+                  <a:ext uri="{FF2B5EF4-FFF2-40B4-BE49-F238E27FC236}">
+                    <a16:creationId xmlns:a16="http://schemas.microsoft.com/office/drawing/2014/main" id="{320B62EC-AD69-40B8-A365-6784C8506546}"/>
+                  </a:ext>
+                </a:extLst>
+              </p:cNvPr>
+              <p:cNvSpPr txBox="1">
+                <a:spLocks noRot="1" noChangeAspect="1" noMove="1" noResize="1" noEditPoints="1" noAdjustHandles="1" noChangeArrowheads="1" noChangeShapeType="1" noTextEdit="1"/>
+              </p:cNvSpPr>
+              <p:nvPr/>
+            </p:nvSpPr>
+            <p:spPr>
+              <a:xfrm>
+                <a:off x="6902537" y="214831"/>
+                <a:ext cx="489857" cy="387927"/>
+              </a:xfrm>
+              <a:prstGeom prst="rect">
+                <a:avLst/>
+              </a:prstGeom>
+              <a:blipFill>
+                <a:blip r:embed="rId7"/>
+                <a:stretch>
+                  <a:fillRect b="-6250"/>
+                </a:stretch>
+              </a:blipFill>
+            </p:spPr>
+            <p:txBody>
+              <a:bodyPr/>
+              <a:lstStyle/>
+              <a:p>
+                <a:r>
+                  <a:rPr lang="en-US">
+                    <a:noFill/>
+                  </a:rPr>
+                  <a:t> </a:t>
+                </a:r>
+              </a:p>
+            </p:txBody>
+          </p:sp>
+        </mc:Fallback>
+      </mc:AlternateContent>
+      <p:sp>
+        <p:nvSpPr>
+          <p:cNvPr id="55" name="תיבת טקסט 54">
+            <a:extLst>
+              <a:ext uri="{FF2B5EF4-FFF2-40B4-BE49-F238E27FC236}">
+                <a16:creationId xmlns:a16="http://schemas.microsoft.com/office/drawing/2014/main" id="{09BB56A8-5786-4F67-A948-BC4BA04FAE04}"/>
+              </a:ext>
+            </a:extLst>
+          </p:cNvPr>
+          <p:cNvSpPr txBox="1"/>
+          <p:nvPr/>
+        </p:nvSpPr>
+        <p:spPr>
+          <a:xfrm>
+            <a:off x="9537708" y="4200748"/>
+            <a:ext cx="720274" cy="369332"/>
+          </a:xfrm>
+          <a:prstGeom prst="rect">
+            <a:avLst/>
+          </a:prstGeom>
+          <a:noFill/>
+        </p:spPr>
+        <p:txBody>
+          <a:bodyPr wrap="square" rtlCol="0">
+            <a:spAutoFit/>
+          </a:bodyPr>
+          <a:lstStyle/>
+          <a:p>
+            <a:pPr algn="ctr"/>
+            <a:r>
+              <a:rPr lang="en-US" dirty="0"/>
+              <a:t>SVD</a:t>
+            </a:r>
+          </a:p>
+        </p:txBody>
+      </p:sp>
+      <mc:AlternateContent xmlns:mc="http://schemas.openxmlformats.org/markup-compatibility/2006">
+        <mc:Choice xmlns:a14="http://schemas.microsoft.com/office/drawing/2010/main" Requires="a14">
+          <p:sp>
+            <p:nvSpPr>
+              <p:cNvPr id="59" name="תיבת טקסט 58">
+                <a:extLst>
+                  <a:ext uri="{FF2B5EF4-FFF2-40B4-BE49-F238E27FC236}">
+                    <a16:creationId xmlns:a16="http://schemas.microsoft.com/office/drawing/2014/main" id="{855D62F7-25A6-4E74-B237-2EA034F41933}"/>
+                  </a:ext>
+                </a:extLst>
+              </p:cNvPr>
+              <p:cNvSpPr txBox="1"/>
+              <p:nvPr/>
+            </p:nvSpPr>
+            <p:spPr>
+              <a:xfrm>
+                <a:off x="5495869" y="4043056"/>
+                <a:ext cx="2783935" cy="695127"/>
+              </a:xfrm>
+              <a:prstGeom prst="rect">
+                <a:avLst/>
+              </a:prstGeom>
+              <a:noFill/>
+            </p:spPr>
+            <p:txBody>
+              <a:bodyPr wrap="square">
+                <a:spAutoFit/>
+              </a:bodyPr>
+              <a:lstStyle/>
+              <a:p>
+                <a:pPr/>
+                <a14:m>
+                  <m:oMathPara xmlns:m="http://schemas.openxmlformats.org/officeDocument/2006/math">
+                    <m:oMathParaPr>
+                      <m:jc m:val="centerGroup"/>
+                    </m:oMathParaPr>
+                    <m:oMath xmlns:m="http://schemas.openxmlformats.org/officeDocument/2006/math">
+                      <m:sSub>
+                        <m:sSubPr>
+                          <m:ctrlPr>
+                            <a:rPr lang="en-US" sz="1200" i="1" smtClean="0">
+                              <a:solidFill>
+                                <a:srgbClr val="836967"/>
+                              </a:solidFill>
+                              <a:latin typeface="Cambria Math" panose="02040503050406030204" pitchFamily="18" charset="0"/>
+                            </a:rPr>
+                          </m:ctrlPr>
+                        </m:sSubPr>
+                        <m:e>
+                          <m:r>
+                            <a:rPr lang="en-US" sz="1200" i="1">
+                              <a:latin typeface="Cambria Math" panose="02040503050406030204" pitchFamily="18" charset="0"/>
+                            </a:rPr>
+                            <m:t>𝑤</m:t>
+                          </m:r>
+                        </m:e>
+                        <m:sub>
+                          <m:r>
+                            <a:rPr lang="en-US" sz="1200" i="1">
+                              <a:latin typeface="Cambria Math" panose="02040503050406030204" pitchFamily="18" charset="0"/>
+                            </a:rPr>
+                            <m:t>𝑖</m:t>
+                          </m:r>
+                        </m:sub>
+                      </m:sSub>
+                      <m:r>
+                        <a:rPr lang="en-US" sz="1200" i="0">
+                          <a:latin typeface="Cambria Math" panose="02040503050406030204" pitchFamily="18" charset="0"/>
+                        </a:rPr>
+                        <m:t>=</m:t>
+                      </m:r>
+                      <m:f>
+                        <m:fPr>
+                          <m:ctrlPr>
+                            <a:rPr lang="en-US" sz="1200" i="1">
+                              <a:solidFill>
+                                <a:srgbClr val="836967"/>
+                              </a:solidFill>
+                              <a:latin typeface="Cambria Math" panose="02040503050406030204" pitchFamily="18" charset="0"/>
+                            </a:rPr>
+                          </m:ctrlPr>
+                        </m:fPr>
+                        <m:num>
+                          <m:r>
+                            <a:rPr lang="en-US" sz="1200" i="1">
+                              <a:latin typeface="Cambria Math" panose="02040503050406030204" pitchFamily="18" charset="0"/>
+                            </a:rPr>
+                            <m:t>𝑐</m:t>
+                          </m:r>
+                          <m:rad>
+                            <m:radPr>
+                              <m:degHide m:val="on"/>
+                              <m:ctrlPr>
+                                <a:rPr lang="en-US" sz="1200" i="1">
+                                  <a:solidFill>
+                                    <a:srgbClr val="836967"/>
+                                  </a:solidFill>
+                                  <a:latin typeface="Cambria Math" panose="02040503050406030204" pitchFamily="18" charset="0"/>
+                                </a:rPr>
+                              </m:ctrlPr>
+                            </m:radPr>
+                            <m:deg/>
+                            <m:e>
+                              <m:r>
+                                <a:rPr lang="en-US" sz="1200" i="1">
+                                  <a:latin typeface="Cambria Math" panose="02040503050406030204" pitchFamily="18" charset="0"/>
+                                </a:rPr>
+                                <m:t>𝑛</m:t>
+                              </m:r>
+                            </m:e>
+                          </m:rad>
+                        </m:num>
+                        <m:den>
+                          <m:rad>
+                            <m:radPr>
+                              <m:degHide m:val="on"/>
+                              <m:ctrlPr>
+                                <a:rPr lang="en-US" sz="1200" i="1">
+                                  <a:solidFill>
+                                    <a:srgbClr val="836967"/>
+                                  </a:solidFill>
+                                  <a:latin typeface="Cambria Math" panose="02040503050406030204" pitchFamily="18" charset="0"/>
+                                </a:rPr>
+                              </m:ctrlPr>
+                            </m:radPr>
+                            <m:deg/>
+                            <m:e>
+                              <m:r>
+                                <m:rPr>
+                                  <m:sty m:val="p"/>
+                                </m:rPr>
+                                <a:rPr lang="en-US" sz="1200" i="0">
+                                  <a:latin typeface="Cambria Math" panose="02040503050406030204" pitchFamily="18" charset="0"/>
+                                </a:rPr>
+                                <m:t>max</m:t>
+                              </m:r>
+                              <m:d>
+                                <m:dPr>
+                                  <m:sepChr m:val=","/>
+                                  <m:ctrlPr>
+                                    <a:rPr lang="en-US" sz="1200" i="1">
+                                      <a:latin typeface="Cambria Math" panose="02040503050406030204" pitchFamily="18" charset="0"/>
+                                    </a:rPr>
+                                  </m:ctrlPr>
+                                </m:dPr>
+                                <m:e>
+                                  <m:sSubSup>
+                                    <m:sSubSupPr>
+                                      <m:ctrlPr>
+                                        <a:rPr lang="en-US" sz="1200" i="1">
+                                          <a:solidFill>
+                                            <a:srgbClr val="836967"/>
+                                          </a:solidFill>
+                                          <a:latin typeface="Cambria Math" panose="02040503050406030204" pitchFamily="18" charset="0"/>
+                                        </a:rPr>
+                                      </m:ctrlPr>
+                                    </m:sSubSupPr>
+                                    <m:e>
+                                      <m:r>
+                                        <a:rPr lang="en-US" sz="1200" i="1">
+                                          <a:latin typeface="Cambria Math" panose="02040503050406030204" pitchFamily="18" charset="0"/>
+                                        </a:rPr>
+                                        <m:t>𝜎</m:t>
+                                      </m:r>
+                                    </m:e>
+                                    <m:sub>
+                                      <m:r>
+                                        <a:rPr lang="en-US" sz="1200" i="1">
+                                          <a:latin typeface="Cambria Math" panose="02040503050406030204" pitchFamily="18" charset="0"/>
+                                        </a:rPr>
+                                        <m:t>𝑖</m:t>
+                                      </m:r>
+                                    </m:sub>
+                                    <m:sup>
+                                      <m:r>
+                                        <a:rPr lang="en-US" sz="1200" i="0">
+                                          <a:latin typeface="Cambria Math" panose="02040503050406030204" pitchFamily="18" charset="0"/>
+                                        </a:rPr>
+                                        <m:t>2</m:t>
+                                      </m:r>
+                                    </m:sup>
+                                  </m:sSubSup>
+                                </m:e>
+                                <m:e>
+                                  <m:d>
+                                    <m:dPr>
+                                      <m:ctrlPr>
+                                        <a:rPr lang="en-US" sz="1200" i="1">
+                                          <a:latin typeface="Cambria Math" panose="02040503050406030204" pitchFamily="18" charset="0"/>
+                                        </a:rPr>
+                                      </m:ctrlPr>
+                                    </m:dPr>
+                                    <m:e>
+                                      <m:sSub>
+                                        <m:sSubPr>
+                                          <m:ctrlPr>
+                                            <a:rPr lang="en-US" sz="1200" i="1">
+                                              <a:solidFill>
+                                                <a:srgbClr val="836967"/>
+                                              </a:solidFill>
+                                              <a:latin typeface="Cambria Math" panose="02040503050406030204" pitchFamily="18" charset="0"/>
+                                            </a:rPr>
+                                          </m:ctrlPr>
+                                        </m:sSubPr>
+                                        <m:e>
+                                          <m:r>
+                                            <a:rPr lang="en-US" sz="1200" i="1">
+                                              <a:latin typeface="Cambria Math" panose="02040503050406030204" pitchFamily="18" charset="0"/>
+                                            </a:rPr>
+                                            <m:t>𝑌</m:t>
+                                          </m:r>
+                                        </m:e>
+                                        <m:sub>
+                                          <m:r>
+                                            <a:rPr lang="en-US" sz="1200" i="1">
+                                              <a:latin typeface="Cambria Math" panose="02040503050406030204" pitchFamily="18" charset="0"/>
+                                            </a:rPr>
+                                            <m:t>𝑗</m:t>
+                                          </m:r>
+                                        </m:sub>
+                                      </m:sSub>
+                                    </m:e>
+                                  </m:d>
+                                  <m:r>
+                                    <a:rPr lang="en-US" sz="1200" i="0">
+                                      <a:latin typeface="Cambria Math" panose="02040503050406030204" pitchFamily="18" charset="0"/>
+                                    </a:rPr>
+                                    <m:t>−</m:t>
+                                  </m:r>
+                                  <m:r>
+                                    <a:rPr lang="en-US" sz="1200" i="1">
+                                      <a:latin typeface="Cambria Math" panose="02040503050406030204" pitchFamily="18" charset="0"/>
+                                    </a:rPr>
+                                    <m:t>𝑛</m:t>
+                                  </m:r>
+                                  <m:sSubSup>
+                                    <m:sSubSupPr>
+                                      <m:ctrlPr>
+                                        <a:rPr lang="en-US" sz="1200" i="1">
+                                          <a:solidFill>
+                                            <a:srgbClr val="836967"/>
+                                          </a:solidFill>
+                                          <a:latin typeface="Cambria Math" panose="02040503050406030204" pitchFamily="18" charset="0"/>
+                                        </a:rPr>
+                                      </m:ctrlPr>
+                                    </m:sSubSupPr>
+                                    <m:e>
+                                      <m:r>
+                                        <a:rPr lang="en-US" sz="1200" i="1">
+                                          <a:latin typeface="Cambria Math" panose="02040503050406030204" pitchFamily="18" charset="0"/>
+                                        </a:rPr>
+                                        <m:t>𝜎</m:t>
+                                      </m:r>
+                                    </m:e>
+                                    <m:sub>
+                                      <m:r>
+                                        <a:rPr lang="en-US" sz="1200" i="1">
+                                          <a:latin typeface="Cambria Math" panose="02040503050406030204" pitchFamily="18" charset="0"/>
+                                        </a:rPr>
+                                        <m:t>𝑛</m:t>
+                                      </m:r>
+                                    </m:sub>
+                                    <m:sup>
+                                      <m:r>
+                                        <a:rPr lang="en-US" sz="1200" i="0">
+                                          <a:latin typeface="Cambria Math" panose="02040503050406030204" pitchFamily="18" charset="0"/>
+                                        </a:rPr>
+                                        <m:t>2</m:t>
+                                      </m:r>
+                                    </m:sup>
+                                  </m:sSubSup>
+                                  <m:r>
+                                    <a:rPr lang="en-US" sz="1200" i="0">
+                                      <a:latin typeface="Cambria Math" panose="02040503050406030204" pitchFamily="18" charset="0"/>
+                                    </a:rPr>
+                                    <m:t>0</m:t>
+                                  </m:r>
+                                </m:e>
+                              </m:d>
+                            </m:e>
+                          </m:rad>
+                          <m:r>
+                            <a:rPr lang="en-US" sz="1200" i="0">
+                              <a:latin typeface="Cambria Math" panose="02040503050406030204" pitchFamily="18" charset="0"/>
+                            </a:rPr>
+                            <m:t>+</m:t>
+                          </m:r>
+                          <m:r>
+                            <a:rPr lang="en-US" sz="1200" i="1">
+                              <a:latin typeface="Cambria Math" panose="02040503050406030204" pitchFamily="18" charset="0"/>
+                            </a:rPr>
+                            <m:t>𝜀</m:t>
+                          </m:r>
+                        </m:den>
+                      </m:f>
+                    </m:oMath>
+                  </m:oMathPara>
+                </a14:m>
+                <a:endParaRPr lang="en-US" sz="1200" dirty="0"/>
+              </a:p>
+            </p:txBody>
+          </p:sp>
+        </mc:Choice>
+        <mc:Fallback>
+          <p:sp>
+            <p:nvSpPr>
+              <p:cNvPr id="59" name="תיבת טקסט 58">
+                <a:extLst>
+                  <a:ext uri="{FF2B5EF4-FFF2-40B4-BE49-F238E27FC236}">
+                    <a16:creationId xmlns:a16="http://schemas.microsoft.com/office/drawing/2014/main" id="{855D62F7-25A6-4E74-B237-2EA034F41933}"/>
+                  </a:ext>
+                </a:extLst>
+              </p:cNvPr>
+              <p:cNvSpPr txBox="1">
+                <a:spLocks noRot="1" noChangeAspect="1" noMove="1" noResize="1" noEditPoints="1" noAdjustHandles="1" noChangeArrowheads="1" noChangeShapeType="1" noTextEdit="1"/>
+              </p:cNvSpPr>
+              <p:nvPr/>
+            </p:nvSpPr>
+            <p:spPr>
+              <a:xfrm>
+                <a:off x="5495869" y="4043056"/>
+                <a:ext cx="2783935" cy="695127"/>
+              </a:xfrm>
+              <a:prstGeom prst="rect">
+                <a:avLst/>
+              </a:prstGeom>
+              <a:blipFill>
+                <a:blip r:embed="rId8"/>
+                <a:stretch>
+                  <a:fillRect/>
+                </a:stretch>
+              </a:blipFill>
+            </p:spPr>
+            <p:txBody>
+              <a:bodyPr/>
+              <a:lstStyle/>
+              <a:p>
+                <a:r>
+                  <a:rPr lang="en-US">
+                    <a:noFill/>
+                  </a:rPr>
+                  <a:t> </a:t>
+                </a:r>
+              </a:p>
+            </p:txBody>
+          </p:sp>
+        </mc:Fallback>
+      </mc:AlternateContent>
+      <p:cxnSp>
+        <p:nvCxnSpPr>
+          <p:cNvPr id="63" name="מחבר: מרפקי 62">
+            <a:extLst>
+              <a:ext uri="{FF2B5EF4-FFF2-40B4-BE49-F238E27FC236}">
+                <a16:creationId xmlns:a16="http://schemas.microsoft.com/office/drawing/2014/main" id="{C17075BC-AC74-4498-BF8F-B8E212ABF024}"/>
+              </a:ext>
+            </a:extLst>
+          </p:cNvPr>
+          <p:cNvCxnSpPr>
+            <a:cxnSpLocks/>
+            <a:stCxn id="22" idx="1"/>
+            <a:endCxn id="59" idx="0"/>
+          </p:cNvCxnSpPr>
+          <p:nvPr/>
+        </p:nvCxnSpPr>
+        <p:spPr>
+          <a:xfrm rot="10800000" flipV="1">
+            <a:off x="6887838" y="3720442"/>
+            <a:ext cx="974143" cy="322614"/>
+          </a:xfrm>
+          <a:prstGeom prst="bentConnector2">
+            <a:avLst/>
+          </a:prstGeom>
+          <a:ln w="28575">
+            <a:tailEnd type="triangle"/>
+          </a:ln>
+        </p:spPr>
+        <p:style>
+          <a:lnRef idx="1">
+            <a:schemeClr val="dk1"/>
+          </a:lnRef>
+          <a:fillRef idx="0">
+            <a:schemeClr val="dk1"/>
+          </a:fillRef>
+          <a:effectRef idx="0">
+            <a:schemeClr val="dk1"/>
+          </a:effectRef>
+          <a:fontRef idx="minor">
+            <a:schemeClr val="tx1"/>
+          </a:fontRef>
+        </p:style>
+      </p:cxnSp>
+      <p:cxnSp>
+        <p:nvCxnSpPr>
+          <p:cNvPr id="1028" name="מחבר: מרפקי 1027">
+            <a:extLst>
+              <a:ext uri="{FF2B5EF4-FFF2-40B4-BE49-F238E27FC236}">
+                <a16:creationId xmlns:a16="http://schemas.microsoft.com/office/drawing/2014/main" id="{AC8CFBD1-6DF8-4879-8BDC-09402291B7EB}"/>
+              </a:ext>
+            </a:extLst>
+          </p:cNvPr>
+          <p:cNvCxnSpPr>
+            <a:cxnSpLocks/>
+            <a:stCxn id="59" idx="2"/>
+            <a:endCxn id="79" idx="1"/>
+          </p:cNvCxnSpPr>
+          <p:nvPr/>
+        </p:nvCxnSpPr>
+        <p:spPr>
+          <a:xfrm rot="16200000" flipH="1">
+            <a:off x="7067987" y="4558033"/>
+            <a:ext cx="388534" cy="748834"/>
+          </a:xfrm>
+          <a:prstGeom prst="bentConnector2">
+            <a:avLst/>
+          </a:prstGeom>
+          <a:ln w="28575">
+            <a:tailEnd type="triangle"/>
+          </a:ln>
+        </p:spPr>
+        <p:style>
+          <a:lnRef idx="1">
+            <a:schemeClr val="dk1"/>
+          </a:lnRef>
+          <a:fillRef idx="0">
+            <a:schemeClr val="dk1"/>
+          </a:fillRef>
+          <a:effectRef idx="0">
+            <a:schemeClr val="dk1"/>
+          </a:effectRef>
+          <a:fontRef idx="minor">
+            <a:schemeClr val="tx1"/>
+          </a:fontRef>
+        </p:style>
+      </p:cxnSp>
+      <p:cxnSp>
+        <p:nvCxnSpPr>
+          <p:cNvPr id="1030" name="מחבר: מרפקי 1029">
+            <a:extLst>
+              <a:ext uri="{FF2B5EF4-FFF2-40B4-BE49-F238E27FC236}">
+                <a16:creationId xmlns:a16="http://schemas.microsoft.com/office/drawing/2014/main" id="{0030238C-FCFE-41DA-8939-50752FBD563E}"/>
+              </a:ext>
+            </a:extLst>
+          </p:cNvPr>
+          <p:cNvCxnSpPr>
+            <a:stCxn id="22" idx="3"/>
+            <a:endCxn id="55" idx="0"/>
+          </p:cNvCxnSpPr>
+          <p:nvPr/>
+        </p:nvCxnSpPr>
+        <p:spPr>
+          <a:xfrm>
+            <a:off x="8945561" y="3720442"/>
+            <a:ext cx="952284" cy="480306"/>
+          </a:xfrm>
+          <a:prstGeom prst="bentConnector2">
+            <a:avLst/>
+          </a:prstGeom>
+          <a:ln w="28575">
+            <a:tailEnd type="triangle"/>
+          </a:ln>
+        </p:spPr>
+        <p:style>
+          <a:lnRef idx="1">
+            <a:schemeClr val="dk1"/>
+          </a:lnRef>
+          <a:fillRef idx="0">
+            <a:schemeClr val="dk1"/>
+          </a:fillRef>
+          <a:effectRef idx="0">
+            <a:schemeClr val="dk1"/>
+          </a:effectRef>
+          <a:fontRef idx="minor">
+            <a:schemeClr val="tx1"/>
+          </a:fontRef>
+        </p:style>
+      </p:cxnSp>
+      <p:cxnSp>
+        <p:nvCxnSpPr>
+          <p:cNvPr id="1032" name="מחבר: מרפקי 1031">
+            <a:extLst>
+              <a:ext uri="{FF2B5EF4-FFF2-40B4-BE49-F238E27FC236}">
+                <a16:creationId xmlns:a16="http://schemas.microsoft.com/office/drawing/2014/main" id="{556FA664-E905-43BA-B0E9-4486ACE2C543}"/>
+              </a:ext>
+            </a:extLst>
+          </p:cNvPr>
+          <p:cNvCxnSpPr>
+            <a:cxnSpLocks/>
+            <a:stCxn id="55" idx="2"/>
+            <a:endCxn id="79" idx="3"/>
+          </p:cNvCxnSpPr>
+          <p:nvPr/>
+        </p:nvCxnSpPr>
+        <p:spPr>
+          <a:xfrm rot="5400000">
+            <a:off x="9256039" y="4484910"/>
+            <a:ext cx="556637" cy="726976"/>
+          </a:xfrm>
+          <a:prstGeom prst="bentConnector2">
+            <a:avLst/>
+          </a:prstGeom>
+          <a:ln w="28575">
+            <a:tailEnd type="triangle"/>
+          </a:ln>
+        </p:spPr>
+        <p:style>
+          <a:lnRef idx="1">
+            <a:schemeClr val="dk1"/>
+          </a:lnRef>
+          <a:fillRef idx="0">
+            <a:schemeClr val="dk1"/>
+          </a:fillRef>
+          <a:effectRef idx="0">
+            <a:schemeClr val="dk1"/>
+          </a:effectRef>
+          <a:fontRef idx="minor">
+            <a:schemeClr val="tx1"/>
+          </a:fontRef>
+        </p:style>
+      </p:cxnSp>
+      <mc:AlternateContent xmlns:mc="http://schemas.openxmlformats.org/markup-compatibility/2006">
+        <mc:Choice xmlns:a14="http://schemas.microsoft.com/office/drawing/2010/main" Requires="a14">
+          <p:sp>
+            <p:nvSpPr>
+              <p:cNvPr id="76" name="תיבת טקסט 75">
+                <a:extLst>
+                  <a:ext uri="{FF2B5EF4-FFF2-40B4-BE49-F238E27FC236}">
+                    <a16:creationId xmlns:a16="http://schemas.microsoft.com/office/drawing/2014/main" id="{3979BEA6-119A-4A05-A93A-5A0C74D52F8E}"/>
+                  </a:ext>
+                </a:extLst>
+              </p:cNvPr>
+              <p:cNvSpPr txBox="1"/>
+              <p:nvPr/>
+            </p:nvSpPr>
+            <p:spPr>
+              <a:xfrm>
+                <a:off x="7861980" y="5897751"/>
+                <a:ext cx="1083581" cy="405432"/>
+              </a:xfrm>
+              <a:prstGeom prst="rect">
+                <a:avLst/>
+              </a:prstGeom>
+              <a:noFill/>
+            </p:spPr>
+            <p:txBody>
+              <a:bodyPr wrap="square">
+                <a:spAutoFit/>
+              </a:bodyPr>
+              <a:lstStyle/>
+              <a:p>
+                <a:pPr/>
+                <a14:m>
+                  <m:oMathPara xmlns:m="http://schemas.openxmlformats.org/officeDocument/2006/math">
+                    <m:oMathParaPr>
+                      <m:jc m:val="centerGroup"/>
+                    </m:oMathParaPr>
+                    <m:oMath xmlns:m="http://schemas.openxmlformats.org/officeDocument/2006/math">
+                      <m:sSub>
+                        <m:sSubPr>
+                          <m:ctrlPr>
+                            <a:rPr lang="en-US" i="1" smtClean="0">
+                              <a:solidFill>
+                                <a:schemeClr val="tx1"/>
+                              </a:solidFill>
+                              <a:latin typeface="Cambria Math" panose="02040503050406030204" pitchFamily="18" charset="0"/>
+                            </a:rPr>
+                          </m:ctrlPr>
+                        </m:sSubPr>
+                        <m:e>
+                          <m:acc>
+                            <m:accPr>
+                              <m:chr m:val="̂"/>
+                              <m:ctrlPr>
+                                <a:rPr lang="en-US" i="1">
+                                  <a:solidFill>
+                                    <a:schemeClr val="tx1"/>
+                                  </a:solidFill>
+                                  <a:latin typeface="Cambria Math" panose="02040503050406030204" pitchFamily="18" charset="0"/>
+                                </a:rPr>
+                              </m:ctrlPr>
+                            </m:accPr>
+                            <m:e>
+                              <m:r>
+                                <a:rPr lang="en-US" i="1">
+                                  <a:solidFill>
+                                    <a:schemeClr val="tx1"/>
+                                  </a:solidFill>
+                                  <a:latin typeface="Cambria Math" panose="02040503050406030204" pitchFamily="18" charset="0"/>
+                                </a:rPr>
+                                <m:t>𝑋</m:t>
+                              </m:r>
+                            </m:e>
+                          </m:acc>
+                        </m:e>
+                        <m:sub>
+                          <m:r>
+                            <a:rPr lang="en-US" i="1">
+                              <a:solidFill>
+                                <a:schemeClr val="tx1"/>
+                              </a:solidFill>
+                              <a:latin typeface="Cambria Math" panose="02040503050406030204" pitchFamily="18" charset="0"/>
+                            </a:rPr>
+                            <m:t>𝑖</m:t>
+                          </m:r>
+                        </m:sub>
+                      </m:sSub>
+                      <m:r>
+                        <a:rPr lang="en-US" i="1">
+                          <a:solidFill>
+                            <a:schemeClr val="tx1"/>
+                          </a:solidFill>
+                          <a:latin typeface="Cambria Math" panose="02040503050406030204" pitchFamily="18" charset="0"/>
+                        </a:rPr>
+                        <m:t>⋯</m:t>
+                      </m:r>
+                      <m:sSub>
+                        <m:sSubPr>
+                          <m:ctrlPr>
+                            <a:rPr lang="en-US" i="1">
+                              <a:solidFill>
+                                <a:schemeClr val="tx1"/>
+                              </a:solidFill>
+                              <a:latin typeface="Cambria Math" panose="02040503050406030204" pitchFamily="18" charset="0"/>
+                            </a:rPr>
+                          </m:ctrlPr>
+                        </m:sSubPr>
+                        <m:e>
+                          <m:acc>
+                            <m:accPr>
+                              <m:chr m:val="̂"/>
+                              <m:ctrlPr>
+                                <a:rPr lang="en-US" i="1">
+                                  <a:solidFill>
+                                    <a:schemeClr val="tx1"/>
+                                  </a:solidFill>
+                                  <a:latin typeface="Cambria Math" panose="02040503050406030204" pitchFamily="18" charset="0"/>
+                                </a:rPr>
+                              </m:ctrlPr>
+                            </m:accPr>
+                            <m:e>
+                              <m:r>
+                                <a:rPr lang="en-US" i="1">
+                                  <a:solidFill>
+                                    <a:schemeClr val="tx1"/>
+                                  </a:solidFill>
+                                  <a:latin typeface="Cambria Math" panose="02040503050406030204" pitchFamily="18" charset="0"/>
+                                </a:rPr>
+                                <m:t>𝑋</m:t>
+                              </m:r>
+                            </m:e>
+                          </m:acc>
+                        </m:e>
+                        <m:sub>
+                          <m:r>
+                            <a:rPr lang="en-US" i="1">
+                              <a:solidFill>
+                                <a:schemeClr val="tx1"/>
+                              </a:solidFill>
+                              <a:latin typeface="Cambria Math" panose="02040503050406030204" pitchFamily="18" charset="0"/>
+                            </a:rPr>
+                            <m:t>𝑗</m:t>
+                          </m:r>
+                        </m:sub>
+                      </m:sSub>
+                    </m:oMath>
+                  </m:oMathPara>
+                </a14:m>
+                <a:endParaRPr lang="en-US" i="1" dirty="0">
+                  <a:solidFill>
+                    <a:schemeClr val="tx1"/>
+                  </a:solidFill>
+                  <a:latin typeface="Cambria Math" panose="02040503050406030204" pitchFamily="18" charset="0"/>
+                </a:endParaRPr>
+              </a:p>
+            </p:txBody>
+          </p:sp>
+        </mc:Choice>
+        <mc:Fallback>
+          <p:sp>
+            <p:nvSpPr>
+              <p:cNvPr id="76" name="תיבת טקסט 75">
+                <a:extLst>
+                  <a:ext uri="{FF2B5EF4-FFF2-40B4-BE49-F238E27FC236}">
+                    <a16:creationId xmlns:a16="http://schemas.microsoft.com/office/drawing/2014/main" id="{3979BEA6-119A-4A05-A93A-5A0C74D52F8E}"/>
+                  </a:ext>
+                </a:extLst>
+              </p:cNvPr>
+              <p:cNvSpPr txBox="1">
+                <a:spLocks noRot="1" noChangeAspect="1" noMove="1" noResize="1" noEditPoints="1" noAdjustHandles="1" noChangeArrowheads="1" noChangeShapeType="1" noTextEdit="1"/>
+              </p:cNvSpPr>
+              <p:nvPr/>
+            </p:nvSpPr>
+            <p:spPr>
+              <a:xfrm>
+                <a:off x="7861980" y="5897751"/>
+                <a:ext cx="1083581" cy="405432"/>
+              </a:xfrm>
+              <a:prstGeom prst="rect">
+                <a:avLst/>
+              </a:prstGeom>
+              <a:blipFill>
+                <a:blip r:embed="rId9"/>
+                <a:stretch>
+                  <a:fillRect r="-9605" b="-7463"/>
+                </a:stretch>
+              </a:blipFill>
+            </p:spPr>
+            <p:txBody>
+              <a:bodyPr/>
+              <a:lstStyle/>
+              <a:p>
+                <a:r>
+                  <a:rPr lang="en-US">
+                    <a:noFill/>
+                  </a:rPr>
+                  <a:t> </a:t>
+                </a:r>
+              </a:p>
+            </p:txBody>
+          </p:sp>
+        </mc:Fallback>
+      </mc:AlternateContent>
+      <p:sp>
+        <p:nvSpPr>
+          <p:cNvPr id="79" name="תיבת טקסט 78">
+            <a:extLst>
+              <a:ext uri="{FF2B5EF4-FFF2-40B4-BE49-F238E27FC236}">
+                <a16:creationId xmlns:a16="http://schemas.microsoft.com/office/drawing/2014/main" id="{BEC151B6-C331-452C-83B6-B8000D557040}"/>
+              </a:ext>
+            </a:extLst>
+          </p:cNvPr>
+          <p:cNvSpPr txBox="1"/>
+          <p:nvPr/>
+        </p:nvSpPr>
+        <p:spPr>
+          <a:xfrm>
+            <a:off x="7636671" y="4942051"/>
+            <a:ext cx="1534198" cy="369332"/>
+          </a:xfrm>
+          <a:prstGeom prst="rect">
+            <a:avLst/>
+          </a:prstGeom>
+          <a:noFill/>
+        </p:spPr>
+        <p:txBody>
+          <a:bodyPr wrap="square" rtlCol="0">
+            <a:spAutoFit/>
+          </a:bodyPr>
+          <a:lstStyle/>
+          <a:p>
+            <a:pPr algn="ctr"/>
+            <a:r>
+              <a:rPr lang="en-US" dirty="0"/>
+              <a:t>Soft Threshold</a:t>
+            </a:r>
+          </a:p>
+        </p:txBody>
+      </p:sp>
+      <p:cxnSp>
+        <p:nvCxnSpPr>
+          <p:cNvPr id="1043" name="מחבר: מרפקי 1042">
+            <a:extLst>
+              <a:ext uri="{FF2B5EF4-FFF2-40B4-BE49-F238E27FC236}">
+                <a16:creationId xmlns:a16="http://schemas.microsoft.com/office/drawing/2014/main" id="{34FCFD54-9661-4A03-9051-D5708979FD10}"/>
+              </a:ext>
+            </a:extLst>
+          </p:cNvPr>
+          <p:cNvCxnSpPr>
+            <a:stCxn id="79" idx="2"/>
+            <a:endCxn id="76" idx="0"/>
+          </p:cNvCxnSpPr>
+          <p:nvPr/>
+        </p:nvCxnSpPr>
+        <p:spPr>
+          <a:xfrm rot="16200000" flipH="1">
+            <a:off x="8110586" y="5604566"/>
+            <a:ext cx="586368" cy="1"/>
+          </a:xfrm>
+          <a:prstGeom prst="bentConnector3">
+            <a:avLst/>
+          </a:prstGeom>
+          <a:ln w="28575">
+            <a:tailEnd type="triangle"/>
+          </a:ln>
+        </p:spPr>
+        <p:style>
+          <a:lnRef idx="1">
+            <a:schemeClr val="dk1"/>
+          </a:lnRef>
+          <a:fillRef idx="0">
+            <a:schemeClr val="dk1"/>
+          </a:fillRef>
+          <a:effectRef idx="0">
+            <a:schemeClr val="dk1"/>
+          </a:effectRef>
+          <a:fontRef idx="minor">
+            <a:schemeClr val="tx1"/>
+          </a:fontRef>
+        </p:style>
+      </p:cxnSp>
+      <p:pic>
+        <p:nvPicPr>
+          <p:cNvPr id="1045" name="תמונה 1044">
+            <a:extLst>
+              <a:ext uri="{FF2B5EF4-FFF2-40B4-BE49-F238E27FC236}">
+                <a16:creationId xmlns:a16="http://schemas.microsoft.com/office/drawing/2014/main" id="{E3147016-E793-4CBE-9C70-41B69FB6C4B0}"/>
+              </a:ext>
+            </a:extLst>
+          </p:cNvPr>
+          <p:cNvPicPr>
+            <a:picLocks noChangeAspect="1"/>
+          </p:cNvPicPr>
+          <p:nvPr/>
+        </p:nvPicPr>
+        <p:blipFill rotWithShape="1">
+          <a:blip r:embed="rId10"/>
+          <a:srcRect t="15549"/>
+          <a:stretch/>
+        </p:blipFill>
+        <p:spPr>
+          <a:xfrm rot="16200000">
+            <a:off x="9800146" y="4040438"/>
+            <a:ext cx="1934720" cy="711843"/>
+          </a:xfrm>
+          <a:prstGeom prst="rect">
+            <a:avLst/>
+          </a:prstGeom>
+        </p:spPr>
+      </p:pic>
+      <p:sp>
+        <p:nvSpPr>
+          <p:cNvPr id="1046" name="מלבן 1045">
+            <a:extLst>
+              <a:ext uri="{FF2B5EF4-FFF2-40B4-BE49-F238E27FC236}">
+                <a16:creationId xmlns:a16="http://schemas.microsoft.com/office/drawing/2014/main" id="{8FB675A4-CFF9-405B-AEC4-4854EE6DC823}"/>
+              </a:ext>
+            </a:extLst>
+          </p:cNvPr>
+          <p:cNvSpPr/>
+          <p:nvPr/>
+        </p:nvSpPr>
+        <p:spPr>
+          <a:xfrm>
+            <a:off x="10395458" y="4360649"/>
+            <a:ext cx="744096" cy="352768"/>
+          </a:xfrm>
+          <a:prstGeom prst="rect">
+            <a:avLst/>
+          </a:prstGeom>
+          <a:solidFill>
+            <a:schemeClr val="bg1"/>
+          </a:solidFill>
+          <a:ln>
+            <a:solidFill>
+              <a:schemeClr val="bg1"/>
+            </a:solidFill>
+          </a:ln>
+        </p:spPr>
+        <p:style>
+          <a:lnRef idx="2">
+            <a:schemeClr val="accent1">
+              <a:shade val="50000"/>
+            </a:schemeClr>
+          </a:lnRef>
+          <a:fillRef idx="1">
+            <a:schemeClr val="accent1"/>
+          </a:fillRef>
+          <a:effectRef idx="0">
+            <a:schemeClr val="accent1"/>
+          </a:effectRef>
+          <a:fontRef idx="minor">
+            <a:schemeClr val="lt1"/>
+          </a:fontRef>
+        </p:style>
+        <p:txBody>
+          <a:bodyPr rtlCol="0" anchor="ctr"/>
+          <a:lstStyle/>
+          <a:p>
+            <a:pPr algn="ctr"/>
+            <a:endParaRPr lang="en-US">
+              <a:ln>
+                <a:solidFill>
+                  <a:schemeClr val="bg1"/>
+                </a:solidFill>
+              </a:ln>
+              <a:solidFill>
+                <a:schemeClr val="bg1"/>
+              </a:solidFill>
+            </a:endParaRPr>
+          </a:p>
+        </p:txBody>
+      </p:sp>
+      <p:sp>
+        <p:nvSpPr>
+          <p:cNvPr id="1047" name="מלבן 1046">
+            <a:extLst>
+              <a:ext uri="{FF2B5EF4-FFF2-40B4-BE49-F238E27FC236}">
+                <a16:creationId xmlns:a16="http://schemas.microsoft.com/office/drawing/2014/main" id="{36E2D785-27AF-4C02-AD29-EAD6B80D4DD6}"/>
+              </a:ext>
+            </a:extLst>
+          </p:cNvPr>
+          <p:cNvSpPr/>
+          <p:nvPr/>
+        </p:nvSpPr>
+        <p:spPr>
+          <a:xfrm>
+            <a:off x="10908804" y="4790440"/>
+            <a:ext cx="236881" cy="434340"/>
+          </a:xfrm>
+          <a:prstGeom prst="rect">
+            <a:avLst/>
+          </a:prstGeom>
+          <a:solidFill>
+            <a:schemeClr val="bg1"/>
+          </a:solidFill>
+          <a:ln>
+            <a:solidFill>
+              <a:schemeClr val="bg1"/>
+            </a:solidFill>
+          </a:ln>
+        </p:spPr>
+        <p:style>
+          <a:lnRef idx="2">
+            <a:schemeClr val="accent1">
+              <a:shade val="50000"/>
+            </a:schemeClr>
+          </a:lnRef>
+          <a:fillRef idx="1">
+            <a:schemeClr val="accent1"/>
+          </a:fillRef>
+          <a:effectRef idx="0">
+            <a:schemeClr val="accent1"/>
+          </a:effectRef>
+          <a:fontRef idx="minor">
+            <a:schemeClr val="lt1"/>
+          </a:fontRef>
+        </p:style>
+        <p:txBody>
+          <a:bodyPr rtlCol="0" anchor="ctr"/>
+          <a:lstStyle/>
+          <a:p>
+            <a:pPr algn="ctr"/>
+            <a:endParaRPr lang="en-US"/>
+          </a:p>
+        </p:txBody>
+      </p:sp>
+      <p:cxnSp>
+        <p:nvCxnSpPr>
+          <p:cNvPr id="1049" name="מחבר חץ ישר 1048">
+            <a:extLst>
+              <a:ext uri="{FF2B5EF4-FFF2-40B4-BE49-F238E27FC236}">
+                <a16:creationId xmlns:a16="http://schemas.microsoft.com/office/drawing/2014/main" id="{4305FA37-02AC-4C1D-B820-FAC0AA2A4A82}"/>
+              </a:ext>
+            </a:extLst>
+          </p:cNvPr>
+          <p:cNvCxnSpPr/>
+          <p:nvPr/>
+        </p:nvCxnSpPr>
+        <p:spPr>
+          <a:xfrm>
+            <a:off x="10698480" y="4315460"/>
+            <a:ext cx="0" cy="365760"/>
+          </a:xfrm>
+          <a:prstGeom prst="straightConnector1">
+            <a:avLst/>
+          </a:prstGeom>
+          <a:ln>
+            <a:solidFill>
+              <a:schemeClr val="accent2">
+                <a:lumMod val="75000"/>
+              </a:schemeClr>
+            </a:solidFill>
+            <a:tailEnd type="triangle"/>
+          </a:ln>
+        </p:spPr>
+        <p:style>
+          <a:lnRef idx="2">
+            <a:schemeClr val="accent1"/>
+          </a:lnRef>
+          <a:fillRef idx="0">
+            <a:schemeClr val="accent1"/>
+          </a:fillRef>
+          <a:effectRef idx="1">
+            <a:schemeClr val="accent1"/>
+          </a:effectRef>
+          <a:fontRef idx="minor">
+            <a:schemeClr val="tx1"/>
+          </a:fontRef>
+        </p:style>
+      </p:cxnSp>
     </p:spTree>
     <p:extLst>
       <p:ext uri="{BB962C8B-B14F-4D97-AF65-F5344CB8AC3E}">
